--- a/images/Masterarbeit Diagramme.pptx
+++ b/images/Masterarbeit Diagramme.pptx
@@ -3497,7 +3497,7 @@
         </p:nvSpPr>
         <p:spPr>
           <a:xfrm>
-            <a:off x="1733313" y="2971800"/>
+            <a:off x="1843087" y="2971800"/>
             <a:ext cx="2880000" cy="914400"/>
           </a:xfrm>
           <a:prstGeom prst="rect">
@@ -3506,7 +3506,10 @@
           <a:gradFill flip="none" rotWithShape="1">
             <a:gsLst>
               <a:gs pos="100000">
-                <a:schemeClr val="bg1"/>
+                <a:schemeClr val="accent5">
+                  <a:lumMod val="60000"/>
+                  <a:lumOff val="40000"/>
+                </a:schemeClr>
               </a:gs>
               <a:gs pos="0">
                 <a:schemeClr val="bg1"/>
@@ -3585,7 +3588,7 @@
         </p:nvSpPr>
         <p:spPr>
           <a:xfrm>
-            <a:off x="4613313" y="2971800"/>
+            <a:off x="4723087" y="2971800"/>
             <a:ext cx="2880000" cy="914400"/>
           </a:xfrm>
           <a:prstGeom prst="rect">
@@ -3594,15 +3597,21 @@
           <a:gradFill flip="none" rotWithShape="1">
             <a:gsLst>
               <a:gs pos="100000">
-                <a:schemeClr val="bg1"/>
+                <a:schemeClr val="accent2">
+                  <a:lumMod val="40000"/>
+                  <a:lumOff val="60000"/>
+                </a:schemeClr>
               </a:gs>
               <a:gs pos="0">
-                <a:schemeClr val="bg1"/>
+                <a:schemeClr val="accent5">
+                  <a:lumMod val="60000"/>
+                  <a:lumOff val="40000"/>
+                </a:schemeClr>
               </a:gs>
               <a:gs pos="30000">
                 <a:schemeClr val="accent5">
-                  <a:lumMod val="40000"/>
-                  <a:lumOff val="60000"/>
+                  <a:lumMod val="60000"/>
+                  <a:lumOff val="40000"/>
                 </a:schemeClr>
               </a:gs>
               <a:gs pos="70000">
@@ -3673,7 +3682,7 @@
         </p:nvSpPr>
         <p:spPr>
           <a:xfrm>
-            <a:off x="7578687" y="2971800"/>
+            <a:off x="7603087" y="2971800"/>
             <a:ext cx="2880000" cy="914400"/>
           </a:xfrm>
           <a:prstGeom prst="rect">
@@ -3685,7 +3694,10 @@
                 <a:schemeClr val="bg1"/>
               </a:gs>
               <a:gs pos="0">
-                <a:schemeClr val="bg1"/>
+                <a:schemeClr val="accent2">
+                  <a:lumMod val="40000"/>
+                  <a:lumOff val="60000"/>
+                </a:schemeClr>
               </a:gs>
               <a:gs pos="30000">
                 <a:schemeClr val="accent1">

--- a/images/Masterarbeit Diagramme.pptx
+++ b/images/Masterarbeit Diagramme.pptx
@@ -7,6 +7,7 @@
   <p:sldIdLst>
     <p:sldId id="256" r:id="rId2"/>
     <p:sldId id="257" r:id="rId3"/>
+    <p:sldId id="258" r:id="rId4"/>
   </p:sldIdLst>
   <p:sldSz cx="12192000" cy="6858000"/>
   <p:notesSz cx="6858000" cy="9144000"/>
@@ -271,7 +272,7 @@
           <a:p>
             <a:fld id="{DCC18975-A71B-4189-B470-FED950D0708F}" type="datetimeFigureOut">
               <a:rPr lang="de-DE" smtClean="0"/>
-              <a:t>07.05.2024</a:t>
+              <a:t>04.06.2024</a:t>
             </a:fld>
             <a:endParaRPr lang="de-DE"/>
           </a:p>
@@ -469,7 +470,7 @@
           <a:p>
             <a:fld id="{DCC18975-A71B-4189-B470-FED950D0708F}" type="datetimeFigureOut">
               <a:rPr lang="de-DE" smtClean="0"/>
-              <a:t>07.05.2024</a:t>
+              <a:t>04.06.2024</a:t>
             </a:fld>
             <a:endParaRPr lang="de-DE"/>
           </a:p>
@@ -677,7 +678,7 @@
           <a:p>
             <a:fld id="{DCC18975-A71B-4189-B470-FED950D0708F}" type="datetimeFigureOut">
               <a:rPr lang="de-DE" smtClean="0"/>
-              <a:t>07.05.2024</a:t>
+              <a:t>04.06.2024</a:t>
             </a:fld>
             <a:endParaRPr lang="de-DE"/>
           </a:p>
@@ -875,7 +876,7 @@
           <a:p>
             <a:fld id="{DCC18975-A71B-4189-B470-FED950D0708F}" type="datetimeFigureOut">
               <a:rPr lang="de-DE" smtClean="0"/>
-              <a:t>07.05.2024</a:t>
+              <a:t>04.06.2024</a:t>
             </a:fld>
             <a:endParaRPr lang="de-DE"/>
           </a:p>
@@ -1150,7 +1151,7 @@
           <a:p>
             <a:fld id="{DCC18975-A71B-4189-B470-FED950D0708F}" type="datetimeFigureOut">
               <a:rPr lang="de-DE" smtClean="0"/>
-              <a:t>07.05.2024</a:t>
+              <a:t>04.06.2024</a:t>
             </a:fld>
             <a:endParaRPr lang="de-DE"/>
           </a:p>
@@ -1415,7 +1416,7 @@
           <a:p>
             <a:fld id="{DCC18975-A71B-4189-B470-FED950D0708F}" type="datetimeFigureOut">
               <a:rPr lang="de-DE" smtClean="0"/>
-              <a:t>07.05.2024</a:t>
+              <a:t>04.06.2024</a:t>
             </a:fld>
             <a:endParaRPr lang="de-DE"/>
           </a:p>
@@ -1827,7 +1828,7 @@
           <a:p>
             <a:fld id="{DCC18975-A71B-4189-B470-FED950D0708F}" type="datetimeFigureOut">
               <a:rPr lang="de-DE" smtClean="0"/>
-              <a:t>07.05.2024</a:t>
+              <a:t>04.06.2024</a:t>
             </a:fld>
             <a:endParaRPr lang="de-DE"/>
           </a:p>
@@ -1968,7 +1969,7 @@
           <a:p>
             <a:fld id="{DCC18975-A71B-4189-B470-FED950D0708F}" type="datetimeFigureOut">
               <a:rPr lang="de-DE" smtClean="0"/>
-              <a:t>07.05.2024</a:t>
+              <a:t>04.06.2024</a:t>
             </a:fld>
             <a:endParaRPr lang="de-DE"/>
           </a:p>
@@ -2081,7 +2082,7 @@
           <a:p>
             <a:fld id="{DCC18975-A71B-4189-B470-FED950D0708F}" type="datetimeFigureOut">
               <a:rPr lang="de-DE" smtClean="0"/>
-              <a:t>07.05.2024</a:t>
+              <a:t>04.06.2024</a:t>
             </a:fld>
             <a:endParaRPr lang="de-DE"/>
           </a:p>
@@ -2408,7 +2409,7 @@
           <a:p>
             <a:fld id="{DCC18975-A71B-4189-B470-FED950D0708F}" type="datetimeFigureOut">
               <a:rPr lang="de-DE" smtClean="0"/>
-              <a:t>07.05.2024</a:t>
+              <a:t>04.06.2024</a:t>
             </a:fld>
             <a:endParaRPr lang="de-DE"/>
           </a:p>
@@ -2696,7 +2697,7 @@
           <a:p>
             <a:fld id="{DCC18975-A71B-4189-B470-FED950D0708F}" type="datetimeFigureOut">
               <a:rPr lang="de-DE" smtClean="0"/>
-              <a:t>07.05.2024</a:t>
+              <a:t>04.06.2024</a:t>
             </a:fld>
             <a:endParaRPr lang="de-DE"/>
           </a:p>
@@ -2937,7 +2938,7 @@
           <a:p>
             <a:fld id="{DCC18975-A71B-4189-B470-FED950D0708F}" type="datetimeFigureOut">
               <a:rPr lang="de-DE" smtClean="0"/>
-              <a:t>07.05.2024</a:t>
+              <a:t>04.06.2024</a:t>
             </a:fld>
             <a:endParaRPr lang="de-DE"/>
           </a:p>
@@ -3522,8 +3523,8 @@
               </a:gs>
               <a:gs pos="70000">
                 <a:schemeClr val="accent3">
-                  <a:lumMod val="40000"/>
-                  <a:lumOff val="60000"/>
+                  <a:lumMod val="60000"/>
+                  <a:lumOff val="40000"/>
                 </a:schemeClr>
               </a:gs>
               <a:gs pos="50000">
@@ -3616,8 +3617,8 @@
               </a:gs>
               <a:gs pos="70000">
                 <a:schemeClr val="accent5">
-                  <a:lumMod val="40000"/>
-                  <a:lumOff val="60000"/>
+                  <a:lumMod val="60000"/>
+                  <a:lumOff val="40000"/>
                 </a:schemeClr>
               </a:gs>
               <a:gs pos="50000">
@@ -3701,8 +3702,8 @@
               </a:gs>
               <a:gs pos="30000">
                 <a:schemeClr val="accent1">
-                  <a:lumMod val="40000"/>
-                  <a:lumOff val="60000"/>
+                  <a:lumMod val="60000"/>
+                  <a:lumOff val="40000"/>
                 </a:schemeClr>
               </a:gs>
               <a:gs pos="70000">
@@ -3851,6 +3852,1200 @@
     <p:extLst>
       <p:ext uri="{BB962C8B-B14F-4D97-AF65-F5344CB8AC3E}">
         <p14:creationId xmlns:p14="http://schemas.microsoft.com/office/powerpoint/2010/main" val="130121527"/>
+      </p:ext>
+    </p:extLst>
+  </p:cSld>
+  <p:clrMapOvr>
+    <a:masterClrMapping/>
+  </p:clrMapOvr>
+</p:sld>
+</file>
+
+<file path=ppt/slides/slide3.xml><?xml version="1.0" encoding="utf-8"?>
+<p:sld xmlns:a="http://schemas.openxmlformats.org/drawingml/2006/main" xmlns:r="http://schemas.openxmlformats.org/officeDocument/2006/relationships" xmlns:p="http://schemas.openxmlformats.org/presentationml/2006/main">
+  <p:cSld>
+    <p:spTree>
+      <p:nvGrpSpPr>
+        <p:cNvPr id="1" name=""/>
+        <p:cNvGrpSpPr/>
+        <p:nvPr/>
+      </p:nvGrpSpPr>
+      <p:grpSpPr>
+        <a:xfrm>
+          <a:off x="0" y="0"/>
+          <a:ext cx="0" cy="0"/>
+          <a:chOff x="0" y="0"/>
+          <a:chExt cx="0" cy="0"/>
+        </a:xfrm>
+      </p:grpSpPr>
+      <p:cxnSp>
+        <p:nvCxnSpPr>
+          <p:cNvPr id="5" name="Gerade Verbindung mit Pfeil 4">
+            <a:extLst>
+              <a:ext uri="{FF2B5EF4-FFF2-40B4-BE49-F238E27FC236}">
+                <a16:creationId xmlns:a16="http://schemas.microsoft.com/office/drawing/2014/main" id="{1ADAD0BA-8DB5-9A09-F8D6-23CF552DD5A4}"/>
+              </a:ext>
+            </a:extLst>
+          </p:cNvPr>
+          <p:cNvCxnSpPr>
+            <a:cxnSpLocks/>
+          </p:cNvCxnSpPr>
+          <p:nvPr/>
+        </p:nvCxnSpPr>
+        <p:spPr>
+          <a:xfrm>
+            <a:off x="2336482" y="5181600"/>
+            <a:ext cx="7519035" cy="9526"/>
+          </a:xfrm>
+          <a:prstGeom prst="straightConnector1">
+            <a:avLst/>
+          </a:prstGeom>
+          <a:ln>
+            <a:solidFill>
+              <a:schemeClr val="bg1">
+                <a:lumMod val="50000"/>
+              </a:schemeClr>
+            </a:solidFill>
+            <a:tailEnd type="triangle"/>
+          </a:ln>
+        </p:spPr>
+        <p:style>
+          <a:lnRef idx="2">
+            <a:schemeClr val="accent1"/>
+          </a:lnRef>
+          <a:fillRef idx="0">
+            <a:schemeClr val="accent1"/>
+          </a:fillRef>
+          <a:effectRef idx="1">
+            <a:schemeClr val="accent1"/>
+          </a:effectRef>
+          <a:fontRef idx="minor">
+            <a:schemeClr val="tx1"/>
+          </a:fontRef>
+        </p:style>
+      </p:cxnSp>
+      <p:cxnSp>
+        <p:nvCxnSpPr>
+          <p:cNvPr id="7" name="Gerade Verbindung mit Pfeil 6">
+            <a:extLst>
+              <a:ext uri="{FF2B5EF4-FFF2-40B4-BE49-F238E27FC236}">
+                <a16:creationId xmlns:a16="http://schemas.microsoft.com/office/drawing/2014/main" id="{6BCAAB55-F816-E535-E71F-2D147C9F9008}"/>
+              </a:ext>
+            </a:extLst>
+          </p:cNvPr>
+          <p:cNvCxnSpPr>
+            <a:cxnSpLocks/>
+          </p:cNvCxnSpPr>
+          <p:nvPr/>
+        </p:nvCxnSpPr>
+        <p:spPr>
+          <a:xfrm flipV="1">
+            <a:off x="2336482" y="2217420"/>
+            <a:ext cx="0" cy="2973706"/>
+          </a:xfrm>
+          <a:prstGeom prst="straightConnector1">
+            <a:avLst/>
+          </a:prstGeom>
+          <a:ln>
+            <a:solidFill>
+              <a:schemeClr val="bg1">
+                <a:lumMod val="50000"/>
+              </a:schemeClr>
+            </a:solidFill>
+            <a:tailEnd type="triangle"/>
+          </a:ln>
+        </p:spPr>
+        <p:style>
+          <a:lnRef idx="2">
+            <a:schemeClr val="accent1"/>
+          </a:lnRef>
+          <a:fillRef idx="0">
+            <a:schemeClr val="accent1"/>
+          </a:fillRef>
+          <a:effectRef idx="1">
+            <a:schemeClr val="accent1"/>
+          </a:effectRef>
+          <a:fontRef idx="minor">
+            <a:schemeClr val="tx1"/>
+          </a:fontRef>
+        </p:style>
+      </p:cxnSp>
+      <p:sp>
+        <p:nvSpPr>
+          <p:cNvPr id="10" name="Rechteck 9">
+            <a:extLst>
+              <a:ext uri="{FF2B5EF4-FFF2-40B4-BE49-F238E27FC236}">
+                <a16:creationId xmlns:a16="http://schemas.microsoft.com/office/drawing/2014/main" id="{90981115-D499-4B9F-5ED0-AF37776E67AC}"/>
+              </a:ext>
+            </a:extLst>
+          </p:cNvPr>
+          <p:cNvSpPr/>
+          <p:nvPr/>
+        </p:nvSpPr>
+        <p:spPr>
+          <a:xfrm>
+            <a:off x="2510793" y="4556760"/>
+            <a:ext cx="1798317" cy="335280"/>
+          </a:xfrm>
+          <a:prstGeom prst="rect">
+            <a:avLst/>
+          </a:prstGeom>
+          <a:ln>
+            <a:noFill/>
+          </a:ln>
+        </p:spPr>
+        <p:style>
+          <a:lnRef idx="2">
+            <a:schemeClr val="accent1">
+              <a:shade val="15000"/>
+            </a:schemeClr>
+          </a:lnRef>
+          <a:fillRef idx="1">
+            <a:schemeClr val="accent1"/>
+          </a:fillRef>
+          <a:effectRef idx="0">
+            <a:schemeClr val="accent1"/>
+          </a:effectRef>
+          <a:fontRef idx="minor">
+            <a:schemeClr val="lt1"/>
+          </a:fontRef>
+        </p:style>
+        <p:txBody>
+          <a:bodyPr rtlCol="0" anchor="ctr"/>
+          <a:lstStyle/>
+          <a:p>
+            <a:pPr algn="ctr"/>
+            <a:r>
+              <a:rPr lang="en-US" dirty="0"/>
+              <a:t>Statistical LM</a:t>
+            </a:r>
+          </a:p>
+        </p:txBody>
+      </p:sp>
+      <p:sp>
+        <p:nvSpPr>
+          <p:cNvPr id="11" name="Rechteck 10">
+            <a:extLst>
+              <a:ext uri="{FF2B5EF4-FFF2-40B4-BE49-F238E27FC236}">
+                <a16:creationId xmlns:a16="http://schemas.microsoft.com/office/drawing/2014/main" id="{2F2ABC2C-CEED-B7C2-A13F-D7DE96062100}"/>
+              </a:ext>
+            </a:extLst>
+          </p:cNvPr>
+          <p:cNvSpPr/>
+          <p:nvPr/>
+        </p:nvSpPr>
+        <p:spPr>
+          <a:xfrm>
+            <a:off x="4309110" y="4232434"/>
+            <a:ext cx="1798318" cy="335280"/>
+          </a:xfrm>
+          <a:prstGeom prst="rect">
+            <a:avLst/>
+          </a:prstGeom>
+          <a:solidFill>
+            <a:schemeClr val="accent2"/>
+          </a:solidFill>
+          <a:ln>
+            <a:noFill/>
+          </a:ln>
+        </p:spPr>
+        <p:style>
+          <a:lnRef idx="2">
+            <a:schemeClr val="accent1">
+              <a:shade val="15000"/>
+            </a:schemeClr>
+          </a:lnRef>
+          <a:fillRef idx="1">
+            <a:schemeClr val="accent1"/>
+          </a:fillRef>
+          <a:effectRef idx="0">
+            <a:schemeClr val="accent1"/>
+          </a:effectRef>
+          <a:fontRef idx="minor">
+            <a:schemeClr val="lt1"/>
+          </a:fontRef>
+        </p:style>
+        <p:txBody>
+          <a:bodyPr rtlCol="0" anchor="ctr"/>
+          <a:lstStyle/>
+          <a:p>
+            <a:pPr algn="ctr"/>
+            <a:r>
+              <a:rPr lang="en-US" dirty="0"/>
+              <a:t>Neural LM</a:t>
+            </a:r>
+          </a:p>
+        </p:txBody>
+      </p:sp>
+      <p:sp>
+        <p:nvSpPr>
+          <p:cNvPr id="12" name="Rechteck 11">
+            <a:extLst>
+              <a:ext uri="{FF2B5EF4-FFF2-40B4-BE49-F238E27FC236}">
+                <a16:creationId xmlns:a16="http://schemas.microsoft.com/office/drawing/2014/main" id="{C64BFD1A-D4B2-6D0B-738D-8E67E6ED1589}"/>
+              </a:ext>
+            </a:extLst>
+          </p:cNvPr>
+          <p:cNvSpPr/>
+          <p:nvPr/>
+        </p:nvSpPr>
+        <p:spPr>
+          <a:xfrm>
+            <a:off x="6107428" y="3897154"/>
+            <a:ext cx="1798317" cy="335280"/>
+          </a:xfrm>
+          <a:prstGeom prst="rect">
+            <a:avLst/>
+          </a:prstGeom>
+          <a:solidFill>
+            <a:schemeClr val="accent3"/>
+          </a:solidFill>
+          <a:ln>
+            <a:noFill/>
+          </a:ln>
+        </p:spPr>
+        <p:style>
+          <a:lnRef idx="2">
+            <a:schemeClr val="accent1">
+              <a:shade val="15000"/>
+            </a:schemeClr>
+          </a:lnRef>
+          <a:fillRef idx="1">
+            <a:schemeClr val="accent1"/>
+          </a:fillRef>
+          <a:effectRef idx="0">
+            <a:schemeClr val="accent1"/>
+          </a:effectRef>
+          <a:fontRef idx="minor">
+            <a:schemeClr val="lt1"/>
+          </a:fontRef>
+        </p:style>
+        <p:txBody>
+          <a:bodyPr rtlCol="0" anchor="ctr"/>
+          <a:lstStyle/>
+          <a:p>
+            <a:pPr algn="ctr"/>
+            <a:r>
+              <a:rPr lang="en-US" dirty="0"/>
+              <a:t>Pre-trained LM</a:t>
+            </a:r>
+          </a:p>
+        </p:txBody>
+      </p:sp>
+      <p:sp>
+        <p:nvSpPr>
+          <p:cNvPr id="13" name="Rechteck 12">
+            <a:extLst>
+              <a:ext uri="{FF2B5EF4-FFF2-40B4-BE49-F238E27FC236}">
+                <a16:creationId xmlns:a16="http://schemas.microsoft.com/office/drawing/2014/main" id="{FF7083F5-D2CE-62A7-49E0-534170A6254E}"/>
+              </a:ext>
+            </a:extLst>
+          </p:cNvPr>
+          <p:cNvSpPr/>
+          <p:nvPr/>
+        </p:nvSpPr>
+        <p:spPr>
+          <a:xfrm>
+            <a:off x="7905745" y="3557948"/>
+            <a:ext cx="1798317" cy="335280"/>
+          </a:xfrm>
+          <a:prstGeom prst="rect">
+            <a:avLst/>
+          </a:prstGeom>
+          <a:solidFill>
+            <a:schemeClr val="accent4"/>
+          </a:solidFill>
+          <a:ln>
+            <a:noFill/>
+          </a:ln>
+        </p:spPr>
+        <p:style>
+          <a:lnRef idx="2">
+            <a:schemeClr val="accent1">
+              <a:shade val="15000"/>
+            </a:schemeClr>
+          </a:lnRef>
+          <a:fillRef idx="1">
+            <a:schemeClr val="accent1"/>
+          </a:fillRef>
+          <a:effectRef idx="0">
+            <a:schemeClr val="accent1"/>
+          </a:effectRef>
+          <a:fontRef idx="minor">
+            <a:schemeClr val="lt1"/>
+          </a:fontRef>
+        </p:style>
+        <p:txBody>
+          <a:bodyPr rtlCol="0" anchor="ctr"/>
+          <a:lstStyle/>
+          <a:p>
+            <a:pPr algn="ctr"/>
+            <a:r>
+              <a:rPr lang="en-US" dirty="0"/>
+              <a:t>Large LM</a:t>
+            </a:r>
+          </a:p>
+        </p:txBody>
+      </p:sp>
+      <p:sp>
+        <p:nvSpPr>
+          <p:cNvPr id="15" name="Textfeld 14">
+            <a:extLst>
+              <a:ext uri="{FF2B5EF4-FFF2-40B4-BE49-F238E27FC236}">
+                <a16:creationId xmlns:a16="http://schemas.microsoft.com/office/drawing/2014/main" id="{FCC87913-0FD0-1B26-AB44-1974D2AA0CA2}"/>
+              </a:ext>
+            </a:extLst>
+          </p:cNvPr>
+          <p:cNvSpPr txBox="1"/>
+          <p:nvPr/>
+        </p:nvSpPr>
+        <p:spPr>
+          <a:xfrm>
+            <a:off x="1378224" y="3326130"/>
+            <a:ext cx="784189" cy="738664"/>
+          </a:xfrm>
+          <a:prstGeom prst="rect">
+            <a:avLst/>
+          </a:prstGeom>
+          <a:noFill/>
+        </p:spPr>
+        <p:txBody>
+          <a:bodyPr wrap="none" rtlCol="0">
+            <a:spAutoFit/>
+          </a:bodyPr>
+          <a:lstStyle/>
+          <a:p>
+            <a:r>
+              <a:rPr lang="en-US" sz="1400" dirty="0"/>
+              <a:t>Task</a:t>
+            </a:r>
+          </a:p>
+          <a:p>
+            <a:r>
+              <a:rPr lang="en-US" sz="1400" dirty="0"/>
+              <a:t>Solving</a:t>
+            </a:r>
+          </a:p>
+          <a:p>
+            <a:r>
+              <a:rPr lang="en-US" sz="1400" dirty="0"/>
+              <a:t>capacity</a:t>
+            </a:r>
+          </a:p>
+        </p:txBody>
+      </p:sp>
+      <p:cxnSp>
+        <p:nvCxnSpPr>
+          <p:cNvPr id="17" name="Gerader Verbinder 16">
+            <a:extLst>
+              <a:ext uri="{FF2B5EF4-FFF2-40B4-BE49-F238E27FC236}">
+                <a16:creationId xmlns:a16="http://schemas.microsoft.com/office/drawing/2014/main" id="{2D36E51B-C43F-772E-BCEF-B67B61D2D443}"/>
+              </a:ext>
+            </a:extLst>
+          </p:cNvPr>
+          <p:cNvCxnSpPr>
+            <a:cxnSpLocks/>
+            <a:stCxn id="10" idx="2"/>
+          </p:cNvCxnSpPr>
+          <p:nvPr/>
+        </p:nvCxnSpPr>
+        <p:spPr>
+          <a:xfrm flipH="1">
+            <a:off x="3409951" y="4892040"/>
+            <a:ext cx="1" cy="289560"/>
+          </a:xfrm>
+          <a:prstGeom prst="line">
+            <a:avLst/>
+          </a:prstGeom>
+          <a:ln>
+            <a:prstDash val="sysDot"/>
+          </a:ln>
+        </p:spPr>
+        <p:style>
+          <a:lnRef idx="2">
+            <a:schemeClr val="accent1"/>
+          </a:lnRef>
+          <a:fillRef idx="0">
+            <a:schemeClr val="accent1"/>
+          </a:fillRef>
+          <a:effectRef idx="1">
+            <a:schemeClr val="accent1"/>
+          </a:effectRef>
+          <a:fontRef idx="minor">
+            <a:schemeClr val="tx1"/>
+          </a:fontRef>
+        </p:style>
+      </p:cxnSp>
+      <p:cxnSp>
+        <p:nvCxnSpPr>
+          <p:cNvPr id="20" name="Gerader Verbinder 19">
+            <a:extLst>
+              <a:ext uri="{FF2B5EF4-FFF2-40B4-BE49-F238E27FC236}">
+                <a16:creationId xmlns:a16="http://schemas.microsoft.com/office/drawing/2014/main" id="{B9D62B3A-B68D-5981-8B4D-2391061BEF9D}"/>
+              </a:ext>
+            </a:extLst>
+          </p:cNvPr>
+          <p:cNvCxnSpPr>
+            <a:cxnSpLocks/>
+            <a:stCxn id="11" idx="2"/>
+          </p:cNvCxnSpPr>
+          <p:nvPr/>
+        </p:nvCxnSpPr>
+        <p:spPr>
+          <a:xfrm>
+            <a:off x="5208269" y="4567714"/>
+            <a:ext cx="0" cy="613886"/>
+          </a:xfrm>
+          <a:prstGeom prst="line">
+            <a:avLst/>
+          </a:prstGeom>
+          <a:ln>
+            <a:solidFill>
+              <a:schemeClr val="accent2"/>
+            </a:solidFill>
+            <a:prstDash val="sysDot"/>
+          </a:ln>
+        </p:spPr>
+        <p:style>
+          <a:lnRef idx="2">
+            <a:schemeClr val="accent1"/>
+          </a:lnRef>
+          <a:fillRef idx="0">
+            <a:schemeClr val="accent1"/>
+          </a:fillRef>
+          <a:effectRef idx="1">
+            <a:schemeClr val="accent1"/>
+          </a:effectRef>
+          <a:fontRef idx="minor">
+            <a:schemeClr val="tx1"/>
+          </a:fontRef>
+        </p:style>
+      </p:cxnSp>
+      <p:cxnSp>
+        <p:nvCxnSpPr>
+          <p:cNvPr id="23" name="Gerader Verbinder 22">
+            <a:extLst>
+              <a:ext uri="{FF2B5EF4-FFF2-40B4-BE49-F238E27FC236}">
+                <a16:creationId xmlns:a16="http://schemas.microsoft.com/office/drawing/2014/main" id="{BC492009-2FBC-8397-0CAC-15B40EA3246C}"/>
+              </a:ext>
+            </a:extLst>
+          </p:cNvPr>
+          <p:cNvCxnSpPr>
+            <a:cxnSpLocks/>
+            <a:stCxn id="12" idx="2"/>
+          </p:cNvCxnSpPr>
+          <p:nvPr/>
+        </p:nvCxnSpPr>
+        <p:spPr>
+          <a:xfrm>
+            <a:off x="7006587" y="4232434"/>
+            <a:ext cx="0" cy="958692"/>
+          </a:xfrm>
+          <a:prstGeom prst="line">
+            <a:avLst/>
+          </a:prstGeom>
+          <a:ln>
+            <a:solidFill>
+              <a:schemeClr val="accent3"/>
+            </a:solidFill>
+            <a:prstDash val="sysDot"/>
+          </a:ln>
+        </p:spPr>
+        <p:style>
+          <a:lnRef idx="2">
+            <a:schemeClr val="accent1"/>
+          </a:lnRef>
+          <a:fillRef idx="0">
+            <a:schemeClr val="accent1"/>
+          </a:fillRef>
+          <a:effectRef idx="1">
+            <a:schemeClr val="accent1"/>
+          </a:effectRef>
+          <a:fontRef idx="minor">
+            <a:schemeClr val="tx1"/>
+          </a:fontRef>
+        </p:style>
+      </p:cxnSp>
+      <p:cxnSp>
+        <p:nvCxnSpPr>
+          <p:cNvPr id="28" name="Gerader Verbinder 27">
+            <a:extLst>
+              <a:ext uri="{FF2B5EF4-FFF2-40B4-BE49-F238E27FC236}">
+                <a16:creationId xmlns:a16="http://schemas.microsoft.com/office/drawing/2014/main" id="{F1EA8A71-F616-5E78-BB76-559DECA90264}"/>
+              </a:ext>
+            </a:extLst>
+          </p:cNvPr>
+          <p:cNvCxnSpPr>
+            <a:cxnSpLocks/>
+            <a:stCxn id="13" idx="2"/>
+          </p:cNvCxnSpPr>
+          <p:nvPr/>
+        </p:nvCxnSpPr>
+        <p:spPr>
+          <a:xfrm>
+            <a:off x="8804904" y="3893228"/>
+            <a:ext cx="0" cy="1297898"/>
+          </a:xfrm>
+          <a:prstGeom prst="line">
+            <a:avLst/>
+          </a:prstGeom>
+          <a:ln>
+            <a:solidFill>
+              <a:schemeClr val="accent4"/>
+            </a:solidFill>
+            <a:prstDash val="sysDot"/>
+          </a:ln>
+        </p:spPr>
+        <p:style>
+          <a:lnRef idx="2">
+            <a:schemeClr val="accent1"/>
+          </a:lnRef>
+          <a:fillRef idx="0">
+            <a:schemeClr val="accent1"/>
+          </a:fillRef>
+          <a:effectRef idx="1">
+            <a:schemeClr val="accent1"/>
+          </a:effectRef>
+          <a:fontRef idx="minor">
+            <a:schemeClr val="tx1"/>
+          </a:fontRef>
+        </p:style>
+      </p:cxnSp>
+      <p:sp>
+        <p:nvSpPr>
+          <p:cNvPr id="32" name="Textfeld 31">
+            <a:extLst>
+              <a:ext uri="{FF2B5EF4-FFF2-40B4-BE49-F238E27FC236}">
+                <a16:creationId xmlns:a16="http://schemas.microsoft.com/office/drawing/2014/main" id="{D1A335D9-E8B1-37FB-01EA-0B076F8303BE}"/>
+              </a:ext>
+            </a:extLst>
+          </p:cNvPr>
+          <p:cNvSpPr txBox="1"/>
+          <p:nvPr/>
+        </p:nvSpPr>
+        <p:spPr>
+          <a:xfrm>
+            <a:off x="3072358" y="5227320"/>
+            <a:ext cx="675185" cy="338554"/>
+          </a:xfrm>
+          <a:prstGeom prst="rect">
+            <a:avLst/>
+          </a:prstGeom>
+          <a:noFill/>
+        </p:spPr>
+        <p:txBody>
+          <a:bodyPr wrap="none" rtlCol="0">
+            <a:spAutoFit/>
+          </a:bodyPr>
+          <a:lstStyle/>
+          <a:p>
+            <a:pPr algn="ctr"/>
+            <a:r>
+              <a:rPr lang="en-US" sz="1600" dirty="0"/>
+              <a:t>1990s</a:t>
+            </a:r>
+          </a:p>
+        </p:txBody>
+      </p:sp>
+      <p:sp>
+        <p:nvSpPr>
+          <p:cNvPr id="33" name="Textfeld 32">
+            <a:extLst>
+              <a:ext uri="{FF2B5EF4-FFF2-40B4-BE49-F238E27FC236}">
+                <a16:creationId xmlns:a16="http://schemas.microsoft.com/office/drawing/2014/main" id="{2CC4ED1E-F194-B6E7-DBC3-099B275AA4D4}"/>
+              </a:ext>
+            </a:extLst>
+          </p:cNvPr>
+          <p:cNvSpPr txBox="1"/>
+          <p:nvPr/>
+        </p:nvSpPr>
+        <p:spPr>
+          <a:xfrm>
+            <a:off x="4910751" y="5227320"/>
+            <a:ext cx="595035" cy="338554"/>
+          </a:xfrm>
+          <a:prstGeom prst="rect">
+            <a:avLst/>
+          </a:prstGeom>
+          <a:noFill/>
+        </p:spPr>
+        <p:txBody>
+          <a:bodyPr wrap="none" rtlCol="0">
+            <a:spAutoFit/>
+          </a:bodyPr>
+          <a:lstStyle/>
+          <a:p>
+            <a:pPr algn="ctr"/>
+            <a:r>
+              <a:rPr lang="en-US" sz="1600" dirty="0"/>
+              <a:t>2013</a:t>
+            </a:r>
+          </a:p>
+        </p:txBody>
+      </p:sp>
+      <p:sp>
+        <p:nvSpPr>
+          <p:cNvPr id="34" name="Textfeld 33">
+            <a:extLst>
+              <a:ext uri="{FF2B5EF4-FFF2-40B4-BE49-F238E27FC236}">
+                <a16:creationId xmlns:a16="http://schemas.microsoft.com/office/drawing/2014/main" id="{0F201056-FC34-1C20-7164-422372DB7295}"/>
+              </a:ext>
+            </a:extLst>
+          </p:cNvPr>
+          <p:cNvSpPr txBox="1"/>
+          <p:nvPr/>
+        </p:nvSpPr>
+        <p:spPr>
+          <a:xfrm>
+            <a:off x="6709068" y="5218153"/>
+            <a:ext cx="595035" cy="338554"/>
+          </a:xfrm>
+          <a:prstGeom prst="rect">
+            <a:avLst/>
+          </a:prstGeom>
+          <a:noFill/>
+        </p:spPr>
+        <p:txBody>
+          <a:bodyPr wrap="none" rtlCol="0">
+            <a:spAutoFit/>
+          </a:bodyPr>
+          <a:lstStyle/>
+          <a:p>
+            <a:pPr algn="ctr"/>
+            <a:r>
+              <a:rPr lang="en-US" sz="1600" dirty="0"/>
+              <a:t>2018</a:t>
+            </a:r>
+          </a:p>
+        </p:txBody>
+      </p:sp>
+      <p:sp>
+        <p:nvSpPr>
+          <p:cNvPr id="35" name="Textfeld 34">
+            <a:extLst>
+              <a:ext uri="{FF2B5EF4-FFF2-40B4-BE49-F238E27FC236}">
+                <a16:creationId xmlns:a16="http://schemas.microsoft.com/office/drawing/2014/main" id="{92FC68F9-9BF1-3197-3FB2-63F88225AB88}"/>
+              </a:ext>
+            </a:extLst>
+          </p:cNvPr>
+          <p:cNvSpPr txBox="1"/>
+          <p:nvPr/>
+        </p:nvSpPr>
+        <p:spPr>
+          <a:xfrm>
+            <a:off x="8507386" y="5227320"/>
+            <a:ext cx="595035" cy="338554"/>
+          </a:xfrm>
+          <a:prstGeom prst="rect">
+            <a:avLst/>
+          </a:prstGeom>
+          <a:noFill/>
+        </p:spPr>
+        <p:txBody>
+          <a:bodyPr wrap="none" rtlCol="0">
+            <a:spAutoFit/>
+          </a:bodyPr>
+          <a:lstStyle/>
+          <a:p>
+            <a:pPr algn="ctr"/>
+            <a:r>
+              <a:rPr lang="en-US" sz="1600" dirty="0"/>
+              <a:t>2020</a:t>
+            </a:r>
+          </a:p>
+        </p:txBody>
+      </p:sp>
+      <p:sp>
+        <p:nvSpPr>
+          <p:cNvPr id="36" name="Textfeld 35">
+            <a:extLst>
+              <a:ext uri="{FF2B5EF4-FFF2-40B4-BE49-F238E27FC236}">
+                <a16:creationId xmlns:a16="http://schemas.microsoft.com/office/drawing/2014/main" id="{03055283-BDF4-7AEA-3251-3D4418DCB903}"/>
+              </a:ext>
+            </a:extLst>
+          </p:cNvPr>
+          <p:cNvSpPr txBox="1"/>
+          <p:nvPr/>
+        </p:nvSpPr>
+        <p:spPr>
+          <a:xfrm>
+            <a:off x="2505828" y="3682296"/>
+            <a:ext cx="1435008" cy="784830"/>
+          </a:xfrm>
+          <a:prstGeom prst="rect">
+            <a:avLst/>
+          </a:prstGeom>
+          <a:noFill/>
+        </p:spPr>
+        <p:txBody>
+          <a:bodyPr wrap="none" rtlCol="0">
+            <a:spAutoFit/>
+          </a:bodyPr>
+          <a:lstStyle/>
+          <a:p>
+            <a:r>
+              <a:rPr lang="en-US" sz="1200" b="1" dirty="0"/>
+              <a:t>n-gram models</a:t>
+            </a:r>
+          </a:p>
+          <a:p>
+            <a:r>
+              <a:rPr lang="en-US" sz="1100" dirty="0"/>
+              <a:t>Statistical methods</a:t>
+            </a:r>
+          </a:p>
+          <a:p>
+            <a:r>
+              <a:rPr lang="en-US" sz="1100" dirty="0"/>
+              <a:t>Probability estimation</a:t>
+            </a:r>
+          </a:p>
+          <a:p>
+            <a:r>
+              <a:rPr lang="en-US" sz="1100" i="1" dirty="0">
+                <a:solidFill>
+                  <a:srgbClr val="C00000"/>
+                </a:solidFill>
+              </a:rPr>
+              <a:t>Assist in specific tasks</a:t>
+            </a:r>
+          </a:p>
+        </p:txBody>
+      </p:sp>
+      <p:sp>
+        <p:nvSpPr>
+          <p:cNvPr id="37" name="Textfeld 36">
+            <a:extLst>
+              <a:ext uri="{FF2B5EF4-FFF2-40B4-BE49-F238E27FC236}">
+                <a16:creationId xmlns:a16="http://schemas.microsoft.com/office/drawing/2014/main" id="{88729327-695F-6BC5-AC49-8FCB56A9CB9F}"/>
+              </a:ext>
+            </a:extLst>
+          </p:cNvPr>
+          <p:cNvSpPr txBox="1"/>
+          <p:nvPr/>
+        </p:nvSpPr>
+        <p:spPr>
+          <a:xfrm>
+            <a:off x="4248713" y="3424634"/>
+            <a:ext cx="1713931" cy="615553"/>
+          </a:xfrm>
+          <a:prstGeom prst="rect">
+            <a:avLst/>
+          </a:prstGeom>
+          <a:noFill/>
+        </p:spPr>
+        <p:txBody>
+          <a:bodyPr wrap="none" rtlCol="0">
+            <a:spAutoFit/>
+          </a:bodyPr>
+          <a:lstStyle/>
+          <a:p>
+            <a:r>
+              <a:rPr lang="en-US" sz="1200" b="1" dirty="0"/>
+              <a:t>Word2vec (NPLM)</a:t>
+            </a:r>
+          </a:p>
+          <a:p>
+            <a:r>
+              <a:rPr lang="en-US" sz="1100" dirty="0"/>
+              <a:t>Static word representations</a:t>
+            </a:r>
+          </a:p>
+          <a:p>
+            <a:r>
+              <a:rPr lang="en-US" sz="1100" i="1" dirty="0">
+                <a:solidFill>
+                  <a:srgbClr val="C00000"/>
+                </a:solidFill>
+              </a:rPr>
+              <a:t>Solve typical NLP tasks</a:t>
+            </a:r>
+          </a:p>
+        </p:txBody>
+      </p:sp>
+      <p:sp>
+        <p:nvSpPr>
+          <p:cNvPr id="38" name="Textfeld 37">
+            <a:extLst>
+              <a:ext uri="{FF2B5EF4-FFF2-40B4-BE49-F238E27FC236}">
+                <a16:creationId xmlns:a16="http://schemas.microsoft.com/office/drawing/2014/main" id="{1B8C3FC5-50EF-8C2C-1A49-42A6C5A5DBEB}"/>
+              </a:ext>
+            </a:extLst>
+          </p:cNvPr>
+          <p:cNvSpPr txBox="1"/>
+          <p:nvPr/>
+        </p:nvSpPr>
+        <p:spPr>
+          <a:xfrm>
+            <a:off x="6107428" y="2916020"/>
+            <a:ext cx="1628972" cy="954107"/>
+          </a:xfrm>
+          <a:prstGeom prst="rect">
+            <a:avLst/>
+          </a:prstGeom>
+          <a:noFill/>
+        </p:spPr>
+        <p:txBody>
+          <a:bodyPr wrap="none" rtlCol="0">
+            <a:spAutoFit/>
+          </a:bodyPr>
+          <a:lstStyle/>
+          <a:p>
+            <a:r>
+              <a:rPr lang="en-US" sz="1200" b="1" dirty="0"/>
+              <a:t>BERT, GPT-1/2</a:t>
+            </a:r>
+          </a:p>
+          <a:p>
+            <a:r>
+              <a:rPr lang="en-US" sz="1100" dirty="0"/>
+              <a:t>Context-aware </a:t>
+            </a:r>
+          </a:p>
+          <a:p>
+            <a:r>
+              <a:rPr lang="en-US" sz="1100" dirty="0"/>
+              <a:t>Representations</a:t>
+            </a:r>
+          </a:p>
+          <a:p>
+            <a:r>
+              <a:rPr lang="en-US" sz="1100" dirty="0"/>
+              <a:t>Pre-training + fine-tuning</a:t>
+            </a:r>
+          </a:p>
+          <a:p>
+            <a:r>
+              <a:rPr lang="en-US" sz="1100" i="1" dirty="0">
+                <a:solidFill>
+                  <a:srgbClr val="C00000"/>
+                </a:solidFill>
+              </a:rPr>
+              <a:t>Solve various NLP tasks</a:t>
+            </a:r>
+          </a:p>
+        </p:txBody>
+      </p:sp>
+      <p:sp>
+        <p:nvSpPr>
+          <p:cNvPr id="39" name="Textfeld 38">
+            <a:extLst>
+              <a:ext uri="{FF2B5EF4-FFF2-40B4-BE49-F238E27FC236}">
+                <a16:creationId xmlns:a16="http://schemas.microsoft.com/office/drawing/2014/main" id="{0C1BE2B2-75DE-3F67-EDBC-7DE688FE2FE8}"/>
+              </a:ext>
+            </a:extLst>
+          </p:cNvPr>
+          <p:cNvSpPr txBox="1"/>
+          <p:nvPr/>
+        </p:nvSpPr>
+        <p:spPr>
+          <a:xfrm>
+            <a:off x="7855764" y="2729497"/>
+            <a:ext cx="1898277" cy="784830"/>
+          </a:xfrm>
+          <a:prstGeom prst="rect">
+            <a:avLst/>
+          </a:prstGeom>
+          <a:noFill/>
+        </p:spPr>
+        <p:txBody>
+          <a:bodyPr wrap="none" rtlCol="0">
+            <a:spAutoFit/>
+          </a:bodyPr>
+          <a:lstStyle/>
+          <a:p>
+            <a:r>
+              <a:rPr lang="en-US" sz="1200" b="1" dirty="0"/>
+              <a:t>GPT-3/4, ChatGPT</a:t>
+            </a:r>
+          </a:p>
+          <a:p>
+            <a:r>
+              <a:rPr lang="en-US" sz="1100" dirty="0"/>
+              <a:t>Scaling language models</a:t>
+            </a:r>
+          </a:p>
+          <a:p>
+            <a:r>
+              <a:rPr lang="en-US" sz="1100" dirty="0"/>
+              <a:t>Prompt based completion</a:t>
+            </a:r>
+          </a:p>
+          <a:p>
+            <a:r>
+              <a:rPr lang="en-US" sz="1100" i="1" dirty="0">
+                <a:solidFill>
+                  <a:srgbClr val="C00000"/>
+                </a:solidFill>
+              </a:rPr>
+              <a:t>Solve various real-world tasks</a:t>
+            </a:r>
+          </a:p>
+        </p:txBody>
+      </p:sp>
+      <p:sp>
+        <p:nvSpPr>
+          <p:cNvPr id="41" name="Rechteck 40">
+            <a:extLst>
+              <a:ext uri="{FF2B5EF4-FFF2-40B4-BE49-F238E27FC236}">
+                <a16:creationId xmlns:a16="http://schemas.microsoft.com/office/drawing/2014/main" id="{D216F34E-F64F-5B72-3561-684FD9940840}"/>
+              </a:ext>
+            </a:extLst>
+          </p:cNvPr>
+          <p:cNvSpPr/>
+          <p:nvPr/>
+        </p:nvSpPr>
+        <p:spPr>
+          <a:xfrm>
+            <a:off x="2509380" y="2824061"/>
+            <a:ext cx="1598742" cy="736852"/>
+          </a:xfrm>
+          <a:prstGeom prst="rect">
+            <a:avLst/>
+          </a:prstGeom>
+          <a:solidFill>
+            <a:schemeClr val="accent6">
+              <a:lumMod val="20000"/>
+              <a:lumOff val="80000"/>
+            </a:schemeClr>
+          </a:solidFill>
+          <a:ln>
+            <a:noFill/>
+          </a:ln>
+        </p:spPr>
+        <p:style>
+          <a:lnRef idx="2">
+            <a:schemeClr val="accent1">
+              <a:shade val="15000"/>
+            </a:schemeClr>
+          </a:lnRef>
+          <a:fillRef idx="1">
+            <a:schemeClr val="accent1"/>
+          </a:fillRef>
+          <a:effectRef idx="0">
+            <a:schemeClr val="accent1"/>
+          </a:effectRef>
+          <a:fontRef idx="minor">
+            <a:schemeClr val="lt1"/>
+          </a:fontRef>
+        </p:style>
+        <p:txBody>
+          <a:bodyPr rtlCol="0" anchor="ctr"/>
+          <a:lstStyle/>
+          <a:p>
+            <a:pPr algn="ctr"/>
+            <a:r>
+              <a:rPr lang="en-US" sz="1600" dirty="0">
+                <a:solidFill>
+                  <a:schemeClr val="tx2"/>
+                </a:solidFill>
+              </a:rPr>
+              <a:t>Specific task</a:t>
+            </a:r>
+          </a:p>
+          <a:p>
+            <a:pPr algn="ctr"/>
+            <a:r>
+              <a:rPr lang="en-US" sz="1600" dirty="0">
+                <a:solidFill>
+                  <a:schemeClr val="tx2"/>
+                </a:solidFill>
+              </a:rPr>
+              <a:t>helper</a:t>
+            </a:r>
+          </a:p>
+        </p:txBody>
+      </p:sp>
+      <p:sp>
+        <p:nvSpPr>
+          <p:cNvPr id="42" name="Rechteck 41">
+            <a:extLst>
+              <a:ext uri="{FF2B5EF4-FFF2-40B4-BE49-F238E27FC236}">
+                <a16:creationId xmlns:a16="http://schemas.microsoft.com/office/drawing/2014/main" id="{9869C785-2ED6-84D2-8986-4533B347E528}"/>
+              </a:ext>
+            </a:extLst>
+          </p:cNvPr>
+          <p:cNvSpPr/>
+          <p:nvPr/>
+        </p:nvSpPr>
+        <p:spPr>
+          <a:xfrm>
+            <a:off x="4308404" y="2475409"/>
+            <a:ext cx="1598742" cy="738664"/>
+          </a:xfrm>
+          <a:prstGeom prst="rect">
+            <a:avLst/>
+          </a:prstGeom>
+          <a:solidFill>
+            <a:schemeClr val="accent6">
+              <a:lumMod val="20000"/>
+              <a:lumOff val="80000"/>
+            </a:schemeClr>
+          </a:solidFill>
+          <a:ln>
+            <a:noFill/>
+          </a:ln>
+        </p:spPr>
+        <p:style>
+          <a:lnRef idx="2">
+            <a:schemeClr val="accent1">
+              <a:shade val="15000"/>
+            </a:schemeClr>
+          </a:lnRef>
+          <a:fillRef idx="1">
+            <a:schemeClr val="accent1"/>
+          </a:fillRef>
+          <a:effectRef idx="0">
+            <a:schemeClr val="accent1"/>
+          </a:effectRef>
+          <a:fontRef idx="minor">
+            <a:schemeClr val="lt1"/>
+          </a:fontRef>
+        </p:style>
+        <p:txBody>
+          <a:bodyPr rtlCol="0" anchor="ctr"/>
+          <a:lstStyle/>
+          <a:p>
+            <a:pPr algn="ctr"/>
+            <a:r>
+              <a:rPr lang="en-US" sz="1600" dirty="0">
+                <a:solidFill>
+                  <a:schemeClr val="tx2"/>
+                </a:solidFill>
+              </a:rPr>
+              <a:t>Task-agnostic feature learner</a:t>
+            </a:r>
+          </a:p>
+        </p:txBody>
+      </p:sp>
+      <p:sp>
+        <p:nvSpPr>
+          <p:cNvPr id="43" name="Rechteck 42">
+            <a:extLst>
+              <a:ext uri="{FF2B5EF4-FFF2-40B4-BE49-F238E27FC236}">
+                <a16:creationId xmlns:a16="http://schemas.microsoft.com/office/drawing/2014/main" id="{AFF0CB25-269A-26C2-9A41-CD368840B9CD}"/>
+              </a:ext>
+            </a:extLst>
+          </p:cNvPr>
+          <p:cNvSpPr/>
+          <p:nvPr/>
+        </p:nvSpPr>
+        <p:spPr>
+          <a:xfrm>
+            <a:off x="6107428" y="2133727"/>
+            <a:ext cx="1598742" cy="738664"/>
+          </a:xfrm>
+          <a:prstGeom prst="rect">
+            <a:avLst/>
+          </a:prstGeom>
+          <a:solidFill>
+            <a:schemeClr val="accent6">
+              <a:lumMod val="20000"/>
+              <a:lumOff val="80000"/>
+            </a:schemeClr>
+          </a:solidFill>
+          <a:ln>
+            <a:noFill/>
+          </a:ln>
+        </p:spPr>
+        <p:style>
+          <a:lnRef idx="2">
+            <a:schemeClr val="accent1">
+              <a:shade val="15000"/>
+            </a:schemeClr>
+          </a:lnRef>
+          <a:fillRef idx="1">
+            <a:schemeClr val="accent1"/>
+          </a:fillRef>
+          <a:effectRef idx="0">
+            <a:schemeClr val="accent1"/>
+          </a:effectRef>
+          <a:fontRef idx="minor">
+            <a:schemeClr val="lt1"/>
+          </a:fontRef>
+        </p:style>
+        <p:txBody>
+          <a:bodyPr rtlCol="0" anchor="ctr"/>
+          <a:lstStyle/>
+          <a:p>
+            <a:pPr algn="ctr"/>
+            <a:r>
+              <a:rPr lang="en-US" sz="1600" dirty="0">
+                <a:solidFill>
+                  <a:schemeClr val="tx2"/>
+                </a:solidFill>
+              </a:rPr>
+              <a:t>Transferable NLP task solver</a:t>
+            </a:r>
+          </a:p>
+        </p:txBody>
+      </p:sp>
+      <p:sp>
+        <p:nvSpPr>
+          <p:cNvPr id="44" name="Rechteck 43">
+            <a:extLst>
+              <a:ext uri="{FF2B5EF4-FFF2-40B4-BE49-F238E27FC236}">
+                <a16:creationId xmlns:a16="http://schemas.microsoft.com/office/drawing/2014/main" id="{1659F214-6736-DCDC-1954-FA84BE4CD4AA}"/>
+              </a:ext>
+            </a:extLst>
+          </p:cNvPr>
+          <p:cNvSpPr/>
+          <p:nvPr/>
+        </p:nvSpPr>
+        <p:spPr>
+          <a:xfrm>
+            <a:off x="7905745" y="1892949"/>
+            <a:ext cx="1598742" cy="738664"/>
+          </a:xfrm>
+          <a:prstGeom prst="rect">
+            <a:avLst/>
+          </a:prstGeom>
+          <a:solidFill>
+            <a:schemeClr val="accent6">
+              <a:lumMod val="20000"/>
+              <a:lumOff val="80000"/>
+            </a:schemeClr>
+          </a:solidFill>
+          <a:ln>
+            <a:noFill/>
+          </a:ln>
+        </p:spPr>
+        <p:style>
+          <a:lnRef idx="2">
+            <a:schemeClr val="accent1">
+              <a:shade val="15000"/>
+            </a:schemeClr>
+          </a:lnRef>
+          <a:fillRef idx="1">
+            <a:schemeClr val="accent1"/>
+          </a:fillRef>
+          <a:effectRef idx="0">
+            <a:schemeClr val="accent1"/>
+          </a:effectRef>
+          <a:fontRef idx="minor">
+            <a:schemeClr val="lt1"/>
+          </a:fontRef>
+        </p:style>
+        <p:txBody>
+          <a:bodyPr rtlCol="0" anchor="ctr"/>
+          <a:lstStyle/>
+          <a:p>
+            <a:pPr algn="ctr"/>
+            <a:r>
+              <a:rPr lang="en-US" sz="1600" dirty="0">
+                <a:solidFill>
+                  <a:schemeClr val="tx2"/>
+                </a:solidFill>
+              </a:rPr>
+              <a:t>General-purpose task solver</a:t>
+            </a:r>
+          </a:p>
+        </p:txBody>
+      </p:sp>
+    </p:spTree>
+    <p:extLst>
+      <p:ext uri="{BB962C8B-B14F-4D97-AF65-F5344CB8AC3E}">
+        <p14:creationId xmlns:p14="http://schemas.microsoft.com/office/powerpoint/2010/main" val="1483081479"/>
       </p:ext>
     </p:extLst>
   </p:cSld>
@@ -3901,110 +5096,16 @@
         <a:srgbClr val="977B2D"/>
       </a:folHlink>
     </a:clrScheme>
-    <a:fontScheme name="Office">
+    <a:fontScheme name="Benutzerdefiniert 1">
       <a:majorFont>
-        <a:latin typeface="Aptos Display" panose="02110004020202020204"/>
+        <a:latin typeface="Aptos Display"/>
         <a:ea typeface=""/>
         <a:cs typeface=""/>
-        <a:font script="Jpan" typeface="游ゴシック Light"/>
-        <a:font script="Hang" typeface="맑은 고딕"/>
-        <a:font script="Hans" typeface="等线 Light"/>
-        <a:font script="Hant" typeface="新細明體"/>
-        <a:font script="Arab" typeface="Times New Roman"/>
-        <a:font script="Hebr" typeface="Times New Roman"/>
-        <a:font script="Thai" typeface="Angsana New"/>
-        <a:font script="Ethi" typeface="Nyala"/>
-        <a:font script="Beng" typeface="Vrinda"/>
-        <a:font script="Gujr" typeface="Shruti"/>
-        <a:font script="Khmr" typeface="MoolBoran"/>
-        <a:font script="Knda" typeface="Tunga"/>
-        <a:font script="Guru" typeface="Raavi"/>
-        <a:font script="Cans" typeface="Euphemia"/>
-        <a:font script="Cher" typeface="Plantagenet Cherokee"/>
-        <a:font script="Yiii" typeface="Microsoft Yi Baiti"/>
-        <a:font script="Tibt" typeface="Microsoft Himalaya"/>
-        <a:font script="Thaa" typeface="MV Boli"/>
-        <a:font script="Deva" typeface="Mangal"/>
-        <a:font script="Telu" typeface="Gautami"/>
-        <a:font script="Taml" typeface="Latha"/>
-        <a:font script="Syrc" typeface="Estrangelo Edessa"/>
-        <a:font script="Orya" typeface="Kalinga"/>
-        <a:font script="Mlym" typeface="Kartika"/>
-        <a:font script="Laoo" typeface="DokChampa"/>
-        <a:font script="Sinh" typeface="Iskoola Pota"/>
-        <a:font script="Mong" typeface="Mongolian Baiti"/>
-        <a:font script="Viet" typeface="Times New Roman"/>
-        <a:font script="Uigh" typeface="Microsoft Uighur"/>
-        <a:font script="Geor" typeface="Sylfaen"/>
-        <a:font script="Armn" typeface="Arial"/>
-        <a:font script="Bugi" typeface="Leelawadee UI"/>
-        <a:font script="Bopo" typeface="Microsoft JhengHei"/>
-        <a:font script="Java" typeface="Javanese Text"/>
-        <a:font script="Lisu" typeface="Segoe UI"/>
-        <a:font script="Mymr" typeface="Myanmar Text"/>
-        <a:font script="Nkoo" typeface="Ebrima"/>
-        <a:font script="Olck" typeface="Nirmala UI"/>
-        <a:font script="Osma" typeface="Ebrima"/>
-        <a:font script="Phag" typeface="Phagspa"/>
-        <a:font script="Syrn" typeface="Estrangelo Edessa"/>
-        <a:font script="Syrj" typeface="Estrangelo Edessa"/>
-        <a:font script="Syre" typeface="Estrangelo Edessa"/>
-        <a:font script="Sora" typeface="Nirmala UI"/>
-        <a:font script="Tale" typeface="Microsoft Tai Le"/>
-        <a:font script="Talu" typeface="Microsoft New Tai Lue"/>
-        <a:font script="Tfng" typeface="Ebrima"/>
       </a:majorFont>
       <a:minorFont>
-        <a:latin typeface="Aptos" panose="02110004020202020204"/>
+        <a:latin typeface="Times New Roman"/>
         <a:ea typeface=""/>
         <a:cs typeface=""/>
-        <a:font script="Jpan" typeface="游ゴシック"/>
-        <a:font script="Hang" typeface="맑은 고딕"/>
-        <a:font script="Hans" typeface="等线"/>
-        <a:font script="Hant" typeface="新細明體"/>
-        <a:font script="Arab" typeface="Arial"/>
-        <a:font script="Hebr" typeface="Arial"/>
-        <a:font script="Thai" typeface="Cordia New"/>
-        <a:font script="Ethi" typeface="Nyala"/>
-        <a:font script="Beng" typeface="Vrinda"/>
-        <a:font script="Gujr" typeface="Shruti"/>
-        <a:font script="Khmr" typeface="DaunPenh"/>
-        <a:font script="Knda" typeface="Tunga"/>
-        <a:font script="Guru" typeface="Raavi"/>
-        <a:font script="Cans" typeface="Euphemia"/>
-        <a:font script="Cher" typeface="Plantagenet Cherokee"/>
-        <a:font script="Yiii" typeface="Microsoft Yi Baiti"/>
-        <a:font script="Tibt" typeface="Microsoft Himalaya"/>
-        <a:font script="Thaa" typeface="MV Boli"/>
-        <a:font script="Deva" typeface="Mangal"/>
-        <a:font script="Telu" typeface="Gautami"/>
-        <a:font script="Taml" typeface="Latha"/>
-        <a:font script="Syrc" typeface="Estrangelo Edessa"/>
-        <a:font script="Orya" typeface="Kalinga"/>
-        <a:font script="Mlym" typeface="Kartika"/>
-        <a:font script="Laoo" typeface="DokChampa"/>
-        <a:font script="Sinh" typeface="Iskoola Pota"/>
-        <a:font script="Mong" typeface="Mongolian Baiti"/>
-        <a:font script="Viet" typeface="Arial"/>
-        <a:font script="Uigh" typeface="Microsoft Uighur"/>
-        <a:font script="Geor" typeface="Sylfaen"/>
-        <a:font script="Armn" typeface="Arial"/>
-        <a:font script="Bugi" typeface="Leelawadee UI"/>
-        <a:font script="Bopo" typeface="Microsoft JhengHei"/>
-        <a:font script="Java" typeface="Javanese Text"/>
-        <a:font script="Lisu" typeface="Segoe UI"/>
-        <a:font script="Mymr" typeface="Myanmar Text"/>
-        <a:font script="Nkoo" typeface="Ebrima"/>
-        <a:font script="Olck" typeface="Nirmala UI"/>
-        <a:font script="Osma" typeface="Ebrima"/>
-        <a:font script="Phag" typeface="Phagspa"/>
-        <a:font script="Syrn" typeface="Estrangelo Edessa"/>
-        <a:font script="Syrj" typeface="Estrangelo Edessa"/>
-        <a:font script="Syre" typeface="Estrangelo Edessa"/>
-        <a:font script="Sora" typeface="Nirmala UI"/>
-        <a:font script="Tale" typeface="Microsoft Tai Le"/>
-        <a:font script="Talu" typeface="Microsoft New Tai Lue"/>
-        <a:font script="Tfng" typeface="Ebrima"/>
       </a:minorFont>
     </a:fontScheme>
     <a:fmtScheme name="Office">

--- a/images/Masterarbeit Diagramme.pptx
+++ b/images/Masterarbeit Diagramme.pptx
@@ -272,7 +272,7 @@
           <a:p>
             <a:fld id="{DCC18975-A71B-4189-B470-FED950D0708F}" type="datetimeFigureOut">
               <a:rPr lang="de-DE" smtClean="0"/>
-              <a:t>04.06.2024</a:t>
+              <a:t>06.06.2024</a:t>
             </a:fld>
             <a:endParaRPr lang="de-DE"/>
           </a:p>
@@ -470,7 +470,7 @@
           <a:p>
             <a:fld id="{DCC18975-A71B-4189-B470-FED950D0708F}" type="datetimeFigureOut">
               <a:rPr lang="de-DE" smtClean="0"/>
-              <a:t>04.06.2024</a:t>
+              <a:t>06.06.2024</a:t>
             </a:fld>
             <a:endParaRPr lang="de-DE"/>
           </a:p>
@@ -678,7 +678,7 @@
           <a:p>
             <a:fld id="{DCC18975-A71B-4189-B470-FED950D0708F}" type="datetimeFigureOut">
               <a:rPr lang="de-DE" smtClean="0"/>
-              <a:t>04.06.2024</a:t>
+              <a:t>06.06.2024</a:t>
             </a:fld>
             <a:endParaRPr lang="de-DE"/>
           </a:p>
@@ -876,7 +876,7 @@
           <a:p>
             <a:fld id="{DCC18975-A71B-4189-B470-FED950D0708F}" type="datetimeFigureOut">
               <a:rPr lang="de-DE" smtClean="0"/>
-              <a:t>04.06.2024</a:t>
+              <a:t>06.06.2024</a:t>
             </a:fld>
             <a:endParaRPr lang="de-DE"/>
           </a:p>
@@ -1151,7 +1151,7 @@
           <a:p>
             <a:fld id="{DCC18975-A71B-4189-B470-FED950D0708F}" type="datetimeFigureOut">
               <a:rPr lang="de-DE" smtClean="0"/>
-              <a:t>04.06.2024</a:t>
+              <a:t>06.06.2024</a:t>
             </a:fld>
             <a:endParaRPr lang="de-DE"/>
           </a:p>
@@ -1416,7 +1416,7 @@
           <a:p>
             <a:fld id="{DCC18975-A71B-4189-B470-FED950D0708F}" type="datetimeFigureOut">
               <a:rPr lang="de-DE" smtClean="0"/>
-              <a:t>04.06.2024</a:t>
+              <a:t>06.06.2024</a:t>
             </a:fld>
             <a:endParaRPr lang="de-DE"/>
           </a:p>
@@ -1828,7 +1828,7 @@
           <a:p>
             <a:fld id="{DCC18975-A71B-4189-B470-FED950D0708F}" type="datetimeFigureOut">
               <a:rPr lang="de-DE" smtClean="0"/>
-              <a:t>04.06.2024</a:t>
+              <a:t>06.06.2024</a:t>
             </a:fld>
             <a:endParaRPr lang="de-DE"/>
           </a:p>
@@ -1969,7 +1969,7 @@
           <a:p>
             <a:fld id="{DCC18975-A71B-4189-B470-FED950D0708F}" type="datetimeFigureOut">
               <a:rPr lang="de-DE" smtClean="0"/>
-              <a:t>04.06.2024</a:t>
+              <a:t>06.06.2024</a:t>
             </a:fld>
             <a:endParaRPr lang="de-DE"/>
           </a:p>
@@ -2082,7 +2082,7 @@
           <a:p>
             <a:fld id="{DCC18975-A71B-4189-B470-FED950D0708F}" type="datetimeFigureOut">
               <a:rPr lang="de-DE" smtClean="0"/>
-              <a:t>04.06.2024</a:t>
+              <a:t>06.06.2024</a:t>
             </a:fld>
             <a:endParaRPr lang="de-DE"/>
           </a:p>
@@ -2409,7 +2409,7 @@
           <a:p>
             <a:fld id="{DCC18975-A71B-4189-B470-FED950D0708F}" type="datetimeFigureOut">
               <a:rPr lang="de-DE" smtClean="0"/>
-              <a:t>04.06.2024</a:t>
+              <a:t>06.06.2024</a:t>
             </a:fld>
             <a:endParaRPr lang="de-DE"/>
           </a:p>
@@ -2697,7 +2697,7 @@
           <a:p>
             <a:fld id="{DCC18975-A71B-4189-B470-FED950D0708F}" type="datetimeFigureOut">
               <a:rPr lang="de-DE" smtClean="0"/>
-              <a:t>04.06.2024</a:t>
+              <a:t>06.06.2024</a:t>
             </a:fld>
             <a:endParaRPr lang="de-DE"/>
           </a:p>
@@ -2938,7 +2938,7 @@
           <a:p>
             <a:fld id="{DCC18975-A71B-4189-B470-FED950D0708F}" type="datetimeFigureOut">
               <a:rPr lang="de-DE" smtClean="0"/>
-              <a:t>04.06.2024</a:t>
+              <a:t>06.06.2024</a:t>
             </a:fld>
             <a:endParaRPr lang="de-DE"/>
           </a:p>
@@ -4201,8 +4201,8 @@
         </p:nvSpPr>
         <p:spPr>
           <a:xfrm>
-            <a:off x="1378224" y="3326130"/>
-            <a:ext cx="784189" cy="738664"/>
+            <a:off x="1660211" y="3359130"/>
+            <a:ext cx="700833" cy="646331"/>
           </a:xfrm>
           <a:prstGeom prst="rect">
             <a:avLst/>
@@ -4216,19 +4216,19 @@
           <a:lstStyle/>
           <a:p>
             <a:r>
-              <a:rPr lang="en-US" sz="1400" dirty="0"/>
+              <a:rPr lang="en-US" sz="1200" dirty="0"/>
               <a:t>Task</a:t>
             </a:r>
           </a:p>
           <a:p>
             <a:r>
-              <a:rPr lang="en-US" sz="1400" dirty="0"/>
+              <a:rPr lang="en-US" sz="1200" dirty="0"/>
               <a:t>Solving</a:t>
             </a:r>
           </a:p>
           <a:p>
             <a:r>
-              <a:rPr lang="en-US" sz="1400" dirty="0"/>
+              <a:rPr lang="en-US" sz="1200" dirty="0"/>
               <a:t>capacity</a:t>
             </a:r>
           </a:p>

--- a/images/Masterarbeit Diagramme.pptx
+++ b/images/Masterarbeit Diagramme.pptx
@@ -8,6 +8,8 @@
     <p:sldId id="256" r:id="rId2"/>
     <p:sldId id="257" r:id="rId3"/>
     <p:sldId id="258" r:id="rId4"/>
+    <p:sldId id="259" r:id="rId5"/>
+    <p:sldId id="260" r:id="rId6"/>
   </p:sldIdLst>
   <p:sldSz cx="12192000" cy="6858000"/>
   <p:notesSz cx="6858000" cy="9144000"/>
@@ -272,7 +274,7 @@
           <a:p>
             <a:fld id="{DCC18975-A71B-4189-B470-FED950D0708F}" type="datetimeFigureOut">
               <a:rPr lang="de-DE" smtClean="0"/>
-              <a:t>06.06.2024</a:t>
+              <a:t>23.06.2024</a:t>
             </a:fld>
             <a:endParaRPr lang="de-DE"/>
           </a:p>
@@ -470,7 +472,7 @@
           <a:p>
             <a:fld id="{DCC18975-A71B-4189-B470-FED950D0708F}" type="datetimeFigureOut">
               <a:rPr lang="de-DE" smtClean="0"/>
-              <a:t>06.06.2024</a:t>
+              <a:t>23.06.2024</a:t>
             </a:fld>
             <a:endParaRPr lang="de-DE"/>
           </a:p>
@@ -678,7 +680,7 @@
           <a:p>
             <a:fld id="{DCC18975-A71B-4189-B470-FED950D0708F}" type="datetimeFigureOut">
               <a:rPr lang="de-DE" smtClean="0"/>
-              <a:t>06.06.2024</a:t>
+              <a:t>23.06.2024</a:t>
             </a:fld>
             <a:endParaRPr lang="de-DE"/>
           </a:p>
@@ -876,7 +878,7 @@
           <a:p>
             <a:fld id="{DCC18975-A71B-4189-B470-FED950D0708F}" type="datetimeFigureOut">
               <a:rPr lang="de-DE" smtClean="0"/>
-              <a:t>06.06.2024</a:t>
+              <a:t>23.06.2024</a:t>
             </a:fld>
             <a:endParaRPr lang="de-DE"/>
           </a:p>
@@ -1151,7 +1153,7 @@
           <a:p>
             <a:fld id="{DCC18975-A71B-4189-B470-FED950D0708F}" type="datetimeFigureOut">
               <a:rPr lang="de-DE" smtClean="0"/>
-              <a:t>06.06.2024</a:t>
+              <a:t>23.06.2024</a:t>
             </a:fld>
             <a:endParaRPr lang="de-DE"/>
           </a:p>
@@ -1416,7 +1418,7 @@
           <a:p>
             <a:fld id="{DCC18975-A71B-4189-B470-FED950D0708F}" type="datetimeFigureOut">
               <a:rPr lang="de-DE" smtClean="0"/>
-              <a:t>06.06.2024</a:t>
+              <a:t>23.06.2024</a:t>
             </a:fld>
             <a:endParaRPr lang="de-DE"/>
           </a:p>
@@ -1828,7 +1830,7 @@
           <a:p>
             <a:fld id="{DCC18975-A71B-4189-B470-FED950D0708F}" type="datetimeFigureOut">
               <a:rPr lang="de-DE" smtClean="0"/>
-              <a:t>06.06.2024</a:t>
+              <a:t>23.06.2024</a:t>
             </a:fld>
             <a:endParaRPr lang="de-DE"/>
           </a:p>
@@ -1969,7 +1971,7 @@
           <a:p>
             <a:fld id="{DCC18975-A71B-4189-B470-FED950D0708F}" type="datetimeFigureOut">
               <a:rPr lang="de-DE" smtClean="0"/>
-              <a:t>06.06.2024</a:t>
+              <a:t>23.06.2024</a:t>
             </a:fld>
             <a:endParaRPr lang="de-DE"/>
           </a:p>
@@ -2082,7 +2084,7 @@
           <a:p>
             <a:fld id="{DCC18975-A71B-4189-B470-FED950D0708F}" type="datetimeFigureOut">
               <a:rPr lang="de-DE" smtClean="0"/>
-              <a:t>06.06.2024</a:t>
+              <a:t>23.06.2024</a:t>
             </a:fld>
             <a:endParaRPr lang="de-DE"/>
           </a:p>
@@ -2409,7 +2411,7 @@
           <a:p>
             <a:fld id="{DCC18975-A71B-4189-B470-FED950D0708F}" type="datetimeFigureOut">
               <a:rPr lang="de-DE" smtClean="0"/>
-              <a:t>06.06.2024</a:t>
+              <a:t>23.06.2024</a:t>
             </a:fld>
             <a:endParaRPr lang="de-DE"/>
           </a:p>
@@ -2697,7 +2699,7 @@
           <a:p>
             <a:fld id="{DCC18975-A71B-4189-B470-FED950D0708F}" type="datetimeFigureOut">
               <a:rPr lang="de-DE" smtClean="0"/>
-              <a:t>06.06.2024</a:t>
+              <a:t>23.06.2024</a:t>
             </a:fld>
             <a:endParaRPr lang="de-DE"/>
           </a:p>
@@ -2938,7 +2940,7 @@
           <a:p>
             <a:fld id="{DCC18975-A71B-4189-B470-FED950D0708F}" type="datetimeFigureOut">
               <a:rPr lang="de-DE" smtClean="0"/>
-              <a:t>06.06.2024</a:t>
+              <a:t>23.06.2024</a:t>
             </a:fld>
             <a:endParaRPr lang="de-DE"/>
           </a:p>
@@ -5055,6 +5057,5712 @@
 </p:sld>
 </file>
 
+<file path=ppt/slides/slide4.xml><?xml version="1.0" encoding="utf-8"?>
+<p:sld xmlns:a="http://schemas.openxmlformats.org/drawingml/2006/main" xmlns:r="http://schemas.openxmlformats.org/officeDocument/2006/relationships" xmlns:p="http://schemas.openxmlformats.org/presentationml/2006/main">
+  <p:cSld>
+    <p:spTree>
+      <p:nvGrpSpPr>
+        <p:cNvPr id="1" name=""/>
+        <p:cNvGrpSpPr/>
+        <p:nvPr/>
+      </p:nvGrpSpPr>
+      <p:grpSpPr>
+        <a:xfrm>
+          <a:off x="0" y="0"/>
+          <a:ext cx="0" cy="0"/>
+          <a:chOff x="0" y="0"/>
+          <a:chExt cx="0" cy="0"/>
+        </a:xfrm>
+      </p:grpSpPr>
+      <p:cxnSp>
+        <p:nvCxnSpPr>
+          <p:cNvPr id="30" name="Gerader Verbinder 29">
+            <a:extLst>
+              <a:ext uri="{FF2B5EF4-FFF2-40B4-BE49-F238E27FC236}">
+                <a16:creationId xmlns:a16="http://schemas.microsoft.com/office/drawing/2014/main" id="{1F078B27-8037-B6EB-25AA-E43E72D17038}"/>
+              </a:ext>
+            </a:extLst>
+          </p:cNvPr>
+          <p:cNvCxnSpPr>
+            <a:cxnSpLocks/>
+            <a:endCxn id="27" idx="0"/>
+          </p:cNvCxnSpPr>
+          <p:nvPr/>
+        </p:nvCxnSpPr>
+        <p:spPr>
+          <a:xfrm>
+            <a:off x="1930400" y="2407169"/>
+            <a:ext cx="1302150" cy="1231380"/>
+          </a:xfrm>
+          <a:prstGeom prst="line">
+            <a:avLst/>
+          </a:prstGeom>
+          <a:ln w="9525">
+            <a:solidFill>
+              <a:schemeClr val="bg1">
+                <a:lumMod val="65000"/>
+              </a:schemeClr>
+            </a:solidFill>
+            <a:prstDash val="sysDash"/>
+          </a:ln>
+        </p:spPr>
+        <p:style>
+          <a:lnRef idx="2">
+            <a:schemeClr val="accent1"/>
+          </a:lnRef>
+          <a:fillRef idx="0">
+            <a:schemeClr val="accent1"/>
+          </a:fillRef>
+          <a:effectRef idx="1">
+            <a:schemeClr val="accent1"/>
+          </a:effectRef>
+          <a:fontRef idx="minor">
+            <a:schemeClr val="tx1"/>
+          </a:fontRef>
+        </p:style>
+      </p:cxnSp>
+      <p:cxnSp>
+        <p:nvCxnSpPr>
+          <p:cNvPr id="3" name="Gerade Verbindung mit Pfeil 2">
+            <a:extLst>
+              <a:ext uri="{FF2B5EF4-FFF2-40B4-BE49-F238E27FC236}">
+                <a16:creationId xmlns:a16="http://schemas.microsoft.com/office/drawing/2014/main" id="{BF47E16E-38E4-6879-116F-97C7B1FFFFF7}"/>
+              </a:ext>
+            </a:extLst>
+          </p:cNvPr>
+          <p:cNvCxnSpPr>
+            <a:cxnSpLocks/>
+          </p:cNvCxnSpPr>
+          <p:nvPr/>
+        </p:nvCxnSpPr>
+        <p:spPr>
+          <a:xfrm flipV="1">
+            <a:off x="1930400" y="1733550"/>
+            <a:ext cx="0" cy="1908000"/>
+          </a:xfrm>
+          <a:prstGeom prst="straightConnector1">
+            <a:avLst/>
+          </a:prstGeom>
+          <a:ln w="12700">
+            <a:solidFill>
+              <a:schemeClr val="tx1"/>
+            </a:solidFill>
+            <a:tailEnd type="triangle"/>
+          </a:ln>
+        </p:spPr>
+        <p:style>
+          <a:lnRef idx="2">
+            <a:schemeClr val="accent1"/>
+          </a:lnRef>
+          <a:fillRef idx="0">
+            <a:schemeClr val="accent1"/>
+          </a:fillRef>
+          <a:effectRef idx="1">
+            <a:schemeClr val="accent1"/>
+          </a:effectRef>
+          <a:fontRef idx="minor">
+            <a:schemeClr val="tx1"/>
+          </a:fontRef>
+        </p:style>
+      </p:cxnSp>
+      <p:cxnSp>
+        <p:nvCxnSpPr>
+          <p:cNvPr id="6" name="Gerade Verbindung mit Pfeil 5">
+            <a:extLst>
+              <a:ext uri="{FF2B5EF4-FFF2-40B4-BE49-F238E27FC236}">
+                <a16:creationId xmlns:a16="http://schemas.microsoft.com/office/drawing/2014/main" id="{3F357AA5-244C-FEFB-6359-A21027D97C0B}"/>
+              </a:ext>
+            </a:extLst>
+          </p:cNvPr>
+          <p:cNvCxnSpPr>
+            <a:cxnSpLocks/>
+          </p:cNvCxnSpPr>
+          <p:nvPr/>
+        </p:nvCxnSpPr>
+        <p:spPr>
+          <a:xfrm>
+            <a:off x="1926431" y="3638550"/>
+            <a:ext cx="1908000" cy="0"/>
+          </a:xfrm>
+          <a:prstGeom prst="straightConnector1">
+            <a:avLst/>
+          </a:prstGeom>
+          <a:ln w="12700">
+            <a:solidFill>
+              <a:schemeClr val="tx1"/>
+            </a:solidFill>
+            <a:tailEnd type="triangle"/>
+          </a:ln>
+        </p:spPr>
+        <p:style>
+          <a:lnRef idx="2">
+            <a:schemeClr val="accent1"/>
+          </a:lnRef>
+          <a:fillRef idx="0">
+            <a:schemeClr val="accent1"/>
+          </a:fillRef>
+          <a:effectRef idx="1">
+            <a:schemeClr val="accent1"/>
+          </a:effectRef>
+          <a:fontRef idx="minor">
+            <a:schemeClr val="tx1"/>
+          </a:fontRef>
+        </p:style>
+      </p:cxnSp>
+      <p:cxnSp>
+        <p:nvCxnSpPr>
+          <p:cNvPr id="14" name="Gerader Verbinder 13">
+            <a:extLst>
+              <a:ext uri="{FF2B5EF4-FFF2-40B4-BE49-F238E27FC236}">
+                <a16:creationId xmlns:a16="http://schemas.microsoft.com/office/drawing/2014/main" id="{21B2C62D-0AE6-4B99-14F9-FFAA6F8C5F7F}"/>
+              </a:ext>
+            </a:extLst>
+          </p:cNvPr>
+          <p:cNvCxnSpPr>
+            <a:cxnSpLocks/>
+          </p:cNvCxnSpPr>
+          <p:nvPr/>
+        </p:nvCxnSpPr>
+        <p:spPr>
+          <a:xfrm>
+            <a:off x="2368550" y="3588542"/>
+            <a:ext cx="0" cy="108000"/>
+          </a:xfrm>
+          <a:prstGeom prst="line">
+            <a:avLst/>
+          </a:prstGeom>
+          <a:ln w="6350">
+            <a:solidFill>
+              <a:schemeClr val="tx1"/>
+            </a:solidFill>
+          </a:ln>
+        </p:spPr>
+        <p:style>
+          <a:lnRef idx="2">
+            <a:schemeClr val="accent1"/>
+          </a:lnRef>
+          <a:fillRef idx="0">
+            <a:schemeClr val="accent1"/>
+          </a:fillRef>
+          <a:effectRef idx="1">
+            <a:schemeClr val="accent1"/>
+          </a:effectRef>
+          <a:fontRef idx="minor">
+            <a:schemeClr val="tx1"/>
+          </a:fontRef>
+        </p:style>
+      </p:cxnSp>
+      <p:cxnSp>
+        <p:nvCxnSpPr>
+          <p:cNvPr id="16" name="Gerader Verbinder 15">
+            <a:extLst>
+              <a:ext uri="{FF2B5EF4-FFF2-40B4-BE49-F238E27FC236}">
+                <a16:creationId xmlns:a16="http://schemas.microsoft.com/office/drawing/2014/main" id="{949EA268-F1A3-C800-9B3E-6CD1F31D9460}"/>
+              </a:ext>
+            </a:extLst>
+          </p:cNvPr>
+          <p:cNvCxnSpPr>
+            <a:cxnSpLocks/>
+          </p:cNvCxnSpPr>
+          <p:nvPr/>
+        </p:nvCxnSpPr>
+        <p:spPr>
+          <a:xfrm>
+            <a:off x="3232550" y="3588542"/>
+            <a:ext cx="0" cy="108000"/>
+          </a:xfrm>
+          <a:prstGeom prst="line">
+            <a:avLst/>
+          </a:prstGeom>
+          <a:ln w="6350">
+            <a:solidFill>
+              <a:schemeClr val="tx1"/>
+            </a:solidFill>
+          </a:ln>
+        </p:spPr>
+        <p:style>
+          <a:lnRef idx="2">
+            <a:schemeClr val="accent1"/>
+          </a:lnRef>
+          <a:fillRef idx="0">
+            <a:schemeClr val="accent1"/>
+          </a:fillRef>
+          <a:effectRef idx="1">
+            <a:schemeClr val="accent1"/>
+          </a:effectRef>
+          <a:fontRef idx="minor">
+            <a:schemeClr val="tx1"/>
+          </a:fontRef>
+        </p:style>
+      </p:cxnSp>
+      <p:cxnSp>
+        <p:nvCxnSpPr>
+          <p:cNvPr id="17" name="Gerader Verbinder 16">
+            <a:extLst>
+              <a:ext uri="{FF2B5EF4-FFF2-40B4-BE49-F238E27FC236}">
+                <a16:creationId xmlns:a16="http://schemas.microsoft.com/office/drawing/2014/main" id="{54D76365-1847-2EA4-25B9-9DF856EA0308}"/>
+              </a:ext>
+            </a:extLst>
+          </p:cNvPr>
+          <p:cNvCxnSpPr>
+            <a:cxnSpLocks/>
+          </p:cNvCxnSpPr>
+          <p:nvPr/>
+        </p:nvCxnSpPr>
+        <p:spPr>
+          <a:xfrm flipH="1">
+            <a:off x="1873225" y="3259692"/>
+            <a:ext cx="108000" cy="0"/>
+          </a:xfrm>
+          <a:prstGeom prst="line">
+            <a:avLst/>
+          </a:prstGeom>
+          <a:ln w="6350">
+            <a:solidFill>
+              <a:schemeClr val="tx1"/>
+            </a:solidFill>
+          </a:ln>
+        </p:spPr>
+        <p:style>
+          <a:lnRef idx="2">
+            <a:schemeClr val="accent1"/>
+          </a:lnRef>
+          <a:fillRef idx="0">
+            <a:schemeClr val="accent1"/>
+          </a:fillRef>
+          <a:effectRef idx="1">
+            <a:schemeClr val="accent1"/>
+          </a:effectRef>
+          <a:fontRef idx="minor">
+            <a:schemeClr val="tx1"/>
+          </a:fontRef>
+        </p:style>
+      </p:cxnSp>
+      <p:cxnSp>
+        <p:nvCxnSpPr>
+          <p:cNvPr id="19" name="Gerader Verbinder 18">
+            <a:extLst>
+              <a:ext uri="{FF2B5EF4-FFF2-40B4-BE49-F238E27FC236}">
+                <a16:creationId xmlns:a16="http://schemas.microsoft.com/office/drawing/2014/main" id="{6EFF1A53-EE24-E0BA-CD7B-67D09EC91AC2}"/>
+              </a:ext>
+            </a:extLst>
+          </p:cNvPr>
+          <p:cNvCxnSpPr>
+            <a:cxnSpLocks/>
+          </p:cNvCxnSpPr>
+          <p:nvPr/>
+        </p:nvCxnSpPr>
+        <p:spPr>
+          <a:xfrm flipH="1">
+            <a:off x="1873225" y="2401887"/>
+            <a:ext cx="108000" cy="0"/>
+          </a:xfrm>
+          <a:prstGeom prst="line">
+            <a:avLst/>
+          </a:prstGeom>
+          <a:ln w="6350">
+            <a:solidFill>
+              <a:schemeClr val="tx1"/>
+            </a:solidFill>
+          </a:ln>
+        </p:spPr>
+        <p:style>
+          <a:lnRef idx="2">
+            <a:schemeClr val="accent1"/>
+          </a:lnRef>
+          <a:fillRef idx="0">
+            <a:schemeClr val="accent1"/>
+          </a:fillRef>
+          <a:effectRef idx="1">
+            <a:schemeClr val="accent1"/>
+          </a:effectRef>
+          <a:fontRef idx="minor">
+            <a:schemeClr val="tx1"/>
+          </a:fontRef>
+        </p:style>
+      </p:cxnSp>
+      <p:sp>
+        <p:nvSpPr>
+          <p:cNvPr id="21" name="Ellipse 20">
+            <a:extLst>
+              <a:ext uri="{FF2B5EF4-FFF2-40B4-BE49-F238E27FC236}">
+                <a16:creationId xmlns:a16="http://schemas.microsoft.com/office/drawing/2014/main" id="{BDFD5005-EF50-B883-1CA5-52FAE9F92A5B}"/>
+              </a:ext>
+            </a:extLst>
+          </p:cNvPr>
+          <p:cNvSpPr>
+            <a:spLocks noChangeAspect="1"/>
+          </p:cNvSpPr>
+          <p:nvPr/>
+        </p:nvSpPr>
+        <p:spPr>
+          <a:xfrm>
+            <a:off x="2340831" y="2371169"/>
+            <a:ext cx="36000" cy="36000"/>
+          </a:xfrm>
+          <a:prstGeom prst="ellipse">
+            <a:avLst/>
+          </a:prstGeom>
+          <a:solidFill>
+            <a:schemeClr val="accent6">
+              <a:lumMod val="75000"/>
+            </a:schemeClr>
+          </a:solidFill>
+          <a:ln>
+            <a:noFill/>
+          </a:ln>
+        </p:spPr>
+        <p:style>
+          <a:lnRef idx="2">
+            <a:schemeClr val="accent1">
+              <a:shade val="15000"/>
+            </a:schemeClr>
+          </a:lnRef>
+          <a:fillRef idx="1">
+            <a:schemeClr val="accent1"/>
+          </a:fillRef>
+          <a:effectRef idx="0">
+            <a:schemeClr val="accent1"/>
+          </a:effectRef>
+          <a:fontRef idx="minor">
+            <a:schemeClr val="lt1"/>
+          </a:fontRef>
+        </p:style>
+        <p:txBody>
+          <a:bodyPr rtlCol="0" anchor="ctr"/>
+          <a:lstStyle/>
+          <a:p>
+            <a:pPr algn="ctr"/>
+            <a:endParaRPr lang="de-DE"/>
+          </a:p>
+        </p:txBody>
+      </p:sp>
+      <p:sp>
+        <p:nvSpPr>
+          <p:cNvPr id="22" name="Ellipse 21">
+            <a:extLst>
+              <a:ext uri="{FF2B5EF4-FFF2-40B4-BE49-F238E27FC236}">
+                <a16:creationId xmlns:a16="http://schemas.microsoft.com/office/drawing/2014/main" id="{9FDE4608-6EE5-DF63-1618-E6E685B54333}"/>
+              </a:ext>
+            </a:extLst>
+          </p:cNvPr>
+          <p:cNvSpPr>
+            <a:spLocks noChangeAspect="1"/>
+          </p:cNvSpPr>
+          <p:nvPr/>
+        </p:nvSpPr>
+        <p:spPr>
+          <a:xfrm>
+            <a:off x="2340000" y="3249387"/>
+            <a:ext cx="36000" cy="36000"/>
+          </a:xfrm>
+          <a:prstGeom prst="ellipse">
+            <a:avLst/>
+          </a:prstGeom>
+          <a:solidFill>
+            <a:srgbClr val="FFC000"/>
+          </a:solidFill>
+          <a:ln>
+            <a:noFill/>
+          </a:ln>
+        </p:spPr>
+        <p:style>
+          <a:lnRef idx="2">
+            <a:schemeClr val="accent1">
+              <a:shade val="15000"/>
+            </a:schemeClr>
+          </a:lnRef>
+          <a:fillRef idx="1">
+            <a:schemeClr val="accent1"/>
+          </a:fillRef>
+          <a:effectRef idx="0">
+            <a:schemeClr val="accent1"/>
+          </a:effectRef>
+          <a:fontRef idx="minor">
+            <a:schemeClr val="lt1"/>
+          </a:fontRef>
+        </p:style>
+        <p:txBody>
+          <a:bodyPr rtlCol="0" anchor="ctr"/>
+          <a:lstStyle/>
+          <a:p>
+            <a:pPr algn="ctr"/>
+            <a:endParaRPr lang="de-DE"/>
+          </a:p>
+        </p:txBody>
+      </p:sp>
+      <p:sp>
+        <p:nvSpPr>
+          <p:cNvPr id="23" name="Ellipse 22">
+            <a:extLst>
+              <a:ext uri="{FF2B5EF4-FFF2-40B4-BE49-F238E27FC236}">
+                <a16:creationId xmlns:a16="http://schemas.microsoft.com/office/drawing/2014/main" id="{C398FC02-2664-434D-F14E-F9DAABFE8598}"/>
+              </a:ext>
+            </a:extLst>
+          </p:cNvPr>
+          <p:cNvSpPr>
+            <a:spLocks noChangeAspect="1"/>
+          </p:cNvSpPr>
+          <p:nvPr/>
+        </p:nvSpPr>
+        <p:spPr>
+          <a:xfrm>
+            <a:off x="3214550" y="3249387"/>
+            <a:ext cx="36000" cy="36000"/>
+          </a:xfrm>
+          <a:prstGeom prst="ellipse">
+            <a:avLst/>
+          </a:prstGeom>
+          <a:solidFill>
+            <a:schemeClr val="accent6">
+              <a:lumMod val="75000"/>
+            </a:schemeClr>
+          </a:solidFill>
+          <a:ln>
+            <a:noFill/>
+          </a:ln>
+        </p:spPr>
+        <p:style>
+          <a:lnRef idx="2">
+            <a:schemeClr val="accent1">
+              <a:shade val="15000"/>
+            </a:schemeClr>
+          </a:lnRef>
+          <a:fillRef idx="1">
+            <a:schemeClr val="accent1"/>
+          </a:fillRef>
+          <a:effectRef idx="0">
+            <a:schemeClr val="accent1"/>
+          </a:effectRef>
+          <a:fontRef idx="minor">
+            <a:schemeClr val="lt1"/>
+          </a:fontRef>
+        </p:style>
+        <p:txBody>
+          <a:bodyPr rtlCol="0" anchor="ctr"/>
+          <a:lstStyle/>
+          <a:p>
+            <a:pPr algn="ctr"/>
+            <a:endParaRPr lang="de-DE"/>
+          </a:p>
+        </p:txBody>
+      </p:sp>
+      <p:sp>
+        <p:nvSpPr>
+          <p:cNvPr id="24" name="Ellipse 23">
+            <a:extLst>
+              <a:ext uri="{FF2B5EF4-FFF2-40B4-BE49-F238E27FC236}">
+                <a16:creationId xmlns:a16="http://schemas.microsoft.com/office/drawing/2014/main" id="{9B1ACFDE-1EEC-E884-4A59-C688FBB6AD90}"/>
+              </a:ext>
+            </a:extLst>
+          </p:cNvPr>
+          <p:cNvSpPr>
+            <a:spLocks noChangeAspect="1"/>
+          </p:cNvSpPr>
+          <p:nvPr/>
+        </p:nvSpPr>
+        <p:spPr>
+          <a:xfrm>
+            <a:off x="3214550" y="2380887"/>
+            <a:ext cx="36000" cy="36000"/>
+          </a:xfrm>
+          <a:prstGeom prst="ellipse">
+            <a:avLst/>
+          </a:prstGeom>
+          <a:solidFill>
+            <a:schemeClr val="accent6">
+              <a:lumMod val="75000"/>
+            </a:schemeClr>
+          </a:solidFill>
+          <a:ln>
+            <a:noFill/>
+          </a:ln>
+        </p:spPr>
+        <p:style>
+          <a:lnRef idx="2">
+            <a:schemeClr val="accent1">
+              <a:shade val="15000"/>
+            </a:schemeClr>
+          </a:lnRef>
+          <a:fillRef idx="1">
+            <a:schemeClr val="accent1"/>
+          </a:fillRef>
+          <a:effectRef idx="0">
+            <a:schemeClr val="accent1"/>
+          </a:effectRef>
+          <a:fontRef idx="minor">
+            <a:schemeClr val="lt1"/>
+          </a:fontRef>
+        </p:style>
+        <p:txBody>
+          <a:bodyPr rtlCol="0" anchor="ctr"/>
+          <a:lstStyle/>
+          <a:p>
+            <a:pPr algn="ctr"/>
+            <a:endParaRPr lang="de-DE"/>
+          </a:p>
+        </p:txBody>
+      </p:sp>
+      <p:sp>
+        <p:nvSpPr>
+          <p:cNvPr id="25" name="Textfeld 24">
+            <a:extLst>
+              <a:ext uri="{FF2B5EF4-FFF2-40B4-BE49-F238E27FC236}">
+                <a16:creationId xmlns:a16="http://schemas.microsoft.com/office/drawing/2014/main" id="{79E7F050-2406-09D7-F874-7476803A1A44}"/>
+              </a:ext>
+            </a:extLst>
+          </p:cNvPr>
+          <p:cNvSpPr txBox="1"/>
+          <p:nvPr/>
+        </p:nvSpPr>
+        <p:spPr>
+          <a:xfrm>
+            <a:off x="1650790" y="3121192"/>
+            <a:ext cx="261610" cy="276999"/>
+          </a:xfrm>
+          <a:prstGeom prst="rect">
+            <a:avLst/>
+          </a:prstGeom>
+          <a:noFill/>
+        </p:spPr>
+        <p:txBody>
+          <a:bodyPr wrap="none" rtlCol="0">
+            <a:spAutoFit/>
+          </a:bodyPr>
+          <a:lstStyle/>
+          <a:p>
+            <a:r>
+              <a:rPr lang="de-DE" sz="1200" dirty="0"/>
+              <a:t>0</a:t>
+            </a:r>
+            <a:endParaRPr lang="de-DE" dirty="0"/>
+          </a:p>
+        </p:txBody>
+      </p:sp>
+      <p:sp>
+        <p:nvSpPr>
+          <p:cNvPr id="26" name="Textfeld 25">
+            <a:extLst>
+              <a:ext uri="{FF2B5EF4-FFF2-40B4-BE49-F238E27FC236}">
+                <a16:creationId xmlns:a16="http://schemas.microsoft.com/office/drawing/2014/main" id="{D203E4C2-C6D3-A466-A777-98D0C63904C6}"/>
+              </a:ext>
+            </a:extLst>
+          </p:cNvPr>
+          <p:cNvSpPr txBox="1"/>
+          <p:nvPr/>
+        </p:nvSpPr>
+        <p:spPr>
+          <a:xfrm>
+            <a:off x="2237745" y="3638550"/>
+            <a:ext cx="261610" cy="276999"/>
+          </a:xfrm>
+          <a:prstGeom prst="rect">
+            <a:avLst/>
+          </a:prstGeom>
+          <a:noFill/>
+        </p:spPr>
+        <p:txBody>
+          <a:bodyPr wrap="none" rtlCol="0">
+            <a:spAutoFit/>
+          </a:bodyPr>
+          <a:lstStyle/>
+          <a:p>
+            <a:r>
+              <a:rPr lang="de-DE" sz="1200" dirty="0"/>
+              <a:t>0</a:t>
+            </a:r>
+            <a:endParaRPr lang="de-DE" dirty="0"/>
+          </a:p>
+        </p:txBody>
+      </p:sp>
+      <p:sp>
+        <p:nvSpPr>
+          <p:cNvPr id="27" name="Textfeld 26">
+            <a:extLst>
+              <a:ext uri="{FF2B5EF4-FFF2-40B4-BE49-F238E27FC236}">
+                <a16:creationId xmlns:a16="http://schemas.microsoft.com/office/drawing/2014/main" id="{EB4CDE24-DC7A-744E-E7EC-E64CFD80AA5F}"/>
+              </a:ext>
+            </a:extLst>
+          </p:cNvPr>
+          <p:cNvSpPr txBox="1"/>
+          <p:nvPr/>
+        </p:nvSpPr>
+        <p:spPr>
+          <a:xfrm>
+            <a:off x="3101745" y="3638549"/>
+            <a:ext cx="261610" cy="276999"/>
+          </a:xfrm>
+          <a:prstGeom prst="rect">
+            <a:avLst/>
+          </a:prstGeom>
+          <a:noFill/>
+        </p:spPr>
+        <p:txBody>
+          <a:bodyPr wrap="none" rtlCol="0">
+            <a:spAutoFit/>
+          </a:bodyPr>
+          <a:lstStyle/>
+          <a:p>
+            <a:r>
+              <a:rPr lang="de-DE" sz="1200" dirty="0"/>
+              <a:t>1</a:t>
+            </a:r>
+            <a:endParaRPr lang="de-DE" dirty="0"/>
+          </a:p>
+        </p:txBody>
+      </p:sp>
+      <p:sp>
+        <p:nvSpPr>
+          <p:cNvPr id="28" name="Textfeld 27">
+            <a:extLst>
+              <a:ext uri="{FF2B5EF4-FFF2-40B4-BE49-F238E27FC236}">
+                <a16:creationId xmlns:a16="http://schemas.microsoft.com/office/drawing/2014/main" id="{D83AE56F-3A20-7CE4-DDB2-85FEBCC9275F}"/>
+              </a:ext>
+            </a:extLst>
+          </p:cNvPr>
+          <p:cNvSpPr txBox="1"/>
+          <p:nvPr/>
+        </p:nvSpPr>
+        <p:spPr>
+          <a:xfrm>
+            <a:off x="1650790" y="2260388"/>
+            <a:ext cx="261610" cy="276999"/>
+          </a:xfrm>
+          <a:prstGeom prst="rect">
+            <a:avLst/>
+          </a:prstGeom>
+          <a:noFill/>
+        </p:spPr>
+        <p:txBody>
+          <a:bodyPr wrap="none" rtlCol="0">
+            <a:spAutoFit/>
+          </a:bodyPr>
+          <a:lstStyle/>
+          <a:p>
+            <a:r>
+              <a:rPr lang="de-DE" sz="1200" dirty="0"/>
+              <a:t>1</a:t>
+            </a:r>
+            <a:endParaRPr lang="de-DE" dirty="0"/>
+          </a:p>
+        </p:txBody>
+      </p:sp>
+      <p:cxnSp>
+        <p:nvCxnSpPr>
+          <p:cNvPr id="36" name="Gerader Verbinder 35">
+            <a:extLst>
+              <a:ext uri="{FF2B5EF4-FFF2-40B4-BE49-F238E27FC236}">
+                <a16:creationId xmlns:a16="http://schemas.microsoft.com/office/drawing/2014/main" id="{AEC1E054-D5FA-15CC-3B3E-05D71FD315CE}"/>
+              </a:ext>
+            </a:extLst>
+          </p:cNvPr>
+          <p:cNvCxnSpPr>
+            <a:cxnSpLocks/>
+          </p:cNvCxnSpPr>
+          <p:nvPr/>
+        </p:nvCxnSpPr>
+        <p:spPr>
+          <a:xfrm>
+            <a:off x="5241415" y="1892300"/>
+            <a:ext cx="0" cy="1746248"/>
+          </a:xfrm>
+          <a:prstGeom prst="line">
+            <a:avLst/>
+          </a:prstGeom>
+          <a:ln w="9525">
+            <a:solidFill>
+              <a:schemeClr val="bg1">
+                <a:lumMod val="65000"/>
+              </a:schemeClr>
+            </a:solidFill>
+            <a:prstDash val="sysDash"/>
+          </a:ln>
+        </p:spPr>
+        <p:style>
+          <a:lnRef idx="2">
+            <a:schemeClr val="accent1"/>
+          </a:lnRef>
+          <a:fillRef idx="0">
+            <a:schemeClr val="accent1"/>
+          </a:fillRef>
+          <a:effectRef idx="1">
+            <a:schemeClr val="accent1"/>
+          </a:effectRef>
+          <a:fontRef idx="minor">
+            <a:schemeClr val="tx1"/>
+          </a:fontRef>
+        </p:style>
+      </p:cxnSp>
+      <p:cxnSp>
+        <p:nvCxnSpPr>
+          <p:cNvPr id="37" name="Gerade Verbindung mit Pfeil 36">
+            <a:extLst>
+              <a:ext uri="{FF2B5EF4-FFF2-40B4-BE49-F238E27FC236}">
+                <a16:creationId xmlns:a16="http://schemas.microsoft.com/office/drawing/2014/main" id="{7BECC1C4-B074-69D1-B670-099A836A33A7}"/>
+              </a:ext>
+            </a:extLst>
+          </p:cNvPr>
+          <p:cNvCxnSpPr>
+            <a:cxnSpLocks/>
+          </p:cNvCxnSpPr>
+          <p:nvPr/>
+        </p:nvCxnSpPr>
+        <p:spPr>
+          <a:xfrm flipV="1">
+            <a:off x="4376691" y="1733549"/>
+            <a:ext cx="0" cy="1908000"/>
+          </a:xfrm>
+          <a:prstGeom prst="straightConnector1">
+            <a:avLst/>
+          </a:prstGeom>
+          <a:ln w="12700">
+            <a:solidFill>
+              <a:schemeClr val="tx1"/>
+            </a:solidFill>
+            <a:tailEnd type="triangle"/>
+          </a:ln>
+        </p:spPr>
+        <p:style>
+          <a:lnRef idx="2">
+            <a:schemeClr val="accent1"/>
+          </a:lnRef>
+          <a:fillRef idx="0">
+            <a:schemeClr val="accent1"/>
+          </a:fillRef>
+          <a:effectRef idx="1">
+            <a:schemeClr val="accent1"/>
+          </a:effectRef>
+          <a:fontRef idx="minor">
+            <a:schemeClr val="tx1"/>
+          </a:fontRef>
+        </p:style>
+      </p:cxnSp>
+      <p:cxnSp>
+        <p:nvCxnSpPr>
+          <p:cNvPr id="38" name="Gerade Verbindung mit Pfeil 37">
+            <a:extLst>
+              <a:ext uri="{FF2B5EF4-FFF2-40B4-BE49-F238E27FC236}">
+                <a16:creationId xmlns:a16="http://schemas.microsoft.com/office/drawing/2014/main" id="{CDDFA580-DD0D-55ED-8F72-FE2FFB24E402}"/>
+              </a:ext>
+            </a:extLst>
+          </p:cNvPr>
+          <p:cNvCxnSpPr>
+            <a:cxnSpLocks/>
+          </p:cNvCxnSpPr>
+          <p:nvPr/>
+        </p:nvCxnSpPr>
+        <p:spPr>
+          <a:xfrm>
+            <a:off x="4372722" y="3638549"/>
+            <a:ext cx="1908000" cy="0"/>
+          </a:xfrm>
+          <a:prstGeom prst="straightConnector1">
+            <a:avLst/>
+          </a:prstGeom>
+          <a:ln w="12700">
+            <a:solidFill>
+              <a:schemeClr val="tx1"/>
+            </a:solidFill>
+            <a:tailEnd type="triangle"/>
+          </a:ln>
+        </p:spPr>
+        <p:style>
+          <a:lnRef idx="2">
+            <a:schemeClr val="accent1"/>
+          </a:lnRef>
+          <a:fillRef idx="0">
+            <a:schemeClr val="accent1"/>
+          </a:fillRef>
+          <a:effectRef idx="1">
+            <a:schemeClr val="accent1"/>
+          </a:effectRef>
+          <a:fontRef idx="minor">
+            <a:schemeClr val="tx1"/>
+          </a:fontRef>
+        </p:style>
+      </p:cxnSp>
+      <p:cxnSp>
+        <p:nvCxnSpPr>
+          <p:cNvPr id="39" name="Gerader Verbinder 38">
+            <a:extLst>
+              <a:ext uri="{FF2B5EF4-FFF2-40B4-BE49-F238E27FC236}">
+                <a16:creationId xmlns:a16="http://schemas.microsoft.com/office/drawing/2014/main" id="{564AB43B-CC11-28F5-DC70-8ACC3596DBB3}"/>
+              </a:ext>
+            </a:extLst>
+          </p:cNvPr>
+          <p:cNvCxnSpPr>
+            <a:cxnSpLocks/>
+          </p:cNvCxnSpPr>
+          <p:nvPr/>
+        </p:nvCxnSpPr>
+        <p:spPr>
+          <a:xfrm>
+            <a:off x="4814841" y="3588541"/>
+            <a:ext cx="0" cy="108000"/>
+          </a:xfrm>
+          <a:prstGeom prst="line">
+            <a:avLst/>
+          </a:prstGeom>
+          <a:ln w="6350">
+            <a:solidFill>
+              <a:schemeClr val="tx1"/>
+            </a:solidFill>
+          </a:ln>
+        </p:spPr>
+        <p:style>
+          <a:lnRef idx="2">
+            <a:schemeClr val="accent1"/>
+          </a:lnRef>
+          <a:fillRef idx="0">
+            <a:schemeClr val="accent1"/>
+          </a:fillRef>
+          <a:effectRef idx="1">
+            <a:schemeClr val="accent1"/>
+          </a:effectRef>
+          <a:fontRef idx="minor">
+            <a:schemeClr val="tx1"/>
+          </a:fontRef>
+        </p:style>
+      </p:cxnSp>
+      <p:cxnSp>
+        <p:nvCxnSpPr>
+          <p:cNvPr id="40" name="Gerader Verbinder 39">
+            <a:extLst>
+              <a:ext uri="{FF2B5EF4-FFF2-40B4-BE49-F238E27FC236}">
+                <a16:creationId xmlns:a16="http://schemas.microsoft.com/office/drawing/2014/main" id="{4D1769EC-A2C1-729C-E5C4-35C4198CA435}"/>
+              </a:ext>
+            </a:extLst>
+          </p:cNvPr>
+          <p:cNvCxnSpPr>
+            <a:cxnSpLocks/>
+          </p:cNvCxnSpPr>
+          <p:nvPr/>
+        </p:nvCxnSpPr>
+        <p:spPr>
+          <a:xfrm>
+            <a:off x="5678841" y="3588541"/>
+            <a:ext cx="0" cy="108000"/>
+          </a:xfrm>
+          <a:prstGeom prst="line">
+            <a:avLst/>
+          </a:prstGeom>
+          <a:ln w="6350">
+            <a:solidFill>
+              <a:schemeClr val="tx1"/>
+            </a:solidFill>
+          </a:ln>
+        </p:spPr>
+        <p:style>
+          <a:lnRef idx="2">
+            <a:schemeClr val="accent1"/>
+          </a:lnRef>
+          <a:fillRef idx="0">
+            <a:schemeClr val="accent1"/>
+          </a:fillRef>
+          <a:effectRef idx="1">
+            <a:schemeClr val="accent1"/>
+          </a:effectRef>
+          <a:fontRef idx="minor">
+            <a:schemeClr val="tx1"/>
+          </a:fontRef>
+        </p:style>
+      </p:cxnSp>
+      <p:cxnSp>
+        <p:nvCxnSpPr>
+          <p:cNvPr id="41" name="Gerader Verbinder 40">
+            <a:extLst>
+              <a:ext uri="{FF2B5EF4-FFF2-40B4-BE49-F238E27FC236}">
+                <a16:creationId xmlns:a16="http://schemas.microsoft.com/office/drawing/2014/main" id="{9990BB3B-22FF-C864-C222-36D4C4180591}"/>
+              </a:ext>
+            </a:extLst>
+          </p:cNvPr>
+          <p:cNvCxnSpPr>
+            <a:cxnSpLocks/>
+          </p:cNvCxnSpPr>
+          <p:nvPr/>
+        </p:nvCxnSpPr>
+        <p:spPr>
+          <a:xfrm flipH="1">
+            <a:off x="4319516" y="3259691"/>
+            <a:ext cx="108000" cy="0"/>
+          </a:xfrm>
+          <a:prstGeom prst="line">
+            <a:avLst/>
+          </a:prstGeom>
+          <a:ln w="6350">
+            <a:solidFill>
+              <a:schemeClr val="tx1"/>
+            </a:solidFill>
+          </a:ln>
+        </p:spPr>
+        <p:style>
+          <a:lnRef idx="2">
+            <a:schemeClr val="accent1"/>
+          </a:lnRef>
+          <a:fillRef idx="0">
+            <a:schemeClr val="accent1"/>
+          </a:fillRef>
+          <a:effectRef idx="1">
+            <a:schemeClr val="accent1"/>
+          </a:effectRef>
+          <a:fontRef idx="minor">
+            <a:schemeClr val="tx1"/>
+          </a:fontRef>
+        </p:style>
+      </p:cxnSp>
+      <p:cxnSp>
+        <p:nvCxnSpPr>
+          <p:cNvPr id="42" name="Gerader Verbinder 41">
+            <a:extLst>
+              <a:ext uri="{FF2B5EF4-FFF2-40B4-BE49-F238E27FC236}">
+                <a16:creationId xmlns:a16="http://schemas.microsoft.com/office/drawing/2014/main" id="{1FAC7C52-2A39-B5C4-4BD3-33E6107D237F}"/>
+              </a:ext>
+            </a:extLst>
+          </p:cNvPr>
+          <p:cNvCxnSpPr>
+            <a:cxnSpLocks/>
+          </p:cNvCxnSpPr>
+          <p:nvPr/>
+        </p:nvCxnSpPr>
+        <p:spPr>
+          <a:xfrm flipH="1">
+            <a:off x="4319516" y="2401886"/>
+            <a:ext cx="108000" cy="0"/>
+          </a:xfrm>
+          <a:prstGeom prst="line">
+            <a:avLst/>
+          </a:prstGeom>
+          <a:ln w="6350">
+            <a:solidFill>
+              <a:schemeClr val="tx1"/>
+            </a:solidFill>
+          </a:ln>
+        </p:spPr>
+        <p:style>
+          <a:lnRef idx="2">
+            <a:schemeClr val="accent1"/>
+          </a:lnRef>
+          <a:fillRef idx="0">
+            <a:schemeClr val="accent1"/>
+          </a:fillRef>
+          <a:effectRef idx="1">
+            <a:schemeClr val="accent1"/>
+          </a:effectRef>
+          <a:fontRef idx="minor">
+            <a:schemeClr val="tx1"/>
+          </a:fontRef>
+        </p:style>
+      </p:cxnSp>
+      <p:sp>
+        <p:nvSpPr>
+          <p:cNvPr id="43" name="Ellipse 42">
+            <a:extLst>
+              <a:ext uri="{FF2B5EF4-FFF2-40B4-BE49-F238E27FC236}">
+                <a16:creationId xmlns:a16="http://schemas.microsoft.com/office/drawing/2014/main" id="{AE04D85B-6C4A-595E-DD37-00E43617A4A5}"/>
+              </a:ext>
+            </a:extLst>
+          </p:cNvPr>
+          <p:cNvSpPr>
+            <a:spLocks noChangeAspect="1"/>
+          </p:cNvSpPr>
+          <p:nvPr/>
+        </p:nvSpPr>
+        <p:spPr>
+          <a:xfrm>
+            <a:off x="4787122" y="2371168"/>
+            <a:ext cx="36000" cy="36000"/>
+          </a:xfrm>
+          <a:prstGeom prst="ellipse">
+            <a:avLst/>
+          </a:prstGeom>
+          <a:solidFill>
+            <a:srgbClr val="FFC000"/>
+          </a:solidFill>
+          <a:ln>
+            <a:noFill/>
+          </a:ln>
+        </p:spPr>
+        <p:style>
+          <a:lnRef idx="2">
+            <a:schemeClr val="accent1">
+              <a:shade val="15000"/>
+            </a:schemeClr>
+          </a:lnRef>
+          <a:fillRef idx="1">
+            <a:schemeClr val="accent1"/>
+          </a:fillRef>
+          <a:effectRef idx="0">
+            <a:schemeClr val="accent1"/>
+          </a:effectRef>
+          <a:fontRef idx="minor">
+            <a:schemeClr val="lt1"/>
+          </a:fontRef>
+        </p:style>
+        <p:txBody>
+          <a:bodyPr rtlCol="0" anchor="ctr"/>
+          <a:lstStyle/>
+          <a:p>
+            <a:pPr algn="ctr"/>
+            <a:endParaRPr lang="de-DE"/>
+          </a:p>
+        </p:txBody>
+      </p:sp>
+      <p:sp>
+        <p:nvSpPr>
+          <p:cNvPr id="44" name="Ellipse 43">
+            <a:extLst>
+              <a:ext uri="{FF2B5EF4-FFF2-40B4-BE49-F238E27FC236}">
+                <a16:creationId xmlns:a16="http://schemas.microsoft.com/office/drawing/2014/main" id="{FE76A735-C8BD-D854-C349-9424BFBA48CE}"/>
+              </a:ext>
+            </a:extLst>
+          </p:cNvPr>
+          <p:cNvSpPr>
+            <a:spLocks noChangeAspect="1"/>
+          </p:cNvSpPr>
+          <p:nvPr/>
+        </p:nvSpPr>
+        <p:spPr>
+          <a:xfrm>
+            <a:off x="4786291" y="3249386"/>
+            <a:ext cx="36000" cy="36000"/>
+          </a:xfrm>
+          <a:prstGeom prst="ellipse">
+            <a:avLst/>
+          </a:prstGeom>
+          <a:solidFill>
+            <a:schemeClr val="accent6">
+              <a:lumMod val="75000"/>
+            </a:schemeClr>
+          </a:solidFill>
+          <a:ln>
+            <a:noFill/>
+          </a:ln>
+        </p:spPr>
+        <p:style>
+          <a:lnRef idx="2">
+            <a:schemeClr val="accent1">
+              <a:shade val="15000"/>
+            </a:schemeClr>
+          </a:lnRef>
+          <a:fillRef idx="1">
+            <a:schemeClr val="accent1"/>
+          </a:fillRef>
+          <a:effectRef idx="0">
+            <a:schemeClr val="accent1"/>
+          </a:effectRef>
+          <a:fontRef idx="minor">
+            <a:schemeClr val="lt1"/>
+          </a:fontRef>
+        </p:style>
+        <p:txBody>
+          <a:bodyPr rtlCol="0" anchor="ctr"/>
+          <a:lstStyle/>
+          <a:p>
+            <a:pPr algn="ctr"/>
+            <a:endParaRPr lang="de-DE"/>
+          </a:p>
+        </p:txBody>
+      </p:sp>
+      <p:sp>
+        <p:nvSpPr>
+          <p:cNvPr id="45" name="Ellipse 44">
+            <a:extLst>
+              <a:ext uri="{FF2B5EF4-FFF2-40B4-BE49-F238E27FC236}">
+                <a16:creationId xmlns:a16="http://schemas.microsoft.com/office/drawing/2014/main" id="{7370C3E2-F789-232A-FE92-864FAFB09298}"/>
+              </a:ext>
+            </a:extLst>
+          </p:cNvPr>
+          <p:cNvSpPr>
+            <a:spLocks noChangeAspect="1"/>
+          </p:cNvSpPr>
+          <p:nvPr/>
+        </p:nvSpPr>
+        <p:spPr>
+          <a:xfrm>
+            <a:off x="5660841" y="3249386"/>
+            <a:ext cx="36000" cy="36000"/>
+          </a:xfrm>
+          <a:prstGeom prst="ellipse">
+            <a:avLst/>
+          </a:prstGeom>
+          <a:solidFill>
+            <a:srgbClr val="FFC000"/>
+          </a:solidFill>
+          <a:ln>
+            <a:noFill/>
+          </a:ln>
+        </p:spPr>
+        <p:style>
+          <a:lnRef idx="2">
+            <a:schemeClr val="accent1">
+              <a:shade val="15000"/>
+            </a:schemeClr>
+          </a:lnRef>
+          <a:fillRef idx="1">
+            <a:schemeClr val="accent1"/>
+          </a:fillRef>
+          <a:effectRef idx="0">
+            <a:schemeClr val="accent1"/>
+          </a:effectRef>
+          <a:fontRef idx="minor">
+            <a:schemeClr val="lt1"/>
+          </a:fontRef>
+        </p:style>
+        <p:txBody>
+          <a:bodyPr rtlCol="0" anchor="ctr"/>
+          <a:lstStyle/>
+          <a:p>
+            <a:pPr algn="ctr"/>
+            <a:endParaRPr lang="de-DE"/>
+          </a:p>
+        </p:txBody>
+      </p:sp>
+      <p:sp>
+        <p:nvSpPr>
+          <p:cNvPr id="46" name="Ellipse 45">
+            <a:extLst>
+              <a:ext uri="{FF2B5EF4-FFF2-40B4-BE49-F238E27FC236}">
+                <a16:creationId xmlns:a16="http://schemas.microsoft.com/office/drawing/2014/main" id="{0A91AA85-96F8-AE1C-A635-81A01887F0C9}"/>
+              </a:ext>
+            </a:extLst>
+          </p:cNvPr>
+          <p:cNvSpPr>
+            <a:spLocks noChangeAspect="1"/>
+          </p:cNvSpPr>
+          <p:nvPr/>
+        </p:nvSpPr>
+        <p:spPr>
+          <a:xfrm>
+            <a:off x="5660841" y="2380886"/>
+            <a:ext cx="36000" cy="36000"/>
+          </a:xfrm>
+          <a:prstGeom prst="ellipse">
+            <a:avLst/>
+          </a:prstGeom>
+          <a:solidFill>
+            <a:schemeClr val="accent6">
+              <a:lumMod val="75000"/>
+            </a:schemeClr>
+          </a:solidFill>
+          <a:ln>
+            <a:noFill/>
+          </a:ln>
+        </p:spPr>
+        <p:style>
+          <a:lnRef idx="2">
+            <a:schemeClr val="accent1">
+              <a:shade val="15000"/>
+            </a:schemeClr>
+          </a:lnRef>
+          <a:fillRef idx="1">
+            <a:schemeClr val="accent1"/>
+          </a:fillRef>
+          <a:effectRef idx="0">
+            <a:schemeClr val="accent1"/>
+          </a:effectRef>
+          <a:fontRef idx="minor">
+            <a:schemeClr val="lt1"/>
+          </a:fontRef>
+        </p:style>
+        <p:txBody>
+          <a:bodyPr rtlCol="0" anchor="ctr"/>
+          <a:lstStyle/>
+          <a:p>
+            <a:pPr algn="ctr"/>
+            <a:endParaRPr lang="de-DE"/>
+          </a:p>
+        </p:txBody>
+      </p:sp>
+      <p:sp>
+        <p:nvSpPr>
+          <p:cNvPr id="47" name="Textfeld 46">
+            <a:extLst>
+              <a:ext uri="{FF2B5EF4-FFF2-40B4-BE49-F238E27FC236}">
+                <a16:creationId xmlns:a16="http://schemas.microsoft.com/office/drawing/2014/main" id="{C559AB1F-1F1E-8BC8-C953-EDC624575526}"/>
+              </a:ext>
+            </a:extLst>
+          </p:cNvPr>
+          <p:cNvSpPr txBox="1"/>
+          <p:nvPr/>
+        </p:nvSpPr>
+        <p:spPr>
+          <a:xfrm>
+            <a:off x="4097081" y="3121191"/>
+            <a:ext cx="261610" cy="276999"/>
+          </a:xfrm>
+          <a:prstGeom prst="rect">
+            <a:avLst/>
+          </a:prstGeom>
+          <a:noFill/>
+        </p:spPr>
+        <p:txBody>
+          <a:bodyPr wrap="none" rtlCol="0">
+            <a:spAutoFit/>
+          </a:bodyPr>
+          <a:lstStyle/>
+          <a:p>
+            <a:r>
+              <a:rPr lang="de-DE" sz="1200" dirty="0"/>
+              <a:t>0</a:t>
+            </a:r>
+            <a:endParaRPr lang="de-DE" dirty="0"/>
+          </a:p>
+        </p:txBody>
+      </p:sp>
+      <p:sp>
+        <p:nvSpPr>
+          <p:cNvPr id="48" name="Textfeld 47">
+            <a:extLst>
+              <a:ext uri="{FF2B5EF4-FFF2-40B4-BE49-F238E27FC236}">
+                <a16:creationId xmlns:a16="http://schemas.microsoft.com/office/drawing/2014/main" id="{57F25400-4BE3-D091-99ED-C5E25B34CE0C}"/>
+              </a:ext>
+            </a:extLst>
+          </p:cNvPr>
+          <p:cNvSpPr txBox="1"/>
+          <p:nvPr/>
+        </p:nvSpPr>
+        <p:spPr>
+          <a:xfrm>
+            <a:off x="4684036" y="3638549"/>
+            <a:ext cx="261610" cy="276999"/>
+          </a:xfrm>
+          <a:prstGeom prst="rect">
+            <a:avLst/>
+          </a:prstGeom>
+          <a:noFill/>
+        </p:spPr>
+        <p:txBody>
+          <a:bodyPr wrap="none" rtlCol="0">
+            <a:spAutoFit/>
+          </a:bodyPr>
+          <a:lstStyle/>
+          <a:p>
+            <a:r>
+              <a:rPr lang="de-DE" sz="1200" dirty="0"/>
+              <a:t>0</a:t>
+            </a:r>
+            <a:endParaRPr lang="de-DE" dirty="0"/>
+          </a:p>
+        </p:txBody>
+      </p:sp>
+      <p:sp>
+        <p:nvSpPr>
+          <p:cNvPr id="49" name="Textfeld 48">
+            <a:extLst>
+              <a:ext uri="{FF2B5EF4-FFF2-40B4-BE49-F238E27FC236}">
+                <a16:creationId xmlns:a16="http://schemas.microsoft.com/office/drawing/2014/main" id="{2906C389-A5DE-0AF8-62F5-B7858A0DFECB}"/>
+              </a:ext>
+            </a:extLst>
+          </p:cNvPr>
+          <p:cNvSpPr txBox="1"/>
+          <p:nvPr/>
+        </p:nvSpPr>
+        <p:spPr>
+          <a:xfrm>
+            <a:off x="5548036" y="3638548"/>
+            <a:ext cx="261610" cy="276999"/>
+          </a:xfrm>
+          <a:prstGeom prst="rect">
+            <a:avLst/>
+          </a:prstGeom>
+          <a:noFill/>
+        </p:spPr>
+        <p:txBody>
+          <a:bodyPr wrap="none" rtlCol="0">
+            <a:spAutoFit/>
+          </a:bodyPr>
+          <a:lstStyle/>
+          <a:p>
+            <a:r>
+              <a:rPr lang="de-DE" sz="1200" dirty="0"/>
+              <a:t>1</a:t>
+            </a:r>
+            <a:endParaRPr lang="de-DE" dirty="0"/>
+          </a:p>
+        </p:txBody>
+      </p:sp>
+      <p:sp>
+        <p:nvSpPr>
+          <p:cNvPr id="50" name="Textfeld 49">
+            <a:extLst>
+              <a:ext uri="{FF2B5EF4-FFF2-40B4-BE49-F238E27FC236}">
+                <a16:creationId xmlns:a16="http://schemas.microsoft.com/office/drawing/2014/main" id="{E77BCC82-4AE1-C173-1EF2-08EB993816BE}"/>
+              </a:ext>
+            </a:extLst>
+          </p:cNvPr>
+          <p:cNvSpPr txBox="1"/>
+          <p:nvPr/>
+        </p:nvSpPr>
+        <p:spPr>
+          <a:xfrm>
+            <a:off x="4097081" y="2260387"/>
+            <a:ext cx="261610" cy="276999"/>
+          </a:xfrm>
+          <a:prstGeom prst="rect">
+            <a:avLst/>
+          </a:prstGeom>
+          <a:noFill/>
+        </p:spPr>
+        <p:txBody>
+          <a:bodyPr wrap="none" rtlCol="0">
+            <a:spAutoFit/>
+          </a:bodyPr>
+          <a:lstStyle/>
+          <a:p>
+            <a:r>
+              <a:rPr lang="de-DE" sz="1200" dirty="0"/>
+              <a:t>1</a:t>
+            </a:r>
+            <a:endParaRPr lang="de-DE" dirty="0"/>
+          </a:p>
+        </p:txBody>
+      </p:sp>
+      <p:cxnSp>
+        <p:nvCxnSpPr>
+          <p:cNvPr id="55" name="Gerader Verbinder 54">
+            <a:extLst>
+              <a:ext uri="{FF2B5EF4-FFF2-40B4-BE49-F238E27FC236}">
+                <a16:creationId xmlns:a16="http://schemas.microsoft.com/office/drawing/2014/main" id="{1121815D-1A53-91D8-9915-1C8083E592E4}"/>
+              </a:ext>
+            </a:extLst>
+          </p:cNvPr>
+          <p:cNvCxnSpPr>
+            <a:cxnSpLocks/>
+          </p:cNvCxnSpPr>
+          <p:nvPr/>
+        </p:nvCxnSpPr>
+        <p:spPr>
+          <a:xfrm flipH="1">
+            <a:off x="4392567" y="2828925"/>
+            <a:ext cx="1789158" cy="0"/>
+          </a:xfrm>
+          <a:prstGeom prst="line">
+            <a:avLst/>
+          </a:prstGeom>
+          <a:ln w="9525">
+            <a:solidFill>
+              <a:schemeClr val="bg1">
+                <a:lumMod val="65000"/>
+              </a:schemeClr>
+            </a:solidFill>
+            <a:prstDash val="sysDash"/>
+          </a:ln>
+        </p:spPr>
+        <p:style>
+          <a:lnRef idx="2">
+            <a:schemeClr val="accent1"/>
+          </a:lnRef>
+          <a:fillRef idx="0">
+            <a:schemeClr val="accent1"/>
+          </a:fillRef>
+          <a:effectRef idx="1">
+            <a:schemeClr val="accent1"/>
+          </a:effectRef>
+          <a:fontRef idx="minor">
+            <a:schemeClr val="tx1"/>
+          </a:fontRef>
+        </p:style>
+      </p:cxnSp>
+      <mc:AlternateContent xmlns:mc="http://schemas.openxmlformats.org/markup-compatibility/2006">
+        <mc:Choice xmlns:a14="http://schemas.microsoft.com/office/drawing/2010/main" Requires="a14">
+          <p:sp>
+            <p:nvSpPr>
+              <p:cNvPr id="59" name="Textfeld 58">
+                <a:extLst>
+                  <a:ext uri="{FF2B5EF4-FFF2-40B4-BE49-F238E27FC236}">
+                    <a16:creationId xmlns:a16="http://schemas.microsoft.com/office/drawing/2014/main" id="{3499A260-ACBA-4DE1-96A9-11B0F0781361}"/>
+                  </a:ext>
+                </a:extLst>
+              </p:cNvPr>
+              <p:cNvSpPr txBox="1"/>
+              <p:nvPr/>
+            </p:nvSpPr>
+            <p:spPr>
+              <a:xfrm>
+                <a:off x="3669975" y="3638548"/>
+                <a:ext cx="355803" cy="261610"/>
+              </a:xfrm>
+              <a:prstGeom prst="rect">
+                <a:avLst/>
+              </a:prstGeom>
+              <a:noFill/>
+            </p:spPr>
+            <p:txBody>
+              <a:bodyPr wrap="none" rtlCol="0">
+                <a:spAutoFit/>
+              </a:bodyPr>
+              <a:lstStyle/>
+              <a:p>
+                <a14:m>
+                  <m:oMathPara xmlns:m="http://schemas.openxmlformats.org/officeDocument/2006/math">
+                    <m:oMathParaPr>
+                      <m:jc m:val="centerGroup"/>
+                    </m:oMathParaPr>
+                    <m:oMath xmlns:m="http://schemas.openxmlformats.org/officeDocument/2006/math">
+                      <m:sSub>
+                        <m:sSubPr>
+                          <m:ctrlPr>
+                            <a:rPr lang="de-DE" sz="1100" b="0" i="1" dirty="0" smtClean="0">
+                              <a:latin typeface="Cambria Math" panose="02040503050406030204" pitchFamily="18" charset="0"/>
+                            </a:rPr>
+                          </m:ctrlPr>
+                        </m:sSubPr>
+                        <m:e>
+                          <m:r>
+                            <a:rPr lang="de-DE" sz="1100" i="1" dirty="0" smtClean="0">
+                              <a:latin typeface="Cambria Math" panose="02040503050406030204" pitchFamily="18" charset="0"/>
+                            </a:rPr>
+                            <m:t>𝑥</m:t>
+                          </m:r>
+                        </m:e>
+                        <m:sub>
+                          <m:r>
+                            <a:rPr lang="de-DE" sz="1100" b="0" i="1" dirty="0" smtClean="0">
+                              <a:latin typeface="Cambria Math" panose="02040503050406030204" pitchFamily="18" charset="0"/>
+                            </a:rPr>
+                            <m:t>1</m:t>
+                          </m:r>
+                        </m:sub>
+                      </m:sSub>
+                    </m:oMath>
+                  </m:oMathPara>
+                </a14:m>
+                <a:endParaRPr lang="de-DE" b="0" dirty="0"/>
+              </a:p>
+            </p:txBody>
+          </p:sp>
+        </mc:Choice>
+        <mc:Fallback>
+          <p:sp>
+            <p:nvSpPr>
+              <p:cNvPr id="59" name="Textfeld 58">
+                <a:extLst>
+                  <a:ext uri="{FF2B5EF4-FFF2-40B4-BE49-F238E27FC236}">
+                    <a16:creationId xmlns:a16="http://schemas.microsoft.com/office/drawing/2014/main" id="{3499A260-ACBA-4DE1-96A9-11B0F0781361}"/>
+                  </a:ext>
+                </a:extLst>
+              </p:cNvPr>
+              <p:cNvSpPr txBox="1">
+                <a:spLocks noRot="1" noChangeAspect="1" noMove="1" noResize="1" noEditPoints="1" noAdjustHandles="1" noChangeArrowheads="1" noChangeShapeType="1" noTextEdit="1"/>
+              </p:cNvSpPr>
+              <p:nvPr/>
+            </p:nvSpPr>
+            <p:spPr>
+              <a:xfrm>
+                <a:off x="3669975" y="3638548"/>
+                <a:ext cx="355803" cy="261610"/>
+              </a:xfrm>
+              <a:prstGeom prst="rect">
+                <a:avLst/>
+              </a:prstGeom>
+              <a:blipFill>
+                <a:blip r:embed="rId2"/>
+                <a:stretch>
+                  <a:fillRect/>
+                </a:stretch>
+              </a:blipFill>
+            </p:spPr>
+            <p:txBody>
+              <a:bodyPr/>
+              <a:lstStyle/>
+              <a:p>
+                <a:r>
+                  <a:rPr lang="de-DE">
+                    <a:noFill/>
+                  </a:rPr>
+                  <a:t> </a:t>
+                </a:r>
+              </a:p>
+            </p:txBody>
+          </p:sp>
+        </mc:Fallback>
+      </mc:AlternateContent>
+      <mc:AlternateContent xmlns:mc="http://schemas.openxmlformats.org/markup-compatibility/2006">
+        <mc:Choice xmlns:a14="http://schemas.microsoft.com/office/drawing/2010/main" Requires="a14">
+          <p:sp>
+            <p:nvSpPr>
+              <p:cNvPr id="60" name="Textfeld 59">
+                <a:extLst>
+                  <a:ext uri="{FF2B5EF4-FFF2-40B4-BE49-F238E27FC236}">
+                    <a16:creationId xmlns:a16="http://schemas.microsoft.com/office/drawing/2014/main" id="{B0308490-805E-BC35-E8A2-9CDCBAEB350F}"/>
+                  </a:ext>
+                </a:extLst>
+              </p:cNvPr>
+              <p:cNvSpPr txBox="1"/>
+              <p:nvPr/>
+            </p:nvSpPr>
+            <p:spPr>
+              <a:xfrm>
+                <a:off x="1603693" y="1583211"/>
+                <a:ext cx="359073" cy="261610"/>
+              </a:xfrm>
+              <a:prstGeom prst="rect">
+                <a:avLst/>
+              </a:prstGeom>
+              <a:noFill/>
+            </p:spPr>
+            <p:txBody>
+              <a:bodyPr wrap="none" rtlCol="0">
+                <a:spAutoFit/>
+              </a:bodyPr>
+              <a:lstStyle/>
+              <a:p>
+                <a14:m>
+                  <m:oMathPara xmlns:m="http://schemas.openxmlformats.org/officeDocument/2006/math">
+                    <m:oMathParaPr>
+                      <m:jc m:val="centerGroup"/>
+                    </m:oMathParaPr>
+                    <m:oMath xmlns:m="http://schemas.openxmlformats.org/officeDocument/2006/math">
+                      <m:sSub>
+                        <m:sSubPr>
+                          <m:ctrlPr>
+                            <a:rPr lang="de-DE" sz="1100" b="0" i="1" dirty="0" smtClean="0">
+                              <a:latin typeface="Cambria Math" panose="02040503050406030204" pitchFamily="18" charset="0"/>
+                            </a:rPr>
+                          </m:ctrlPr>
+                        </m:sSubPr>
+                        <m:e>
+                          <m:r>
+                            <a:rPr lang="de-DE" sz="1100" i="1" dirty="0" smtClean="0">
+                              <a:latin typeface="Cambria Math" panose="02040503050406030204" pitchFamily="18" charset="0"/>
+                            </a:rPr>
+                            <m:t>𝑥</m:t>
+                          </m:r>
+                        </m:e>
+                        <m:sub>
+                          <m:r>
+                            <a:rPr lang="de-DE" sz="1100" b="0" i="1" dirty="0" smtClean="0">
+                              <a:latin typeface="Cambria Math" panose="02040503050406030204" pitchFamily="18" charset="0"/>
+                            </a:rPr>
+                            <m:t>2</m:t>
+                          </m:r>
+                        </m:sub>
+                      </m:sSub>
+                    </m:oMath>
+                  </m:oMathPara>
+                </a14:m>
+                <a:endParaRPr lang="de-DE" b="0" dirty="0"/>
+              </a:p>
+            </p:txBody>
+          </p:sp>
+        </mc:Choice>
+        <mc:Fallback>
+          <p:sp>
+            <p:nvSpPr>
+              <p:cNvPr id="60" name="Textfeld 59">
+                <a:extLst>
+                  <a:ext uri="{FF2B5EF4-FFF2-40B4-BE49-F238E27FC236}">
+                    <a16:creationId xmlns:a16="http://schemas.microsoft.com/office/drawing/2014/main" id="{B0308490-805E-BC35-E8A2-9CDCBAEB350F}"/>
+                  </a:ext>
+                </a:extLst>
+              </p:cNvPr>
+              <p:cNvSpPr txBox="1">
+                <a:spLocks noRot="1" noChangeAspect="1" noMove="1" noResize="1" noEditPoints="1" noAdjustHandles="1" noChangeArrowheads="1" noChangeShapeType="1" noTextEdit="1"/>
+              </p:cNvSpPr>
+              <p:nvPr/>
+            </p:nvSpPr>
+            <p:spPr>
+              <a:xfrm>
+                <a:off x="1603693" y="1583211"/>
+                <a:ext cx="359073" cy="261610"/>
+              </a:xfrm>
+              <a:prstGeom prst="rect">
+                <a:avLst/>
+              </a:prstGeom>
+              <a:blipFill>
+                <a:blip r:embed="rId3"/>
+                <a:stretch>
+                  <a:fillRect/>
+                </a:stretch>
+              </a:blipFill>
+            </p:spPr>
+            <p:txBody>
+              <a:bodyPr/>
+              <a:lstStyle/>
+              <a:p>
+                <a:r>
+                  <a:rPr lang="de-DE">
+                    <a:noFill/>
+                  </a:rPr>
+                  <a:t> </a:t>
+                </a:r>
+              </a:p>
+            </p:txBody>
+          </p:sp>
+        </mc:Fallback>
+      </mc:AlternateContent>
+      <mc:AlternateContent xmlns:mc="http://schemas.openxmlformats.org/markup-compatibility/2006">
+        <mc:Choice xmlns:a14="http://schemas.microsoft.com/office/drawing/2010/main" Requires="a14">
+          <p:sp>
+            <p:nvSpPr>
+              <p:cNvPr id="61" name="Textfeld 60">
+                <a:extLst>
+                  <a:ext uri="{FF2B5EF4-FFF2-40B4-BE49-F238E27FC236}">
+                    <a16:creationId xmlns:a16="http://schemas.microsoft.com/office/drawing/2014/main" id="{FCEB59D3-E133-E1D6-F645-2DE88807E15E}"/>
+                  </a:ext>
+                </a:extLst>
+              </p:cNvPr>
+              <p:cNvSpPr txBox="1"/>
+              <p:nvPr/>
+            </p:nvSpPr>
+            <p:spPr>
+              <a:xfrm>
+                <a:off x="6139297" y="3638547"/>
+                <a:ext cx="355803" cy="261610"/>
+              </a:xfrm>
+              <a:prstGeom prst="rect">
+                <a:avLst/>
+              </a:prstGeom>
+              <a:noFill/>
+            </p:spPr>
+            <p:txBody>
+              <a:bodyPr wrap="none" rtlCol="0">
+                <a:spAutoFit/>
+              </a:bodyPr>
+              <a:lstStyle/>
+              <a:p>
+                <a14:m>
+                  <m:oMathPara xmlns:m="http://schemas.openxmlformats.org/officeDocument/2006/math">
+                    <m:oMathParaPr>
+                      <m:jc m:val="centerGroup"/>
+                    </m:oMathParaPr>
+                    <m:oMath xmlns:m="http://schemas.openxmlformats.org/officeDocument/2006/math">
+                      <m:sSub>
+                        <m:sSubPr>
+                          <m:ctrlPr>
+                            <a:rPr lang="de-DE" sz="1100" b="0" i="1" dirty="0" smtClean="0">
+                              <a:latin typeface="Cambria Math" panose="02040503050406030204" pitchFamily="18" charset="0"/>
+                            </a:rPr>
+                          </m:ctrlPr>
+                        </m:sSubPr>
+                        <m:e>
+                          <m:r>
+                            <a:rPr lang="de-DE" sz="1100" i="1" dirty="0" smtClean="0">
+                              <a:latin typeface="Cambria Math" panose="02040503050406030204" pitchFamily="18" charset="0"/>
+                            </a:rPr>
+                            <m:t>𝑥</m:t>
+                          </m:r>
+                        </m:e>
+                        <m:sub>
+                          <m:r>
+                            <a:rPr lang="de-DE" sz="1100" b="0" i="1" dirty="0" smtClean="0">
+                              <a:latin typeface="Cambria Math" panose="02040503050406030204" pitchFamily="18" charset="0"/>
+                            </a:rPr>
+                            <m:t>1</m:t>
+                          </m:r>
+                        </m:sub>
+                      </m:sSub>
+                    </m:oMath>
+                  </m:oMathPara>
+                </a14:m>
+                <a:endParaRPr lang="de-DE" b="0" dirty="0"/>
+              </a:p>
+            </p:txBody>
+          </p:sp>
+        </mc:Choice>
+        <mc:Fallback>
+          <p:sp>
+            <p:nvSpPr>
+              <p:cNvPr id="61" name="Textfeld 60">
+                <a:extLst>
+                  <a:ext uri="{FF2B5EF4-FFF2-40B4-BE49-F238E27FC236}">
+                    <a16:creationId xmlns:a16="http://schemas.microsoft.com/office/drawing/2014/main" id="{FCEB59D3-E133-E1D6-F645-2DE88807E15E}"/>
+                  </a:ext>
+                </a:extLst>
+              </p:cNvPr>
+              <p:cNvSpPr txBox="1">
+                <a:spLocks noRot="1" noChangeAspect="1" noMove="1" noResize="1" noEditPoints="1" noAdjustHandles="1" noChangeArrowheads="1" noChangeShapeType="1" noTextEdit="1"/>
+              </p:cNvSpPr>
+              <p:nvPr/>
+            </p:nvSpPr>
+            <p:spPr>
+              <a:xfrm>
+                <a:off x="6139297" y="3638547"/>
+                <a:ext cx="355803" cy="261610"/>
+              </a:xfrm>
+              <a:prstGeom prst="rect">
+                <a:avLst/>
+              </a:prstGeom>
+              <a:blipFill>
+                <a:blip r:embed="rId2"/>
+                <a:stretch>
+                  <a:fillRect/>
+                </a:stretch>
+              </a:blipFill>
+            </p:spPr>
+            <p:txBody>
+              <a:bodyPr/>
+              <a:lstStyle/>
+              <a:p>
+                <a:r>
+                  <a:rPr lang="de-DE">
+                    <a:noFill/>
+                  </a:rPr>
+                  <a:t> </a:t>
+                </a:r>
+              </a:p>
+            </p:txBody>
+          </p:sp>
+        </mc:Fallback>
+      </mc:AlternateContent>
+      <mc:AlternateContent xmlns:mc="http://schemas.openxmlformats.org/markup-compatibility/2006">
+        <mc:Choice xmlns:a14="http://schemas.microsoft.com/office/drawing/2010/main" Requires="a14">
+          <p:sp>
+            <p:nvSpPr>
+              <p:cNvPr id="62" name="Textfeld 61">
+                <a:extLst>
+                  <a:ext uri="{FF2B5EF4-FFF2-40B4-BE49-F238E27FC236}">
+                    <a16:creationId xmlns:a16="http://schemas.microsoft.com/office/drawing/2014/main" id="{C37A9D80-7316-1730-6F2E-D4E452DB3690}"/>
+                  </a:ext>
+                </a:extLst>
+              </p:cNvPr>
+              <p:cNvSpPr txBox="1"/>
+              <p:nvPr/>
+            </p:nvSpPr>
+            <p:spPr>
+              <a:xfrm>
+                <a:off x="4048349" y="1568012"/>
+                <a:ext cx="359073" cy="261610"/>
+              </a:xfrm>
+              <a:prstGeom prst="rect">
+                <a:avLst/>
+              </a:prstGeom>
+              <a:noFill/>
+            </p:spPr>
+            <p:txBody>
+              <a:bodyPr wrap="none" rtlCol="0">
+                <a:spAutoFit/>
+              </a:bodyPr>
+              <a:lstStyle/>
+              <a:p>
+                <a14:m>
+                  <m:oMathPara xmlns:m="http://schemas.openxmlformats.org/officeDocument/2006/math">
+                    <m:oMathParaPr>
+                      <m:jc m:val="centerGroup"/>
+                    </m:oMathParaPr>
+                    <m:oMath xmlns:m="http://schemas.openxmlformats.org/officeDocument/2006/math">
+                      <m:sSub>
+                        <m:sSubPr>
+                          <m:ctrlPr>
+                            <a:rPr lang="de-DE" sz="1100" b="0" i="1" dirty="0" smtClean="0">
+                              <a:latin typeface="Cambria Math" panose="02040503050406030204" pitchFamily="18" charset="0"/>
+                            </a:rPr>
+                          </m:ctrlPr>
+                        </m:sSubPr>
+                        <m:e>
+                          <m:r>
+                            <a:rPr lang="de-DE" sz="1100" i="1" dirty="0" smtClean="0">
+                              <a:latin typeface="Cambria Math" panose="02040503050406030204" pitchFamily="18" charset="0"/>
+                            </a:rPr>
+                            <m:t>𝑥</m:t>
+                          </m:r>
+                        </m:e>
+                        <m:sub>
+                          <m:r>
+                            <a:rPr lang="de-DE" sz="1100" b="0" i="1" dirty="0" smtClean="0">
+                              <a:latin typeface="Cambria Math" panose="02040503050406030204" pitchFamily="18" charset="0"/>
+                            </a:rPr>
+                            <m:t>2</m:t>
+                          </m:r>
+                        </m:sub>
+                      </m:sSub>
+                    </m:oMath>
+                  </m:oMathPara>
+                </a14:m>
+                <a:endParaRPr lang="de-DE" b="0" dirty="0"/>
+              </a:p>
+            </p:txBody>
+          </p:sp>
+        </mc:Choice>
+        <mc:Fallback>
+          <p:sp>
+            <p:nvSpPr>
+              <p:cNvPr id="62" name="Textfeld 61">
+                <a:extLst>
+                  <a:ext uri="{FF2B5EF4-FFF2-40B4-BE49-F238E27FC236}">
+                    <a16:creationId xmlns:a16="http://schemas.microsoft.com/office/drawing/2014/main" id="{C37A9D80-7316-1730-6F2E-D4E452DB3690}"/>
+                  </a:ext>
+                </a:extLst>
+              </p:cNvPr>
+              <p:cNvSpPr txBox="1">
+                <a:spLocks noRot="1" noChangeAspect="1" noMove="1" noResize="1" noEditPoints="1" noAdjustHandles="1" noChangeArrowheads="1" noChangeShapeType="1" noTextEdit="1"/>
+              </p:cNvSpPr>
+              <p:nvPr/>
+            </p:nvSpPr>
+            <p:spPr>
+              <a:xfrm>
+                <a:off x="4048349" y="1568012"/>
+                <a:ext cx="359073" cy="261610"/>
+              </a:xfrm>
+              <a:prstGeom prst="rect">
+                <a:avLst/>
+              </a:prstGeom>
+              <a:blipFill>
+                <a:blip r:embed="rId4"/>
+                <a:stretch>
+                  <a:fillRect/>
+                </a:stretch>
+              </a:blipFill>
+            </p:spPr>
+            <p:txBody>
+              <a:bodyPr/>
+              <a:lstStyle/>
+              <a:p>
+                <a:r>
+                  <a:rPr lang="de-DE">
+                    <a:noFill/>
+                  </a:rPr>
+                  <a:t> </a:t>
+                </a:r>
+              </a:p>
+            </p:txBody>
+          </p:sp>
+        </mc:Fallback>
+      </mc:AlternateContent>
+    </p:spTree>
+    <p:extLst>
+      <p:ext uri="{BB962C8B-B14F-4D97-AF65-F5344CB8AC3E}">
+        <p14:creationId xmlns:p14="http://schemas.microsoft.com/office/powerpoint/2010/main" val="1088235590"/>
+      </p:ext>
+    </p:extLst>
+  </p:cSld>
+  <p:clrMapOvr>
+    <a:masterClrMapping/>
+  </p:clrMapOvr>
+</p:sld>
+</file>
+
+<file path=ppt/slides/slide5.xml><?xml version="1.0" encoding="utf-8"?>
+<p:sld xmlns:a="http://schemas.openxmlformats.org/drawingml/2006/main" xmlns:r="http://schemas.openxmlformats.org/officeDocument/2006/relationships" xmlns:p="http://schemas.openxmlformats.org/presentationml/2006/main">
+  <p:cSld>
+    <p:spTree>
+      <p:nvGrpSpPr>
+        <p:cNvPr id="1" name=""/>
+        <p:cNvGrpSpPr/>
+        <p:nvPr/>
+      </p:nvGrpSpPr>
+      <p:grpSpPr>
+        <a:xfrm>
+          <a:off x="0" y="0"/>
+          <a:ext cx="0" cy="0"/>
+          <a:chOff x="0" y="0"/>
+          <a:chExt cx="0" cy="0"/>
+        </a:xfrm>
+      </p:grpSpPr>
+      <p:cxnSp>
+        <p:nvCxnSpPr>
+          <p:cNvPr id="10" name="Gerader Verbinder 9">
+            <a:extLst>
+              <a:ext uri="{FF2B5EF4-FFF2-40B4-BE49-F238E27FC236}">
+                <a16:creationId xmlns:a16="http://schemas.microsoft.com/office/drawing/2014/main" id="{6F68B618-CEA8-0BD6-3873-F9F3769F502A}"/>
+              </a:ext>
+            </a:extLst>
+          </p:cNvPr>
+          <p:cNvCxnSpPr>
+            <a:cxnSpLocks/>
+            <a:stCxn id="3" idx="6"/>
+            <a:endCxn id="7" idx="2"/>
+          </p:cNvCxnSpPr>
+          <p:nvPr/>
+        </p:nvCxnSpPr>
+        <p:spPr>
+          <a:xfrm>
+            <a:off x="4869064" y="1949816"/>
+            <a:ext cx="931862" cy="451188"/>
+          </a:xfrm>
+          <a:prstGeom prst="line">
+            <a:avLst/>
+          </a:prstGeom>
+          <a:ln w="9525">
+            <a:solidFill>
+              <a:schemeClr val="tx1">
+                <a:lumMod val="65000"/>
+                <a:lumOff val="35000"/>
+              </a:schemeClr>
+            </a:solidFill>
+          </a:ln>
+        </p:spPr>
+        <p:style>
+          <a:lnRef idx="1">
+            <a:schemeClr val="accent1"/>
+          </a:lnRef>
+          <a:fillRef idx="0">
+            <a:schemeClr val="accent1"/>
+          </a:fillRef>
+          <a:effectRef idx="0">
+            <a:schemeClr val="accent1"/>
+          </a:effectRef>
+          <a:fontRef idx="minor">
+            <a:schemeClr val="tx1"/>
+          </a:fontRef>
+        </p:style>
+      </p:cxnSp>
+      <p:cxnSp>
+        <p:nvCxnSpPr>
+          <p:cNvPr id="11" name="Gerader Verbinder 10">
+            <a:extLst>
+              <a:ext uri="{FF2B5EF4-FFF2-40B4-BE49-F238E27FC236}">
+                <a16:creationId xmlns:a16="http://schemas.microsoft.com/office/drawing/2014/main" id="{1B5D0DF5-7B05-4B4E-50F0-87BC68A313DF}"/>
+              </a:ext>
+            </a:extLst>
+          </p:cNvPr>
+          <p:cNvCxnSpPr>
+            <a:cxnSpLocks/>
+            <a:stCxn id="3" idx="6"/>
+            <a:endCxn id="8" idx="2"/>
+          </p:cNvCxnSpPr>
+          <p:nvPr/>
+        </p:nvCxnSpPr>
+        <p:spPr>
+          <a:xfrm>
+            <a:off x="4869064" y="1949816"/>
+            <a:ext cx="931862" cy="1670589"/>
+          </a:xfrm>
+          <a:prstGeom prst="line">
+            <a:avLst/>
+          </a:prstGeom>
+          <a:ln w="9525">
+            <a:solidFill>
+              <a:schemeClr val="tx1">
+                <a:lumMod val="65000"/>
+                <a:lumOff val="35000"/>
+              </a:schemeClr>
+            </a:solidFill>
+          </a:ln>
+        </p:spPr>
+        <p:style>
+          <a:lnRef idx="1">
+            <a:schemeClr val="accent1"/>
+          </a:lnRef>
+          <a:fillRef idx="0">
+            <a:schemeClr val="accent1"/>
+          </a:fillRef>
+          <a:effectRef idx="0">
+            <a:schemeClr val="accent1"/>
+          </a:effectRef>
+          <a:fontRef idx="minor">
+            <a:schemeClr val="tx1"/>
+          </a:fontRef>
+        </p:style>
+      </p:cxnSp>
+      <p:cxnSp>
+        <p:nvCxnSpPr>
+          <p:cNvPr id="12" name="Gerader Verbinder 11">
+            <a:extLst>
+              <a:ext uri="{FF2B5EF4-FFF2-40B4-BE49-F238E27FC236}">
+                <a16:creationId xmlns:a16="http://schemas.microsoft.com/office/drawing/2014/main" id="{2EE9F1A1-9D1A-0160-906A-DD77B6238C76}"/>
+              </a:ext>
+            </a:extLst>
+          </p:cNvPr>
+          <p:cNvCxnSpPr>
+            <a:cxnSpLocks/>
+            <a:stCxn id="4" idx="6"/>
+            <a:endCxn id="7" idx="2"/>
+          </p:cNvCxnSpPr>
+          <p:nvPr/>
+        </p:nvCxnSpPr>
+        <p:spPr>
+          <a:xfrm flipV="1">
+            <a:off x="4869064" y="2401004"/>
+            <a:ext cx="931862" cy="72135"/>
+          </a:xfrm>
+          <a:prstGeom prst="line">
+            <a:avLst/>
+          </a:prstGeom>
+          <a:ln w="9525">
+            <a:solidFill>
+              <a:schemeClr val="tx1">
+                <a:lumMod val="65000"/>
+                <a:lumOff val="35000"/>
+              </a:schemeClr>
+            </a:solidFill>
+          </a:ln>
+        </p:spPr>
+        <p:style>
+          <a:lnRef idx="1">
+            <a:schemeClr val="accent1"/>
+          </a:lnRef>
+          <a:fillRef idx="0">
+            <a:schemeClr val="accent1"/>
+          </a:fillRef>
+          <a:effectRef idx="0">
+            <a:schemeClr val="accent1"/>
+          </a:effectRef>
+          <a:fontRef idx="minor">
+            <a:schemeClr val="tx1"/>
+          </a:fontRef>
+        </p:style>
+      </p:cxnSp>
+      <p:cxnSp>
+        <p:nvCxnSpPr>
+          <p:cNvPr id="13" name="Gerader Verbinder 12">
+            <a:extLst>
+              <a:ext uri="{FF2B5EF4-FFF2-40B4-BE49-F238E27FC236}">
+                <a16:creationId xmlns:a16="http://schemas.microsoft.com/office/drawing/2014/main" id="{C1B87F5E-6897-951F-79BA-6E52500537FB}"/>
+              </a:ext>
+            </a:extLst>
+          </p:cNvPr>
+          <p:cNvCxnSpPr>
+            <a:cxnSpLocks/>
+            <a:stCxn id="4" idx="6"/>
+            <a:endCxn id="8" idx="2"/>
+          </p:cNvCxnSpPr>
+          <p:nvPr/>
+        </p:nvCxnSpPr>
+        <p:spPr>
+          <a:xfrm>
+            <a:off x="4869064" y="2473139"/>
+            <a:ext cx="931862" cy="1147266"/>
+          </a:xfrm>
+          <a:prstGeom prst="line">
+            <a:avLst/>
+          </a:prstGeom>
+          <a:ln w="9525">
+            <a:solidFill>
+              <a:schemeClr val="tx1">
+                <a:lumMod val="65000"/>
+                <a:lumOff val="35000"/>
+              </a:schemeClr>
+            </a:solidFill>
+          </a:ln>
+        </p:spPr>
+        <p:style>
+          <a:lnRef idx="1">
+            <a:schemeClr val="accent1"/>
+          </a:lnRef>
+          <a:fillRef idx="0">
+            <a:schemeClr val="accent1"/>
+          </a:fillRef>
+          <a:effectRef idx="0">
+            <a:schemeClr val="accent1"/>
+          </a:effectRef>
+          <a:fontRef idx="minor">
+            <a:schemeClr val="tx1"/>
+          </a:fontRef>
+        </p:style>
+      </p:cxnSp>
+      <p:cxnSp>
+        <p:nvCxnSpPr>
+          <p:cNvPr id="14" name="Gerader Verbinder 13">
+            <a:extLst>
+              <a:ext uri="{FF2B5EF4-FFF2-40B4-BE49-F238E27FC236}">
+                <a16:creationId xmlns:a16="http://schemas.microsoft.com/office/drawing/2014/main" id="{689A39E0-9088-A4F3-0A33-A2A2B2F40CC6}"/>
+              </a:ext>
+            </a:extLst>
+          </p:cNvPr>
+          <p:cNvCxnSpPr>
+            <a:cxnSpLocks/>
+            <a:stCxn id="5" idx="6"/>
+            <a:endCxn id="8" idx="2"/>
+          </p:cNvCxnSpPr>
+          <p:nvPr/>
+        </p:nvCxnSpPr>
+        <p:spPr>
+          <a:xfrm>
+            <a:off x="4869064" y="3510362"/>
+            <a:ext cx="931862" cy="110043"/>
+          </a:xfrm>
+          <a:prstGeom prst="line">
+            <a:avLst/>
+          </a:prstGeom>
+          <a:ln w="9525">
+            <a:solidFill>
+              <a:schemeClr val="tx1">
+                <a:lumMod val="65000"/>
+                <a:lumOff val="35000"/>
+              </a:schemeClr>
+            </a:solidFill>
+          </a:ln>
+        </p:spPr>
+        <p:style>
+          <a:lnRef idx="1">
+            <a:schemeClr val="accent1"/>
+          </a:lnRef>
+          <a:fillRef idx="0">
+            <a:schemeClr val="accent1"/>
+          </a:fillRef>
+          <a:effectRef idx="0">
+            <a:schemeClr val="accent1"/>
+          </a:effectRef>
+          <a:fontRef idx="minor">
+            <a:schemeClr val="tx1"/>
+          </a:fontRef>
+        </p:style>
+      </p:cxnSp>
+      <p:cxnSp>
+        <p:nvCxnSpPr>
+          <p:cNvPr id="15" name="Gerader Verbinder 14">
+            <a:extLst>
+              <a:ext uri="{FF2B5EF4-FFF2-40B4-BE49-F238E27FC236}">
+                <a16:creationId xmlns:a16="http://schemas.microsoft.com/office/drawing/2014/main" id="{0F1EE863-1D37-87B8-F32A-A96B007BA12B}"/>
+              </a:ext>
+            </a:extLst>
+          </p:cNvPr>
+          <p:cNvCxnSpPr>
+            <a:cxnSpLocks/>
+            <a:stCxn id="5" idx="6"/>
+            <a:endCxn id="7" idx="2"/>
+          </p:cNvCxnSpPr>
+          <p:nvPr/>
+        </p:nvCxnSpPr>
+        <p:spPr>
+          <a:xfrm flipV="1">
+            <a:off x="4869064" y="2401004"/>
+            <a:ext cx="931862" cy="1109358"/>
+          </a:xfrm>
+          <a:prstGeom prst="line">
+            <a:avLst/>
+          </a:prstGeom>
+          <a:ln w="9525">
+            <a:solidFill>
+              <a:schemeClr val="tx1">
+                <a:lumMod val="65000"/>
+                <a:lumOff val="35000"/>
+              </a:schemeClr>
+            </a:solidFill>
+          </a:ln>
+        </p:spPr>
+        <p:style>
+          <a:lnRef idx="1">
+            <a:schemeClr val="accent1"/>
+          </a:lnRef>
+          <a:fillRef idx="0">
+            <a:schemeClr val="accent1"/>
+          </a:fillRef>
+          <a:effectRef idx="0">
+            <a:schemeClr val="accent1"/>
+          </a:effectRef>
+          <a:fontRef idx="minor">
+            <a:schemeClr val="tx1"/>
+          </a:fontRef>
+        </p:style>
+      </p:cxnSp>
+      <p:cxnSp>
+        <p:nvCxnSpPr>
+          <p:cNvPr id="16" name="Gerader Verbinder 15">
+            <a:extLst>
+              <a:ext uri="{FF2B5EF4-FFF2-40B4-BE49-F238E27FC236}">
+                <a16:creationId xmlns:a16="http://schemas.microsoft.com/office/drawing/2014/main" id="{7F644C08-168D-9D49-3A28-0DBD4CFE41FF}"/>
+              </a:ext>
+            </a:extLst>
+          </p:cNvPr>
+          <p:cNvCxnSpPr>
+            <a:cxnSpLocks/>
+            <a:stCxn id="6" idx="6"/>
+            <a:endCxn id="7" idx="2"/>
+          </p:cNvCxnSpPr>
+          <p:nvPr/>
+        </p:nvCxnSpPr>
+        <p:spPr>
+          <a:xfrm flipV="1">
+            <a:off x="4869064" y="2401004"/>
+            <a:ext cx="931862" cy="1631497"/>
+          </a:xfrm>
+          <a:prstGeom prst="line">
+            <a:avLst/>
+          </a:prstGeom>
+          <a:ln w="9525">
+            <a:solidFill>
+              <a:schemeClr val="tx1">
+                <a:lumMod val="65000"/>
+                <a:lumOff val="35000"/>
+              </a:schemeClr>
+            </a:solidFill>
+          </a:ln>
+        </p:spPr>
+        <p:style>
+          <a:lnRef idx="1">
+            <a:schemeClr val="accent1"/>
+          </a:lnRef>
+          <a:fillRef idx="0">
+            <a:schemeClr val="accent1"/>
+          </a:fillRef>
+          <a:effectRef idx="0">
+            <a:schemeClr val="accent1"/>
+          </a:effectRef>
+          <a:fontRef idx="minor">
+            <a:schemeClr val="tx1"/>
+          </a:fontRef>
+        </p:style>
+      </p:cxnSp>
+      <p:cxnSp>
+        <p:nvCxnSpPr>
+          <p:cNvPr id="17" name="Gerader Verbinder 16">
+            <a:extLst>
+              <a:ext uri="{FF2B5EF4-FFF2-40B4-BE49-F238E27FC236}">
+                <a16:creationId xmlns:a16="http://schemas.microsoft.com/office/drawing/2014/main" id="{6A8D39A5-4F75-9AAF-58A3-038BA9EFA038}"/>
+              </a:ext>
+            </a:extLst>
+          </p:cNvPr>
+          <p:cNvCxnSpPr>
+            <a:cxnSpLocks/>
+            <a:stCxn id="6" idx="6"/>
+            <a:endCxn id="8" idx="2"/>
+          </p:cNvCxnSpPr>
+          <p:nvPr/>
+        </p:nvCxnSpPr>
+        <p:spPr>
+          <a:xfrm flipV="1">
+            <a:off x="4869064" y="3620405"/>
+            <a:ext cx="931862" cy="412096"/>
+          </a:xfrm>
+          <a:prstGeom prst="line">
+            <a:avLst/>
+          </a:prstGeom>
+          <a:ln w="9525">
+            <a:solidFill>
+              <a:schemeClr val="tx1">
+                <a:lumMod val="65000"/>
+                <a:lumOff val="35000"/>
+              </a:schemeClr>
+            </a:solidFill>
+          </a:ln>
+        </p:spPr>
+        <p:style>
+          <a:lnRef idx="1">
+            <a:schemeClr val="accent1"/>
+          </a:lnRef>
+          <a:fillRef idx="0">
+            <a:schemeClr val="accent1"/>
+          </a:fillRef>
+          <a:effectRef idx="0">
+            <a:schemeClr val="accent1"/>
+          </a:effectRef>
+          <a:fontRef idx="minor">
+            <a:schemeClr val="tx1"/>
+          </a:fontRef>
+        </p:style>
+      </p:cxnSp>
+      <p:cxnSp>
+        <p:nvCxnSpPr>
+          <p:cNvPr id="21" name="Gerader Verbinder 20">
+            <a:extLst>
+              <a:ext uri="{FF2B5EF4-FFF2-40B4-BE49-F238E27FC236}">
+                <a16:creationId xmlns:a16="http://schemas.microsoft.com/office/drawing/2014/main" id="{86C88D64-05C3-FE56-3797-2D4CFF3054E3}"/>
+              </a:ext>
+            </a:extLst>
+          </p:cNvPr>
+          <p:cNvCxnSpPr>
+            <a:cxnSpLocks/>
+            <a:stCxn id="38" idx="6"/>
+            <a:endCxn id="3" idx="2"/>
+          </p:cNvCxnSpPr>
+          <p:nvPr/>
+        </p:nvCxnSpPr>
+        <p:spPr>
+          <a:xfrm flipV="1">
+            <a:off x="3714951" y="1949816"/>
+            <a:ext cx="792163" cy="225900"/>
+          </a:xfrm>
+          <a:prstGeom prst="line">
+            <a:avLst/>
+          </a:prstGeom>
+          <a:ln w="9525">
+            <a:solidFill>
+              <a:schemeClr val="tx1">
+                <a:lumMod val="65000"/>
+                <a:lumOff val="35000"/>
+              </a:schemeClr>
+            </a:solidFill>
+          </a:ln>
+        </p:spPr>
+        <p:style>
+          <a:lnRef idx="1">
+            <a:schemeClr val="accent1"/>
+          </a:lnRef>
+          <a:fillRef idx="0">
+            <a:schemeClr val="accent1"/>
+          </a:fillRef>
+          <a:effectRef idx="0">
+            <a:schemeClr val="accent1"/>
+          </a:effectRef>
+          <a:fontRef idx="minor">
+            <a:schemeClr val="tx1"/>
+          </a:fontRef>
+        </p:style>
+      </p:cxnSp>
+      <p:cxnSp>
+        <p:nvCxnSpPr>
+          <p:cNvPr id="22" name="Gerader Verbinder 21">
+            <a:extLst>
+              <a:ext uri="{FF2B5EF4-FFF2-40B4-BE49-F238E27FC236}">
+                <a16:creationId xmlns:a16="http://schemas.microsoft.com/office/drawing/2014/main" id="{A2CBD1A2-EF42-3836-2170-009C9F90DD2C}"/>
+              </a:ext>
+            </a:extLst>
+          </p:cNvPr>
+          <p:cNvCxnSpPr>
+            <a:cxnSpLocks/>
+            <a:stCxn id="39" idx="6"/>
+            <a:endCxn id="4" idx="2"/>
+          </p:cNvCxnSpPr>
+          <p:nvPr/>
+        </p:nvCxnSpPr>
+        <p:spPr>
+          <a:xfrm flipV="1">
+            <a:off x="3715152" y="2473139"/>
+            <a:ext cx="791962" cy="253152"/>
+          </a:xfrm>
+          <a:prstGeom prst="line">
+            <a:avLst/>
+          </a:prstGeom>
+          <a:ln w="9525">
+            <a:solidFill>
+              <a:schemeClr val="tx1">
+                <a:lumMod val="65000"/>
+                <a:lumOff val="35000"/>
+              </a:schemeClr>
+            </a:solidFill>
+          </a:ln>
+        </p:spPr>
+        <p:style>
+          <a:lnRef idx="1">
+            <a:schemeClr val="accent1"/>
+          </a:lnRef>
+          <a:fillRef idx="0">
+            <a:schemeClr val="accent1"/>
+          </a:fillRef>
+          <a:effectRef idx="0">
+            <a:schemeClr val="accent1"/>
+          </a:effectRef>
+          <a:fontRef idx="minor">
+            <a:schemeClr val="tx1"/>
+          </a:fontRef>
+        </p:style>
+      </p:cxnSp>
+      <p:cxnSp>
+        <p:nvCxnSpPr>
+          <p:cNvPr id="23" name="Gerader Verbinder 22">
+            <a:extLst>
+              <a:ext uri="{FF2B5EF4-FFF2-40B4-BE49-F238E27FC236}">
+                <a16:creationId xmlns:a16="http://schemas.microsoft.com/office/drawing/2014/main" id="{6210AF23-E9E3-1B0D-764E-48FCCB90298D}"/>
+              </a:ext>
+            </a:extLst>
+          </p:cNvPr>
+          <p:cNvCxnSpPr>
+            <a:cxnSpLocks/>
+            <a:stCxn id="40" idx="6"/>
+            <a:endCxn id="5" idx="2"/>
+          </p:cNvCxnSpPr>
+          <p:nvPr/>
+        </p:nvCxnSpPr>
+        <p:spPr>
+          <a:xfrm>
+            <a:off x="3719914" y="3276866"/>
+            <a:ext cx="787200" cy="233496"/>
+          </a:xfrm>
+          <a:prstGeom prst="line">
+            <a:avLst/>
+          </a:prstGeom>
+          <a:ln w="9525">
+            <a:solidFill>
+              <a:schemeClr val="tx1">
+                <a:lumMod val="65000"/>
+                <a:lumOff val="35000"/>
+              </a:schemeClr>
+            </a:solidFill>
+          </a:ln>
+        </p:spPr>
+        <p:style>
+          <a:lnRef idx="1">
+            <a:schemeClr val="accent1"/>
+          </a:lnRef>
+          <a:fillRef idx="0">
+            <a:schemeClr val="accent1"/>
+          </a:fillRef>
+          <a:effectRef idx="0">
+            <a:schemeClr val="accent1"/>
+          </a:effectRef>
+          <a:fontRef idx="minor">
+            <a:schemeClr val="tx1"/>
+          </a:fontRef>
+        </p:style>
+      </p:cxnSp>
+      <p:cxnSp>
+        <p:nvCxnSpPr>
+          <p:cNvPr id="24" name="Gerader Verbinder 23">
+            <a:extLst>
+              <a:ext uri="{FF2B5EF4-FFF2-40B4-BE49-F238E27FC236}">
+                <a16:creationId xmlns:a16="http://schemas.microsoft.com/office/drawing/2014/main" id="{981383A8-4143-53FE-335B-7E779ADC9315}"/>
+              </a:ext>
+            </a:extLst>
+          </p:cNvPr>
+          <p:cNvCxnSpPr>
+            <a:cxnSpLocks/>
+            <a:stCxn id="41" idx="6"/>
+            <a:endCxn id="6" idx="2"/>
+          </p:cNvCxnSpPr>
+          <p:nvPr/>
+        </p:nvCxnSpPr>
+        <p:spPr>
+          <a:xfrm>
+            <a:off x="3714951" y="3854424"/>
+            <a:ext cx="792163" cy="178077"/>
+          </a:xfrm>
+          <a:prstGeom prst="line">
+            <a:avLst/>
+          </a:prstGeom>
+          <a:ln w="9525">
+            <a:solidFill>
+              <a:schemeClr val="tx1">
+                <a:lumMod val="65000"/>
+                <a:lumOff val="35000"/>
+              </a:schemeClr>
+            </a:solidFill>
+          </a:ln>
+        </p:spPr>
+        <p:style>
+          <a:lnRef idx="1">
+            <a:schemeClr val="accent1"/>
+          </a:lnRef>
+          <a:fillRef idx="0">
+            <a:schemeClr val="accent1"/>
+          </a:fillRef>
+          <a:effectRef idx="0">
+            <a:schemeClr val="accent1"/>
+          </a:effectRef>
+          <a:fontRef idx="minor">
+            <a:schemeClr val="tx1"/>
+          </a:fontRef>
+        </p:style>
+      </p:cxnSp>
+      <p:cxnSp>
+        <p:nvCxnSpPr>
+          <p:cNvPr id="60" name="Gerader Verbinder 59">
+            <a:extLst>
+              <a:ext uri="{FF2B5EF4-FFF2-40B4-BE49-F238E27FC236}">
+                <a16:creationId xmlns:a16="http://schemas.microsoft.com/office/drawing/2014/main" id="{D5476545-3515-DC0A-86AC-176C971368CA}"/>
+              </a:ext>
+            </a:extLst>
+          </p:cNvPr>
+          <p:cNvCxnSpPr>
+            <a:cxnSpLocks/>
+            <a:stCxn id="38" idx="6"/>
+            <a:endCxn id="4" idx="2"/>
+          </p:cNvCxnSpPr>
+          <p:nvPr/>
+        </p:nvCxnSpPr>
+        <p:spPr>
+          <a:xfrm>
+            <a:off x="3714951" y="2175716"/>
+            <a:ext cx="792163" cy="297423"/>
+          </a:xfrm>
+          <a:prstGeom prst="line">
+            <a:avLst/>
+          </a:prstGeom>
+          <a:ln w="9525">
+            <a:solidFill>
+              <a:schemeClr val="tx1">
+                <a:lumMod val="65000"/>
+                <a:lumOff val="35000"/>
+              </a:schemeClr>
+            </a:solidFill>
+          </a:ln>
+        </p:spPr>
+        <p:style>
+          <a:lnRef idx="1">
+            <a:schemeClr val="accent1"/>
+          </a:lnRef>
+          <a:fillRef idx="0">
+            <a:schemeClr val="accent1"/>
+          </a:fillRef>
+          <a:effectRef idx="0">
+            <a:schemeClr val="accent1"/>
+          </a:effectRef>
+          <a:fontRef idx="minor">
+            <a:schemeClr val="tx1"/>
+          </a:fontRef>
+        </p:style>
+      </p:cxnSp>
+      <p:cxnSp>
+        <p:nvCxnSpPr>
+          <p:cNvPr id="63" name="Gerader Verbinder 62">
+            <a:extLst>
+              <a:ext uri="{FF2B5EF4-FFF2-40B4-BE49-F238E27FC236}">
+                <a16:creationId xmlns:a16="http://schemas.microsoft.com/office/drawing/2014/main" id="{A937D77C-6618-E271-8BAC-5E07F4398AC3}"/>
+              </a:ext>
+            </a:extLst>
+          </p:cNvPr>
+          <p:cNvCxnSpPr>
+            <a:cxnSpLocks/>
+            <a:stCxn id="38" idx="6"/>
+            <a:endCxn id="54" idx="2"/>
+          </p:cNvCxnSpPr>
+          <p:nvPr/>
+        </p:nvCxnSpPr>
+        <p:spPr>
+          <a:xfrm>
+            <a:off x="3714951" y="2175716"/>
+            <a:ext cx="792163" cy="812526"/>
+          </a:xfrm>
+          <a:prstGeom prst="line">
+            <a:avLst/>
+          </a:prstGeom>
+          <a:ln w="9525">
+            <a:solidFill>
+              <a:schemeClr val="tx1">
+                <a:lumMod val="65000"/>
+                <a:lumOff val="35000"/>
+              </a:schemeClr>
+            </a:solidFill>
+          </a:ln>
+        </p:spPr>
+        <p:style>
+          <a:lnRef idx="1">
+            <a:schemeClr val="accent1"/>
+          </a:lnRef>
+          <a:fillRef idx="0">
+            <a:schemeClr val="accent1"/>
+          </a:fillRef>
+          <a:effectRef idx="0">
+            <a:schemeClr val="accent1"/>
+          </a:effectRef>
+          <a:fontRef idx="minor">
+            <a:schemeClr val="tx1"/>
+          </a:fontRef>
+        </p:style>
+      </p:cxnSp>
+      <p:cxnSp>
+        <p:nvCxnSpPr>
+          <p:cNvPr id="66" name="Gerader Verbinder 65">
+            <a:extLst>
+              <a:ext uri="{FF2B5EF4-FFF2-40B4-BE49-F238E27FC236}">
+                <a16:creationId xmlns:a16="http://schemas.microsoft.com/office/drawing/2014/main" id="{1036CD1A-FEA0-D4ED-322A-7A922B239D8B}"/>
+              </a:ext>
+            </a:extLst>
+          </p:cNvPr>
+          <p:cNvCxnSpPr>
+            <a:cxnSpLocks/>
+            <a:stCxn id="38" idx="6"/>
+            <a:endCxn id="5" idx="2"/>
+          </p:cNvCxnSpPr>
+          <p:nvPr/>
+        </p:nvCxnSpPr>
+        <p:spPr>
+          <a:xfrm>
+            <a:off x="3714951" y="2175716"/>
+            <a:ext cx="792163" cy="1334646"/>
+          </a:xfrm>
+          <a:prstGeom prst="line">
+            <a:avLst/>
+          </a:prstGeom>
+          <a:ln w="9525">
+            <a:solidFill>
+              <a:schemeClr val="tx1">
+                <a:lumMod val="65000"/>
+                <a:lumOff val="35000"/>
+              </a:schemeClr>
+            </a:solidFill>
+          </a:ln>
+        </p:spPr>
+        <p:style>
+          <a:lnRef idx="1">
+            <a:schemeClr val="accent1"/>
+          </a:lnRef>
+          <a:fillRef idx="0">
+            <a:schemeClr val="accent1"/>
+          </a:fillRef>
+          <a:effectRef idx="0">
+            <a:schemeClr val="accent1"/>
+          </a:effectRef>
+          <a:fontRef idx="minor">
+            <a:schemeClr val="tx1"/>
+          </a:fontRef>
+        </p:style>
+      </p:cxnSp>
+      <p:cxnSp>
+        <p:nvCxnSpPr>
+          <p:cNvPr id="70" name="Gerader Verbinder 69">
+            <a:extLst>
+              <a:ext uri="{FF2B5EF4-FFF2-40B4-BE49-F238E27FC236}">
+                <a16:creationId xmlns:a16="http://schemas.microsoft.com/office/drawing/2014/main" id="{1426712C-E2F0-BFF5-19E4-5F56E1DD1E40}"/>
+              </a:ext>
+            </a:extLst>
+          </p:cNvPr>
+          <p:cNvCxnSpPr>
+            <a:cxnSpLocks/>
+            <a:stCxn id="38" idx="6"/>
+            <a:endCxn id="6" idx="2"/>
+          </p:cNvCxnSpPr>
+          <p:nvPr/>
+        </p:nvCxnSpPr>
+        <p:spPr>
+          <a:xfrm>
+            <a:off x="3714951" y="2175716"/>
+            <a:ext cx="792163" cy="1856785"/>
+          </a:xfrm>
+          <a:prstGeom prst="line">
+            <a:avLst/>
+          </a:prstGeom>
+          <a:ln w="9525">
+            <a:solidFill>
+              <a:schemeClr val="tx1">
+                <a:lumMod val="65000"/>
+                <a:lumOff val="35000"/>
+              </a:schemeClr>
+            </a:solidFill>
+          </a:ln>
+        </p:spPr>
+        <p:style>
+          <a:lnRef idx="1">
+            <a:schemeClr val="accent1"/>
+          </a:lnRef>
+          <a:fillRef idx="0">
+            <a:schemeClr val="accent1"/>
+          </a:fillRef>
+          <a:effectRef idx="0">
+            <a:schemeClr val="accent1"/>
+          </a:effectRef>
+          <a:fontRef idx="minor">
+            <a:schemeClr val="tx1"/>
+          </a:fontRef>
+        </p:style>
+      </p:cxnSp>
+      <p:cxnSp>
+        <p:nvCxnSpPr>
+          <p:cNvPr id="74" name="Gerader Verbinder 73">
+            <a:extLst>
+              <a:ext uri="{FF2B5EF4-FFF2-40B4-BE49-F238E27FC236}">
+                <a16:creationId xmlns:a16="http://schemas.microsoft.com/office/drawing/2014/main" id="{056BB1CF-1E6E-CB50-18AB-36D294796EAC}"/>
+              </a:ext>
+            </a:extLst>
+          </p:cNvPr>
+          <p:cNvCxnSpPr>
+            <a:cxnSpLocks/>
+            <a:stCxn id="39" idx="6"/>
+            <a:endCxn id="3" idx="2"/>
+          </p:cNvCxnSpPr>
+          <p:nvPr/>
+        </p:nvCxnSpPr>
+        <p:spPr>
+          <a:xfrm flipV="1">
+            <a:off x="3715152" y="1949816"/>
+            <a:ext cx="791962" cy="776475"/>
+          </a:xfrm>
+          <a:prstGeom prst="line">
+            <a:avLst/>
+          </a:prstGeom>
+          <a:ln w="9525">
+            <a:solidFill>
+              <a:schemeClr val="tx1">
+                <a:lumMod val="65000"/>
+                <a:lumOff val="35000"/>
+              </a:schemeClr>
+            </a:solidFill>
+          </a:ln>
+        </p:spPr>
+        <p:style>
+          <a:lnRef idx="1">
+            <a:schemeClr val="accent1"/>
+          </a:lnRef>
+          <a:fillRef idx="0">
+            <a:schemeClr val="accent1"/>
+          </a:fillRef>
+          <a:effectRef idx="0">
+            <a:schemeClr val="accent1"/>
+          </a:effectRef>
+          <a:fontRef idx="minor">
+            <a:schemeClr val="tx1"/>
+          </a:fontRef>
+        </p:style>
+      </p:cxnSp>
+      <p:cxnSp>
+        <p:nvCxnSpPr>
+          <p:cNvPr id="77" name="Gerader Verbinder 76">
+            <a:extLst>
+              <a:ext uri="{FF2B5EF4-FFF2-40B4-BE49-F238E27FC236}">
+                <a16:creationId xmlns:a16="http://schemas.microsoft.com/office/drawing/2014/main" id="{0A1A0DE4-209C-F670-40D5-42C18461379A}"/>
+              </a:ext>
+            </a:extLst>
+          </p:cNvPr>
+          <p:cNvCxnSpPr>
+            <a:cxnSpLocks/>
+            <a:stCxn id="39" idx="6"/>
+            <a:endCxn id="54" idx="2"/>
+          </p:cNvCxnSpPr>
+          <p:nvPr/>
+        </p:nvCxnSpPr>
+        <p:spPr>
+          <a:xfrm>
+            <a:off x="3715152" y="2726291"/>
+            <a:ext cx="791962" cy="261951"/>
+          </a:xfrm>
+          <a:prstGeom prst="line">
+            <a:avLst/>
+          </a:prstGeom>
+          <a:ln w="9525">
+            <a:solidFill>
+              <a:schemeClr val="tx1">
+                <a:lumMod val="65000"/>
+                <a:lumOff val="35000"/>
+              </a:schemeClr>
+            </a:solidFill>
+          </a:ln>
+        </p:spPr>
+        <p:style>
+          <a:lnRef idx="1">
+            <a:schemeClr val="accent1"/>
+          </a:lnRef>
+          <a:fillRef idx="0">
+            <a:schemeClr val="accent1"/>
+          </a:fillRef>
+          <a:effectRef idx="0">
+            <a:schemeClr val="accent1"/>
+          </a:effectRef>
+          <a:fontRef idx="minor">
+            <a:schemeClr val="tx1"/>
+          </a:fontRef>
+        </p:style>
+      </p:cxnSp>
+      <p:cxnSp>
+        <p:nvCxnSpPr>
+          <p:cNvPr id="80" name="Gerader Verbinder 79">
+            <a:extLst>
+              <a:ext uri="{FF2B5EF4-FFF2-40B4-BE49-F238E27FC236}">
+                <a16:creationId xmlns:a16="http://schemas.microsoft.com/office/drawing/2014/main" id="{D9F52D6A-2208-6F9B-EF89-3B44E1BA419D}"/>
+              </a:ext>
+            </a:extLst>
+          </p:cNvPr>
+          <p:cNvCxnSpPr>
+            <a:cxnSpLocks/>
+            <a:stCxn id="39" idx="6"/>
+            <a:endCxn id="5" idx="2"/>
+          </p:cNvCxnSpPr>
+          <p:nvPr/>
+        </p:nvCxnSpPr>
+        <p:spPr>
+          <a:xfrm>
+            <a:off x="3715152" y="2726291"/>
+            <a:ext cx="791962" cy="784071"/>
+          </a:xfrm>
+          <a:prstGeom prst="line">
+            <a:avLst/>
+          </a:prstGeom>
+          <a:ln w="9525">
+            <a:solidFill>
+              <a:schemeClr val="tx1">
+                <a:lumMod val="65000"/>
+                <a:lumOff val="35000"/>
+              </a:schemeClr>
+            </a:solidFill>
+          </a:ln>
+        </p:spPr>
+        <p:style>
+          <a:lnRef idx="1">
+            <a:schemeClr val="accent1"/>
+          </a:lnRef>
+          <a:fillRef idx="0">
+            <a:schemeClr val="accent1"/>
+          </a:fillRef>
+          <a:effectRef idx="0">
+            <a:schemeClr val="accent1"/>
+          </a:effectRef>
+          <a:fontRef idx="minor">
+            <a:schemeClr val="tx1"/>
+          </a:fontRef>
+        </p:style>
+      </p:cxnSp>
+      <p:cxnSp>
+        <p:nvCxnSpPr>
+          <p:cNvPr id="83" name="Gerader Verbinder 82">
+            <a:extLst>
+              <a:ext uri="{FF2B5EF4-FFF2-40B4-BE49-F238E27FC236}">
+                <a16:creationId xmlns:a16="http://schemas.microsoft.com/office/drawing/2014/main" id="{0AE4972E-7E47-CA36-175E-9FC9AC2D47C0}"/>
+              </a:ext>
+            </a:extLst>
+          </p:cNvPr>
+          <p:cNvCxnSpPr>
+            <a:cxnSpLocks/>
+            <a:stCxn id="39" idx="6"/>
+            <a:endCxn id="6" idx="2"/>
+          </p:cNvCxnSpPr>
+          <p:nvPr/>
+        </p:nvCxnSpPr>
+        <p:spPr>
+          <a:xfrm>
+            <a:off x="3715152" y="2726291"/>
+            <a:ext cx="791962" cy="1306210"/>
+          </a:xfrm>
+          <a:prstGeom prst="line">
+            <a:avLst/>
+          </a:prstGeom>
+          <a:ln w="9525">
+            <a:solidFill>
+              <a:schemeClr val="tx1">
+                <a:lumMod val="65000"/>
+                <a:lumOff val="35000"/>
+              </a:schemeClr>
+            </a:solidFill>
+          </a:ln>
+        </p:spPr>
+        <p:style>
+          <a:lnRef idx="1">
+            <a:schemeClr val="accent1"/>
+          </a:lnRef>
+          <a:fillRef idx="0">
+            <a:schemeClr val="accent1"/>
+          </a:fillRef>
+          <a:effectRef idx="0">
+            <a:schemeClr val="accent1"/>
+          </a:effectRef>
+          <a:fontRef idx="minor">
+            <a:schemeClr val="tx1"/>
+          </a:fontRef>
+        </p:style>
+      </p:cxnSp>
+      <p:cxnSp>
+        <p:nvCxnSpPr>
+          <p:cNvPr id="86" name="Gerader Verbinder 85">
+            <a:extLst>
+              <a:ext uri="{FF2B5EF4-FFF2-40B4-BE49-F238E27FC236}">
+                <a16:creationId xmlns:a16="http://schemas.microsoft.com/office/drawing/2014/main" id="{5139D91D-ECDF-0170-2FBC-82AC128DAA77}"/>
+              </a:ext>
+            </a:extLst>
+          </p:cNvPr>
+          <p:cNvCxnSpPr>
+            <a:cxnSpLocks/>
+            <a:stCxn id="40" idx="6"/>
+            <a:endCxn id="3" idx="2"/>
+          </p:cNvCxnSpPr>
+          <p:nvPr/>
+        </p:nvCxnSpPr>
+        <p:spPr>
+          <a:xfrm flipV="1">
+            <a:off x="3719914" y="1949816"/>
+            <a:ext cx="787200" cy="1327050"/>
+          </a:xfrm>
+          <a:prstGeom prst="line">
+            <a:avLst/>
+          </a:prstGeom>
+          <a:ln w="9525">
+            <a:solidFill>
+              <a:schemeClr val="tx1">
+                <a:lumMod val="65000"/>
+                <a:lumOff val="35000"/>
+              </a:schemeClr>
+            </a:solidFill>
+          </a:ln>
+        </p:spPr>
+        <p:style>
+          <a:lnRef idx="1">
+            <a:schemeClr val="accent1"/>
+          </a:lnRef>
+          <a:fillRef idx="0">
+            <a:schemeClr val="accent1"/>
+          </a:fillRef>
+          <a:effectRef idx="0">
+            <a:schemeClr val="accent1"/>
+          </a:effectRef>
+          <a:fontRef idx="minor">
+            <a:schemeClr val="tx1"/>
+          </a:fontRef>
+        </p:style>
+      </p:cxnSp>
+      <p:cxnSp>
+        <p:nvCxnSpPr>
+          <p:cNvPr id="89" name="Gerader Verbinder 88">
+            <a:extLst>
+              <a:ext uri="{FF2B5EF4-FFF2-40B4-BE49-F238E27FC236}">
+                <a16:creationId xmlns:a16="http://schemas.microsoft.com/office/drawing/2014/main" id="{B64C1E87-B87B-64CD-A268-2F206AA19E39}"/>
+              </a:ext>
+            </a:extLst>
+          </p:cNvPr>
+          <p:cNvCxnSpPr>
+            <a:cxnSpLocks/>
+            <a:stCxn id="40" idx="6"/>
+            <a:endCxn id="4" idx="2"/>
+          </p:cNvCxnSpPr>
+          <p:nvPr/>
+        </p:nvCxnSpPr>
+        <p:spPr>
+          <a:xfrm flipV="1">
+            <a:off x="3719914" y="2473139"/>
+            <a:ext cx="787200" cy="803727"/>
+          </a:xfrm>
+          <a:prstGeom prst="line">
+            <a:avLst/>
+          </a:prstGeom>
+          <a:ln w="9525">
+            <a:solidFill>
+              <a:schemeClr val="tx1">
+                <a:lumMod val="65000"/>
+                <a:lumOff val="35000"/>
+              </a:schemeClr>
+            </a:solidFill>
+          </a:ln>
+        </p:spPr>
+        <p:style>
+          <a:lnRef idx="1">
+            <a:schemeClr val="accent1"/>
+          </a:lnRef>
+          <a:fillRef idx="0">
+            <a:schemeClr val="accent1"/>
+          </a:fillRef>
+          <a:effectRef idx="0">
+            <a:schemeClr val="accent1"/>
+          </a:effectRef>
+          <a:fontRef idx="minor">
+            <a:schemeClr val="tx1"/>
+          </a:fontRef>
+        </p:style>
+      </p:cxnSp>
+      <p:cxnSp>
+        <p:nvCxnSpPr>
+          <p:cNvPr id="92" name="Gerader Verbinder 91">
+            <a:extLst>
+              <a:ext uri="{FF2B5EF4-FFF2-40B4-BE49-F238E27FC236}">
+                <a16:creationId xmlns:a16="http://schemas.microsoft.com/office/drawing/2014/main" id="{D632CD6C-843D-0DD2-14EF-C9E0C6D63FD6}"/>
+              </a:ext>
+            </a:extLst>
+          </p:cNvPr>
+          <p:cNvCxnSpPr>
+            <a:cxnSpLocks/>
+            <a:stCxn id="40" idx="6"/>
+            <a:endCxn id="54" idx="2"/>
+          </p:cNvCxnSpPr>
+          <p:nvPr/>
+        </p:nvCxnSpPr>
+        <p:spPr>
+          <a:xfrm flipV="1">
+            <a:off x="3719914" y="2988242"/>
+            <a:ext cx="787200" cy="288624"/>
+          </a:xfrm>
+          <a:prstGeom prst="line">
+            <a:avLst/>
+          </a:prstGeom>
+          <a:ln w="9525">
+            <a:solidFill>
+              <a:schemeClr val="tx1">
+                <a:lumMod val="65000"/>
+                <a:lumOff val="35000"/>
+              </a:schemeClr>
+            </a:solidFill>
+          </a:ln>
+        </p:spPr>
+        <p:style>
+          <a:lnRef idx="1">
+            <a:schemeClr val="accent1"/>
+          </a:lnRef>
+          <a:fillRef idx="0">
+            <a:schemeClr val="accent1"/>
+          </a:fillRef>
+          <a:effectRef idx="0">
+            <a:schemeClr val="accent1"/>
+          </a:effectRef>
+          <a:fontRef idx="minor">
+            <a:schemeClr val="tx1"/>
+          </a:fontRef>
+        </p:style>
+      </p:cxnSp>
+      <p:cxnSp>
+        <p:nvCxnSpPr>
+          <p:cNvPr id="95" name="Gerader Verbinder 94">
+            <a:extLst>
+              <a:ext uri="{FF2B5EF4-FFF2-40B4-BE49-F238E27FC236}">
+                <a16:creationId xmlns:a16="http://schemas.microsoft.com/office/drawing/2014/main" id="{CC4A3034-B43D-1543-021E-A422D3E5B782}"/>
+              </a:ext>
+            </a:extLst>
+          </p:cNvPr>
+          <p:cNvCxnSpPr>
+            <a:cxnSpLocks/>
+            <a:stCxn id="40" idx="6"/>
+            <a:endCxn id="6" idx="2"/>
+          </p:cNvCxnSpPr>
+          <p:nvPr/>
+        </p:nvCxnSpPr>
+        <p:spPr>
+          <a:xfrm>
+            <a:off x="3719914" y="3276866"/>
+            <a:ext cx="787200" cy="755635"/>
+          </a:xfrm>
+          <a:prstGeom prst="line">
+            <a:avLst/>
+          </a:prstGeom>
+          <a:ln w="9525">
+            <a:solidFill>
+              <a:schemeClr val="tx1">
+                <a:lumMod val="65000"/>
+                <a:lumOff val="35000"/>
+              </a:schemeClr>
+            </a:solidFill>
+          </a:ln>
+        </p:spPr>
+        <p:style>
+          <a:lnRef idx="1">
+            <a:schemeClr val="accent1"/>
+          </a:lnRef>
+          <a:fillRef idx="0">
+            <a:schemeClr val="accent1"/>
+          </a:fillRef>
+          <a:effectRef idx="0">
+            <a:schemeClr val="accent1"/>
+          </a:effectRef>
+          <a:fontRef idx="minor">
+            <a:schemeClr val="tx1"/>
+          </a:fontRef>
+        </p:style>
+      </p:cxnSp>
+      <p:cxnSp>
+        <p:nvCxnSpPr>
+          <p:cNvPr id="98" name="Gerader Verbinder 97">
+            <a:extLst>
+              <a:ext uri="{FF2B5EF4-FFF2-40B4-BE49-F238E27FC236}">
+                <a16:creationId xmlns:a16="http://schemas.microsoft.com/office/drawing/2014/main" id="{7B4241B9-8818-E79C-7AF7-A718AB6B7B34}"/>
+              </a:ext>
+            </a:extLst>
+          </p:cNvPr>
+          <p:cNvCxnSpPr>
+            <a:cxnSpLocks/>
+            <a:stCxn id="41" idx="6"/>
+            <a:endCxn id="5" idx="2"/>
+          </p:cNvCxnSpPr>
+          <p:nvPr/>
+        </p:nvCxnSpPr>
+        <p:spPr>
+          <a:xfrm flipV="1">
+            <a:off x="3714951" y="3510362"/>
+            <a:ext cx="792163" cy="344062"/>
+          </a:xfrm>
+          <a:prstGeom prst="line">
+            <a:avLst/>
+          </a:prstGeom>
+          <a:ln w="9525">
+            <a:solidFill>
+              <a:schemeClr val="tx1">
+                <a:lumMod val="65000"/>
+                <a:lumOff val="35000"/>
+              </a:schemeClr>
+            </a:solidFill>
+          </a:ln>
+        </p:spPr>
+        <p:style>
+          <a:lnRef idx="1">
+            <a:schemeClr val="accent1"/>
+          </a:lnRef>
+          <a:fillRef idx="0">
+            <a:schemeClr val="accent1"/>
+          </a:fillRef>
+          <a:effectRef idx="0">
+            <a:schemeClr val="accent1"/>
+          </a:effectRef>
+          <a:fontRef idx="minor">
+            <a:schemeClr val="tx1"/>
+          </a:fontRef>
+        </p:style>
+      </p:cxnSp>
+      <p:cxnSp>
+        <p:nvCxnSpPr>
+          <p:cNvPr id="101" name="Gerader Verbinder 100">
+            <a:extLst>
+              <a:ext uri="{FF2B5EF4-FFF2-40B4-BE49-F238E27FC236}">
+                <a16:creationId xmlns:a16="http://schemas.microsoft.com/office/drawing/2014/main" id="{93FC469C-622F-E66E-EC09-A0D64E4DB13F}"/>
+              </a:ext>
+            </a:extLst>
+          </p:cNvPr>
+          <p:cNvCxnSpPr>
+            <a:cxnSpLocks/>
+            <a:stCxn id="41" idx="6"/>
+            <a:endCxn id="54" idx="2"/>
+          </p:cNvCxnSpPr>
+          <p:nvPr/>
+        </p:nvCxnSpPr>
+        <p:spPr>
+          <a:xfrm flipV="1">
+            <a:off x="3714951" y="2988242"/>
+            <a:ext cx="792163" cy="866182"/>
+          </a:xfrm>
+          <a:prstGeom prst="line">
+            <a:avLst/>
+          </a:prstGeom>
+          <a:ln w="9525">
+            <a:solidFill>
+              <a:schemeClr val="tx1">
+                <a:lumMod val="65000"/>
+                <a:lumOff val="35000"/>
+              </a:schemeClr>
+            </a:solidFill>
+          </a:ln>
+        </p:spPr>
+        <p:style>
+          <a:lnRef idx="1">
+            <a:schemeClr val="accent1"/>
+          </a:lnRef>
+          <a:fillRef idx="0">
+            <a:schemeClr val="accent1"/>
+          </a:fillRef>
+          <a:effectRef idx="0">
+            <a:schemeClr val="accent1"/>
+          </a:effectRef>
+          <a:fontRef idx="minor">
+            <a:schemeClr val="tx1"/>
+          </a:fontRef>
+        </p:style>
+      </p:cxnSp>
+      <p:cxnSp>
+        <p:nvCxnSpPr>
+          <p:cNvPr id="104" name="Gerader Verbinder 103">
+            <a:extLst>
+              <a:ext uri="{FF2B5EF4-FFF2-40B4-BE49-F238E27FC236}">
+                <a16:creationId xmlns:a16="http://schemas.microsoft.com/office/drawing/2014/main" id="{AA21253C-C645-BB54-2CE6-5E4E086D1DD5}"/>
+              </a:ext>
+            </a:extLst>
+          </p:cNvPr>
+          <p:cNvCxnSpPr>
+            <a:cxnSpLocks/>
+            <a:stCxn id="41" idx="6"/>
+            <a:endCxn id="4" idx="2"/>
+          </p:cNvCxnSpPr>
+          <p:nvPr/>
+        </p:nvCxnSpPr>
+        <p:spPr>
+          <a:xfrm flipV="1">
+            <a:off x="3714951" y="2473139"/>
+            <a:ext cx="792163" cy="1381285"/>
+          </a:xfrm>
+          <a:prstGeom prst="line">
+            <a:avLst/>
+          </a:prstGeom>
+          <a:ln w="9525">
+            <a:solidFill>
+              <a:schemeClr val="tx1">
+                <a:lumMod val="65000"/>
+                <a:lumOff val="35000"/>
+              </a:schemeClr>
+            </a:solidFill>
+          </a:ln>
+        </p:spPr>
+        <p:style>
+          <a:lnRef idx="1">
+            <a:schemeClr val="accent1"/>
+          </a:lnRef>
+          <a:fillRef idx="0">
+            <a:schemeClr val="accent1"/>
+          </a:fillRef>
+          <a:effectRef idx="0">
+            <a:schemeClr val="accent1"/>
+          </a:effectRef>
+          <a:fontRef idx="minor">
+            <a:schemeClr val="tx1"/>
+          </a:fontRef>
+        </p:style>
+      </p:cxnSp>
+      <p:cxnSp>
+        <p:nvCxnSpPr>
+          <p:cNvPr id="107" name="Gerader Verbinder 106">
+            <a:extLst>
+              <a:ext uri="{FF2B5EF4-FFF2-40B4-BE49-F238E27FC236}">
+                <a16:creationId xmlns:a16="http://schemas.microsoft.com/office/drawing/2014/main" id="{5318AE0C-2880-812A-FB68-03F7A37A726A}"/>
+              </a:ext>
+            </a:extLst>
+          </p:cNvPr>
+          <p:cNvCxnSpPr>
+            <a:cxnSpLocks/>
+            <a:stCxn id="41" idx="6"/>
+            <a:endCxn id="3" idx="2"/>
+          </p:cNvCxnSpPr>
+          <p:nvPr/>
+        </p:nvCxnSpPr>
+        <p:spPr>
+          <a:xfrm flipV="1">
+            <a:off x="3714951" y="1949816"/>
+            <a:ext cx="792163" cy="1904608"/>
+          </a:xfrm>
+          <a:prstGeom prst="line">
+            <a:avLst/>
+          </a:prstGeom>
+          <a:ln w="9525">
+            <a:solidFill>
+              <a:schemeClr val="tx1">
+                <a:lumMod val="65000"/>
+                <a:lumOff val="35000"/>
+              </a:schemeClr>
+            </a:solidFill>
+          </a:ln>
+        </p:spPr>
+        <p:style>
+          <a:lnRef idx="1">
+            <a:schemeClr val="accent1"/>
+          </a:lnRef>
+          <a:fillRef idx="0">
+            <a:schemeClr val="accent1"/>
+          </a:fillRef>
+          <a:effectRef idx="0">
+            <a:schemeClr val="accent1"/>
+          </a:effectRef>
+          <a:fontRef idx="minor">
+            <a:schemeClr val="tx1"/>
+          </a:fontRef>
+        </p:style>
+      </p:cxnSp>
+      <p:cxnSp>
+        <p:nvCxnSpPr>
+          <p:cNvPr id="163" name="Gerader Verbinder 162">
+            <a:extLst>
+              <a:ext uri="{FF2B5EF4-FFF2-40B4-BE49-F238E27FC236}">
+                <a16:creationId xmlns:a16="http://schemas.microsoft.com/office/drawing/2014/main" id="{A9F144BB-EB6B-8044-5B32-A4F17ED6C719}"/>
+              </a:ext>
+            </a:extLst>
+          </p:cNvPr>
+          <p:cNvCxnSpPr>
+            <a:cxnSpLocks/>
+            <a:stCxn id="54" idx="6"/>
+            <a:endCxn id="7" idx="2"/>
+          </p:cNvCxnSpPr>
+          <p:nvPr/>
+        </p:nvCxnSpPr>
+        <p:spPr>
+          <a:xfrm flipV="1">
+            <a:off x="4869064" y="2401004"/>
+            <a:ext cx="931862" cy="587238"/>
+          </a:xfrm>
+          <a:prstGeom prst="line">
+            <a:avLst/>
+          </a:prstGeom>
+          <a:ln w="9525">
+            <a:solidFill>
+              <a:schemeClr val="tx1">
+                <a:lumMod val="65000"/>
+                <a:lumOff val="35000"/>
+              </a:schemeClr>
+            </a:solidFill>
+          </a:ln>
+        </p:spPr>
+        <p:style>
+          <a:lnRef idx="1">
+            <a:schemeClr val="accent1"/>
+          </a:lnRef>
+          <a:fillRef idx="0">
+            <a:schemeClr val="accent1"/>
+          </a:fillRef>
+          <a:effectRef idx="0">
+            <a:schemeClr val="accent1"/>
+          </a:effectRef>
+          <a:fontRef idx="minor">
+            <a:schemeClr val="tx1"/>
+          </a:fontRef>
+        </p:style>
+      </p:cxnSp>
+      <p:cxnSp>
+        <p:nvCxnSpPr>
+          <p:cNvPr id="166" name="Gerader Verbinder 165">
+            <a:extLst>
+              <a:ext uri="{FF2B5EF4-FFF2-40B4-BE49-F238E27FC236}">
+                <a16:creationId xmlns:a16="http://schemas.microsoft.com/office/drawing/2014/main" id="{E7EDDC0C-0A30-5A43-1C69-FDBF71D78DB2}"/>
+              </a:ext>
+            </a:extLst>
+          </p:cNvPr>
+          <p:cNvCxnSpPr>
+            <a:cxnSpLocks/>
+            <a:stCxn id="54" idx="6"/>
+            <a:endCxn id="150" idx="2"/>
+          </p:cNvCxnSpPr>
+          <p:nvPr/>
+        </p:nvCxnSpPr>
+        <p:spPr>
+          <a:xfrm>
+            <a:off x="4869064" y="2988242"/>
+            <a:ext cx="931862" cy="0"/>
+          </a:xfrm>
+          <a:prstGeom prst="line">
+            <a:avLst/>
+          </a:prstGeom>
+          <a:ln w="9525">
+            <a:solidFill>
+              <a:schemeClr val="tx1">
+                <a:lumMod val="65000"/>
+                <a:lumOff val="35000"/>
+              </a:schemeClr>
+            </a:solidFill>
+          </a:ln>
+        </p:spPr>
+        <p:style>
+          <a:lnRef idx="1">
+            <a:schemeClr val="accent1"/>
+          </a:lnRef>
+          <a:fillRef idx="0">
+            <a:schemeClr val="accent1"/>
+          </a:fillRef>
+          <a:effectRef idx="0">
+            <a:schemeClr val="accent1"/>
+          </a:effectRef>
+          <a:fontRef idx="minor">
+            <a:schemeClr val="tx1"/>
+          </a:fontRef>
+        </p:style>
+      </p:cxnSp>
+      <p:cxnSp>
+        <p:nvCxnSpPr>
+          <p:cNvPr id="169" name="Gerader Verbinder 168">
+            <a:extLst>
+              <a:ext uri="{FF2B5EF4-FFF2-40B4-BE49-F238E27FC236}">
+                <a16:creationId xmlns:a16="http://schemas.microsoft.com/office/drawing/2014/main" id="{010131BB-CBBD-0AC5-859D-A88F6D28FBFD}"/>
+              </a:ext>
+            </a:extLst>
+          </p:cNvPr>
+          <p:cNvCxnSpPr>
+            <a:cxnSpLocks/>
+            <a:stCxn id="54" idx="6"/>
+            <a:endCxn id="8" idx="2"/>
+          </p:cNvCxnSpPr>
+          <p:nvPr/>
+        </p:nvCxnSpPr>
+        <p:spPr>
+          <a:xfrm>
+            <a:off x="4869064" y="2988242"/>
+            <a:ext cx="931862" cy="632163"/>
+          </a:xfrm>
+          <a:prstGeom prst="line">
+            <a:avLst/>
+          </a:prstGeom>
+          <a:ln w="9525">
+            <a:solidFill>
+              <a:schemeClr val="tx1">
+                <a:lumMod val="65000"/>
+                <a:lumOff val="35000"/>
+              </a:schemeClr>
+            </a:solidFill>
+          </a:ln>
+        </p:spPr>
+        <p:style>
+          <a:lnRef idx="1">
+            <a:schemeClr val="accent1"/>
+          </a:lnRef>
+          <a:fillRef idx="0">
+            <a:schemeClr val="accent1"/>
+          </a:fillRef>
+          <a:effectRef idx="0">
+            <a:schemeClr val="accent1"/>
+          </a:effectRef>
+          <a:fontRef idx="minor">
+            <a:schemeClr val="tx1"/>
+          </a:fontRef>
+        </p:style>
+      </p:cxnSp>
+      <p:cxnSp>
+        <p:nvCxnSpPr>
+          <p:cNvPr id="172" name="Gerader Verbinder 171">
+            <a:extLst>
+              <a:ext uri="{FF2B5EF4-FFF2-40B4-BE49-F238E27FC236}">
+                <a16:creationId xmlns:a16="http://schemas.microsoft.com/office/drawing/2014/main" id="{DC91B2FB-EDB3-720E-93A3-558FB0B00EB7}"/>
+              </a:ext>
+            </a:extLst>
+          </p:cNvPr>
+          <p:cNvCxnSpPr>
+            <a:cxnSpLocks/>
+            <a:stCxn id="6" idx="6"/>
+            <a:endCxn id="150" idx="2"/>
+          </p:cNvCxnSpPr>
+          <p:nvPr/>
+        </p:nvCxnSpPr>
+        <p:spPr>
+          <a:xfrm flipV="1">
+            <a:off x="4869064" y="2988242"/>
+            <a:ext cx="931862" cy="1044259"/>
+          </a:xfrm>
+          <a:prstGeom prst="line">
+            <a:avLst/>
+          </a:prstGeom>
+          <a:ln w="9525">
+            <a:solidFill>
+              <a:schemeClr val="tx1">
+                <a:lumMod val="65000"/>
+                <a:lumOff val="35000"/>
+              </a:schemeClr>
+            </a:solidFill>
+          </a:ln>
+        </p:spPr>
+        <p:style>
+          <a:lnRef idx="1">
+            <a:schemeClr val="accent1"/>
+          </a:lnRef>
+          <a:fillRef idx="0">
+            <a:schemeClr val="accent1"/>
+          </a:fillRef>
+          <a:effectRef idx="0">
+            <a:schemeClr val="accent1"/>
+          </a:effectRef>
+          <a:fontRef idx="minor">
+            <a:schemeClr val="tx1"/>
+          </a:fontRef>
+        </p:style>
+      </p:cxnSp>
+      <p:cxnSp>
+        <p:nvCxnSpPr>
+          <p:cNvPr id="175" name="Gerader Verbinder 174">
+            <a:extLst>
+              <a:ext uri="{FF2B5EF4-FFF2-40B4-BE49-F238E27FC236}">
+                <a16:creationId xmlns:a16="http://schemas.microsoft.com/office/drawing/2014/main" id="{16A1FE43-A90D-9E4B-C053-675E3197DEBB}"/>
+              </a:ext>
+            </a:extLst>
+          </p:cNvPr>
+          <p:cNvCxnSpPr>
+            <a:cxnSpLocks/>
+            <a:stCxn id="5" idx="6"/>
+            <a:endCxn id="150" idx="2"/>
+          </p:cNvCxnSpPr>
+          <p:nvPr/>
+        </p:nvCxnSpPr>
+        <p:spPr>
+          <a:xfrm flipV="1">
+            <a:off x="4869064" y="2988242"/>
+            <a:ext cx="931862" cy="522120"/>
+          </a:xfrm>
+          <a:prstGeom prst="line">
+            <a:avLst/>
+          </a:prstGeom>
+          <a:ln w="9525">
+            <a:solidFill>
+              <a:schemeClr val="tx1">
+                <a:lumMod val="65000"/>
+                <a:lumOff val="35000"/>
+              </a:schemeClr>
+            </a:solidFill>
+          </a:ln>
+        </p:spPr>
+        <p:style>
+          <a:lnRef idx="1">
+            <a:schemeClr val="accent1"/>
+          </a:lnRef>
+          <a:fillRef idx="0">
+            <a:schemeClr val="accent1"/>
+          </a:fillRef>
+          <a:effectRef idx="0">
+            <a:schemeClr val="accent1"/>
+          </a:effectRef>
+          <a:fontRef idx="minor">
+            <a:schemeClr val="tx1"/>
+          </a:fontRef>
+        </p:style>
+      </p:cxnSp>
+      <p:cxnSp>
+        <p:nvCxnSpPr>
+          <p:cNvPr id="178" name="Gerader Verbinder 177">
+            <a:extLst>
+              <a:ext uri="{FF2B5EF4-FFF2-40B4-BE49-F238E27FC236}">
+                <a16:creationId xmlns:a16="http://schemas.microsoft.com/office/drawing/2014/main" id="{7DD23C6B-A869-22CF-F03A-328FA5D2BE0E}"/>
+              </a:ext>
+            </a:extLst>
+          </p:cNvPr>
+          <p:cNvCxnSpPr>
+            <a:cxnSpLocks/>
+            <a:stCxn id="4" idx="6"/>
+            <a:endCxn id="150" idx="2"/>
+          </p:cNvCxnSpPr>
+          <p:nvPr/>
+        </p:nvCxnSpPr>
+        <p:spPr>
+          <a:xfrm>
+            <a:off x="4869064" y="2473139"/>
+            <a:ext cx="931862" cy="515103"/>
+          </a:xfrm>
+          <a:prstGeom prst="line">
+            <a:avLst/>
+          </a:prstGeom>
+          <a:ln w="9525">
+            <a:solidFill>
+              <a:schemeClr val="tx1">
+                <a:lumMod val="65000"/>
+                <a:lumOff val="35000"/>
+              </a:schemeClr>
+            </a:solidFill>
+          </a:ln>
+        </p:spPr>
+        <p:style>
+          <a:lnRef idx="1">
+            <a:schemeClr val="accent1"/>
+          </a:lnRef>
+          <a:fillRef idx="0">
+            <a:schemeClr val="accent1"/>
+          </a:fillRef>
+          <a:effectRef idx="0">
+            <a:schemeClr val="accent1"/>
+          </a:effectRef>
+          <a:fontRef idx="minor">
+            <a:schemeClr val="tx1"/>
+          </a:fontRef>
+        </p:style>
+      </p:cxnSp>
+      <p:cxnSp>
+        <p:nvCxnSpPr>
+          <p:cNvPr id="181" name="Gerader Verbinder 180">
+            <a:extLst>
+              <a:ext uri="{FF2B5EF4-FFF2-40B4-BE49-F238E27FC236}">
+                <a16:creationId xmlns:a16="http://schemas.microsoft.com/office/drawing/2014/main" id="{D85533A3-37BB-034B-642D-458590DB4F88}"/>
+              </a:ext>
+            </a:extLst>
+          </p:cNvPr>
+          <p:cNvCxnSpPr>
+            <a:cxnSpLocks/>
+            <a:stCxn id="3" idx="6"/>
+            <a:endCxn id="150" idx="2"/>
+          </p:cNvCxnSpPr>
+          <p:nvPr/>
+        </p:nvCxnSpPr>
+        <p:spPr>
+          <a:xfrm>
+            <a:off x="4869064" y="1949816"/>
+            <a:ext cx="931862" cy="1038426"/>
+          </a:xfrm>
+          <a:prstGeom prst="line">
+            <a:avLst/>
+          </a:prstGeom>
+          <a:ln w="9525">
+            <a:solidFill>
+              <a:schemeClr val="tx1">
+                <a:lumMod val="65000"/>
+                <a:lumOff val="35000"/>
+              </a:schemeClr>
+            </a:solidFill>
+          </a:ln>
+        </p:spPr>
+        <p:style>
+          <a:lnRef idx="1">
+            <a:schemeClr val="accent1"/>
+          </a:lnRef>
+          <a:fillRef idx="0">
+            <a:schemeClr val="accent1"/>
+          </a:fillRef>
+          <a:effectRef idx="0">
+            <a:schemeClr val="accent1"/>
+          </a:effectRef>
+          <a:fontRef idx="minor">
+            <a:schemeClr val="tx1"/>
+          </a:fontRef>
+        </p:style>
+      </p:cxnSp>
+      <p:sp>
+        <p:nvSpPr>
+          <p:cNvPr id="3" name="Ellipse 2">
+            <a:extLst>
+              <a:ext uri="{FF2B5EF4-FFF2-40B4-BE49-F238E27FC236}">
+                <a16:creationId xmlns:a16="http://schemas.microsoft.com/office/drawing/2014/main" id="{67952ACA-1543-F76F-A234-6B1B7E21EDB8}"/>
+              </a:ext>
+            </a:extLst>
+          </p:cNvPr>
+          <p:cNvSpPr>
+            <a:spLocks noChangeAspect="1"/>
+          </p:cNvSpPr>
+          <p:nvPr/>
+        </p:nvSpPr>
+        <p:spPr>
+          <a:xfrm>
+            <a:off x="4507114" y="1768841"/>
+            <a:ext cx="361950" cy="361950"/>
+          </a:xfrm>
+          <a:prstGeom prst="ellipse">
+            <a:avLst/>
+          </a:prstGeom>
+          <a:solidFill>
+            <a:schemeClr val="accent4">
+              <a:lumMod val="60000"/>
+              <a:lumOff val="40000"/>
+            </a:schemeClr>
+          </a:solidFill>
+          <a:ln w="9525">
+            <a:solidFill>
+              <a:schemeClr val="accent3"/>
+            </a:solidFill>
+          </a:ln>
+        </p:spPr>
+        <p:style>
+          <a:lnRef idx="2">
+            <a:schemeClr val="accent1">
+              <a:shade val="50000"/>
+            </a:schemeClr>
+          </a:lnRef>
+          <a:fillRef idx="1">
+            <a:schemeClr val="accent1"/>
+          </a:fillRef>
+          <a:effectRef idx="0">
+            <a:schemeClr val="accent1"/>
+          </a:effectRef>
+          <a:fontRef idx="minor">
+            <a:schemeClr val="lt1"/>
+          </a:fontRef>
+        </p:style>
+        <p:txBody>
+          <a:bodyPr rtlCol="0" anchor="ctr"/>
+          <a:lstStyle/>
+          <a:p>
+            <a:pPr algn="ctr"/>
+            <a:endParaRPr lang="de-DE"/>
+          </a:p>
+        </p:txBody>
+      </p:sp>
+      <p:sp>
+        <p:nvSpPr>
+          <p:cNvPr id="4" name="Ellipse 3">
+            <a:extLst>
+              <a:ext uri="{FF2B5EF4-FFF2-40B4-BE49-F238E27FC236}">
+                <a16:creationId xmlns:a16="http://schemas.microsoft.com/office/drawing/2014/main" id="{19AA9162-4820-2C2A-F5A3-EC3AB54C72CC}"/>
+              </a:ext>
+            </a:extLst>
+          </p:cNvPr>
+          <p:cNvSpPr>
+            <a:spLocks noChangeAspect="1"/>
+          </p:cNvSpPr>
+          <p:nvPr/>
+        </p:nvSpPr>
+        <p:spPr>
+          <a:xfrm>
+            <a:off x="4507114" y="2292164"/>
+            <a:ext cx="361950" cy="361950"/>
+          </a:xfrm>
+          <a:prstGeom prst="ellipse">
+            <a:avLst/>
+          </a:prstGeom>
+          <a:solidFill>
+            <a:schemeClr val="accent4">
+              <a:lumMod val="60000"/>
+              <a:lumOff val="40000"/>
+            </a:schemeClr>
+          </a:solidFill>
+          <a:ln w="9525">
+            <a:solidFill>
+              <a:schemeClr val="accent3"/>
+            </a:solidFill>
+          </a:ln>
+        </p:spPr>
+        <p:style>
+          <a:lnRef idx="2">
+            <a:schemeClr val="accent1">
+              <a:shade val="50000"/>
+            </a:schemeClr>
+          </a:lnRef>
+          <a:fillRef idx="1">
+            <a:schemeClr val="accent1"/>
+          </a:fillRef>
+          <a:effectRef idx="0">
+            <a:schemeClr val="accent1"/>
+          </a:effectRef>
+          <a:fontRef idx="minor">
+            <a:schemeClr val="lt1"/>
+          </a:fontRef>
+        </p:style>
+        <p:txBody>
+          <a:bodyPr rtlCol="0" anchor="ctr"/>
+          <a:lstStyle/>
+          <a:p>
+            <a:pPr algn="ctr"/>
+            <a:endParaRPr lang="de-DE"/>
+          </a:p>
+        </p:txBody>
+      </p:sp>
+      <p:sp>
+        <p:nvSpPr>
+          <p:cNvPr id="5" name="Ellipse 4">
+            <a:extLst>
+              <a:ext uri="{FF2B5EF4-FFF2-40B4-BE49-F238E27FC236}">
+                <a16:creationId xmlns:a16="http://schemas.microsoft.com/office/drawing/2014/main" id="{57E9EF2E-1051-F931-4298-E5F8D3BA120B}"/>
+              </a:ext>
+            </a:extLst>
+          </p:cNvPr>
+          <p:cNvSpPr>
+            <a:spLocks noChangeAspect="1"/>
+          </p:cNvSpPr>
+          <p:nvPr/>
+        </p:nvSpPr>
+        <p:spPr>
+          <a:xfrm>
+            <a:off x="4507114" y="3329387"/>
+            <a:ext cx="361950" cy="361950"/>
+          </a:xfrm>
+          <a:prstGeom prst="ellipse">
+            <a:avLst/>
+          </a:prstGeom>
+          <a:solidFill>
+            <a:schemeClr val="accent4">
+              <a:lumMod val="60000"/>
+              <a:lumOff val="40000"/>
+            </a:schemeClr>
+          </a:solidFill>
+          <a:ln w="9525">
+            <a:solidFill>
+              <a:schemeClr val="accent3"/>
+            </a:solidFill>
+          </a:ln>
+        </p:spPr>
+        <p:style>
+          <a:lnRef idx="2">
+            <a:schemeClr val="accent1">
+              <a:shade val="50000"/>
+            </a:schemeClr>
+          </a:lnRef>
+          <a:fillRef idx="1">
+            <a:schemeClr val="accent1"/>
+          </a:fillRef>
+          <a:effectRef idx="0">
+            <a:schemeClr val="accent1"/>
+          </a:effectRef>
+          <a:fontRef idx="minor">
+            <a:schemeClr val="lt1"/>
+          </a:fontRef>
+        </p:style>
+        <p:txBody>
+          <a:bodyPr rtlCol="0" anchor="ctr"/>
+          <a:lstStyle/>
+          <a:p>
+            <a:pPr algn="ctr"/>
+            <a:endParaRPr lang="de-DE"/>
+          </a:p>
+        </p:txBody>
+      </p:sp>
+      <p:sp>
+        <p:nvSpPr>
+          <p:cNvPr id="6" name="Ellipse 5">
+            <a:extLst>
+              <a:ext uri="{FF2B5EF4-FFF2-40B4-BE49-F238E27FC236}">
+                <a16:creationId xmlns:a16="http://schemas.microsoft.com/office/drawing/2014/main" id="{25964B3B-E962-BCB4-DBF3-31CE6890CB01}"/>
+              </a:ext>
+            </a:extLst>
+          </p:cNvPr>
+          <p:cNvSpPr>
+            <a:spLocks noChangeAspect="1"/>
+          </p:cNvSpPr>
+          <p:nvPr/>
+        </p:nvSpPr>
+        <p:spPr>
+          <a:xfrm>
+            <a:off x="4507114" y="3851526"/>
+            <a:ext cx="361950" cy="361950"/>
+          </a:xfrm>
+          <a:prstGeom prst="ellipse">
+            <a:avLst/>
+          </a:prstGeom>
+          <a:solidFill>
+            <a:schemeClr val="accent4">
+              <a:lumMod val="60000"/>
+              <a:lumOff val="40000"/>
+            </a:schemeClr>
+          </a:solidFill>
+          <a:ln w="9525">
+            <a:solidFill>
+              <a:schemeClr val="accent3"/>
+            </a:solidFill>
+          </a:ln>
+        </p:spPr>
+        <p:style>
+          <a:lnRef idx="2">
+            <a:schemeClr val="accent1">
+              <a:shade val="50000"/>
+            </a:schemeClr>
+          </a:lnRef>
+          <a:fillRef idx="1">
+            <a:schemeClr val="accent1"/>
+          </a:fillRef>
+          <a:effectRef idx="0">
+            <a:schemeClr val="accent1"/>
+          </a:effectRef>
+          <a:fontRef idx="minor">
+            <a:schemeClr val="lt1"/>
+          </a:fontRef>
+        </p:style>
+        <p:txBody>
+          <a:bodyPr rtlCol="0" anchor="ctr"/>
+          <a:lstStyle/>
+          <a:p>
+            <a:pPr algn="ctr"/>
+            <a:endParaRPr lang="de-DE"/>
+          </a:p>
+        </p:txBody>
+      </p:sp>
+      <p:sp>
+        <p:nvSpPr>
+          <p:cNvPr id="7" name="Ellipse 6">
+            <a:extLst>
+              <a:ext uri="{FF2B5EF4-FFF2-40B4-BE49-F238E27FC236}">
+                <a16:creationId xmlns:a16="http://schemas.microsoft.com/office/drawing/2014/main" id="{051E35BF-CB4F-55F4-0CDF-70EE68EDB2BE}"/>
+              </a:ext>
+            </a:extLst>
+          </p:cNvPr>
+          <p:cNvSpPr>
+            <a:spLocks noChangeAspect="1"/>
+          </p:cNvSpPr>
+          <p:nvPr/>
+        </p:nvSpPr>
+        <p:spPr>
+          <a:xfrm>
+            <a:off x="5800926" y="2220029"/>
+            <a:ext cx="361950" cy="361950"/>
+          </a:xfrm>
+          <a:prstGeom prst="ellipse">
+            <a:avLst/>
+          </a:prstGeom>
+          <a:solidFill>
+            <a:schemeClr val="accent6">
+              <a:lumMod val="60000"/>
+              <a:lumOff val="40000"/>
+            </a:schemeClr>
+          </a:solidFill>
+          <a:ln w="9525">
+            <a:solidFill>
+              <a:schemeClr val="accent3"/>
+            </a:solidFill>
+          </a:ln>
+        </p:spPr>
+        <p:style>
+          <a:lnRef idx="2">
+            <a:schemeClr val="accent1">
+              <a:shade val="50000"/>
+            </a:schemeClr>
+          </a:lnRef>
+          <a:fillRef idx="1">
+            <a:schemeClr val="accent1"/>
+          </a:fillRef>
+          <a:effectRef idx="0">
+            <a:schemeClr val="accent1"/>
+          </a:effectRef>
+          <a:fontRef idx="minor">
+            <a:schemeClr val="lt1"/>
+          </a:fontRef>
+        </p:style>
+        <p:txBody>
+          <a:bodyPr rtlCol="0" anchor="ctr"/>
+          <a:lstStyle/>
+          <a:p>
+            <a:pPr algn="ctr"/>
+            <a:endParaRPr lang="de-DE"/>
+          </a:p>
+        </p:txBody>
+      </p:sp>
+      <p:sp>
+        <p:nvSpPr>
+          <p:cNvPr id="8" name="Ellipse 7">
+            <a:extLst>
+              <a:ext uri="{FF2B5EF4-FFF2-40B4-BE49-F238E27FC236}">
+                <a16:creationId xmlns:a16="http://schemas.microsoft.com/office/drawing/2014/main" id="{C2EA513D-26FC-F4F7-064E-1F69742DF283}"/>
+              </a:ext>
+            </a:extLst>
+          </p:cNvPr>
+          <p:cNvSpPr>
+            <a:spLocks noChangeAspect="1"/>
+          </p:cNvSpPr>
+          <p:nvPr/>
+        </p:nvSpPr>
+        <p:spPr>
+          <a:xfrm>
+            <a:off x="5800926" y="3439430"/>
+            <a:ext cx="361950" cy="361950"/>
+          </a:xfrm>
+          <a:prstGeom prst="ellipse">
+            <a:avLst/>
+          </a:prstGeom>
+          <a:solidFill>
+            <a:schemeClr val="accent6">
+              <a:lumMod val="60000"/>
+              <a:lumOff val="40000"/>
+            </a:schemeClr>
+          </a:solidFill>
+          <a:ln w="9525">
+            <a:solidFill>
+              <a:schemeClr val="accent3"/>
+            </a:solidFill>
+          </a:ln>
+        </p:spPr>
+        <p:style>
+          <a:lnRef idx="2">
+            <a:schemeClr val="accent1">
+              <a:shade val="50000"/>
+            </a:schemeClr>
+          </a:lnRef>
+          <a:fillRef idx="1">
+            <a:schemeClr val="accent1"/>
+          </a:fillRef>
+          <a:effectRef idx="0">
+            <a:schemeClr val="accent1"/>
+          </a:effectRef>
+          <a:fontRef idx="minor">
+            <a:schemeClr val="lt1"/>
+          </a:fontRef>
+        </p:style>
+        <p:txBody>
+          <a:bodyPr rtlCol="0" anchor="ctr"/>
+          <a:lstStyle/>
+          <a:p>
+            <a:pPr algn="ctr"/>
+            <a:endParaRPr lang="de-DE"/>
+          </a:p>
+        </p:txBody>
+      </p:sp>
+      <p:sp>
+        <p:nvSpPr>
+          <p:cNvPr id="38" name="Ellipse 37">
+            <a:extLst>
+              <a:ext uri="{FF2B5EF4-FFF2-40B4-BE49-F238E27FC236}">
+                <a16:creationId xmlns:a16="http://schemas.microsoft.com/office/drawing/2014/main" id="{05771B28-EDCF-0541-F846-19F297AC2618}"/>
+              </a:ext>
+            </a:extLst>
+          </p:cNvPr>
+          <p:cNvSpPr>
+            <a:spLocks noChangeAspect="1"/>
+          </p:cNvSpPr>
+          <p:nvPr/>
+        </p:nvSpPr>
+        <p:spPr>
+          <a:xfrm>
+            <a:off x="3353001" y="1994741"/>
+            <a:ext cx="361950" cy="361950"/>
+          </a:xfrm>
+          <a:prstGeom prst="ellipse">
+            <a:avLst/>
+          </a:prstGeom>
+          <a:solidFill>
+            <a:schemeClr val="accent1"/>
+          </a:solidFill>
+          <a:ln w="9525">
+            <a:solidFill>
+              <a:schemeClr val="accent3"/>
+            </a:solidFill>
+          </a:ln>
+        </p:spPr>
+        <p:style>
+          <a:lnRef idx="2">
+            <a:schemeClr val="accent1">
+              <a:shade val="50000"/>
+            </a:schemeClr>
+          </a:lnRef>
+          <a:fillRef idx="1">
+            <a:schemeClr val="accent1"/>
+          </a:fillRef>
+          <a:effectRef idx="0">
+            <a:schemeClr val="accent1"/>
+          </a:effectRef>
+          <a:fontRef idx="minor">
+            <a:schemeClr val="lt1"/>
+          </a:fontRef>
+        </p:style>
+        <p:txBody>
+          <a:bodyPr rtlCol="0" anchor="ctr"/>
+          <a:lstStyle/>
+          <a:p>
+            <a:pPr algn="ctr"/>
+            <a:endParaRPr lang="de-DE"/>
+          </a:p>
+        </p:txBody>
+      </p:sp>
+      <p:sp>
+        <p:nvSpPr>
+          <p:cNvPr id="39" name="Ellipse 38">
+            <a:extLst>
+              <a:ext uri="{FF2B5EF4-FFF2-40B4-BE49-F238E27FC236}">
+                <a16:creationId xmlns:a16="http://schemas.microsoft.com/office/drawing/2014/main" id="{A492FB9F-8D0B-FD16-35FC-52CA41925D78}"/>
+              </a:ext>
+            </a:extLst>
+          </p:cNvPr>
+          <p:cNvSpPr>
+            <a:spLocks noChangeAspect="1"/>
+          </p:cNvSpPr>
+          <p:nvPr/>
+        </p:nvSpPr>
+        <p:spPr>
+          <a:xfrm>
+            <a:off x="3353202" y="2545316"/>
+            <a:ext cx="361950" cy="361950"/>
+          </a:xfrm>
+          <a:prstGeom prst="ellipse">
+            <a:avLst/>
+          </a:prstGeom>
+          <a:solidFill>
+            <a:schemeClr val="accent1"/>
+          </a:solidFill>
+          <a:ln w="9525">
+            <a:solidFill>
+              <a:schemeClr val="accent3"/>
+            </a:solidFill>
+          </a:ln>
+        </p:spPr>
+        <p:style>
+          <a:lnRef idx="2">
+            <a:schemeClr val="accent1">
+              <a:shade val="50000"/>
+            </a:schemeClr>
+          </a:lnRef>
+          <a:fillRef idx="1">
+            <a:schemeClr val="accent1"/>
+          </a:fillRef>
+          <a:effectRef idx="0">
+            <a:schemeClr val="accent1"/>
+          </a:effectRef>
+          <a:fontRef idx="minor">
+            <a:schemeClr val="lt1"/>
+          </a:fontRef>
+        </p:style>
+        <p:txBody>
+          <a:bodyPr rtlCol="0" anchor="ctr"/>
+          <a:lstStyle/>
+          <a:p>
+            <a:pPr algn="ctr"/>
+            <a:endParaRPr lang="de-DE"/>
+          </a:p>
+        </p:txBody>
+      </p:sp>
+      <p:sp>
+        <p:nvSpPr>
+          <p:cNvPr id="40" name="Ellipse 39">
+            <a:extLst>
+              <a:ext uri="{FF2B5EF4-FFF2-40B4-BE49-F238E27FC236}">
+                <a16:creationId xmlns:a16="http://schemas.microsoft.com/office/drawing/2014/main" id="{B9E9B597-75B1-E118-03E7-295862B4239F}"/>
+              </a:ext>
+            </a:extLst>
+          </p:cNvPr>
+          <p:cNvSpPr>
+            <a:spLocks noChangeAspect="1"/>
+          </p:cNvSpPr>
+          <p:nvPr/>
+        </p:nvSpPr>
+        <p:spPr>
+          <a:xfrm>
+            <a:off x="3357964" y="3095891"/>
+            <a:ext cx="361950" cy="361950"/>
+          </a:xfrm>
+          <a:prstGeom prst="ellipse">
+            <a:avLst/>
+          </a:prstGeom>
+          <a:solidFill>
+            <a:schemeClr val="accent1"/>
+          </a:solidFill>
+          <a:ln w="9525">
+            <a:solidFill>
+              <a:schemeClr val="accent3"/>
+            </a:solidFill>
+          </a:ln>
+        </p:spPr>
+        <p:style>
+          <a:lnRef idx="2">
+            <a:schemeClr val="accent1">
+              <a:shade val="50000"/>
+            </a:schemeClr>
+          </a:lnRef>
+          <a:fillRef idx="1">
+            <a:schemeClr val="accent1"/>
+          </a:fillRef>
+          <a:effectRef idx="0">
+            <a:schemeClr val="accent1"/>
+          </a:effectRef>
+          <a:fontRef idx="minor">
+            <a:schemeClr val="lt1"/>
+          </a:fontRef>
+        </p:style>
+        <p:txBody>
+          <a:bodyPr rtlCol="0" anchor="ctr"/>
+          <a:lstStyle/>
+          <a:p>
+            <a:pPr algn="ctr"/>
+            <a:endParaRPr lang="de-DE"/>
+          </a:p>
+        </p:txBody>
+      </p:sp>
+      <p:sp>
+        <p:nvSpPr>
+          <p:cNvPr id="41" name="Ellipse 40">
+            <a:extLst>
+              <a:ext uri="{FF2B5EF4-FFF2-40B4-BE49-F238E27FC236}">
+                <a16:creationId xmlns:a16="http://schemas.microsoft.com/office/drawing/2014/main" id="{0E7C33E8-7537-5238-A90A-65BC4AA5EB66}"/>
+              </a:ext>
+            </a:extLst>
+          </p:cNvPr>
+          <p:cNvSpPr>
+            <a:spLocks noChangeAspect="1"/>
+          </p:cNvSpPr>
+          <p:nvPr/>
+        </p:nvSpPr>
+        <p:spPr>
+          <a:xfrm>
+            <a:off x="3353001" y="3673449"/>
+            <a:ext cx="361950" cy="361950"/>
+          </a:xfrm>
+          <a:prstGeom prst="ellipse">
+            <a:avLst/>
+          </a:prstGeom>
+          <a:solidFill>
+            <a:schemeClr val="accent1"/>
+          </a:solidFill>
+          <a:ln w="9525">
+            <a:solidFill>
+              <a:schemeClr val="accent3"/>
+            </a:solidFill>
+          </a:ln>
+        </p:spPr>
+        <p:style>
+          <a:lnRef idx="2">
+            <a:schemeClr val="accent1">
+              <a:shade val="50000"/>
+            </a:schemeClr>
+          </a:lnRef>
+          <a:fillRef idx="1">
+            <a:schemeClr val="accent1"/>
+          </a:fillRef>
+          <a:effectRef idx="0">
+            <a:schemeClr val="accent1"/>
+          </a:effectRef>
+          <a:fontRef idx="minor">
+            <a:schemeClr val="lt1"/>
+          </a:fontRef>
+        </p:style>
+        <p:txBody>
+          <a:bodyPr rtlCol="0" anchor="ctr"/>
+          <a:lstStyle/>
+          <a:p>
+            <a:pPr algn="ctr"/>
+            <a:endParaRPr lang="de-DE"/>
+          </a:p>
+        </p:txBody>
+      </p:sp>
+      <p:sp>
+        <p:nvSpPr>
+          <p:cNvPr id="54" name="Ellipse 53">
+            <a:extLst>
+              <a:ext uri="{FF2B5EF4-FFF2-40B4-BE49-F238E27FC236}">
+                <a16:creationId xmlns:a16="http://schemas.microsoft.com/office/drawing/2014/main" id="{FF7F822C-AEE6-DC5D-0B39-9D9DC43BDAEC}"/>
+              </a:ext>
+            </a:extLst>
+          </p:cNvPr>
+          <p:cNvSpPr>
+            <a:spLocks noChangeAspect="1"/>
+          </p:cNvSpPr>
+          <p:nvPr/>
+        </p:nvSpPr>
+        <p:spPr>
+          <a:xfrm>
+            <a:off x="4507114" y="2807267"/>
+            <a:ext cx="361950" cy="361950"/>
+          </a:xfrm>
+          <a:prstGeom prst="ellipse">
+            <a:avLst/>
+          </a:prstGeom>
+          <a:solidFill>
+            <a:schemeClr val="accent4">
+              <a:lumMod val="60000"/>
+              <a:lumOff val="40000"/>
+            </a:schemeClr>
+          </a:solidFill>
+          <a:ln w="9525">
+            <a:solidFill>
+              <a:schemeClr val="accent3"/>
+            </a:solidFill>
+          </a:ln>
+        </p:spPr>
+        <p:style>
+          <a:lnRef idx="2">
+            <a:schemeClr val="accent1">
+              <a:shade val="50000"/>
+            </a:schemeClr>
+          </a:lnRef>
+          <a:fillRef idx="1">
+            <a:schemeClr val="accent1"/>
+          </a:fillRef>
+          <a:effectRef idx="0">
+            <a:schemeClr val="accent1"/>
+          </a:effectRef>
+          <a:fontRef idx="minor">
+            <a:schemeClr val="lt1"/>
+          </a:fontRef>
+        </p:style>
+        <p:txBody>
+          <a:bodyPr rtlCol="0" anchor="ctr"/>
+          <a:lstStyle/>
+          <a:p>
+            <a:pPr algn="ctr"/>
+            <a:endParaRPr lang="de-DE"/>
+          </a:p>
+        </p:txBody>
+      </p:sp>
+      <p:sp>
+        <p:nvSpPr>
+          <p:cNvPr id="150" name="Ellipse 149">
+            <a:extLst>
+              <a:ext uri="{FF2B5EF4-FFF2-40B4-BE49-F238E27FC236}">
+                <a16:creationId xmlns:a16="http://schemas.microsoft.com/office/drawing/2014/main" id="{D67C8EF5-CD55-6608-FE9C-F4CF7D68E1B7}"/>
+              </a:ext>
+            </a:extLst>
+          </p:cNvPr>
+          <p:cNvSpPr>
+            <a:spLocks noChangeAspect="1"/>
+          </p:cNvSpPr>
+          <p:nvPr/>
+        </p:nvSpPr>
+        <p:spPr>
+          <a:xfrm>
+            <a:off x="5800926" y="2807267"/>
+            <a:ext cx="361950" cy="361950"/>
+          </a:xfrm>
+          <a:prstGeom prst="ellipse">
+            <a:avLst/>
+          </a:prstGeom>
+          <a:solidFill>
+            <a:schemeClr val="accent6">
+              <a:lumMod val="60000"/>
+              <a:lumOff val="40000"/>
+            </a:schemeClr>
+          </a:solidFill>
+          <a:ln w="9525">
+            <a:solidFill>
+              <a:schemeClr val="accent3"/>
+            </a:solidFill>
+          </a:ln>
+        </p:spPr>
+        <p:style>
+          <a:lnRef idx="2">
+            <a:schemeClr val="accent1">
+              <a:shade val="50000"/>
+            </a:schemeClr>
+          </a:lnRef>
+          <a:fillRef idx="1">
+            <a:schemeClr val="accent1"/>
+          </a:fillRef>
+          <a:effectRef idx="0">
+            <a:schemeClr val="accent1"/>
+          </a:effectRef>
+          <a:fontRef idx="minor">
+            <a:schemeClr val="lt1"/>
+          </a:fontRef>
+        </p:style>
+        <p:txBody>
+          <a:bodyPr rtlCol="0" anchor="ctr"/>
+          <a:lstStyle/>
+          <a:p>
+            <a:pPr algn="ctr"/>
+            <a:endParaRPr lang="de-DE"/>
+          </a:p>
+        </p:txBody>
+      </p:sp>
+      <p:sp>
+        <p:nvSpPr>
+          <p:cNvPr id="200" name="Textfeld 199">
+            <a:extLst>
+              <a:ext uri="{FF2B5EF4-FFF2-40B4-BE49-F238E27FC236}">
+                <a16:creationId xmlns:a16="http://schemas.microsoft.com/office/drawing/2014/main" id="{C53FC87A-6C72-EF29-2635-E45E0DAF6338}"/>
+              </a:ext>
+            </a:extLst>
+          </p:cNvPr>
+          <p:cNvSpPr txBox="1"/>
+          <p:nvPr/>
+        </p:nvSpPr>
+        <p:spPr>
+          <a:xfrm>
+            <a:off x="2902151" y="1330959"/>
+            <a:ext cx="1217000" cy="307777"/>
+          </a:xfrm>
+          <a:prstGeom prst="rect">
+            <a:avLst/>
+          </a:prstGeom>
+          <a:noFill/>
+        </p:spPr>
+        <p:txBody>
+          <a:bodyPr wrap="none" rtlCol="0">
+            <a:spAutoFit/>
+          </a:bodyPr>
+          <a:lstStyle/>
+          <a:p>
+            <a:r>
+              <a:rPr lang="de-DE" sz="1400" dirty="0"/>
+              <a:t>Input Neurons</a:t>
+            </a:r>
+          </a:p>
+        </p:txBody>
+      </p:sp>
+      <p:sp>
+        <p:nvSpPr>
+          <p:cNvPr id="201" name="Textfeld 200">
+            <a:extLst>
+              <a:ext uri="{FF2B5EF4-FFF2-40B4-BE49-F238E27FC236}">
+                <a16:creationId xmlns:a16="http://schemas.microsoft.com/office/drawing/2014/main" id="{B51FA62E-960A-36BB-0C6D-28B5CA01C20B}"/>
+              </a:ext>
+            </a:extLst>
+          </p:cNvPr>
+          <p:cNvSpPr txBox="1"/>
+          <p:nvPr/>
+        </p:nvSpPr>
+        <p:spPr>
+          <a:xfrm>
+            <a:off x="4099626" y="1332408"/>
+            <a:ext cx="1176925" cy="307777"/>
+          </a:xfrm>
+          <a:prstGeom prst="rect">
+            <a:avLst/>
+          </a:prstGeom>
+          <a:noFill/>
+        </p:spPr>
+        <p:txBody>
+          <a:bodyPr wrap="none" rtlCol="0">
+            <a:spAutoFit/>
+          </a:bodyPr>
+          <a:lstStyle/>
+          <a:p>
+            <a:r>
+              <a:rPr lang="de-DE" sz="1400" dirty="0"/>
+              <a:t>Hidden Layer</a:t>
+            </a:r>
+          </a:p>
+        </p:txBody>
+      </p:sp>
+      <p:sp>
+        <p:nvSpPr>
+          <p:cNvPr id="202" name="Textfeld 201">
+            <a:extLst>
+              <a:ext uri="{FF2B5EF4-FFF2-40B4-BE49-F238E27FC236}">
+                <a16:creationId xmlns:a16="http://schemas.microsoft.com/office/drawing/2014/main" id="{AE7CA062-7E05-716C-C251-6D680E733894}"/>
+              </a:ext>
+            </a:extLst>
+          </p:cNvPr>
+          <p:cNvSpPr txBox="1"/>
+          <p:nvPr/>
+        </p:nvSpPr>
+        <p:spPr>
+          <a:xfrm>
+            <a:off x="5313288" y="1330959"/>
+            <a:ext cx="1337226" cy="307777"/>
+          </a:xfrm>
+          <a:prstGeom prst="rect">
+            <a:avLst/>
+          </a:prstGeom>
+          <a:noFill/>
+        </p:spPr>
+        <p:txBody>
+          <a:bodyPr wrap="none" rtlCol="0">
+            <a:spAutoFit/>
+          </a:bodyPr>
+          <a:lstStyle/>
+          <a:p>
+            <a:r>
+              <a:rPr lang="de-DE" sz="1400" dirty="0"/>
+              <a:t>Output Neurons</a:t>
+            </a:r>
+          </a:p>
+        </p:txBody>
+      </p:sp>
+      <p:cxnSp>
+        <p:nvCxnSpPr>
+          <p:cNvPr id="203" name="Gerader Verbinder 202">
+            <a:extLst>
+              <a:ext uri="{FF2B5EF4-FFF2-40B4-BE49-F238E27FC236}">
+                <a16:creationId xmlns:a16="http://schemas.microsoft.com/office/drawing/2014/main" id="{DA8A2CE4-2E92-0FA4-3BE9-DAB25BA889C7}"/>
+              </a:ext>
+            </a:extLst>
+          </p:cNvPr>
+          <p:cNvCxnSpPr>
+            <a:cxnSpLocks/>
+            <a:stCxn id="210" idx="6"/>
+            <a:endCxn id="234" idx="3"/>
+          </p:cNvCxnSpPr>
+          <p:nvPr/>
+        </p:nvCxnSpPr>
+        <p:spPr>
+          <a:xfrm>
+            <a:off x="8959850" y="2717506"/>
+            <a:ext cx="781050" cy="139760"/>
+          </a:xfrm>
+          <a:prstGeom prst="line">
+            <a:avLst/>
+          </a:prstGeom>
+          <a:ln w="9525">
+            <a:solidFill>
+              <a:schemeClr val="tx1">
+                <a:lumMod val="65000"/>
+                <a:lumOff val="35000"/>
+              </a:schemeClr>
+            </a:solidFill>
+          </a:ln>
+        </p:spPr>
+        <p:style>
+          <a:lnRef idx="1">
+            <a:schemeClr val="accent1"/>
+          </a:lnRef>
+          <a:fillRef idx="0">
+            <a:schemeClr val="accent1"/>
+          </a:fillRef>
+          <a:effectRef idx="0">
+            <a:schemeClr val="accent1"/>
+          </a:effectRef>
+          <a:fontRef idx="minor">
+            <a:schemeClr val="tx1"/>
+          </a:fontRef>
+        </p:style>
+      </p:cxnSp>
+      <p:cxnSp>
+        <p:nvCxnSpPr>
+          <p:cNvPr id="204" name="Gerader Verbinder 203">
+            <a:extLst>
+              <a:ext uri="{FF2B5EF4-FFF2-40B4-BE49-F238E27FC236}">
+                <a16:creationId xmlns:a16="http://schemas.microsoft.com/office/drawing/2014/main" id="{52D36423-182D-7E85-27E2-46BE39F79653}"/>
+              </a:ext>
+            </a:extLst>
+          </p:cNvPr>
+          <p:cNvCxnSpPr>
+            <a:cxnSpLocks/>
+            <a:stCxn id="210" idx="6"/>
+          </p:cNvCxnSpPr>
+          <p:nvPr/>
+        </p:nvCxnSpPr>
+        <p:spPr>
+          <a:xfrm>
+            <a:off x="8959850" y="2717506"/>
+            <a:ext cx="781050" cy="763363"/>
+          </a:xfrm>
+          <a:prstGeom prst="line">
+            <a:avLst/>
+          </a:prstGeom>
+          <a:ln w="9525">
+            <a:solidFill>
+              <a:schemeClr val="tx1">
+                <a:lumMod val="65000"/>
+                <a:lumOff val="35000"/>
+              </a:schemeClr>
+            </a:solidFill>
+          </a:ln>
+        </p:spPr>
+        <p:style>
+          <a:lnRef idx="1">
+            <a:schemeClr val="accent1"/>
+          </a:lnRef>
+          <a:fillRef idx="0">
+            <a:schemeClr val="accent1"/>
+          </a:fillRef>
+          <a:effectRef idx="0">
+            <a:schemeClr val="accent1"/>
+          </a:effectRef>
+          <a:fontRef idx="minor">
+            <a:schemeClr val="tx1"/>
+          </a:fontRef>
+        </p:style>
+      </p:cxnSp>
+      <p:cxnSp>
+        <p:nvCxnSpPr>
+          <p:cNvPr id="205" name="Gerader Verbinder 204">
+            <a:extLst>
+              <a:ext uri="{FF2B5EF4-FFF2-40B4-BE49-F238E27FC236}">
+                <a16:creationId xmlns:a16="http://schemas.microsoft.com/office/drawing/2014/main" id="{0A25F1A5-0518-BD18-E901-178E096BEEAC}"/>
+              </a:ext>
+            </a:extLst>
+          </p:cNvPr>
+          <p:cNvCxnSpPr>
+            <a:cxnSpLocks/>
+            <a:stCxn id="234" idx="1"/>
+            <a:endCxn id="210" idx="2"/>
+          </p:cNvCxnSpPr>
+          <p:nvPr/>
+        </p:nvCxnSpPr>
+        <p:spPr>
+          <a:xfrm flipV="1">
+            <a:off x="6999388" y="2717506"/>
+            <a:ext cx="736700" cy="139760"/>
+          </a:xfrm>
+          <a:prstGeom prst="line">
+            <a:avLst/>
+          </a:prstGeom>
+          <a:ln w="9525">
+            <a:solidFill>
+              <a:schemeClr val="tx1">
+                <a:lumMod val="65000"/>
+                <a:lumOff val="35000"/>
+              </a:schemeClr>
+            </a:solidFill>
+          </a:ln>
+        </p:spPr>
+        <p:style>
+          <a:lnRef idx="1">
+            <a:schemeClr val="accent1"/>
+          </a:lnRef>
+          <a:fillRef idx="0">
+            <a:schemeClr val="accent1"/>
+          </a:fillRef>
+          <a:effectRef idx="0">
+            <a:schemeClr val="accent1"/>
+          </a:effectRef>
+          <a:fontRef idx="minor">
+            <a:schemeClr val="tx1"/>
+          </a:fontRef>
+        </p:style>
+      </p:cxnSp>
+      <p:cxnSp>
+        <p:nvCxnSpPr>
+          <p:cNvPr id="206" name="Gerader Verbinder 205">
+            <a:extLst>
+              <a:ext uri="{FF2B5EF4-FFF2-40B4-BE49-F238E27FC236}">
+                <a16:creationId xmlns:a16="http://schemas.microsoft.com/office/drawing/2014/main" id="{5DE57B3D-55F8-424E-1842-421D7AE9B60E}"/>
+              </a:ext>
+            </a:extLst>
+          </p:cNvPr>
+          <p:cNvCxnSpPr>
+            <a:cxnSpLocks/>
+            <a:endCxn id="210" idx="2"/>
+          </p:cNvCxnSpPr>
+          <p:nvPr/>
+        </p:nvCxnSpPr>
+        <p:spPr>
+          <a:xfrm flipV="1">
+            <a:off x="6999388" y="2717506"/>
+            <a:ext cx="736700" cy="415048"/>
+          </a:xfrm>
+          <a:prstGeom prst="line">
+            <a:avLst/>
+          </a:prstGeom>
+          <a:ln w="9525">
+            <a:solidFill>
+              <a:schemeClr val="tx1">
+                <a:lumMod val="65000"/>
+                <a:lumOff val="35000"/>
+              </a:schemeClr>
+            </a:solidFill>
+          </a:ln>
+        </p:spPr>
+        <p:style>
+          <a:lnRef idx="1">
+            <a:schemeClr val="accent1"/>
+          </a:lnRef>
+          <a:fillRef idx="0">
+            <a:schemeClr val="accent1"/>
+          </a:fillRef>
+          <a:effectRef idx="0">
+            <a:schemeClr val="accent1"/>
+          </a:effectRef>
+          <a:fontRef idx="minor">
+            <a:schemeClr val="tx1"/>
+          </a:fontRef>
+        </p:style>
+      </p:cxnSp>
+      <p:cxnSp>
+        <p:nvCxnSpPr>
+          <p:cNvPr id="207" name="Gerader Verbinder 206">
+            <a:extLst>
+              <a:ext uri="{FF2B5EF4-FFF2-40B4-BE49-F238E27FC236}">
+                <a16:creationId xmlns:a16="http://schemas.microsoft.com/office/drawing/2014/main" id="{32B817C5-A51C-DFD9-F937-3579544488EF}"/>
+              </a:ext>
+            </a:extLst>
+          </p:cNvPr>
+          <p:cNvCxnSpPr>
+            <a:cxnSpLocks/>
+            <a:endCxn id="210" idx="2"/>
+          </p:cNvCxnSpPr>
+          <p:nvPr/>
+        </p:nvCxnSpPr>
+        <p:spPr>
+          <a:xfrm flipV="1">
+            <a:off x="6999388" y="2717506"/>
+            <a:ext cx="736700" cy="676108"/>
+          </a:xfrm>
+          <a:prstGeom prst="line">
+            <a:avLst/>
+          </a:prstGeom>
+          <a:ln w="9525">
+            <a:solidFill>
+              <a:schemeClr val="tx1">
+                <a:lumMod val="65000"/>
+                <a:lumOff val="35000"/>
+              </a:schemeClr>
+            </a:solidFill>
+          </a:ln>
+        </p:spPr>
+        <p:style>
+          <a:lnRef idx="1">
+            <a:schemeClr val="accent1"/>
+          </a:lnRef>
+          <a:fillRef idx="0">
+            <a:schemeClr val="accent1"/>
+          </a:fillRef>
+          <a:effectRef idx="0">
+            <a:schemeClr val="accent1"/>
+          </a:effectRef>
+          <a:fontRef idx="minor">
+            <a:schemeClr val="tx1"/>
+          </a:fontRef>
+        </p:style>
+      </p:cxnSp>
+      <p:cxnSp>
+        <p:nvCxnSpPr>
+          <p:cNvPr id="208" name="Gerader Verbinder 207">
+            <a:extLst>
+              <a:ext uri="{FF2B5EF4-FFF2-40B4-BE49-F238E27FC236}">
+                <a16:creationId xmlns:a16="http://schemas.microsoft.com/office/drawing/2014/main" id="{154BAC77-36A7-23FA-A2DE-3F5A70E12EEB}"/>
+              </a:ext>
+            </a:extLst>
+          </p:cNvPr>
+          <p:cNvCxnSpPr>
+            <a:cxnSpLocks/>
+          </p:cNvCxnSpPr>
+          <p:nvPr/>
+        </p:nvCxnSpPr>
+        <p:spPr>
+          <a:xfrm flipV="1">
+            <a:off x="6999388" y="2726291"/>
+            <a:ext cx="746225" cy="947158"/>
+          </a:xfrm>
+          <a:prstGeom prst="line">
+            <a:avLst/>
+          </a:prstGeom>
+          <a:ln w="9525">
+            <a:solidFill>
+              <a:schemeClr val="tx1">
+                <a:lumMod val="65000"/>
+                <a:lumOff val="35000"/>
+              </a:schemeClr>
+            </a:solidFill>
+          </a:ln>
+        </p:spPr>
+        <p:style>
+          <a:lnRef idx="1">
+            <a:schemeClr val="accent1"/>
+          </a:lnRef>
+          <a:fillRef idx="0">
+            <a:schemeClr val="accent1"/>
+          </a:fillRef>
+          <a:effectRef idx="0">
+            <a:schemeClr val="accent1"/>
+          </a:effectRef>
+          <a:fontRef idx="minor">
+            <a:schemeClr val="tx1"/>
+          </a:fontRef>
+        </p:style>
+      </p:cxnSp>
+      <p:cxnSp>
+        <p:nvCxnSpPr>
+          <p:cNvPr id="209" name="Gerader Verbinder 208">
+            <a:extLst>
+              <a:ext uri="{FF2B5EF4-FFF2-40B4-BE49-F238E27FC236}">
+                <a16:creationId xmlns:a16="http://schemas.microsoft.com/office/drawing/2014/main" id="{15E58F85-EE63-1FBA-4384-0783F9912570}"/>
+              </a:ext>
+            </a:extLst>
+          </p:cNvPr>
+          <p:cNvCxnSpPr>
+            <a:cxnSpLocks/>
+            <a:stCxn id="210" idx="6"/>
+          </p:cNvCxnSpPr>
+          <p:nvPr/>
+        </p:nvCxnSpPr>
+        <p:spPr>
+          <a:xfrm>
+            <a:off x="8959850" y="2717506"/>
+            <a:ext cx="781050" cy="400820"/>
+          </a:xfrm>
+          <a:prstGeom prst="line">
+            <a:avLst/>
+          </a:prstGeom>
+          <a:ln w="9525">
+            <a:solidFill>
+              <a:schemeClr val="tx1">
+                <a:lumMod val="65000"/>
+                <a:lumOff val="35000"/>
+              </a:schemeClr>
+            </a:solidFill>
+          </a:ln>
+        </p:spPr>
+        <p:style>
+          <a:lnRef idx="1">
+            <a:schemeClr val="accent1"/>
+          </a:lnRef>
+          <a:fillRef idx="0">
+            <a:schemeClr val="accent1"/>
+          </a:fillRef>
+          <a:effectRef idx="0">
+            <a:schemeClr val="accent1"/>
+          </a:effectRef>
+          <a:fontRef idx="minor">
+            <a:schemeClr val="tx1"/>
+          </a:fontRef>
+        </p:style>
+      </p:cxnSp>
+      <p:sp>
+        <p:nvSpPr>
+          <p:cNvPr id="210" name="Ellipse 209">
+            <a:extLst>
+              <a:ext uri="{FF2B5EF4-FFF2-40B4-BE49-F238E27FC236}">
+                <a16:creationId xmlns:a16="http://schemas.microsoft.com/office/drawing/2014/main" id="{92E3DA78-4343-1CED-C91A-EE2A3E4D8A2C}"/>
+              </a:ext>
+            </a:extLst>
+          </p:cNvPr>
+          <p:cNvSpPr>
+            <a:spLocks noChangeAspect="1"/>
+          </p:cNvSpPr>
+          <p:nvPr/>
+        </p:nvSpPr>
+        <p:spPr>
+          <a:xfrm>
+            <a:off x="7736088" y="2105625"/>
+            <a:ext cx="1223762" cy="1223762"/>
+          </a:xfrm>
+          <a:prstGeom prst="ellipse">
+            <a:avLst/>
+          </a:prstGeom>
+          <a:solidFill>
+            <a:schemeClr val="accent4">
+              <a:lumMod val="60000"/>
+              <a:lumOff val="40000"/>
+            </a:schemeClr>
+          </a:solidFill>
+          <a:ln w="9525">
+            <a:solidFill>
+              <a:schemeClr val="accent3"/>
+            </a:solidFill>
+          </a:ln>
+        </p:spPr>
+        <p:style>
+          <a:lnRef idx="2">
+            <a:schemeClr val="accent1">
+              <a:shade val="50000"/>
+            </a:schemeClr>
+          </a:lnRef>
+          <a:fillRef idx="1">
+            <a:schemeClr val="accent1"/>
+          </a:fillRef>
+          <a:effectRef idx="0">
+            <a:schemeClr val="accent1"/>
+          </a:effectRef>
+          <a:fontRef idx="minor">
+            <a:schemeClr val="lt1"/>
+          </a:fontRef>
+        </p:style>
+        <p:txBody>
+          <a:bodyPr rtlCol="0" anchor="ctr"/>
+          <a:lstStyle/>
+          <a:p>
+            <a:pPr algn="ctr"/>
+            <a:endParaRPr lang="de-DE"/>
+          </a:p>
+        </p:txBody>
+      </p:sp>
+      <p:sp>
+        <p:nvSpPr>
+          <p:cNvPr id="234" name="Rechteck 233">
+            <a:extLst>
+              <a:ext uri="{FF2B5EF4-FFF2-40B4-BE49-F238E27FC236}">
+                <a16:creationId xmlns:a16="http://schemas.microsoft.com/office/drawing/2014/main" id="{B1F3834E-AE79-ACD2-893F-0F17D4289A54}"/>
+              </a:ext>
+            </a:extLst>
+          </p:cNvPr>
+          <p:cNvSpPr/>
+          <p:nvPr/>
+        </p:nvSpPr>
+        <p:spPr>
+          <a:xfrm>
+            <a:off x="6999388" y="2004778"/>
+            <a:ext cx="2741512" cy="1704975"/>
+          </a:xfrm>
+          <a:prstGeom prst="rect">
+            <a:avLst/>
+          </a:prstGeom>
+          <a:noFill/>
+          <a:ln w="12700">
+            <a:solidFill>
+              <a:schemeClr val="tx1">
+                <a:lumMod val="65000"/>
+                <a:lumOff val="35000"/>
+              </a:schemeClr>
+            </a:solidFill>
+            <a:prstDash val="dash"/>
+          </a:ln>
+        </p:spPr>
+        <p:style>
+          <a:lnRef idx="2">
+            <a:schemeClr val="accent1">
+              <a:shade val="15000"/>
+            </a:schemeClr>
+          </a:lnRef>
+          <a:fillRef idx="1">
+            <a:schemeClr val="accent1"/>
+          </a:fillRef>
+          <a:effectRef idx="0">
+            <a:schemeClr val="accent1"/>
+          </a:effectRef>
+          <a:fontRef idx="minor">
+            <a:schemeClr val="lt1"/>
+          </a:fontRef>
+        </p:style>
+        <p:txBody>
+          <a:bodyPr rtlCol="0" anchor="ctr"/>
+          <a:lstStyle/>
+          <a:p>
+            <a:pPr algn="ctr"/>
+            <a:endParaRPr lang="de-DE"/>
+          </a:p>
+        </p:txBody>
+      </p:sp>
+      <mc:AlternateContent xmlns:mc="http://schemas.openxmlformats.org/markup-compatibility/2006">
+        <mc:Choice xmlns:a14="http://schemas.microsoft.com/office/drawing/2010/main" Requires="a14">
+          <p:sp>
+            <p:nvSpPr>
+              <p:cNvPr id="245" name="Textfeld 244">
+                <a:extLst>
+                  <a:ext uri="{FF2B5EF4-FFF2-40B4-BE49-F238E27FC236}">
+                    <a16:creationId xmlns:a16="http://schemas.microsoft.com/office/drawing/2014/main" id="{8591E059-F094-C327-3102-B0C30FBFC506}"/>
+                  </a:ext>
+                </a:extLst>
+              </p:cNvPr>
+              <p:cNvSpPr txBox="1"/>
+              <p:nvPr/>
+            </p:nvSpPr>
+            <p:spPr>
+              <a:xfrm>
+                <a:off x="7637020" y="2505670"/>
+                <a:ext cx="1412373" cy="369332"/>
+              </a:xfrm>
+              <a:prstGeom prst="rect">
+                <a:avLst/>
+              </a:prstGeom>
+              <a:noFill/>
+            </p:spPr>
+            <p:txBody>
+              <a:bodyPr wrap="none" rtlCol="0">
+                <a:spAutoFit/>
+              </a:bodyPr>
+              <a:lstStyle/>
+              <a:p>
+                <a14:m>
+                  <m:oMathPara xmlns:m="http://schemas.openxmlformats.org/officeDocument/2006/math">
+                    <m:oMathParaPr>
+                      <m:jc m:val="centerGroup"/>
+                    </m:oMathParaPr>
+                    <m:oMath xmlns:m="http://schemas.openxmlformats.org/officeDocument/2006/math">
+                      <m:sSup>
+                        <m:sSupPr>
+                          <m:ctrlPr>
+                            <a:rPr lang="de-DE" b="0" i="1" smtClean="0">
+                              <a:latin typeface="Cambria Math" panose="02040503050406030204" pitchFamily="18" charset="0"/>
+                            </a:rPr>
+                          </m:ctrlPr>
+                        </m:sSupPr>
+                        <m:e>
+                          <m:r>
+                            <a:rPr lang="de-DE" b="0" i="1" smtClean="0">
+                              <a:latin typeface="Cambria Math" panose="02040503050406030204" pitchFamily="18" charset="0"/>
+                            </a:rPr>
+                            <m:t>𝑔</m:t>
+                          </m:r>
+                          <m:r>
+                            <a:rPr lang="de-DE" b="0" i="1" smtClean="0">
+                              <a:latin typeface="Cambria Math" panose="02040503050406030204" pitchFamily="18" charset="0"/>
+                            </a:rPr>
+                            <m:t>(</m:t>
+                          </m:r>
+                          <m:r>
+                            <a:rPr lang="de-DE" b="0" i="1" smtClean="0">
+                              <a:latin typeface="Cambria Math" panose="02040503050406030204" pitchFamily="18" charset="0"/>
+                            </a:rPr>
+                            <m:t>𝑤</m:t>
+                          </m:r>
+                        </m:e>
+                        <m:sup>
+                          <m:r>
+                            <a:rPr lang="de-DE" b="0" i="1" smtClean="0">
+                              <a:latin typeface="Cambria Math" panose="02040503050406030204" pitchFamily="18" charset="0"/>
+                            </a:rPr>
+                            <m:t>𝑇</m:t>
+                          </m:r>
+                        </m:sup>
+                      </m:sSup>
+                      <m:r>
+                        <a:rPr lang="de-DE" b="0" i="1" smtClean="0">
+                          <a:latin typeface="Cambria Math" panose="02040503050406030204" pitchFamily="18" charset="0"/>
+                        </a:rPr>
+                        <m:t>𝑥</m:t>
+                      </m:r>
+                      <m:r>
+                        <a:rPr lang="de-DE" b="0" i="1" smtClean="0">
+                          <a:latin typeface="Cambria Math" panose="02040503050406030204" pitchFamily="18" charset="0"/>
+                        </a:rPr>
+                        <m:t>+</m:t>
+                      </m:r>
+                      <m:r>
+                        <a:rPr lang="de-DE" b="0" i="1" smtClean="0">
+                          <a:latin typeface="Cambria Math" panose="02040503050406030204" pitchFamily="18" charset="0"/>
+                        </a:rPr>
+                        <m:t>𝑏</m:t>
+                      </m:r>
+                      <m:r>
+                        <a:rPr lang="de-DE" b="0" i="1" smtClean="0">
+                          <a:latin typeface="Cambria Math" panose="02040503050406030204" pitchFamily="18" charset="0"/>
+                        </a:rPr>
+                        <m:t>)</m:t>
+                      </m:r>
+                    </m:oMath>
+                  </m:oMathPara>
+                </a14:m>
+                <a:endParaRPr lang="de-DE" b="0" i="1" dirty="0">
+                  <a:latin typeface="Cambria Math" panose="02040503050406030204" pitchFamily="18" charset="0"/>
+                </a:endParaRPr>
+              </a:p>
+            </p:txBody>
+          </p:sp>
+        </mc:Choice>
+        <mc:Fallback>
+          <p:sp>
+            <p:nvSpPr>
+              <p:cNvPr id="245" name="Textfeld 244">
+                <a:extLst>
+                  <a:ext uri="{FF2B5EF4-FFF2-40B4-BE49-F238E27FC236}">
+                    <a16:creationId xmlns:a16="http://schemas.microsoft.com/office/drawing/2014/main" id="{8591E059-F094-C327-3102-B0C30FBFC506}"/>
+                  </a:ext>
+                </a:extLst>
+              </p:cNvPr>
+              <p:cNvSpPr txBox="1">
+                <a:spLocks noRot="1" noChangeAspect="1" noMove="1" noResize="1" noEditPoints="1" noAdjustHandles="1" noChangeArrowheads="1" noChangeShapeType="1" noTextEdit="1"/>
+              </p:cNvSpPr>
+              <p:nvPr/>
+            </p:nvSpPr>
+            <p:spPr>
+              <a:xfrm>
+                <a:off x="7637020" y="2505670"/>
+                <a:ext cx="1412373" cy="369332"/>
+              </a:xfrm>
+              <a:prstGeom prst="rect">
+                <a:avLst/>
+              </a:prstGeom>
+              <a:blipFill>
+                <a:blip r:embed="rId2"/>
+                <a:stretch>
+                  <a:fillRect b="-14754"/>
+                </a:stretch>
+              </a:blipFill>
+            </p:spPr>
+            <p:txBody>
+              <a:bodyPr/>
+              <a:lstStyle/>
+              <a:p>
+                <a:r>
+                  <a:rPr lang="de-DE">
+                    <a:noFill/>
+                  </a:rPr>
+                  <a:t> </a:t>
+                </a:r>
+              </a:p>
+            </p:txBody>
+          </p:sp>
+        </mc:Fallback>
+      </mc:AlternateContent>
+      <mc:AlternateContent xmlns:mc="http://schemas.openxmlformats.org/markup-compatibility/2006">
+        <mc:Choice xmlns:a14="http://schemas.microsoft.com/office/drawing/2010/main" Requires="a14">
+          <p:sp>
+            <p:nvSpPr>
+              <p:cNvPr id="246" name="Textfeld 245">
+                <a:extLst>
+                  <a:ext uri="{FF2B5EF4-FFF2-40B4-BE49-F238E27FC236}">
+                    <a16:creationId xmlns:a16="http://schemas.microsoft.com/office/drawing/2014/main" id="{739B6279-17A7-C5A1-E900-BF735F5B997C}"/>
+                  </a:ext>
+                </a:extLst>
+              </p:cNvPr>
+              <p:cNvSpPr txBox="1"/>
+              <p:nvPr/>
+            </p:nvSpPr>
+            <p:spPr>
+              <a:xfrm rot="20971645">
+                <a:off x="6972334" y="2635831"/>
+                <a:ext cx="485325" cy="220958"/>
+              </a:xfrm>
+              <a:prstGeom prst="rect">
+                <a:avLst/>
+              </a:prstGeom>
+              <a:noFill/>
+            </p:spPr>
+            <p:txBody>
+              <a:bodyPr wrap="none" rtlCol="0">
+                <a:spAutoFit/>
+              </a:bodyPr>
+              <a:lstStyle/>
+              <a:p>
+                <a14:m>
+                  <m:oMathPara xmlns:m="http://schemas.openxmlformats.org/officeDocument/2006/math">
+                    <m:oMathParaPr>
+                      <m:jc m:val="centerGroup"/>
+                    </m:oMathParaPr>
+                    <m:oMath xmlns:m="http://schemas.openxmlformats.org/officeDocument/2006/math">
+                      <m:sSub>
+                        <m:sSubPr>
+                          <m:ctrlPr>
+                            <a:rPr lang="de-DE" sz="800" b="0" i="1" smtClean="0">
+                              <a:latin typeface="Cambria Math" panose="02040503050406030204" pitchFamily="18" charset="0"/>
+                            </a:rPr>
+                          </m:ctrlPr>
+                        </m:sSubPr>
+                        <m:e>
+                          <m:r>
+                            <a:rPr lang="de-DE" sz="800" b="0" i="1" smtClean="0">
+                              <a:latin typeface="Cambria Math" panose="02040503050406030204" pitchFamily="18" charset="0"/>
+                            </a:rPr>
+                            <m:t>𝑤</m:t>
+                          </m:r>
+                        </m:e>
+                        <m:sub>
+                          <m:r>
+                            <a:rPr lang="de-DE" sz="800" b="0" i="1" smtClean="0">
+                              <a:latin typeface="Cambria Math" panose="02040503050406030204" pitchFamily="18" charset="0"/>
+                            </a:rPr>
+                            <m:t>1,1</m:t>
+                          </m:r>
+                        </m:sub>
+                      </m:sSub>
+                      <m:sSub>
+                        <m:sSubPr>
+                          <m:ctrlPr>
+                            <a:rPr lang="de-DE" sz="800" b="0" i="1" smtClean="0">
+                              <a:latin typeface="Cambria Math" panose="02040503050406030204" pitchFamily="18" charset="0"/>
+                            </a:rPr>
+                          </m:ctrlPr>
+                        </m:sSubPr>
+                        <m:e>
+                          <m:r>
+                            <a:rPr lang="de-DE" sz="800" b="0" i="1" smtClean="0">
+                              <a:latin typeface="Cambria Math" panose="02040503050406030204" pitchFamily="18" charset="0"/>
+                            </a:rPr>
+                            <m:t>𝑥</m:t>
+                          </m:r>
+                        </m:e>
+                        <m:sub>
+                          <m:r>
+                            <a:rPr lang="de-DE" sz="800" b="0" i="1" smtClean="0">
+                              <a:latin typeface="Cambria Math" panose="02040503050406030204" pitchFamily="18" charset="0"/>
+                            </a:rPr>
+                            <m:t>1</m:t>
+                          </m:r>
+                        </m:sub>
+                      </m:sSub>
+                    </m:oMath>
+                  </m:oMathPara>
+                </a14:m>
+                <a:endParaRPr lang="de-DE" sz="1100" b="0" dirty="0"/>
+              </a:p>
+            </p:txBody>
+          </p:sp>
+        </mc:Choice>
+        <mc:Fallback>
+          <p:sp>
+            <p:nvSpPr>
+              <p:cNvPr id="246" name="Textfeld 245">
+                <a:extLst>
+                  <a:ext uri="{FF2B5EF4-FFF2-40B4-BE49-F238E27FC236}">
+                    <a16:creationId xmlns:a16="http://schemas.microsoft.com/office/drawing/2014/main" id="{739B6279-17A7-C5A1-E900-BF735F5B997C}"/>
+                  </a:ext>
+                </a:extLst>
+              </p:cNvPr>
+              <p:cNvSpPr txBox="1">
+                <a:spLocks noRot="1" noChangeAspect="1" noMove="1" noResize="1" noEditPoints="1" noAdjustHandles="1" noChangeArrowheads="1" noChangeShapeType="1" noTextEdit="1"/>
+              </p:cNvSpPr>
+              <p:nvPr/>
+            </p:nvSpPr>
+            <p:spPr>
+              <a:xfrm rot="20971645">
+                <a:off x="6972334" y="2635831"/>
+                <a:ext cx="485325" cy="220958"/>
+              </a:xfrm>
+              <a:prstGeom prst="rect">
+                <a:avLst/>
+              </a:prstGeom>
+              <a:blipFill>
+                <a:blip r:embed="rId3"/>
+                <a:stretch>
+                  <a:fillRect/>
+                </a:stretch>
+              </a:blipFill>
+            </p:spPr>
+            <p:txBody>
+              <a:bodyPr/>
+              <a:lstStyle/>
+              <a:p>
+                <a:r>
+                  <a:rPr lang="de-DE">
+                    <a:noFill/>
+                  </a:rPr>
+                  <a:t> </a:t>
+                </a:r>
+              </a:p>
+            </p:txBody>
+          </p:sp>
+        </mc:Fallback>
+      </mc:AlternateContent>
+      <mc:AlternateContent xmlns:mc="http://schemas.openxmlformats.org/markup-compatibility/2006">
+        <mc:Choice xmlns:a14="http://schemas.microsoft.com/office/drawing/2010/main" Requires="a14">
+          <p:sp>
+            <p:nvSpPr>
+              <p:cNvPr id="247" name="Textfeld 246">
+                <a:extLst>
+                  <a:ext uri="{FF2B5EF4-FFF2-40B4-BE49-F238E27FC236}">
+                    <a16:creationId xmlns:a16="http://schemas.microsoft.com/office/drawing/2014/main" id="{614C2B1D-E4F7-669F-14AF-F84A226CA5F0}"/>
+                  </a:ext>
+                </a:extLst>
+              </p:cNvPr>
+              <p:cNvSpPr txBox="1"/>
+              <p:nvPr/>
+            </p:nvSpPr>
+            <p:spPr>
+              <a:xfrm rot="19971221">
+                <a:off x="6974914" y="2814552"/>
+                <a:ext cx="487698" cy="220958"/>
+              </a:xfrm>
+              <a:prstGeom prst="rect">
+                <a:avLst/>
+              </a:prstGeom>
+              <a:noFill/>
+            </p:spPr>
+            <p:txBody>
+              <a:bodyPr wrap="none" rtlCol="0">
+                <a:spAutoFit/>
+              </a:bodyPr>
+              <a:lstStyle/>
+              <a:p>
+                <a14:m>
+                  <m:oMathPara xmlns:m="http://schemas.openxmlformats.org/officeDocument/2006/math">
+                    <m:oMathParaPr>
+                      <m:jc m:val="centerGroup"/>
+                    </m:oMathParaPr>
+                    <m:oMath xmlns:m="http://schemas.openxmlformats.org/officeDocument/2006/math">
+                      <m:sSub>
+                        <m:sSubPr>
+                          <m:ctrlPr>
+                            <a:rPr lang="de-DE" sz="800" b="0" i="1" smtClean="0">
+                              <a:latin typeface="Cambria Math" panose="02040503050406030204" pitchFamily="18" charset="0"/>
+                            </a:rPr>
+                          </m:ctrlPr>
+                        </m:sSubPr>
+                        <m:e>
+                          <m:r>
+                            <a:rPr lang="de-DE" sz="800" b="0" i="1" smtClean="0">
+                              <a:latin typeface="Cambria Math" panose="02040503050406030204" pitchFamily="18" charset="0"/>
+                            </a:rPr>
+                            <m:t>𝑤</m:t>
+                          </m:r>
+                        </m:e>
+                        <m:sub>
+                          <m:r>
+                            <a:rPr lang="de-DE" sz="800" b="0" i="1" smtClean="0">
+                              <a:latin typeface="Cambria Math" panose="02040503050406030204" pitchFamily="18" charset="0"/>
+                            </a:rPr>
+                            <m:t>1,2</m:t>
+                          </m:r>
+                        </m:sub>
+                      </m:sSub>
+                      <m:sSub>
+                        <m:sSubPr>
+                          <m:ctrlPr>
+                            <a:rPr lang="de-DE" sz="800" b="0" i="1" smtClean="0">
+                              <a:latin typeface="Cambria Math" panose="02040503050406030204" pitchFamily="18" charset="0"/>
+                            </a:rPr>
+                          </m:ctrlPr>
+                        </m:sSubPr>
+                        <m:e>
+                          <m:r>
+                            <a:rPr lang="de-DE" sz="800" b="0" i="1" smtClean="0">
+                              <a:latin typeface="Cambria Math" panose="02040503050406030204" pitchFamily="18" charset="0"/>
+                            </a:rPr>
+                            <m:t>𝑥</m:t>
+                          </m:r>
+                        </m:e>
+                        <m:sub>
+                          <m:r>
+                            <a:rPr lang="de-DE" sz="800" b="0" i="1" smtClean="0">
+                              <a:latin typeface="Cambria Math" panose="02040503050406030204" pitchFamily="18" charset="0"/>
+                            </a:rPr>
+                            <m:t>2</m:t>
+                          </m:r>
+                        </m:sub>
+                      </m:sSub>
+                    </m:oMath>
+                  </m:oMathPara>
+                </a14:m>
+                <a:endParaRPr lang="de-DE" sz="1100" b="0" dirty="0"/>
+              </a:p>
+            </p:txBody>
+          </p:sp>
+        </mc:Choice>
+        <mc:Fallback>
+          <p:sp>
+            <p:nvSpPr>
+              <p:cNvPr id="247" name="Textfeld 246">
+                <a:extLst>
+                  <a:ext uri="{FF2B5EF4-FFF2-40B4-BE49-F238E27FC236}">
+                    <a16:creationId xmlns:a16="http://schemas.microsoft.com/office/drawing/2014/main" id="{614C2B1D-E4F7-669F-14AF-F84A226CA5F0}"/>
+                  </a:ext>
+                </a:extLst>
+              </p:cNvPr>
+              <p:cNvSpPr txBox="1">
+                <a:spLocks noRot="1" noChangeAspect="1" noMove="1" noResize="1" noEditPoints="1" noAdjustHandles="1" noChangeArrowheads="1" noChangeShapeType="1" noTextEdit="1"/>
+              </p:cNvSpPr>
+              <p:nvPr/>
+            </p:nvSpPr>
+            <p:spPr>
+              <a:xfrm rot="19971221">
+                <a:off x="6974914" y="2814552"/>
+                <a:ext cx="487698" cy="220958"/>
+              </a:xfrm>
+              <a:prstGeom prst="rect">
+                <a:avLst/>
+              </a:prstGeom>
+              <a:blipFill>
+                <a:blip r:embed="rId4"/>
+                <a:stretch>
+                  <a:fillRect/>
+                </a:stretch>
+              </a:blipFill>
+            </p:spPr>
+            <p:txBody>
+              <a:bodyPr/>
+              <a:lstStyle/>
+              <a:p>
+                <a:r>
+                  <a:rPr lang="de-DE">
+                    <a:noFill/>
+                  </a:rPr>
+                  <a:t> </a:t>
+                </a:r>
+              </a:p>
+            </p:txBody>
+          </p:sp>
+        </mc:Fallback>
+      </mc:AlternateContent>
+      <mc:AlternateContent xmlns:mc="http://schemas.openxmlformats.org/markup-compatibility/2006">
+        <mc:Choice xmlns:a14="http://schemas.microsoft.com/office/drawing/2010/main" Requires="a14">
+          <p:sp>
+            <p:nvSpPr>
+              <p:cNvPr id="248" name="Textfeld 247">
+                <a:extLst>
+                  <a:ext uri="{FF2B5EF4-FFF2-40B4-BE49-F238E27FC236}">
+                    <a16:creationId xmlns:a16="http://schemas.microsoft.com/office/drawing/2014/main" id="{8401071D-AE46-8FDA-E416-3DDB7801DA81}"/>
+                  </a:ext>
+                </a:extLst>
+              </p:cNvPr>
+              <p:cNvSpPr txBox="1"/>
+              <p:nvPr/>
+            </p:nvSpPr>
+            <p:spPr>
+              <a:xfrm rot="19213454">
+                <a:off x="6964783" y="2995600"/>
+                <a:ext cx="487698" cy="220958"/>
+              </a:xfrm>
+              <a:prstGeom prst="rect">
+                <a:avLst/>
+              </a:prstGeom>
+              <a:noFill/>
+            </p:spPr>
+            <p:txBody>
+              <a:bodyPr wrap="none" rtlCol="0">
+                <a:spAutoFit/>
+              </a:bodyPr>
+              <a:lstStyle/>
+              <a:p>
+                <a14:m>
+                  <m:oMathPara xmlns:m="http://schemas.openxmlformats.org/officeDocument/2006/math">
+                    <m:oMathParaPr>
+                      <m:jc m:val="centerGroup"/>
+                    </m:oMathParaPr>
+                    <m:oMath xmlns:m="http://schemas.openxmlformats.org/officeDocument/2006/math">
+                      <m:sSub>
+                        <m:sSubPr>
+                          <m:ctrlPr>
+                            <a:rPr lang="de-DE" sz="800" b="0" i="1" smtClean="0">
+                              <a:latin typeface="Cambria Math" panose="02040503050406030204" pitchFamily="18" charset="0"/>
+                            </a:rPr>
+                          </m:ctrlPr>
+                        </m:sSubPr>
+                        <m:e>
+                          <m:r>
+                            <a:rPr lang="de-DE" sz="800" b="0" i="1" smtClean="0">
+                              <a:latin typeface="Cambria Math" panose="02040503050406030204" pitchFamily="18" charset="0"/>
+                            </a:rPr>
+                            <m:t>𝑤</m:t>
+                          </m:r>
+                        </m:e>
+                        <m:sub>
+                          <m:r>
+                            <a:rPr lang="de-DE" sz="800" b="0" i="1" smtClean="0">
+                              <a:latin typeface="Cambria Math" panose="02040503050406030204" pitchFamily="18" charset="0"/>
+                            </a:rPr>
+                            <m:t>1,3</m:t>
+                          </m:r>
+                        </m:sub>
+                      </m:sSub>
+                      <m:sSub>
+                        <m:sSubPr>
+                          <m:ctrlPr>
+                            <a:rPr lang="de-DE" sz="800" b="0" i="1" smtClean="0">
+                              <a:latin typeface="Cambria Math" panose="02040503050406030204" pitchFamily="18" charset="0"/>
+                            </a:rPr>
+                          </m:ctrlPr>
+                        </m:sSubPr>
+                        <m:e>
+                          <m:r>
+                            <a:rPr lang="de-DE" sz="800" b="0" i="1" smtClean="0">
+                              <a:latin typeface="Cambria Math" panose="02040503050406030204" pitchFamily="18" charset="0"/>
+                            </a:rPr>
+                            <m:t>𝑥</m:t>
+                          </m:r>
+                        </m:e>
+                        <m:sub>
+                          <m:r>
+                            <a:rPr lang="de-DE" sz="800" b="0" i="1" smtClean="0">
+                              <a:latin typeface="Cambria Math" panose="02040503050406030204" pitchFamily="18" charset="0"/>
+                            </a:rPr>
+                            <m:t>3</m:t>
+                          </m:r>
+                        </m:sub>
+                      </m:sSub>
+                    </m:oMath>
+                  </m:oMathPara>
+                </a14:m>
+                <a:endParaRPr lang="de-DE" sz="1100" b="0" dirty="0"/>
+              </a:p>
+            </p:txBody>
+          </p:sp>
+        </mc:Choice>
+        <mc:Fallback>
+          <p:sp>
+            <p:nvSpPr>
+              <p:cNvPr id="248" name="Textfeld 247">
+                <a:extLst>
+                  <a:ext uri="{FF2B5EF4-FFF2-40B4-BE49-F238E27FC236}">
+                    <a16:creationId xmlns:a16="http://schemas.microsoft.com/office/drawing/2014/main" id="{8401071D-AE46-8FDA-E416-3DDB7801DA81}"/>
+                  </a:ext>
+                </a:extLst>
+              </p:cNvPr>
+              <p:cNvSpPr txBox="1">
+                <a:spLocks noRot="1" noChangeAspect="1" noMove="1" noResize="1" noEditPoints="1" noAdjustHandles="1" noChangeArrowheads="1" noChangeShapeType="1" noTextEdit="1"/>
+              </p:cNvSpPr>
+              <p:nvPr/>
+            </p:nvSpPr>
+            <p:spPr>
+              <a:xfrm rot="19213454">
+                <a:off x="6964783" y="2995600"/>
+                <a:ext cx="487698" cy="220958"/>
+              </a:xfrm>
+              <a:prstGeom prst="rect">
+                <a:avLst/>
+              </a:prstGeom>
+              <a:blipFill>
+                <a:blip r:embed="rId5"/>
+                <a:stretch>
+                  <a:fillRect/>
+                </a:stretch>
+              </a:blipFill>
+            </p:spPr>
+            <p:txBody>
+              <a:bodyPr/>
+              <a:lstStyle/>
+              <a:p>
+                <a:r>
+                  <a:rPr lang="de-DE">
+                    <a:noFill/>
+                  </a:rPr>
+                  <a:t> </a:t>
+                </a:r>
+              </a:p>
+            </p:txBody>
+          </p:sp>
+        </mc:Fallback>
+      </mc:AlternateContent>
+      <mc:AlternateContent xmlns:mc="http://schemas.openxmlformats.org/markup-compatibility/2006">
+        <mc:Choice xmlns:a14="http://schemas.microsoft.com/office/drawing/2010/main" Requires="a14">
+          <p:sp>
+            <p:nvSpPr>
+              <p:cNvPr id="249" name="Textfeld 248">
+                <a:extLst>
+                  <a:ext uri="{FF2B5EF4-FFF2-40B4-BE49-F238E27FC236}">
+                    <a16:creationId xmlns:a16="http://schemas.microsoft.com/office/drawing/2014/main" id="{38081A4C-E3AF-A675-6AD4-1C5C3288E897}"/>
+                  </a:ext>
+                </a:extLst>
+              </p:cNvPr>
+              <p:cNvSpPr txBox="1"/>
+              <p:nvPr/>
+            </p:nvSpPr>
+            <p:spPr>
+              <a:xfrm rot="18750718">
+                <a:off x="6974914" y="3166853"/>
+                <a:ext cx="487698" cy="220958"/>
+              </a:xfrm>
+              <a:prstGeom prst="rect">
+                <a:avLst/>
+              </a:prstGeom>
+              <a:noFill/>
+            </p:spPr>
+            <p:txBody>
+              <a:bodyPr wrap="none" rtlCol="0">
+                <a:spAutoFit/>
+              </a:bodyPr>
+              <a:lstStyle/>
+              <a:p>
+                <a14:m>
+                  <m:oMathPara xmlns:m="http://schemas.openxmlformats.org/officeDocument/2006/math">
+                    <m:oMathParaPr>
+                      <m:jc m:val="centerGroup"/>
+                    </m:oMathParaPr>
+                    <m:oMath xmlns:m="http://schemas.openxmlformats.org/officeDocument/2006/math">
+                      <m:sSub>
+                        <m:sSubPr>
+                          <m:ctrlPr>
+                            <a:rPr lang="de-DE" sz="800" b="0" i="1" smtClean="0">
+                              <a:latin typeface="Cambria Math" panose="02040503050406030204" pitchFamily="18" charset="0"/>
+                            </a:rPr>
+                          </m:ctrlPr>
+                        </m:sSubPr>
+                        <m:e>
+                          <m:r>
+                            <a:rPr lang="de-DE" sz="800" b="0" i="1" smtClean="0">
+                              <a:latin typeface="Cambria Math" panose="02040503050406030204" pitchFamily="18" charset="0"/>
+                            </a:rPr>
+                            <m:t>𝑤</m:t>
+                          </m:r>
+                        </m:e>
+                        <m:sub>
+                          <m:r>
+                            <a:rPr lang="de-DE" sz="800" b="0" i="1" smtClean="0">
+                              <a:latin typeface="Cambria Math" panose="02040503050406030204" pitchFamily="18" charset="0"/>
+                            </a:rPr>
+                            <m:t>1,4</m:t>
+                          </m:r>
+                        </m:sub>
+                      </m:sSub>
+                      <m:sSub>
+                        <m:sSubPr>
+                          <m:ctrlPr>
+                            <a:rPr lang="de-DE" sz="800" b="0" i="1" smtClean="0">
+                              <a:latin typeface="Cambria Math" panose="02040503050406030204" pitchFamily="18" charset="0"/>
+                            </a:rPr>
+                          </m:ctrlPr>
+                        </m:sSubPr>
+                        <m:e>
+                          <m:r>
+                            <a:rPr lang="de-DE" sz="800" b="0" i="1" smtClean="0">
+                              <a:latin typeface="Cambria Math" panose="02040503050406030204" pitchFamily="18" charset="0"/>
+                            </a:rPr>
+                            <m:t>𝑥</m:t>
+                          </m:r>
+                        </m:e>
+                        <m:sub>
+                          <m:r>
+                            <a:rPr lang="de-DE" sz="800" b="0" i="1" smtClean="0">
+                              <a:latin typeface="Cambria Math" panose="02040503050406030204" pitchFamily="18" charset="0"/>
+                            </a:rPr>
+                            <m:t>4</m:t>
+                          </m:r>
+                        </m:sub>
+                      </m:sSub>
+                    </m:oMath>
+                  </m:oMathPara>
+                </a14:m>
+                <a:endParaRPr lang="de-DE" sz="1100" b="0" dirty="0"/>
+              </a:p>
+            </p:txBody>
+          </p:sp>
+        </mc:Choice>
+        <mc:Fallback>
+          <p:sp>
+            <p:nvSpPr>
+              <p:cNvPr id="249" name="Textfeld 248">
+                <a:extLst>
+                  <a:ext uri="{FF2B5EF4-FFF2-40B4-BE49-F238E27FC236}">
+                    <a16:creationId xmlns:a16="http://schemas.microsoft.com/office/drawing/2014/main" id="{38081A4C-E3AF-A675-6AD4-1C5C3288E897}"/>
+                  </a:ext>
+                </a:extLst>
+              </p:cNvPr>
+              <p:cNvSpPr txBox="1">
+                <a:spLocks noRot="1" noChangeAspect="1" noMove="1" noResize="1" noEditPoints="1" noAdjustHandles="1" noChangeArrowheads="1" noChangeShapeType="1" noTextEdit="1"/>
+              </p:cNvSpPr>
+              <p:nvPr/>
+            </p:nvSpPr>
+            <p:spPr>
+              <a:xfrm rot="18750718">
+                <a:off x="6974914" y="3166853"/>
+                <a:ext cx="487698" cy="220958"/>
+              </a:xfrm>
+              <a:prstGeom prst="rect">
+                <a:avLst/>
+              </a:prstGeom>
+              <a:blipFill>
+                <a:blip r:embed="rId6"/>
+                <a:stretch>
+                  <a:fillRect/>
+                </a:stretch>
+              </a:blipFill>
+            </p:spPr>
+            <p:txBody>
+              <a:bodyPr/>
+              <a:lstStyle/>
+              <a:p>
+                <a:r>
+                  <a:rPr lang="de-DE">
+                    <a:noFill/>
+                  </a:rPr>
+                  <a:t> </a:t>
+                </a:r>
+              </a:p>
+            </p:txBody>
+          </p:sp>
+        </mc:Fallback>
+      </mc:AlternateContent>
+      <mc:AlternateContent xmlns:mc="http://schemas.openxmlformats.org/markup-compatibility/2006">
+        <mc:Choice xmlns:a14="http://schemas.microsoft.com/office/drawing/2010/main" Requires="a14">
+          <p:sp>
+            <p:nvSpPr>
+              <p:cNvPr id="250" name="Textfeld 249">
+                <a:extLst>
+                  <a:ext uri="{FF2B5EF4-FFF2-40B4-BE49-F238E27FC236}">
+                    <a16:creationId xmlns:a16="http://schemas.microsoft.com/office/drawing/2014/main" id="{FCD131BE-4C5E-C63C-6D5B-82E065806C6C}"/>
+                  </a:ext>
+                </a:extLst>
+              </p:cNvPr>
+              <p:cNvSpPr txBox="1"/>
+              <p:nvPr/>
+            </p:nvSpPr>
+            <p:spPr>
+              <a:xfrm>
+                <a:off x="3652778" y="4248108"/>
+                <a:ext cx="854336" cy="461665"/>
+              </a:xfrm>
+              <a:prstGeom prst="rect">
+                <a:avLst/>
+              </a:prstGeom>
+              <a:noFill/>
+            </p:spPr>
+            <p:txBody>
+              <a:bodyPr wrap="none" rtlCol="0">
+                <a:spAutoFit/>
+              </a:bodyPr>
+              <a:lstStyle/>
+              <a:p>
+                <a:pPr algn="ctr"/>
+                <a:r>
+                  <a:rPr lang="de-DE" sz="1200" b="0" dirty="0"/>
+                  <a:t>Matrix </a:t>
+                </a:r>
+                <a:r>
+                  <a:rPr lang="de-DE" sz="1200" b="0" dirty="0" err="1"/>
+                  <a:t>of</a:t>
+                </a:r>
+                <a:r>
+                  <a:rPr lang="de-DE" sz="1200" b="0" dirty="0"/>
+                  <a:t> </a:t>
+                </a:r>
+              </a:p>
+              <a:p>
+                <a:pPr algn="ctr"/>
+                <a:r>
+                  <a:rPr lang="de-DE" sz="1200" b="0" dirty="0" err="1"/>
+                  <a:t>weights</a:t>
+                </a:r>
+                <a:r>
+                  <a:rPr lang="de-DE" sz="1200" b="0" dirty="0"/>
+                  <a:t> </a:t>
+                </a:r>
+                <a14:m>
+                  <m:oMath xmlns:m="http://schemas.openxmlformats.org/officeDocument/2006/math">
+                    <m:r>
+                      <a:rPr lang="de-DE" sz="1200" b="0" i="1" smtClean="0">
+                        <a:latin typeface="Cambria Math" panose="02040503050406030204" pitchFamily="18" charset="0"/>
+                      </a:rPr>
+                      <m:t>𝑊</m:t>
+                    </m:r>
+                  </m:oMath>
+                </a14:m>
+                <a:endParaRPr lang="de-DE" sz="1200" dirty="0"/>
+              </a:p>
+            </p:txBody>
+          </p:sp>
+        </mc:Choice>
+        <mc:Fallback>
+          <p:sp>
+            <p:nvSpPr>
+              <p:cNvPr id="250" name="Textfeld 249">
+                <a:extLst>
+                  <a:ext uri="{FF2B5EF4-FFF2-40B4-BE49-F238E27FC236}">
+                    <a16:creationId xmlns:a16="http://schemas.microsoft.com/office/drawing/2014/main" id="{FCD131BE-4C5E-C63C-6D5B-82E065806C6C}"/>
+                  </a:ext>
+                </a:extLst>
+              </p:cNvPr>
+              <p:cNvSpPr txBox="1">
+                <a:spLocks noRot="1" noChangeAspect="1" noMove="1" noResize="1" noEditPoints="1" noAdjustHandles="1" noChangeArrowheads="1" noChangeShapeType="1" noTextEdit="1"/>
+              </p:cNvSpPr>
+              <p:nvPr/>
+            </p:nvSpPr>
+            <p:spPr>
+              <a:xfrm>
+                <a:off x="3652778" y="4248108"/>
+                <a:ext cx="854336" cy="461665"/>
+              </a:xfrm>
+              <a:prstGeom prst="rect">
+                <a:avLst/>
+              </a:prstGeom>
+              <a:blipFill>
+                <a:blip r:embed="rId7"/>
+                <a:stretch>
+                  <a:fillRect t="-1316" b="-9211"/>
+                </a:stretch>
+              </a:blipFill>
+            </p:spPr>
+            <p:txBody>
+              <a:bodyPr/>
+              <a:lstStyle/>
+              <a:p>
+                <a:r>
+                  <a:rPr lang="de-DE">
+                    <a:noFill/>
+                  </a:rPr>
+                  <a:t> </a:t>
+                </a:r>
+              </a:p>
+            </p:txBody>
+          </p:sp>
+        </mc:Fallback>
+      </mc:AlternateContent>
+      <p:sp>
+        <p:nvSpPr>
+          <p:cNvPr id="251" name="Geschweifte Klammer links 250">
+            <a:extLst>
+              <a:ext uri="{FF2B5EF4-FFF2-40B4-BE49-F238E27FC236}">
+                <a16:creationId xmlns:a16="http://schemas.microsoft.com/office/drawing/2014/main" id="{7F5D0AE7-DE24-FE8B-06E9-299A2D471677}"/>
+              </a:ext>
+            </a:extLst>
+          </p:cNvPr>
+          <p:cNvSpPr/>
+          <p:nvPr/>
+        </p:nvSpPr>
+        <p:spPr>
+          <a:xfrm rot="16200000">
+            <a:off x="4014858" y="3820939"/>
+            <a:ext cx="130175" cy="854338"/>
+          </a:xfrm>
+          <a:prstGeom prst="leftBrace">
+            <a:avLst/>
+          </a:prstGeom>
+          <a:noFill/>
+          <a:ln w="9525">
+            <a:solidFill>
+              <a:schemeClr val="tx1">
+                <a:lumMod val="65000"/>
+                <a:lumOff val="35000"/>
+              </a:schemeClr>
+            </a:solidFill>
+          </a:ln>
+        </p:spPr>
+        <p:style>
+          <a:lnRef idx="2">
+            <a:schemeClr val="accent1"/>
+          </a:lnRef>
+          <a:fillRef idx="0">
+            <a:schemeClr val="accent1"/>
+          </a:fillRef>
+          <a:effectRef idx="1">
+            <a:schemeClr val="accent1"/>
+          </a:effectRef>
+          <a:fontRef idx="minor">
+            <a:schemeClr val="tx1"/>
+          </a:fontRef>
+        </p:style>
+        <p:txBody>
+          <a:bodyPr rtlCol="0" anchor="ctr"/>
+          <a:lstStyle/>
+          <a:p>
+            <a:pPr algn="ctr"/>
+            <a:endParaRPr lang="de-DE"/>
+          </a:p>
+        </p:txBody>
+      </p:sp>
+    </p:spTree>
+    <p:extLst>
+      <p:ext uri="{BB962C8B-B14F-4D97-AF65-F5344CB8AC3E}">
+        <p14:creationId xmlns:p14="http://schemas.microsoft.com/office/powerpoint/2010/main" val="4015801748"/>
+      </p:ext>
+    </p:extLst>
+  </p:cSld>
+  <p:clrMapOvr>
+    <a:masterClrMapping/>
+  </p:clrMapOvr>
+</p:sld>
+</file>
+
 <file path=ppt/theme/theme1.xml><?xml version="1.0" encoding="utf-8"?>
 <a:theme xmlns:a="http://schemas.openxmlformats.org/drawingml/2006/main" name="Office">
   <a:themeElements>

--- a/images/Masterarbeit Diagramme.pptx
+++ b/images/Masterarbeit Diagramme.pptx
@@ -274,7 +274,7 @@
           <a:p>
             <a:fld id="{DCC18975-A71B-4189-B470-FED950D0708F}" type="datetimeFigureOut">
               <a:rPr lang="de-DE" smtClean="0"/>
-              <a:t>23.06.2024</a:t>
+              <a:t>24.06.2024</a:t>
             </a:fld>
             <a:endParaRPr lang="de-DE"/>
           </a:p>
@@ -472,7 +472,7 @@
           <a:p>
             <a:fld id="{DCC18975-A71B-4189-B470-FED950D0708F}" type="datetimeFigureOut">
               <a:rPr lang="de-DE" smtClean="0"/>
-              <a:t>23.06.2024</a:t>
+              <a:t>24.06.2024</a:t>
             </a:fld>
             <a:endParaRPr lang="de-DE"/>
           </a:p>
@@ -680,7 +680,7 @@
           <a:p>
             <a:fld id="{DCC18975-A71B-4189-B470-FED950D0708F}" type="datetimeFigureOut">
               <a:rPr lang="de-DE" smtClean="0"/>
-              <a:t>23.06.2024</a:t>
+              <a:t>24.06.2024</a:t>
             </a:fld>
             <a:endParaRPr lang="de-DE"/>
           </a:p>
@@ -878,7 +878,7 @@
           <a:p>
             <a:fld id="{DCC18975-A71B-4189-B470-FED950D0708F}" type="datetimeFigureOut">
               <a:rPr lang="de-DE" smtClean="0"/>
-              <a:t>23.06.2024</a:t>
+              <a:t>24.06.2024</a:t>
             </a:fld>
             <a:endParaRPr lang="de-DE"/>
           </a:p>
@@ -1153,7 +1153,7 @@
           <a:p>
             <a:fld id="{DCC18975-A71B-4189-B470-FED950D0708F}" type="datetimeFigureOut">
               <a:rPr lang="de-DE" smtClean="0"/>
-              <a:t>23.06.2024</a:t>
+              <a:t>24.06.2024</a:t>
             </a:fld>
             <a:endParaRPr lang="de-DE"/>
           </a:p>
@@ -1418,7 +1418,7 @@
           <a:p>
             <a:fld id="{DCC18975-A71B-4189-B470-FED950D0708F}" type="datetimeFigureOut">
               <a:rPr lang="de-DE" smtClean="0"/>
-              <a:t>23.06.2024</a:t>
+              <a:t>24.06.2024</a:t>
             </a:fld>
             <a:endParaRPr lang="de-DE"/>
           </a:p>
@@ -1830,7 +1830,7 @@
           <a:p>
             <a:fld id="{DCC18975-A71B-4189-B470-FED950D0708F}" type="datetimeFigureOut">
               <a:rPr lang="de-DE" smtClean="0"/>
-              <a:t>23.06.2024</a:t>
+              <a:t>24.06.2024</a:t>
             </a:fld>
             <a:endParaRPr lang="de-DE"/>
           </a:p>
@@ -1971,7 +1971,7 @@
           <a:p>
             <a:fld id="{DCC18975-A71B-4189-B470-FED950D0708F}" type="datetimeFigureOut">
               <a:rPr lang="de-DE" smtClean="0"/>
-              <a:t>23.06.2024</a:t>
+              <a:t>24.06.2024</a:t>
             </a:fld>
             <a:endParaRPr lang="de-DE"/>
           </a:p>
@@ -2084,7 +2084,7 @@
           <a:p>
             <a:fld id="{DCC18975-A71B-4189-B470-FED950D0708F}" type="datetimeFigureOut">
               <a:rPr lang="de-DE" smtClean="0"/>
-              <a:t>23.06.2024</a:t>
+              <a:t>24.06.2024</a:t>
             </a:fld>
             <a:endParaRPr lang="de-DE"/>
           </a:p>
@@ -2411,7 +2411,7 @@
           <a:p>
             <a:fld id="{DCC18975-A71B-4189-B470-FED950D0708F}" type="datetimeFigureOut">
               <a:rPr lang="de-DE" smtClean="0"/>
-              <a:t>23.06.2024</a:t>
+              <a:t>24.06.2024</a:t>
             </a:fld>
             <a:endParaRPr lang="de-DE"/>
           </a:p>
@@ -2699,7 +2699,7 @@
           <a:p>
             <a:fld id="{DCC18975-A71B-4189-B470-FED950D0708F}" type="datetimeFigureOut">
               <a:rPr lang="de-DE" smtClean="0"/>
-              <a:t>23.06.2024</a:t>
+              <a:t>24.06.2024</a:t>
             </a:fld>
             <a:endParaRPr lang="de-DE"/>
           </a:p>
@@ -2940,7 +2940,7 @@
           <a:p>
             <a:fld id="{DCC18975-A71B-4189-B470-FED950D0708F}" type="datetimeFigureOut">
               <a:rPr lang="de-DE" smtClean="0"/>
-              <a:t>23.06.2024</a:t>
+              <a:t>24.06.2024</a:t>
             </a:fld>
             <a:endParaRPr lang="de-DE"/>
           </a:p>
@@ -6463,8 +6463,8 @@
           </a:fontRef>
         </p:style>
       </p:cxnSp>
-      <mc:AlternateContent xmlns:mc="http://schemas.openxmlformats.org/markup-compatibility/2006">
-        <mc:Choice xmlns:a14="http://schemas.microsoft.com/office/drawing/2010/main" Requires="a14">
+      <mc:AlternateContent xmlns:mc="http://schemas.openxmlformats.org/markup-compatibility/2006" xmlns:a14="http://schemas.microsoft.com/office/drawing/2010/main">
+        <mc:Choice Requires="a14">
           <p:sp>
             <p:nvSpPr>
               <p:cNvPr id="59" name="Textfeld 58">
@@ -6493,6 +6493,7 @@
               </a:bodyPr>
               <a:lstStyle/>
               <a:p>
+                <a:pPr/>
                 <a14:m>
                   <m:oMathPara xmlns:m="http://schemas.openxmlformats.org/officeDocument/2006/math">
                     <m:oMathParaPr>
@@ -6532,7 +6533,7 @@
             </p:txBody>
           </p:sp>
         </mc:Choice>
-        <mc:Fallback>
+        <mc:Fallback xmlns="">
           <p:sp>
             <p:nvSpPr>
               <p:cNvPr id="59" name="Textfeld 58">
@@ -6577,8 +6578,8 @@
           </p:sp>
         </mc:Fallback>
       </mc:AlternateContent>
-      <mc:AlternateContent xmlns:mc="http://schemas.openxmlformats.org/markup-compatibility/2006">
-        <mc:Choice xmlns:a14="http://schemas.microsoft.com/office/drawing/2010/main" Requires="a14">
+      <mc:AlternateContent xmlns:mc="http://schemas.openxmlformats.org/markup-compatibility/2006" xmlns:a14="http://schemas.microsoft.com/office/drawing/2010/main">
+        <mc:Choice Requires="a14">
           <p:sp>
             <p:nvSpPr>
               <p:cNvPr id="60" name="Textfeld 59">
@@ -6607,6 +6608,7 @@
               </a:bodyPr>
               <a:lstStyle/>
               <a:p>
+                <a:pPr/>
                 <a14:m>
                   <m:oMathPara xmlns:m="http://schemas.openxmlformats.org/officeDocument/2006/math">
                     <m:oMathParaPr>
@@ -6646,7 +6648,7 @@
             </p:txBody>
           </p:sp>
         </mc:Choice>
-        <mc:Fallback>
+        <mc:Fallback xmlns="">
           <p:sp>
             <p:nvSpPr>
               <p:cNvPr id="60" name="Textfeld 59">
@@ -6691,8 +6693,8 @@
           </p:sp>
         </mc:Fallback>
       </mc:AlternateContent>
-      <mc:AlternateContent xmlns:mc="http://schemas.openxmlformats.org/markup-compatibility/2006">
-        <mc:Choice xmlns:a14="http://schemas.microsoft.com/office/drawing/2010/main" Requires="a14">
+      <mc:AlternateContent xmlns:mc="http://schemas.openxmlformats.org/markup-compatibility/2006" xmlns:a14="http://schemas.microsoft.com/office/drawing/2010/main">
+        <mc:Choice Requires="a14">
           <p:sp>
             <p:nvSpPr>
               <p:cNvPr id="61" name="Textfeld 60">
@@ -6721,6 +6723,7 @@
               </a:bodyPr>
               <a:lstStyle/>
               <a:p>
+                <a:pPr/>
                 <a14:m>
                   <m:oMathPara xmlns:m="http://schemas.openxmlformats.org/officeDocument/2006/math">
                     <m:oMathParaPr>
@@ -6760,7 +6763,7 @@
             </p:txBody>
           </p:sp>
         </mc:Choice>
-        <mc:Fallback>
+        <mc:Fallback xmlns="">
           <p:sp>
             <p:nvSpPr>
               <p:cNvPr id="61" name="Textfeld 60">
@@ -6805,8 +6808,8 @@
           </p:sp>
         </mc:Fallback>
       </mc:AlternateContent>
-      <mc:AlternateContent xmlns:mc="http://schemas.openxmlformats.org/markup-compatibility/2006">
-        <mc:Choice xmlns:a14="http://schemas.microsoft.com/office/drawing/2010/main" Requires="a14">
+      <mc:AlternateContent xmlns:mc="http://schemas.openxmlformats.org/markup-compatibility/2006" xmlns:a14="http://schemas.microsoft.com/office/drawing/2010/main">
+        <mc:Choice Requires="a14">
           <p:sp>
             <p:nvSpPr>
               <p:cNvPr id="62" name="Textfeld 61">
@@ -6835,6 +6838,7 @@
               </a:bodyPr>
               <a:lstStyle/>
               <a:p>
+                <a:pPr/>
                 <a14:m>
                   <m:oMathPara xmlns:m="http://schemas.openxmlformats.org/officeDocument/2006/math">
                     <m:oMathParaPr>
@@ -6874,7 +6878,7 @@
             </p:txBody>
           </p:sp>
         </mc:Choice>
-        <mc:Fallback>
+        <mc:Fallback xmlns="">
           <p:sp>
             <p:nvSpPr>
               <p:cNvPr id="62" name="Textfeld 61">
@@ -9325,12 +9329,163 @@
           </a:p>
         </p:txBody>
       </p:sp>
-      <p:sp>
-        <p:nvSpPr>
-          <p:cNvPr id="200" name="Textfeld 199">
-            <a:extLst>
-              <a:ext uri="{FF2B5EF4-FFF2-40B4-BE49-F238E27FC236}">
-                <a16:creationId xmlns:a16="http://schemas.microsoft.com/office/drawing/2014/main" id="{C53FC87A-6C72-EF29-2635-E45E0DAF6338}"/>
+      <mc:AlternateContent xmlns:mc="http://schemas.openxmlformats.org/markup-compatibility/2006">
+        <mc:Choice xmlns:a14="http://schemas.microsoft.com/office/drawing/2010/main" Requires="a14">
+          <p:sp>
+            <p:nvSpPr>
+              <p:cNvPr id="200" name="Textfeld 199">
+                <a:extLst>
+                  <a:ext uri="{FF2B5EF4-FFF2-40B4-BE49-F238E27FC236}">
+                    <a16:creationId xmlns:a16="http://schemas.microsoft.com/office/drawing/2014/main" id="{C53FC87A-6C72-EF29-2635-E45E0DAF6338}"/>
+                  </a:ext>
+                </a:extLst>
+              </p:cNvPr>
+              <p:cNvSpPr txBox="1"/>
+              <p:nvPr/>
+            </p:nvSpPr>
+            <p:spPr>
+              <a:xfrm>
+                <a:off x="2999214" y="1430997"/>
+                <a:ext cx="1069524" cy="461665"/>
+              </a:xfrm>
+              <a:prstGeom prst="rect">
+                <a:avLst/>
+              </a:prstGeom>
+              <a:noFill/>
+            </p:spPr>
+            <p:txBody>
+              <a:bodyPr wrap="none" rtlCol="0">
+                <a:spAutoFit/>
+              </a:bodyPr>
+              <a:lstStyle/>
+              <a:p>
+                <a:r>
+                  <a:rPr lang="de-DE" sz="1200" dirty="0"/>
+                  <a:t>Input Neurons</a:t>
+                </a:r>
+              </a:p>
+              <a:p>
+                <a14:m>
+                  <m:oMathPara xmlns:m="http://schemas.openxmlformats.org/officeDocument/2006/math">
+                    <m:oMathParaPr>
+                      <m:jc m:val="centerGroup"/>
+                    </m:oMathParaPr>
+                    <m:oMath xmlns:m="http://schemas.openxmlformats.org/officeDocument/2006/math">
+                      <m:sSub>
+                        <m:sSubPr>
+                          <m:ctrlPr>
+                            <a:rPr lang="de-DE" sz="1200" b="0" i="1" smtClean="0">
+                              <a:latin typeface="Cambria Math" panose="02040503050406030204" pitchFamily="18" charset="0"/>
+                            </a:rPr>
+                          </m:ctrlPr>
+                        </m:sSubPr>
+                        <m:e>
+                          <m:r>
+                            <a:rPr lang="de-DE" sz="1200" b="0" i="1" smtClean="0">
+                              <a:latin typeface="Cambria Math" panose="02040503050406030204" pitchFamily="18" charset="0"/>
+                            </a:rPr>
+                            <m:t>𝑥</m:t>
+                          </m:r>
+                        </m:e>
+                        <m:sub>
+                          <m:r>
+                            <a:rPr lang="de-DE" sz="1200" b="0" i="1" smtClean="0">
+                              <a:latin typeface="Cambria Math" panose="02040503050406030204" pitchFamily="18" charset="0"/>
+                            </a:rPr>
+                            <m:t>1</m:t>
+                          </m:r>
+                        </m:sub>
+                      </m:sSub>
+                      <m:r>
+                        <a:rPr lang="de-DE" sz="1200" b="0" i="1" smtClean="0">
+                          <a:latin typeface="Cambria Math" panose="02040503050406030204" pitchFamily="18" charset="0"/>
+                        </a:rPr>
+                        <m:t>,…,</m:t>
+                      </m:r>
+                      <m:sSub>
+                        <m:sSubPr>
+                          <m:ctrlPr>
+                            <a:rPr lang="de-DE" sz="1200" b="0" i="1" smtClean="0">
+                              <a:latin typeface="Cambria Math" panose="02040503050406030204" pitchFamily="18" charset="0"/>
+                            </a:rPr>
+                          </m:ctrlPr>
+                        </m:sSubPr>
+                        <m:e>
+                          <m:r>
+                            <a:rPr lang="de-DE" sz="1200" b="0" i="1" smtClean="0">
+                              <a:latin typeface="Cambria Math" panose="02040503050406030204" pitchFamily="18" charset="0"/>
+                            </a:rPr>
+                            <m:t>𝑥</m:t>
+                          </m:r>
+                        </m:e>
+                        <m:sub>
+                          <m:r>
+                            <a:rPr lang="de-DE" sz="1200" b="0" i="1" smtClean="0">
+                              <a:latin typeface="Cambria Math" panose="02040503050406030204" pitchFamily="18" charset="0"/>
+                            </a:rPr>
+                            <m:t>𝑛</m:t>
+                          </m:r>
+                        </m:sub>
+                      </m:sSub>
+                    </m:oMath>
+                  </m:oMathPara>
+                </a14:m>
+                <a:endParaRPr lang="de-DE" sz="1200" b="0" dirty="0"/>
+              </a:p>
+            </p:txBody>
+          </p:sp>
+        </mc:Choice>
+        <mc:Fallback>
+          <p:sp>
+            <p:nvSpPr>
+              <p:cNvPr id="200" name="Textfeld 199">
+                <a:extLst>
+                  <a:ext uri="{FF2B5EF4-FFF2-40B4-BE49-F238E27FC236}">
+                    <a16:creationId xmlns:a16="http://schemas.microsoft.com/office/drawing/2014/main" id="{C53FC87A-6C72-EF29-2635-E45E0DAF6338}"/>
+                  </a:ext>
+                </a:extLst>
+              </p:cNvPr>
+              <p:cNvSpPr txBox="1">
+                <a:spLocks noRot="1" noChangeAspect="1" noMove="1" noResize="1" noEditPoints="1" noAdjustHandles="1" noChangeArrowheads="1" noChangeShapeType="1" noTextEdit="1"/>
+              </p:cNvSpPr>
+              <p:nvPr/>
+            </p:nvSpPr>
+            <p:spPr>
+              <a:xfrm>
+                <a:off x="2999214" y="1430997"/>
+                <a:ext cx="1069524" cy="461665"/>
+              </a:xfrm>
+              <a:prstGeom prst="rect">
+                <a:avLst/>
+              </a:prstGeom>
+              <a:blipFill>
+                <a:blip r:embed="rId2"/>
+                <a:stretch>
+                  <a:fillRect l="-571" t="-1333"/>
+                </a:stretch>
+              </a:blipFill>
+            </p:spPr>
+            <p:txBody>
+              <a:bodyPr/>
+              <a:lstStyle/>
+              <a:p>
+                <a:r>
+                  <a:rPr lang="de-DE">
+                    <a:noFill/>
+                  </a:rPr>
+                  <a:t> </a:t>
+                </a:r>
+              </a:p>
+            </p:txBody>
+          </p:sp>
+        </mc:Fallback>
+      </mc:AlternateContent>
+      <p:sp>
+        <p:nvSpPr>
+          <p:cNvPr id="201" name="Textfeld 200">
+            <a:extLst>
+              <a:ext uri="{FF2B5EF4-FFF2-40B4-BE49-F238E27FC236}">
+                <a16:creationId xmlns:a16="http://schemas.microsoft.com/office/drawing/2014/main" id="{B51FA62E-960A-36BB-0C6D-28B5CA01C20B}"/>
               </a:ext>
             </a:extLst>
           </p:cNvPr>
@@ -9339,8 +9494,8 @@
         </p:nvSpPr>
         <p:spPr>
           <a:xfrm>
-            <a:off x="2902151" y="1330959"/>
-            <a:ext cx="1217000" cy="307777"/>
+            <a:off x="4169357" y="1426515"/>
+            <a:ext cx="1037463" cy="276999"/>
           </a:xfrm>
           <a:prstGeom prst="rect">
             <a:avLst/>
@@ -9353,83 +9508,165 @@
           </a:bodyPr>
           <a:lstStyle/>
           <a:p>
+            <a:pPr algn="ctr"/>
             <a:r>
-              <a:rPr lang="de-DE" sz="1400" dirty="0"/>
-              <a:t>Input Neurons</a:t>
-            </a:r>
-          </a:p>
-        </p:txBody>
-      </p:sp>
-      <p:sp>
-        <p:nvSpPr>
-          <p:cNvPr id="201" name="Textfeld 200">
-            <a:extLst>
-              <a:ext uri="{FF2B5EF4-FFF2-40B4-BE49-F238E27FC236}">
-                <a16:creationId xmlns:a16="http://schemas.microsoft.com/office/drawing/2014/main" id="{B51FA62E-960A-36BB-0C6D-28B5CA01C20B}"/>
-              </a:ext>
-            </a:extLst>
-          </p:cNvPr>
-          <p:cNvSpPr txBox="1"/>
-          <p:nvPr/>
-        </p:nvSpPr>
-        <p:spPr>
-          <a:xfrm>
-            <a:off x="4099626" y="1332408"/>
-            <a:ext cx="1176925" cy="307777"/>
-          </a:xfrm>
-          <a:prstGeom prst="rect">
-            <a:avLst/>
-          </a:prstGeom>
-          <a:noFill/>
-        </p:spPr>
-        <p:txBody>
-          <a:bodyPr wrap="none" rtlCol="0">
-            <a:spAutoFit/>
-          </a:bodyPr>
-          <a:lstStyle/>
-          <a:p>
-            <a:r>
-              <a:rPr lang="de-DE" sz="1400" dirty="0"/>
+              <a:rPr lang="de-DE" sz="1200" dirty="0"/>
               <a:t>Hidden Layer</a:t>
             </a:r>
           </a:p>
         </p:txBody>
       </p:sp>
-      <p:sp>
-        <p:nvSpPr>
-          <p:cNvPr id="202" name="Textfeld 201">
-            <a:extLst>
-              <a:ext uri="{FF2B5EF4-FFF2-40B4-BE49-F238E27FC236}">
-                <a16:creationId xmlns:a16="http://schemas.microsoft.com/office/drawing/2014/main" id="{AE7CA062-7E05-716C-C251-6D680E733894}"/>
-              </a:ext>
-            </a:extLst>
-          </p:cNvPr>
-          <p:cNvSpPr txBox="1"/>
-          <p:nvPr/>
-        </p:nvSpPr>
-        <p:spPr>
-          <a:xfrm>
-            <a:off x="5313288" y="1330959"/>
-            <a:ext cx="1337226" cy="307777"/>
-          </a:xfrm>
-          <a:prstGeom prst="rect">
-            <a:avLst/>
-          </a:prstGeom>
-          <a:noFill/>
-        </p:spPr>
-        <p:txBody>
-          <a:bodyPr wrap="none" rtlCol="0">
-            <a:spAutoFit/>
-          </a:bodyPr>
-          <a:lstStyle/>
-          <a:p>
-            <a:r>
-              <a:rPr lang="de-DE" sz="1400" dirty="0"/>
-              <a:t>Output Neurons</a:t>
-            </a:r>
-          </a:p>
-        </p:txBody>
-      </p:sp>
+      <mc:AlternateContent xmlns:mc="http://schemas.openxmlformats.org/markup-compatibility/2006">
+        <mc:Choice xmlns:a14="http://schemas.microsoft.com/office/drawing/2010/main" Requires="a14">
+          <p:sp>
+            <p:nvSpPr>
+              <p:cNvPr id="202" name="Textfeld 201">
+                <a:extLst>
+                  <a:ext uri="{FF2B5EF4-FFF2-40B4-BE49-F238E27FC236}">
+                    <a16:creationId xmlns:a16="http://schemas.microsoft.com/office/drawing/2014/main" id="{AE7CA062-7E05-716C-C251-6D680E733894}"/>
+                  </a:ext>
+                </a:extLst>
+              </p:cNvPr>
+              <p:cNvSpPr txBox="1"/>
+              <p:nvPr/>
+            </p:nvSpPr>
+            <p:spPr>
+              <a:xfrm>
+                <a:off x="5395843" y="1430998"/>
+                <a:ext cx="1172116" cy="461665"/>
+              </a:xfrm>
+              <a:prstGeom prst="rect">
+                <a:avLst/>
+              </a:prstGeom>
+              <a:noFill/>
+            </p:spPr>
+            <p:txBody>
+              <a:bodyPr wrap="none" rtlCol="0">
+                <a:spAutoFit/>
+              </a:bodyPr>
+              <a:lstStyle/>
+              <a:p>
+                <a:r>
+                  <a:rPr lang="de-DE" sz="1200" dirty="0"/>
+                  <a:t>Output Neurons</a:t>
+                </a:r>
+              </a:p>
+              <a:p>
+                <a14:m>
+                  <m:oMathPara xmlns:m="http://schemas.openxmlformats.org/officeDocument/2006/math">
+                    <m:oMathParaPr>
+                      <m:jc m:val="centerGroup"/>
+                    </m:oMathParaPr>
+                    <m:oMath xmlns:m="http://schemas.openxmlformats.org/officeDocument/2006/math">
+                      <m:sSub>
+                        <m:sSubPr>
+                          <m:ctrlPr>
+                            <a:rPr lang="de-DE" sz="1200" b="0" i="1" smtClean="0">
+                              <a:latin typeface="Cambria Math" panose="02040503050406030204" pitchFamily="18" charset="0"/>
+                            </a:rPr>
+                          </m:ctrlPr>
+                        </m:sSubPr>
+                        <m:e>
+                          <m:r>
+                            <a:rPr lang="de-DE" sz="1200" b="0" i="1" smtClean="0">
+                              <a:latin typeface="Cambria Math" panose="02040503050406030204" pitchFamily="18" charset="0"/>
+                            </a:rPr>
+                            <m:t>𝑦</m:t>
+                          </m:r>
+                        </m:e>
+                        <m:sub>
+                          <m:r>
+                            <a:rPr lang="de-DE" sz="1200" b="0" i="1" smtClean="0">
+                              <a:latin typeface="Cambria Math" panose="02040503050406030204" pitchFamily="18" charset="0"/>
+                            </a:rPr>
+                            <m:t>1</m:t>
+                          </m:r>
+                        </m:sub>
+                      </m:sSub>
+                      <m:r>
+                        <a:rPr lang="de-DE" sz="1200" b="0" i="1" smtClean="0">
+                          <a:latin typeface="Cambria Math" panose="02040503050406030204" pitchFamily="18" charset="0"/>
+                        </a:rPr>
+                        <m:t>,…,</m:t>
+                      </m:r>
+                      <m:sSub>
+                        <m:sSubPr>
+                          <m:ctrlPr>
+                            <a:rPr lang="de-DE" sz="1200" b="0" i="1" smtClean="0">
+                              <a:latin typeface="Cambria Math" panose="02040503050406030204" pitchFamily="18" charset="0"/>
+                            </a:rPr>
+                          </m:ctrlPr>
+                        </m:sSubPr>
+                        <m:e>
+                          <m:r>
+                            <a:rPr lang="de-DE" sz="1200" b="0" i="1" smtClean="0">
+                              <a:latin typeface="Cambria Math" panose="02040503050406030204" pitchFamily="18" charset="0"/>
+                            </a:rPr>
+                            <m:t>𝑦</m:t>
+                          </m:r>
+                        </m:e>
+                        <m:sub>
+                          <m:r>
+                            <a:rPr lang="de-DE" sz="1200" b="0" i="1" smtClean="0">
+                              <a:latin typeface="Cambria Math" panose="02040503050406030204" pitchFamily="18" charset="0"/>
+                            </a:rPr>
+                            <m:t>𝑘</m:t>
+                          </m:r>
+                        </m:sub>
+                      </m:sSub>
+                    </m:oMath>
+                  </m:oMathPara>
+                </a14:m>
+                <a:endParaRPr lang="de-DE" sz="1200" b="0" dirty="0"/>
+              </a:p>
+            </p:txBody>
+          </p:sp>
+        </mc:Choice>
+        <mc:Fallback>
+          <p:sp>
+            <p:nvSpPr>
+              <p:cNvPr id="202" name="Textfeld 201">
+                <a:extLst>
+                  <a:ext uri="{FF2B5EF4-FFF2-40B4-BE49-F238E27FC236}">
+                    <a16:creationId xmlns:a16="http://schemas.microsoft.com/office/drawing/2014/main" id="{AE7CA062-7E05-716C-C251-6D680E733894}"/>
+                  </a:ext>
+                </a:extLst>
+              </p:cNvPr>
+              <p:cNvSpPr txBox="1">
+                <a:spLocks noRot="1" noChangeAspect="1" noMove="1" noResize="1" noEditPoints="1" noAdjustHandles="1" noChangeArrowheads="1" noChangeShapeType="1" noTextEdit="1"/>
+              </p:cNvSpPr>
+              <p:nvPr/>
+            </p:nvSpPr>
+            <p:spPr>
+              <a:xfrm>
+                <a:off x="5395843" y="1430998"/>
+                <a:ext cx="1172116" cy="461665"/>
+              </a:xfrm>
+              <a:prstGeom prst="rect">
+                <a:avLst/>
+              </a:prstGeom>
+              <a:blipFill>
+                <a:blip r:embed="rId3"/>
+                <a:stretch>
+                  <a:fillRect t="-1333" r="-521"/>
+                </a:stretch>
+              </a:blipFill>
+            </p:spPr>
+            <p:txBody>
+              <a:bodyPr/>
+              <a:lstStyle/>
+              <a:p>
+                <a:r>
+                  <a:rPr lang="de-DE">
+                    <a:noFill/>
+                  </a:rPr>
+                  <a:t> </a:t>
+                </a:r>
+              </a:p>
+            </p:txBody>
+          </p:sp>
+        </mc:Fallback>
+      </mc:AlternateContent>
       <p:cxnSp>
         <p:nvCxnSpPr>
           <p:cNvPr id="203" name="Gerader Verbinder 202">
@@ -9442,14 +9679,13 @@
           <p:cNvCxnSpPr>
             <a:cxnSpLocks/>
             <a:stCxn id="210" idx="6"/>
-            <a:endCxn id="234" idx="3"/>
           </p:cNvCxnSpPr>
           <p:nvPr/>
         </p:nvCxnSpPr>
         <p:spPr>
-          <a:xfrm>
-            <a:off x="8959850" y="2717506"/>
-            <a:ext cx="781050" cy="139760"/>
+          <a:xfrm flipV="1">
+            <a:off x="9090025" y="2401004"/>
+            <a:ext cx="803276" cy="584059"/>
           </a:xfrm>
           <a:prstGeom prst="line">
             <a:avLst/>
@@ -9495,8 +9731,8 @@
         </p:nvCxnSpPr>
         <p:spPr>
           <a:xfrm>
-            <a:off x="8959850" y="2717506"/>
-            <a:ext cx="781050" cy="763363"/>
+            <a:off x="9090025" y="2985063"/>
+            <a:ext cx="803276" cy="596826"/>
           </a:xfrm>
           <a:prstGeom prst="line">
             <a:avLst/>
@@ -9536,15 +9772,15 @@
           </p:cNvPr>
           <p:cNvCxnSpPr>
             <a:cxnSpLocks/>
-            <a:stCxn id="234" idx="1"/>
+            <a:stCxn id="26" idx="6"/>
             <a:endCxn id="210" idx="2"/>
           </p:cNvCxnSpPr>
           <p:nvPr/>
         </p:nvCxnSpPr>
         <p:spPr>
-          <a:xfrm flipV="1">
-            <a:off x="6999388" y="2717506"/>
-            <a:ext cx="736700" cy="139760"/>
+          <a:xfrm>
+            <a:off x="7300642" y="2843834"/>
+            <a:ext cx="565621" cy="141229"/>
           </a:xfrm>
           <a:prstGeom prst="line">
             <a:avLst/>
@@ -9584,14 +9820,15 @@
           </p:cNvPr>
           <p:cNvCxnSpPr>
             <a:cxnSpLocks/>
+            <a:stCxn id="27" idx="6"/>
             <a:endCxn id="210" idx="2"/>
           </p:cNvCxnSpPr>
           <p:nvPr/>
         </p:nvCxnSpPr>
         <p:spPr>
           <a:xfrm flipV="1">
-            <a:off x="6999388" y="2717506"/>
-            <a:ext cx="736700" cy="415048"/>
+            <a:off x="7298629" y="2985063"/>
+            <a:ext cx="567634" cy="198730"/>
           </a:xfrm>
           <a:prstGeom prst="line">
             <a:avLst/>
@@ -9631,14 +9868,15 @@
           </p:cNvPr>
           <p:cNvCxnSpPr>
             <a:cxnSpLocks/>
+            <a:stCxn id="25" idx="6"/>
             <a:endCxn id="210" idx="2"/>
           </p:cNvCxnSpPr>
           <p:nvPr/>
         </p:nvCxnSpPr>
         <p:spPr>
-          <a:xfrm flipV="1">
-            <a:off x="6999388" y="2717506"/>
-            <a:ext cx="736700" cy="676108"/>
+          <a:xfrm>
+            <a:off x="7299134" y="2505805"/>
+            <a:ext cx="567129" cy="479258"/>
           </a:xfrm>
           <a:prstGeom prst="line">
             <a:avLst/>
@@ -9678,13 +9916,15 @@
           </p:cNvPr>
           <p:cNvCxnSpPr>
             <a:cxnSpLocks/>
+            <a:stCxn id="28" idx="6"/>
+            <a:endCxn id="210" idx="2"/>
           </p:cNvCxnSpPr>
           <p:nvPr/>
         </p:nvCxnSpPr>
         <p:spPr>
           <a:xfrm flipV="1">
-            <a:off x="6999388" y="2726291"/>
-            <a:ext cx="746225" cy="947158"/>
+            <a:off x="7300316" y="2985063"/>
+            <a:ext cx="565947" cy="530116"/>
           </a:xfrm>
           <a:prstGeom prst="line">
             <a:avLst/>
@@ -9725,13 +9965,14 @@
           <p:cNvCxnSpPr>
             <a:cxnSpLocks/>
             <a:stCxn id="210" idx="6"/>
+            <a:endCxn id="234" idx="3"/>
           </p:cNvCxnSpPr>
           <p:nvPr/>
         </p:nvCxnSpPr>
         <p:spPr>
           <a:xfrm>
-            <a:off x="8959850" y="2717506"/>
-            <a:ext cx="781050" cy="400820"/>
+            <a:off x="9090025" y="2985063"/>
+            <a:ext cx="803276" cy="3179"/>
           </a:xfrm>
           <a:prstGeom prst="line">
             <a:avLst/>
@@ -9776,7 +10017,7 @@
         </p:nvSpPr>
         <p:spPr>
           <a:xfrm>
-            <a:off x="7736088" y="2105625"/>
+            <a:off x="7866263" y="2373182"/>
             <a:ext cx="1223762" cy="1223762"/>
           </a:xfrm>
           <a:prstGeom prst="ellipse">
@@ -9798,62 +10039,6 @@
           <a:lnRef idx="2">
             <a:schemeClr val="accent1">
               <a:shade val="50000"/>
-            </a:schemeClr>
-          </a:lnRef>
-          <a:fillRef idx="1">
-            <a:schemeClr val="accent1"/>
-          </a:fillRef>
-          <a:effectRef idx="0">
-            <a:schemeClr val="accent1"/>
-          </a:effectRef>
-          <a:fontRef idx="minor">
-            <a:schemeClr val="lt1"/>
-          </a:fontRef>
-        </p:style>
-        <p:txBody>
-          <a:bodyPr rtlCol="0" anchor="ctr"/>
-          <a:lstStyle/>
-          <a:p>
-            <a:pPr algn="ctr"/>
-            <a:endParaRPr lang="de-DE"/>
-          </a:p>
-        </p:txBody>
-      </p:sp>
-      <p:sp>
-        <p:nvSpPr>
-          <p:cNvPr id="234" name="Rechteck 233">
-            <a:extLst>
-              <a:ext uri="{FF2B5EF4-FFF2-40B4-BE49-F238E27FC236}">
-                <a16:creationId xmlns:a16="http://schemas.microsoft.com/office/drawing/2014/main" id="{B1F3834E-AE79-ACD2-893F-0F17D4289A54}"/>
-              </a:ext>
-            </a:extLst>
-          </p:cNvPr>
-          <p:cNvSpPr/>
-          <p:nvPr/>
-        </p:nvSpPr>
-        <p:spPr>
-          <a:xfrm>
-            <a:off x="6999388" y="2004778"/>
-            <a:ext cx="2741512" cy="1704975"/>
-          </a:xfrm>
-          <a:prstGeom prst="rect">
-            <a:avLst/>
-          </a:prstGeom>
-          <a:noFill/>
-          <a:ln w="12700">
-            <a:solidFill>
-              <a:schemeClr val="tx1">
-                <a:lumMod val="65000"/>
-                <a:lumOff val="35000"/>
-              </a:schemeClr>
-            </a:solidFill>
-            <a:prstDash val="dash"/>
-          </a:ln>
-        </p:spPr>
-        <p:style>
-          <a:lnRef idx="2">
-            <a:schemeClr val="accent1">
-              <a:shade val="15000"/>
             </a:schemeClr>
           </a:lnRef>
           <a:fillRef idx="1">
@@ -9891,7 +10076,7 @@
             </p:nvSpPr>
             <p:spPr>
               <a:xfrm>
-                <a:off x="7637020" y="2505670"/>
+                <a:off x="7771958" y="2738828"/>
                 <a:ext cx="1412373" cy="369332"/>
               </a:xfrm>
               <a:prstGeom prst="rect">
@@ -9905,6 +10090,7 @@
               </a:bodyPr>
               <a:lstStyle/>
               <a:p>
+                <a:pPr/>
                 <a14:m>
                   <m:oMathPara xmlns:m="http://schemas.openxmlformats.org/officeDocument/2006/math">
                     <m:oMathParaPr>
@@ -9999,14 +10185,14 @@
             </p:nvSpPr>
             <p:spPr>
               <a:xfrm>
-                <a:off x="7637020" y="2505670"/>
+                <a:off x="7771958" y="2738828"/>
                 <a:ext cx="1412373" cy="369332"/>
               </a:xfrm>
               <a:prstGeom prst="rect">
                 <a:avLst/>
               </a:prstGeom>
               <a:blipFill>
-                <a:blip r:embed="rId2"/>
+                <a:blip r:embed="rId4"/>
                 <a:stretch>
                   <a:fillRect b="-14754"/>
                 </a:stretch>
@@ -10042,9 +10228,9 @@
               <p:nvPr/>
             </p:nvSpPr>
             <p:spPr>
-              <a:xfrm rot="20971645">
-                <a:off x="6972334" y="2635831"/>
-                <a:ext cx="485325" cy="220958"/>
+              <a:xfrm>
+                <a:off x="7268768" y="2383659"/>
+                <a:ext cx="363946" cy="246221"/>
               </a:xfrm>
               <a:prstGeom prst="rect">
                 <a:avLst/>
@@ -10057,6 +10243,7 @@
               </a:bodyPr>
               <a:lstStyle/>
               <a:p>
+                <a:pPr/>
                 <a14:m>
                   <m:oMathPara xmlns:m="http://schemas.openxmlformats.org/officeDocument/2006/math">
                     <m:oMathParaPr>
@@ -10066,14 +10253,14 @@
                       <m:sSub>
                         <m:sSubPr>
                           <m:ctrlPr>
-                            <a:rPr lang="de-DE" sz="800" b="0" i="1" smtClean="0">
+                            <a:rPr lang="de-DE" sz="1000" b="0" i="1" smtClean="0">
                               <a:latin typeface="Cambria Math" panose="02040503050406030204" pitchFamily="18" charset="0"/>
                             </a:rPr>
                           </m:ctrlPr>
                         </m:sSubPr>
                         <m:e>
                           <m:r>
-                            <a:rPr lang="de-DE" sz="800" b="0" i="1" smtClean="0">
+                            <a:rPr lang="de-DE" sz="1000" b="0" i="1" smtClean="0">
                               <a:latin typeface="Cambria Math" panose="02040503050406030204" pitchFamily="18" charset="0"/>
                             </a:rPr>
                             <m:t>𝑤</m:t>
@@ -10081,32 +10268,7 @@
                         </m:e>
                         <m:sub>
                           <m:r>
-                            <a:rPr lang="de-DE" sz="800" b="0" i="1" smtClean="0">
-                              <a:latin typeface="Cambria Math" panose="02040503050406030204" pitchFamily="18" charset="0"/>
-                            </a:rPr>
-                            <m:t>1,1</m:t>
-                          </m:r>
-                        </m:sub>
-                      </m:sSub>
-                      <m:sSub>
-                        <m:sSubPr>
-                          <m:ctrlPr>
-                            <a:rPr lang="de-DE" sz="800" b="0" i="1" smtClean="0">
-                              <a:latin typeface="Cambria Math" panose="02040503050406030204" pitchFamily="18" charset="0"/>
-                            </a:rPr>
-                          </m:ctrlPr>
-                        </m:sSubPr>
-                        <m:e>
-                          <m:r>
-                            <a:rPr lang="de-DE" sz="800" b="0" i="1" smtClean="0">
-                              <a:latin typeface="Cambria Math" panose="02040503050406030204" pitchFamily="18" charset="0"/>
-                            </a:rPr>
-                            <m:t>𝑥</m:t>
-                          </m:r>
-                        </m:e>
-                        <m:sub>
-                          <m:r>
-                            <a:rPr lang="de-DE" sz="800" b="0" i="1" smtClean="0">
+                            <a:rPr lang="de-DE" sz="1000" b="0" i="1" smtClean="0">
                               <a:latin typeface="Cambria Math" panose="02040503050406030204" pitchFamily="18" charset="0"/>
                             </a:rPr>
                             <m:t>1</m:t>
@@ -10137,15 +10299,15 @@
               <p:nvPr/>
             </p:nvSpPr>
             <p:spPr>
-              <a:xfrm rot="20971645">
-                <a:off x="6972334" y="2635831"/>
-                <a:ext cx="485325" cy="220958"/>
+              <a:xfrm>
+                <a:off x="7268768" y="2383659"/>
+                <a:ext cx="363946" cy="246221"/>
               </a:xfrm>
               <a:prstGeom prst="rect">
                 <a:avLst/>
               </a:prstGeom>
               <a:blipFill>
-                <a:blip r:embed="rId3"/>
+                <a:blip r:embed="rId5"/>
                 <a:stretch>
                   <a:fillRect/>
                 </a:stretch>
@@ -10181,9 +10343,9 @@
               <p:nvPr/>
             </p:nvSpPr>
             <p:spPr>
-              <a:xfrm rot="19971221">
-                <a:off x="6974914" y="2814552"/>
-                <a:ext cx="487698" cy="220958"/>
+              <a:xfrm>
+                <a:off x="7268768" y="2675404"/>
+                <a:ext cx="366895" cy="246221"/>
               </a:xfrm>
               <a:prstGeom prst="rect">
                 <a:avLst/>
@@ -10196,6 +10358,7 @@
               </a:bodyPr>
               <a:lstStyle/>
               <a:p>
+                <a:pPr/>
                 <a14:m>
                   <m:oMathPara xmlns:m="http://schemas.openxmlformats.org/officeDocument/2006/math">
                     <m:oMathParaPr>
@@ -10205,14 +10368,14 @@
                       <m:sSub>
                         <m:sSubPr>
                           <m:ctrlPr>
-                            <a:rPr lang="de-DE" sz="800" b="0" i="1" smtClean="0">
+                            <a:rPr lang="de-DE" sz="1000" b="0" i="1" smtClean="0">
                               <a:latin typeface="Cambria Math" panose="02040503050406030204" pitchFamily="18" charset="0"/>
                             </a:rPr>
                           </m:ctrlPr>
                         </m:sSubPr>
                         <m:e>
                           <m:r>
-                            <a:rPr lang="de-DE" sz="800" b="0" i="1" smtClean="0">
+                            <a:rPr lang="de-DE" sz="1000" b="0" i="1" smtClean="0">
                               <a:latin typeface="Cambria Math" panose="02040503050406030204" pitchFamily="18" charset="0"/>
                             </a:rPr>
                             <m:t>𝑤</m:t>
@@ -10220,32 +10383,7 @@
                         </m:e>
                         <m:sub>
                           <m:r>
-                            <a:rPr lang="de-DE" sz="800" b="0" i="1" smtClean="0">
-                              <a:latin typeface="Cambria Math" panose="02040503050406030204" pitchFamily="18" charset="0"/>
-                            </a:rPr>
-                            <m:t>1,2</m:t>
-                          </m:r>
-                        </m:sub>
-                      </m:sSub>
-                      <m:sSub>
-                        <m:sSubPr>
-                          <m:ctrlPr>
-                            <a:rPr lang="de-DE" sz="800" b="0" i="1" smtClean="0">
-                              <a:latin typeface="Cambria Math" panose="02040503050406030204" pitchFamily="18" charset="0"/>
-                            </a:rPr>
-                          </m:ctrlPr>
-                        </m:sSubPr>
-                        <m:e>
-                          <m:r>
-                            <a:rPr lang="de-DE" sz="800" b="0" i="1" smtClean="0">
-                              <a:latin typeface="Cambria Math" panose="02040503050406030204" pitchFamily="18" charset="0"/>
-                            </a:rPr>
-                            <m:t>𝑥</m:t>
-                          </m:r>
-                        </m:e>
-                        <m:sub>
-                          <m:r>
-                            <a:rPr lang="de-DE" sz="800" b="0" i="1" smtClean="0">
+                            <a:rPr lang="de-DE" sz="1000" b="0" i="1" smtClean="0">
                               <a:latin typeface="Cambria Math" panose="02040503050406030204" pitchFamily="18" charset="0"/>
                             </a:rPr>
                             <m:t>2</m:t>
@@ -10276,15 +10414,15 @@
               <p:nvPr/>
             </p:nvSpPr>
             <p:spPr>
-              <a:xfrm rot="19971221">
-                <a:off x="6974914" y="2814552"/>
-                <a:ext cx="487698" cy="220958"/>
+              <a:xfrm>
+                <a:off x="7268768" y="2675404"/>
+                <a:ext cx="366895" cy="246221"/>
               </a:xfrm>
               <a:prstGeom prst="rect">
                 <a:avLst/>
               </a:prstGeom>
               <a:blipFill>
-                <a:blip r:embed="rId4"/>
+                <a:blip r:embed="rId6"/>
                 <a:stretch>
                   <a:fillRect/>
                 </a:stretch>
@@ -10320,9 +10458,9 @@
               <p:nvPr/>
             </p:nvSpPr>
             <p:spPr>
-              <a:xfrm rot="19213454">
-                <a:off x="6964783" y="2995600"/>
-                <a:ext cx="487698" cy="220958"/>
+              <a:xfrm>
+                <a:off x="7280440" y="3057500"/>
+                <a:ext cx="366895" cy="246221"/>
               </a:xfrm>
               <a:prstGeom prst="rect">
                 <a:avLst/>
@@ -10335,6 +10473,7 @@
               </a:bodyPr>
               <a:lstStyle/>
               <a:p>
+                <a:pPr/>
                 <a14:m>
                   <m:oMathPara xmlns:m="http://schemas.openxmlformats.org/officeDocument/2006/math">
                     <m:oMathParaPr>
@@ -10344,14 +10483,14 @@
                       <m:sSub>
                         <m:sSubPr>
                           <m:ctrlPr>
-                            <a:rPr lang="de-DE" sz="800" b="0" i="1" smtClean="0">
+                            <a:rPr lang="de-DE" sz="1000" b="0" i="1" smtClean="0">
                               <a:latin typeface="Cambria Math" panose="02040503050406030204" pitchFamily="18" charset="0"/>
                             </a:rPr>
                           </m:ctrlPr>
                         </m:sSubPr>
                         <m:e>
                           <m:r>
-                            <a:rPr lang="de-DE" sz="800" b="0" i="1" smtClean="0">
+                            <a:rPr lang="de-DE" sz="1000" b="0" i="1" smtClean="0">
                               <a:latin typeface="Cambria Math" panose="02040503050406030204" pitchFamily="18" charset="0"/>
                             </a:rPr>
                             <m:t>𝑤</m:t>
@@ -10359,32 +10498,7 @@
                         </m:e>
                         <m:sub>
                           <m:r>
-                            <a:rPr lang="de-DE" sz="800" b="0" i="1" smtClean="0">
-                              <a:latin typeface="Cambria Math" panose="02040503050406030204" pitchFamily="18" charset="0"/>
-                            </a:rPr>
-                            <m:t>1,3</m:t>
-                          </m:r>
-                        </m:sub>
-                      </m:sSub>
-                      <m:sSub>
-                        <m:sSubPr>
-                          <m:ctrlPr>
-                            <a:rPr lang="de-DE" sz="800" b="0" i="1" smtClean="0">
-                              <a:latin typeface="Cambria Math" panose="02040503050406030204" pitchFamily="18" charset="0"/>
-                            </a:rPr>
-                          </m:ctrlPr>
-                        </m:sSubPr>
-                        <m:e>
-                          <m:r>
-                            <a:rPr lang="de-DE" sz="800" b="0" i="1" smtClean="0">
-                              <a:latin typeface="Cambria Math" panose="02040503050406030204" pitchFamily="18" charset="0"/>
-                            </a:rPr>
-                            <m:t>𝑥</m:t>
-                          </m:r>
-                        </m:e>
-                        <m:sub>
-                          <m:r>
-                            <a:rPr lang="de-DE" sz="800" b="0" i="1" smtClean="0">
+                            <a:rPr lang="de-DE" sz="1000" b="0" i="1" smtClean="0">
                               <a:latin typeface="Cambria Math" panose="02040503050406030204" pitchFamily="18" charset="0"/>
                             </a:rPr>
                             <m:t>3</m:t>
@@ -10415,15 +10529,15 @@
               <p:nvPr/>
             </p:nvSpPr>
             <p:spPr>
-              <a:xfrm rot="19213454">
-                <a:off x="6964783" y="2995600"/>
-                <a:ext cx="487698" cy="220958"/>
+              <a:xfrm>
+                <a:off x="7280440" y="3057500"/>
+                <a:ext cx="366895" cy="246221"/>
               </a:xfrm>
               <a:prstGeom prst="rect">
                 <a:avLst/>
               </a:prstGeom>
               <a:blipFill>
-                <a:blip r:embed="rId5"/>
+                <a:blip r:embed="rId7"/>
                 <a:stretch>
                   <a:fillRect/>
                 </a:stretch>
@@ -10459,9 +10573,9 @@
               <p:nvPr/>
             </p:nvSpPr>
             <p:spPr>
-              <a:xfrm rot="18750718">
-                <a:off x="6974914" y="3166853"/>
-                <a:ext cx="487698" cy="220958"/>
+              <a:xfrm>
+                <a:off x="7278271" y="3342498"/>
+                <a:ext cx="362984" cy="246221"/>
               </a:xfrm>
               <a:prstGeom prst="rect">
                 <a:avLst/>
@@ -10474,6 +10588,7 @@
               </a:bodyPr>
               <a:lstStyle/>
               <a:p>
+                <a:pPr/>
                 <a14:m>
                   <m:oMathPara xmlns:m="http://schemas.openxmlformats.org/officeDocument/2006/math">
                     <m:oMathParaPr>
@@ -10483,14 +10598,14 @@
                       <m:sSub>
                         <m:sSubPr>
                           <m:ctrlPr>
-                            <a:rPr lang="de-DE" sz="800" b="0" i="1" smtClean="0">
+                            <a:rPr lang="de-DE" sz="1000" b="0" i="1" smtClean="0">
                               <a:latin typeface="Cambria Math" panose="02040503050406030204" pitchFamily="18" charset="0"/>
                             </a:rPr>
                           </m:ctrlPr>
                         </m:sSubPr>
                         <m:e>
                           <m:r>
-                            <a:rPr lang="de-DE" sz="800" b="0" i="1" smtClean="0">
+                            <a:rPr lang="de-DE" sz="1000" b="0" i="1" smtClean="0">
                               <a:latin typeface="Cambria Math" panose="02040503050406030204" pitchFamily="18" charset="0"/>
                             </a:rPr>
                             <m:t>𝑤</m:t>
@@ -10498,32 +10613,7 @@
                         </m:e>
                         <m:sub>
                           <m:r>
-                            <a:rPr lang="de-DE" sz="800" b="0" i="1" smtClean="0">
-                              <a:latin typeface="Cambria Math" panose="02040503050406030204" pitchFamily="18" charset="0"/>
-                            </a:rPr>
-                            <m:t>1,4</m:t>
-                          </m:r>
-                        </m:sub>
-                      </m:sSub>
-                      <m:sSub>
-                        <m:sSubPr>
-                          <m:ctrlPr>
-                            <a:rPr lang="de-DE" sz="800" b="0" i="1" smtClean="0">
-                              <a:latin typeface="Cambria Math" panose="02040503050406030204" pitchFamily="18" charset="0"/>
-                            </a:rPr>
-                          </m:ctrlPr>
-                        </m:sSubPr>
-                        <m:e>
-                          <m:r>
-                            <a:rPr lang="de-DE" sz="800" b="0" i="1" smtClean="0">
-                              <a:latin typeface="Cambria Math" panose="02040503050406030204" pitchFamily="18" charset="0"/>
-                            </a:rPr>
-                            <m:t>𝑥</m:t>
-                          </m:r>
-                        </m:e>
-                        <m:sub>
-                          <m:r>
-                            <a:rPr lang="de-DE" sz="800" b="0" i="1" smtClean="0">
+                            <a:rPr lang="de-DE" sz="1000" b="0" i="1" smtClean="0">
                               <a:latin typeface="Cambria Math" panose="02040503050406030204" pitchFamily="18" charset="0"/>
                             </a:rPr>
                             <m:t>4</m:t>
@@ -10554,15 +10644,15 @@
               <p:nvPr/>
             </p:nvSpPr>
             <p:spPr>
-              <a:xfrm rot="18750718">
-                <a:off x="6974914" y="3166853"/>
-                <a:ext cx="487698" cy="220958"/>
+              <a:xfrm>
+                <a:off x="7278271" y="3342498"/>
+                <a:ext cx="362984" cy="246221"/>
               </a:xfrm>
               <a:prstGeom prst="rect">
                 <a:avLst/>
               </a:prstGeom>
               <a:blipFill>
-                <a:blip r:embed="rId6"/>
+                <a:blip r:embed="rId8"/>
                 <a:stretch>
                   <a:fillRect/>
                 </a:stretch>
@@ -10599,8 +10689,8 @@
             </p:nvSpPr>
             <p:spPr>
               <a:xfrm>
-                <a:off x="3652778" y="4248108"/>
-                <a:ext cx="854336" cy="461665"/>
+                <a:off x="3631746" y="4248108"/>
+                <a:ext cx="896399" cy="461665"/>
               </a:xfrm>
               <a:prstGeom prst="rect">
                 <a:avLst/>
@@ -10639,15 +10729,34 @@
                 </a:r>
                 <a14:m>
                   <m:oMath xmlns:m="http://schemas.openxmlformats.org/officeDocument/2006/math">
-                    <m:r>
-                      <a:rPr lang="de-DE" sz="1200" b="0" i="1" smtClean="0">
-                        <a:latin typeface="Cambria Math" panose="02040503050406030204" pitchFamily="18" charset="0"/>
-                      </a:rPr>
-                      <m:t>𝑊</m:t>
-                    </m:r>
+                    <m:sSub>
+                      <m:sSubPr>
+                        <m:ctrlPr>
+                          <a:rPr lang="de-DE" sz="1200" b="0" i="1" smtClean="0">
+                            <a:latin typeface="Cambria Math" panose="02040503050406030204" pitchFamily="18" charset="0"/>
+                          </a:rPr>
+                        </m:ctrlPr>
+                      </m:sSubPr>
+                      <m:e>
+                        <m:r>
+                          <a:rPr lang="de-DE" sz="1200" b="0" i="1" smtClean="0">
+                            <a:latin typeface="Cambria Math" panose="02040503050406030204" pitchFamily="18" charset="0"/>
+                          </a:rPr>
+                          <m:t>𝑊</m:t>
+                        </m:r>
+                      </m:e>
+                      <m:sub>
+                        <m:r>
+                          <a:rPr lang="de-DE" sz="1200" b="0" i="1" smtClean="0">
+                            <a:latin typeface="Cambria Math" panose="02040503050406030204" pitchFamily="18" charset="0"/>
+                          </a:rPr>
+                          <m:t>1</m:t>
+                        </m:r>
+                      </m:sub>
+                    </m:sSub>
                   </m:oMath>
                 </a14:m>
-                <a:endParaRPr lang="de-DE" sz="1200" dirty="0"/>
+                <a:endParaRPr lang="de-DE" sz="1200" b="0" dirty="0"/>
               </a:p>
             </p:txBody>
           </p:sp>
@@ -10669,14 +10778,936 @@
             </p:nvSpPr>
             <p:spPr>
               <a:xfrm>
-                <a:off x="3652778" y="4248108"/>
-                <a:ext cx="854336" cy="461665"/>
+                <a:off x="3631746" y="4248108"/>
+                <a:ext cx="896399" cy="461665"/>
               </a:xfrm>
               <a:prstGeom prst="rect">
                 <a:avLst/>
               </a:prstGeom>
               <a:blipFill>
-                <a:blip r:embed="rId7"/>
+                <a:blip r:embed="rId9"/>
+                <a:stretch>
+                  <a:fillRect l="-680" t="-1316" b="-9211"/>
+                </a:stretch>
+              </a:blipFill>
+            </p:spPr>
+            <p:txBody>
+              <a:bodyPr/>
+              <a:lstStyle/>
+              <a:p>
+                <a:r>
+                  <a:rPr lang="de-DE">
+                    <a:noFill/>
+                  </a:rPr>
+                  <a:t> </a:t>
+                </a:r>
+              </a:p>
+            </p:txBody>
+          </p:sp>
+        </mc:Fallback>
+      </mc:AlternateContent>
+      <p:sp>
+        <p:nvSpPr>
+          <p:cNvPr id="251" name="Geschweifte Klammer links 250">
+            <a:extLst>
+              <a:ext uri="{FF2B5EF4-FFF2-40B4-BE49-F238E27FC236}">
+                <a16:creationId xmlns:a16="http://schemas.microsoft.com/office/drawing/2014/main" id="{7F5D0AE7-DE24-FE8B-06E9-299A2D471677}"/>
+              </a:ext>
+            </a:extLst>
+          </p:cNvPr>
+          <p:cNvSpPr/>
+          <p:nvPr/>
+        </p:nvSpPr>
+        <p:spPr>
+          <a:xfrm rot="16200000">
+            <a:off x="4014858" y="3820939"/>
+            <a:ext cx="130175" cy="854338"/>
+          </a:xfrm>
+          <a:prstGeom prst="leftBrace">
+            <a:avLst/>
+          </a:prstGeom>
+          <a:noFill/>
+          <a:ln w="9525">
+            <a:solidFill>
+              <a:schemeClr val="tx1">
+                <a:lumMod val="65000"/>
+                <a:lumOff val="35000"/>
+              </a:schemeClr>
+            </a:solidFill>
+          </a:ln>
+        </p:spPr>
+        <p:style>
+          <a:lnRef idx="2">
+            <a:schemeClr val="accent1"/>
+          </a:lnRef>
+          <a:fillRef idx="0">
+            <a:schemeClr val="accent1"/>
+          </a:fillRef>
+          <a:effectRef idx="1">
+            <a:schemeClr val="accent1"/>
+          </a:effectRef>
+          <a:fontRef idx="minor">
+            <a:schemeClr val="tx1"/>
+          </a:fontRef>
+        </p:style>
+        <p:txBody>
+          <a:bodyPr rtlCol="0" anchor="ctr"/>
+          <a:lstStyle/>
+          <a:p>
+            <a:pPr algn="ctr"/>
+            <a:endParaRPr lang="de-DE"/>
+          </a:p>
+        </p:txBody>
+      </p:sp>
+      <p:sp>
+        <p:nvSpPr>
+          <p:cNvPr id="25" name="Ellipse 24">
+            <a:extLst>
+              <a:ext uri="{FF2B5EF4-FFF2-40B4-BE49-F238E27FC236}">
+                <a16:creationId xmlns:a16="http://schemas.microsoft.com/office/drawing/2014/main" id="{80159220-943D-6710-7EDE-BF399393F2AB}"/>
+              </a:ext>
+            </a:extLst>
+          </p:cNvPr>
+          <p:cNvSpPr>
+            <a:spLocks noChangeAspect="1"/>
+          </p:cNvSpPr>
+          <p:nvPr/>
+        </p:nvSpPr>
+        <p:spPr>
+          <a:xfrm>
+            <a:off x="7047134" y="2379805"/>
+            <a:ext cx="252000" cy="252000"/>
+          </a:xfrm>
+          <a:prstGeom prst="ellipse">
+            <a:avLst/>
+          </a:prstGeom>
+          <a:solidFill>
+            <a:schemeClr val="accent1"/>
+          </a:solidFill>
+          <a:ln w="9525">
+            <a:solidFill>
+              <a:schemeClr val="accent3"/>
+            </a:solidFill>
+          </a:ln>
+        </p:spPr>
+        <p:style>
+          <a:lnRef idx="2">
+            <a:schemeClr val="accent1">
+              <a:shade val="50000"/>
+            </a:schemeClr>
+          </a:lnRef>
+          <a:fillRef idx="1">
+            <a:schemeClr val="accent1"/>
+          </a:fillRef>
+          <a:effectRef idx="0">
+            <a:schemeClr val="accent1"/>
+          </a:effectRef>
+          <a:fontRef idx="minor">
+            <a:schemeClr val="lt1"/>
+          </a:fontRef>
+        </p:style>
+        <p:txBody>
+          <a:bodyPr rtlCol="0" anchor="ctr"/>
+          <a:lstStyle/>
+          <a:p>
+            <a:pPr algn="ctr"/>
+            <a:endParaRPr lang="de-DE" dirty="0"/>
+          </a:p>
+        </p:txBody>
+      </p:sp>
+      <p:sp>
+        <p:nvSpPr>
+          <p:cNvPr id="26" name="Ellipse 25">
+            <a:extLst>
+              <a:ext uri="{FF2B5EF4-FFF2-40B4-BE49-F238E27FC236}">
+                <a16:creationId xmlns:a16="http://schemas.microsoft.com/office/drawing/2014/main" id="{2DF343B5-A804-8B1C-C570-F243213E740A}"/>
+              </a:ext>
+            </a:extLst>
+          </p:cNvPr>
+          <p:cNvSpPr>
+            <a:spLocks noChangeAspect="1"/>
+          </p:cNvSpPr>
+          <p:nvPr/>
+        </p:nvSpPr>
+        <p:spPr>
+          <a:xfrm>
+            <a:off x="7048642" y="2717834"/>
+            <a:ext cx="252000" cy="252000"/>
+          </a:xfrm>
+          <a:prstGeom prst="ellipse">
+            <a:avLst/>
+          </a:prstGeom>
+          <a:solidFill>
+            <a:schemeClr val="accent1"/>
+          </a:solidFill>
+          <a:ln w="9525">
+            <a:solidFill>
+              <a:schemeClr val="accent3"/>
+            </a:solidFill>
+          </a:ln>
+        </p:spPr>
+        <p:style>
+          <a:lnRef idx="2">
+            <a:schemeClr val="accent1">
+              <a:shade val="50000"/>
+            </a:schemeClr>
+          </a:lnRef>
+          <a:fillRef idx="1">
+            <a:schemeClr val="accent1"/>
+          </a:fillRef>
+          <a:effectRef idx="0">
+            <a:schemeClr val="accent1"/>
+          </a:effectRef>
+          <a:fontRef idx="minor">
+            <a:schemeClr val="lt1"/>
+          </a:fontRef>
+        </p:style>
+        <p:txBody>
+          <a:bodyPr rtlCol="0" anchor="ctr"/>
+          <a:lstStyle/>
+          <a:p>
+            <a:pPr algn="ctr"/>
+            <a:endParaRPr lang="de-DE"/>
+          </a:p>
+        </p:txBody>
+      </p:sp>
+      <p:sp>
+        <p:nvSpPr>
+          <p:cNvPr id="27" name="Ellipse 26">
+            <a:extLst>
+              <a:ext uri="{FF2B5EF4-FFF2-40B4-BE49-F238E27FC236}">
+                <a16:creationId xmlns:a16="http://schemas.microsoft.com/office/drawing/2014/main" id="{D41C2941-5CC5-8FA6-F677-318B002629B1}"/>
+              </a:ext>
+            </a:extLst>
+          </p:cNvPr>
+          <p:cNvSpPr>
+            <a:spLocks noChangeAspect="1"/>
+          </p:cNvSpPr>
+          <p:nvPr/>
+        </p:nvSpPr>
+        <p:spPr>
+          <a:xfrm>
+            <a:off x="7046629" y="3057793"/>
+            <a:ext cx="252000" cy="252000"/>
+          </a:xfrm>
+          <a:prstGeom prst="ellipse">
+            <a:avLst/>
+          </a:prstGeom>
+          <a:solidFill>
+            <a:schemeClr val="accent1"/>
+          </a:solidFill>
+          <a:ln w="9525">
+            <a:solidFill>
+              <a:schemeClr val="accent3"/>
+            </a:solidFill>
+          </a:ln>
+        </p:spPr>
+        <p:style>
+          <a:lnRef idx="2">
+            <a:schemeClr val="accent1">
+              <a:shade val="50000"/>
+            </a:schemeClr>
+          </a:lnRef>
+          <a:fillRef idx="1">
+            <a:schemeClr val="accent1"/>
+          </a:fillRef>
+          <a:effectRef idx="0">
+            <a:schemeClr val="accent1"/>
+          </a:effectRef>
+          <a:fontRef idx="minor">
+            <a:schemeClr val="lt1"/>
+          </a:fontRef>
+        </p:style>
+        <p:txBody>
+          <a:bodyPr rtlCol="0" anchor="ctr"/>
+          <a:lstStyle/>
+          <a:p>
+            <a:pPr algn="ctr"/>
+            <a:endParaRPr lang="de-DE"/>
+          </a:p>
+        </p:txBody>
+      </p:sp>
+      <p:sp>
+        <p:nvSpPr>
+          <p:cNvPr id="28" name="Ellipse 27">
+            <a:extLst>
+              <a:ext uri="{FF2B5EF4-FFF2-40B4-BE49-F238E27FC236}">
+                <a16:creationId xmlns:a16="http://schemas.microsoft.com/office/drawing/2014/main" id="{EC6F1B2F-203C-DBB8-83EF-7A09D446405B}"/>
+              </a:ext>
+            </a:extLst>
+          </p:cNvPr>
+          <p:cNvSpPr>
+            <a:spLocks noChangeAspect="1"/>
+          </p:cNvSpPr>
+          <p:nvPr/>
+        </p:nvSpPr>
+        <p:spPr>
+          <a:xfrm>
+            <a:off x="7048316" y="3389179"/>
+            <a:ext cx="252000" cy="252000"/>
+          </a:xfrm>
+          <a:prstGeom prst="ellipse">
+            <a:avLst/>
+          </a:prstGeom>
+          <a:solidFill>
+            <a:schemeClr val="accent1"/>
+          </a:solidFill>
+          <a:ln w="9525">
+            <a:solidFill>
+              <a:schemeClr val="accent3"/>
+            </a:solidFill>
+          </a:ln>
+        </p:spPr>
+        <p:style>
+          <a:lnRef idx="2">
+            <a:schemeClr val="accent1">
+              <a:shade val="50000"/>
+            </a:schemeClr>
+          </a:lnRef>
+          <a:fillRef idx="1">
+            <a:schemeClr val="accent1"/>
+          </a:fillRef>
+          <a:effectRef idx="0">
+            <a:schemeClr val="accent1"/>
+          </a:effectRef>
+          <a:fontRef idx="minor">
+            <a:schemeClr val="lt1"/>
+          </a:fontRef>
+        </p:style>
+        <p:txBody>
+          <a:bodyPr rtlCol="0" anchor="ctr"/>
+          <a:lstStyle/>
+          <a:p>
+            <a:pPr algn="ctr"/>
+            <a:endParaRPr lang="de-DE"/>
+          </a:p>
+        </p:txBody>
+      </p:sp>
+      <mc:AlternateContent xmlns:mc="http://schemas.openxmlformats.org/markup-compatibility/2006">
+        <mc:Choice xmlns:a14="http://schemas.microsoft.com/office/drawing/2010/main" Requires="a14">
+          <p:sp>
+            <p:nvSpPr>
+              <p:cNvPr id="31" name="Textfeld 30">
+                <a:extLst>
+                  <a:ext uri="{FF2B5EF4-FFF2-40B4-BE49-F238E27FC236}">
+                    <a16:creationId xmlns:a16="http://schemas.microsoft.com/office/drawing/2014/main" id="{932E7786-E4D1-28E5-DAC6-E7EE0C035540}"/>
+                  </a:ext>
+                </a:extLst>
+              </p:cNvPr>
+              <p:cNvSpPr txBox="1"/>
+              <p:nvPr/>
+            </p:nvSpPr>
+            <p:spPr>
+              <a:xfrm>
+                <a:off x="7013856" y="2375540"/>
+                <a:ext cx="341247" cy="246221"/>
+              </a:xfrm>
+              <a:prstGeom prst="rect">
+                <a:avLst/>
+              </a:prstGeom>
+              <a:noFill/>
+            </p:spPr>
+            <p:txBody>
+              <a:bodyPr wrap="none" rtlCol="0">
+                <a:spAutoFit/>
+              </a:bodyPr>
+              <a:lstStyle/>
+              <a:p>
+                <a14:m>
+                  <m:oMathPara xmlns:m="http://schemas.openxmlformats.org/officeDocument/2006/math">
+                    <m:oMathParaPr>
+                      <m:jc m:val="centerGroup"/>
+                    </m:oMathParaPr>
+                    <m:oMath xmlns:m="http://schemas.openxmlformats.org/officeDocument/2006/math">
+                      <m:sSub>
+                        <m:sSubPr>
+                          <m:ctrlPr>
+                            <a:rPr lang="de-DE" sz="1000" b="0" i="1" smtClean="0">
+                              <a:latin typeface="Cambria Math" panose="02040503050406030204" pitchFamily="18" charset="0"/>
+                            </a:rPr>
+                          </m:ctrlPr>
+                        </m:sSubPr>
+                        <m:e>
+                          <m:r>
+                            <a:rPr lang="de-DE" sz="1000" b="0" i="1" smtClean="0">
+                              <a:latin typeface="Cambria Math" panose="02040503050406030204" pitchFamily="18" charset="0"/>
+                            </a:rPr>
+                            <m:t>𝑥</m:t>
+                          </m:r>
+                        </m:e>
+                        <m:sub>
+                          <m:r>
+                            <a:rPr lang="de-DE" sz="1000" b="0" i="1" smtClean="0">
+                              <a:latin typeface="Cambria Math" panose="02040503050406030204" pitchFamily="18" charset="0"/>
+                            </a:rPr>
+                            <m:t>1</m:t>
+                          </m:r>
+                        </m:sub>
+                      </m:sSub>
+                    </m:oMath>
+                  </m:oMathPara>
+                </a14:m>
+                <a:endParaRPr lang="de-DE" dirty="0"/>
+              </a:p>
+            </p:txBody>
+          </p:sp>
+        </mc:Choice>
+        <mc:Fallback>
+          <p:sp>
+            <p:nvSpPr>
+              <p:cNvPr id="31" name="Textfeld 30">
+                <a:extLst>
+                  <a:ext uri="{FF2B5EF4-FFF2-40B4-BE49-F238E27FC236}">
+                    <a16:creationId xmlns:a16="http://schemas.microsoft.com/office/drawing/2014/main" id="{932E7786-E4D1-28E5-DAC6-E7EE0C035540}"/>
+                  </a:ext>
+                </a:extLst>
+              </p:cNvPr>
+              <p:cNvSpPr txBox="1">
+                <a:spLocks noRot="1" noChangeAspect="1" noMove="1" noResize="1" noEditPoints="1" noAdjustHandles="1" noChangeArrowheads="1" noChangeShapeType="1" noTextEdit="1"/>
+              </p:cNvSpPr>
+              <p:nvPr/>
+            </p:nvSpPr>
+            <p:spPr>
+              <a:xfrm>
+                <a:off x="7013856" y="2375540"/>
+                <a:ext cx="341247" cy="246221"/>
+              </a:xfrm>
+              <a:prstGeom prst="rect">
+                <a:avLst/>
+              </a:prstGeom>
+              <a:blipFill>
+                <a:blip r:embed="rId10"/>
+                <a:stretch>
+                  <a:fillRect/>
+                </a:stretch>
+              </a:blipFill>
+            </p:spPr>
+            <p:txBody>
+              <a:bodyPr/>
+              <a:lstStyle/>
+              <a:p>
+                <a:r>
+                  <a:rPr lang="de-DE">
+                    <a:noFill/>
+                  </a:rPr>
+                  <a:t> </a:t>
+                </a:r>
+              </a:p>
+            </p:txBody>
+          </p:sp>
+        </mc:Fallback>
+      </mc:AlternateContent>
+      <mc:AlternateContent xmlns:mc="http://schemas.openxmlformats.org/markup-compatibility/2006">
+        <mc:Choice xmlns:a14="http://schemas.microsoft.com/office/drawing/2010/main" Requires="a14">
+          <p:sp>
+            <p:nvSpPr>
+              <p:cNvPr id="32" name="Textfeld 31">
+                <a:extLst>
+                  <a:ext uri="{FF2B5EF4-FFF2-40B4-BE49-F238E27FC236}">
+                    <a16:creationId xmlns:a16="http://schemas.microsoft.com/office/drawing/2014/main" id="{CF16223C-7F82-7C0B-7ED8-01E52BED4258}"/>
+                  </a:ext>
+                </a:extLst>
+              </p:cNvPr>
+              <p:cNvSpPr txBox="1"/>
+              <p:nvPr/>
+            </p:nvSpPr>
+            <p:spPr>
+              <a:xfrm>
+                <a:off x="7012381" y="2703912"/>
+                <a:ext cx="344197" cy="246221"/>
+              </a:xfrm>
+              <a:prstGeom prst="rect">
+                <a:avLst/>
+              </a:prstGeom>
+              <a:noFill/>
+            </p:spPr>
+            <p:txBody>
+              <a:bodyPr wrap="none" rtlCol="0">
+                <a:spAutoFit/>
+              </a:bodyPr>
+              <a:lstStyle/>
+              <a:p>
+                <a14:m>
+                  <m:oMathPara xmlns:m="http://schemas.openxmlformats.org/officeDocument/2006/math">
+                    <m:oMathParaPr>
+                      <m:jc m:val="centerGroup"/>
+                    </m:oMathParaPr>
+                    <m:oMath xmlns:m="http://schemas.openxmlformats.org/officeDocument/2006/math">
+                      <m:sSub>
+                        <m:sSubPr>
+                          <m:ctrlPr>
+                            <a:rPr lang="de-DE" sz="1000" b="0" i="1" smtClean="0">
+                              <a:latin typeface="Cambria Math" panose="02040503050406030204" pitchFamily="18" charset="0"/>
+                            </a:rPr>
+                          </m:ctrlPr>
+                        </m:sSubPr>
+                        <m:e>
+                          <m:r>
+                            <a:rPr lang="de-DE" sz="1000" b="0" i="1" smtClean="0">
+                              <a:latin typeface="Cambria Math" panose="02040503050406030204" pitchFamily="18" charset="0"/>
+                            </a:rPr>
+                            <m:t>𝑥</m:t>
+                          </m:r>
+                        </m:e>
+                        <m:sub>
+                          <m:r>
+                            <a:rPr lang="de-DE" sz="1000" b="0" i="1" smtClean="0">
+                              <a:latin typeface="Cambria Math" panose="02040503050406030204" pitchFamily="18" charset="0"/>
+                            </a:rPr>
+                            <m:t>2</m:t>
+                          </m:r>
+                        </m:sub>
+                      </m:sSub>
+                    </m:oMath>
+                  </m:oMathPara>
+                </a14:m>
+                <a:endParaRPr lang="de-DE" dirty="0"/>
+              </a:p>
+            </p:txBody>
+          </p:sp>
+        </mc:Choice>
+        <mc:Fallback>
+          <p:sp>
+            <p:nvSpPr>
+              <p:cNvPr id="32" name="Textfeld 31">
+                <a:extLst>
+                  <a:ext uri="{FF2B5EF4-FFF2-40B4-BE49-F238E27FC236}">
+                    <a16:creationId xmlns:a16="http://schemas.microsoft.com/office/drawing/2014/main" id="{CF16223C-7F82-7C0B-7ED8-01E52BED4258}"/>
+                  </a:ext>
+                </a:extLst>
+              </p:cNvPr>
+              <p:cNvSpPr txBox="1">
+                <a:spLocks noRot="1" noChangeAspect="1" noMove="1" noResize="1" noEditPoints="1" noAdjustHandles="1" noChangeArrowheads="1" noChangeShapeType="1" noTextEdit="1"/>
+              </p:cNvSpPr>
+              <p:nvPr/>
+            </p:nvSpPr>
+            <p:spPr>
+              <a:xfrm>
+                <a:off x="7012381" y="2703912"/>
+                <a:ext cx="344197" cy="246221"/>
+              </a:xfrm>
+              <a:prstGeom prst="rect">
+                <a:avLst/>
+              </a:prstGeom>
+              <a:blipFill>
+                <a:blip r:embed="rId11"/>
+                <a:stretch>
+                  <a:fillRect/>
+                </a:stretch>
+              </a:blipFill>
+            </p:spPr>
+            <p:txBody>
+              <a:bodyPr/>
+              <a:lstStyle/>
+              <a:p>
+                <a:r>
+                  <a:rPr lang="de-DE">
+                    <a:noFill/>
+                  </a:rPr>
+                  <a:t> </a:t>
+                </a:r>
+              </a:p>
+            </p:txBody>
+          </p:sp>
+        </mc:Fallback>
+      </mc:AlternateContent>
+      <mc:AlternateContent xmlns:mc="http://schemas.openxmlformats.org/markup-compatibility/2006">
+        <mc:Choice xmlns:a14="http://schemas.microsoft.com/office/drawing/2010/main" Requires="a14">
+          <p:sp>
+            <p:nvSpPr>
+              <p:cNvPr id="33" name="Textfeld 32">
+                <a:extLst>
+                  <a:ext uri="{FF2B5EF4-FFF2-40B4-BE49-F238E27FC236}">
+                    <a16:creationId xmlns:a16="http://schemas.microsoft.com/office/drawing/2014/main" id="{7170CFD7-37F2-DFD8-FE8E-297B38F8AF3B}"/>
+                  </a:ext>
+                </a:extLst>
+              </p:cNvPr>
+              <p:cNvSpPr txBox="1"/>
+              <p:nvPr/>
+            </p:nvSpPr>
+            <p:spPr>
+              <a:xfrm>
+                <a:off x="7012381" y="3045433"/>
+                <a:ext cx="344197" cy="246221"/>
+              </a:xfrm>
+              <a:prstGeom prst="rect">
+                <a:avLst/>
+              </a:prstGeom>
+              <a:noFill/>
+            </p:spPr>
+            <p:txBody>
+              <a:bodyPr wrap="none" rtlCol="0">
+                <a:spAutoFit/>
+              </a:bodyPr>
+              <a:lstStyle/>
+              <a:p>
+                <a14:m>
+                  <m:oMathPara xmlns:m="http://schemas.openxmlformats.org/officeDocument/2006/math">
+                    <m:oMathParaPr>
+                      <m:jc m:val="centerGroup"/>
+                    </m:oMathParaPr>
+                    <m:oMath xmlns:m="http://schemas.openxmlformats.org/officeDocument/2006/math">
+                      <m:sSub>
+                        <m:sSubPr>
+                          <m:ctrlPr>
+                            <a:rPr lang="de-DE" sz="1000" b="0" i="1" smtClean="0">
+                              <a:latin typeface="Cambria Math" panose="02040503050406030204" pitchFamily="18" charset="0"/>
+                            </a:rPr>
+                          </m:ctrlPr>
+                        </m:sSubPr>
+                        <m:e>
+                          <m:r>
+                            <a:rPr lang="de-DE" sz="1000" b="0" i="1" smtClean="0">
+                              <a:latin typeface="Cambria Math" panose="02040503050406030204" pitchFamily="18" charset="0"/>
+                            </a:rPr>
+                            <m:t>𝑥</m:t>
+                          </m:r>
+                        </m:e>
+                        <m:sub>
+                          <m:r>
+                            <a:rPr lang="de-DE" sz="1000" b="0" i="1" smtClean="0">
+                              <a:latin typeface="Cambria Math" panose="02040503050406030204" pitchFamily="18" charset="0"/>
+                            </a:rPr>
+                            <m:t>3</m:t>
+                          </m:r>
+                        </m:sub>
+                      </m:sSub>
+                    </m:oMath>
+                  </m:oMathPara>
+                </a14:m>
+                <a:endParaRPr lang="de-DE" dirty="0"/>
+              </a:p>
+            </p:txBody>
+          </p:sp>
+        </mc:Choice>
+        <mc:Fallback>
+          <p:sp>
+            <p:nvSpPr>
+              <p:cNvPr id="33" name="Textfeld 32">
+                <a:extLst>
+                  <a:ext uri="{FF2B5EF4-FFF2-40B4-BE49-F238E27FC236}">
+                    <a16:creationId xmlns:a16="http://schemas.microsoft.com/office/drawing/2014/main" id="{7170CFD7-37F2-DFD8-FE8E-297B38F8AF3B}"/>
+                  </a:ext>
+                </a:extLst>
+              </p:cNvPr>
+              <p:cNvSpPr txBox="1">
+                <a:spLocks noRot="1" noChangeAspect="1" noMove="1" noResize="1" noEditPoints="1" noAdjustHandles="1" noChangeArrowheads="1" noChangeShapeType="1" noTextEdit="1"/>
+              </p:cNvSpPr>
+              <p:nvPr/>
+            </p:nvSpPr>
+            <p:spPr>
+              <a:xfrm>
+                <a:off x="7012381" y="3045433"/>
+                <a:ext cx="344197" cy="246221"/>
+              </a:xfrm>
+              <a:prstGeom prst="rect">
+                <a:avLst/>
+              </a:prstGeom>
+              <a:blipFill>
+                <a:blip r:embed="rId12"/>
+                <a:stretch>
+                  <a:fillRect/>
+                </a:stretch>
+              </a:blipFill>
+            </p:spPr>
+            <p:txBody>
+              <a:bodyPr/>
+              <a:lstStyle/>
+              <a:p>
+                <a:r>
+                  <a:rPr lang="de-DE">
+                    <a:noFill/>
+                  </a:rPr>
+                  <a:t> </a:t>
+                </a:r>
+              </a:p>
+            </p:txBody>
+          </p:sp>
+        </mc:Fallback>
+      </mc:AlternateContent>
+      <mc:AlternateContent xmlns:mc="http://schemas.openxmlformats.org/markup-compatibility/2006">
+        <mc:Choice xmlns:a14="http://schemas.microsoft.com/office/drawing/2010/main" Requires="a14">
+          <p:sp>
+            <p:nvSpPr>
+              <p:cNvPr id="34" name="Textfeld 33">
+                <a:extLst>
+                  <a:ext uri="{FF2B5EF4-FFF2-40B4-BE49-F238E27FC236}">
+                    <a16:creationId xmlns:a16="http://schemas.microsoft.com/office/drawing/2014/main" id="{7C98A553-C9DE-140B-E33A-18C5439B316F}"/>
+                  </a:ext>
+                </a:extLst>
+              </p:cNvPr>
+              <p:cNvSpPr txBox="1"/>
+              <p:nvPr/>
+            </p:nvSpPr>
+            <p:spPr>
+              <a:xfrm>
+                <a:off x="7012381" y="3382702"/>
+                <a:ext cx="344197" cy="246221"/>
+              </a:xfrm>
+              <a:prstGeom prst="rect">
+                <a:avLst/>
+              </a:prstGeom>
+              <a:noFill/>
+            </p:spPr>
+            <p:txBody>
+              <a:bodyPr wrap="none" rtlCol="0">
+                <a:spAutoFit/>
+              </a:bodyPr>
+              <a:lstStyle/>
+              <a:p>
+                <a14:m>
+                  <m:oMathPara xmlns:m="http://schemas.openxmlformats.org/officeDocument/2006/math">
+                    <m:oMathParaPr>
+                      <m:jc m:val="centerGroup"/>
+                    </m:oMathParaPr>
+                    <m:oMath xmlns:m="http://schemas.openxmlformats.org/officeDocument/2006/math">
+                      <m:sSub>
+                        <m:sSubPr>
+                          <m:ctrlPr>
+                            <a:rPr lang="de-DE" sz="1000" b="0" i="1" smtClean="0">
+                              <a:latin typeface="Cambria Math" panose="02040503050406030204" pitchFamily="18" charset="0"/>
+                            </a:rPr>
+                          </m:ctrlPr>
+                        </m:sSubPr>
+                        <m:e>
+                          <m:r>
+                            <a:rPr lang="de-DE" sz="1000" b="0" i="1" smtClean="0">
+                              <a:latin typeface="Cambria Math" panose="02040503050406030204" pitchFamily="18" charset="0"/>
+                            </a:rPr>
+                            <m:t>𝑥</m:t>
+                          </m:r>
+                        </m:e>
+                        <m:sub>
+                          <m:r>
+                            <a:rPr lang="de-DE" sz="1000" b="0" i="1" smtClean="0">
+                              <a:latin typeface="Cambria Math" panose="02040503050406030204" pitchFamily="18" charset="0"/>
+                            </a:rPr>
+                            <m:t>4</m:t>
+                          </m:r>
+                        </m:sub>
+                      </m:sSub>
+                    </m:oMath>
+                  </m:oMathPara>
+                </a14:m>
+                <a:endParaRPr lang="de-DE" dirty="0"/>
+              </a:p>
+            </p:txBody>
+          </p:sp>
+        </mc:Choice>
+        <mc:Fallback>
+          <p:sp>
+            <p:nvSpPr>
+              <p:cNvPr id="34" name="Textfeld 33">
+                <a:extLst>
+                  <a:ext uri="{FF2B5EF4-FFF2-40B4-BE49-F238E27FC236}">
+                    <a16:creationId xmlns:a16="http://schemas.microsoft.com/office/drawing/2014/main" id="{7C98A553-C9DE-140B-E33A-18C5439B316F}"/>
+                  </a:ext>
+                </a:extLst>
+              </p:cNvPr>
+              <p:cNvSpPr txBox="1">
+                <a:spLocks noRot="1" noChangeAspect="1" noMove="1" noResize="1" noEditPoints="1" noAdjustHandles="1" noChangeArrowheads="1" noChangeShapeType="1" noTextEdit="1"/>
+              </p:cNvSpPr>
+              <p:nvPr/>
+            </p:nvSpPr>
+            <p:spPr>
+              <a:xfrm>
+                <a:off x="7012381" y="3382702"/>
+                <a:ext cx="344197" cy="246221"/>
+              </a:xfrm>
+              <a:prstGeom prst="rect">
+                <a:avLst/>
+              </a:prstGeom>
+              <a:blipFill>
+                <a:blip r:embed="rId13"/>
+                <a:stretch>
+                  <a:fillRect/>
+                </a:stretch>
+              </a:blipFill>
+            </p:spPr>
+            <p:txBody>
+              <a:bodyPr/>
+              <a:lstStyle/>
+              <a:p>
+                <a:r>
+                  <a:rPr lang="de-DE">
+                    <a:noFill/>
+                  </a:rPr>
+                  <a:t> </a:t>
+                </a:r>
+              </a:p>
+            </p:txBody>
+          </p:sp>
+        </mc:Fallback>
+      </mc:AlternateContent>
+      <p:sp>
+        <p:nvSpPr>
+          <p:cNvPr id="234" name="Rechteck 233">
+            <a:extLst>
+              <a:ext uri="{FF2B5EF4-FFF2-40B4-BE49-F238E27FC236}">
+                <a16:creationId xmlns:a16="http://schemas.microsoft.com/office/drawing/2014/main" id="{B1F3834E-AE79-ACD2-893F-0F17D4289A54}"/>
+              </a:ext>
+            </a:extLst>
+          </p:cNvPr>
+          <p:cNvSpPr/>
+          <p:nvPr/>
+        </p:nvSpPr>
+        <p:spPr>
+          <a:xfrm>
+            <a:off x="6985491" y="2089941"/>
+            <a:ext cx="2907810" cy="1796602"/>
+          </a:xfrm>
+          <a:prstGeom prst="rect">
+            <a:avLst/>
+          </a:prstGeom>
+          <a:noFill/>
+          <a:ln w="12700">
+            <a:solidFill>
+              <a:schemeClr val="tx1">
+                <a:lumMod val="65000"/>
+                <a:lumOff val="35000"/>
+              </a:schemeClr>
+            </a:solidFill>
+            <a:prstDash val="dash"/>
+          </a:ln>
+        </p:spPr>
+        <p:style>
+          <a:lnRef idx="2">
+            <a:schemeClr val="accent1">
+              <a:shade val="15000"/>
+            </a:schemeClr>
+          </a:lnRef>
+          <a:fillRef idx="1">
+            <a:schemeClr val="accent1"/>
+          </a:fillRef>
+          <a:effectRef idx="0">
+            <a:schemeClr val="accent1"/>
+          </a:effectRef>
+          <a:fontRef idx="minor">
+            <a:schemeClr val="lt1"/>
+          </a:fontRef>
+        </p:style>
+        <p:txBody>
+          <a:bodyPr rtlCol="0" anchor="ctr"/>
+          <a:lstStyle/>
+          <a:p>
+            <a:pPr algn="ctr"/>
+            <a:endParaRPr lang="de-DE"/>
+          </a:p>
+        </p:txBody>
+      </p:sp>
+      <mc:AlternateContent xmlns:mc="http://schemas.openxmlformats.org/markup-compatibility/2006">
+        <mc:Choice xmlns:a14="http://schemas.microsoft.com/office/drawing/2010/main" Requires="a14">
+          <p:sp>
+            <p:nvSpPr>
+              <p:cNvPr id="35" name="Textfeld 34">
+                <a:extLst>
+                  <a:ext uri="{FF2B5EF4-FFF2-40B4-BE49-F238E27FC236}">
+                    <a16:creationId xmlns:a16="http://schemas.microsoft.com/office/drawing/2014/main" id="{38FDCB07-A0E3-08C6-84DF-2481054D9B1A}"/>
+                  </a:ext>
+                </a:extLst>
+              </p:cNvPr>
+              <p:cNvSpPr txBox="1"/>
+              <p:nvPr/>
+            </p:nvSpPr>
+            <p:spPr>
+              <a:xfrm>
+                <a:off x="4883612" y="4248107"/>
+                <a:ext cx="899990" cy="461665"/>
+              </a:xfrm>
+              <a:prstGeom prst="rect">
+                <a:avLst/>
+              </a:prstGeom>
+              <a:noFill/>
+            </p:spPr>
+            <p:txBody>
+              <a:bodyPr wrap="none" rtlCol="0">
+                <a:spAutoFit/>
+              </a:bodyPr>
+              <a:lstStyle/>
+              <a:p>
+                <a:pPr algn="ctr"/>
+                <a:r>
+                  <a:rPr lang="de-DE" sz="1200" b="0" dirty="0"/>
+                  <a:t>Matrix </a:t>
+                </a:r>
+                <a:r>
+                  <a:rPr lang="de-DE" sz="1200" b="0" dirty="0" err="1"/>
+                  <a:t>of</a:t>
+                </a:r>
+                <a:r>
+                  <a:rPr lang="de-DE" sz="1200" b="0" dirty="0"/>
+                  <a:t> </a:t>
+                </a:r>
+              </a:p>
+              <a:p>
+                <a:pPr algn="ctr"/>
+                <a:r>
+                  <a:rPr lang="de-DE" sz="1200" b="0" dirty="0" err="1"/>
+                  <a:t>weights</a:t>
+                </a:r>
+                <a:r>
+                  <a:rPr lang="de-DE" sz="1200" b="0" dirty="0"/>
+                  <a:t> </a:t>
+                </a:r>
+                <a14:m>
+                  <m:oMath xmlns:m="http://schemas.openxmlformats.org/officeDocument/2006/math">
+                    <m:sSub>
+                      <m:sSubPr>
+                        <m:ctrlPr>
+                          <a:rPr lang="de-DE" sz="1200" b="0" i="1" smtClean="0">
+                            <a:latin typeface="Cambria Math" panose="02040503050406030204" pitchFamily="18" charset="0"/>
+                          </a:rPr>
+                        </m:ctrlPr>
+                      </m:sSubPr>
+                      <m:e>
+                        <m:r>
+                          <a:rPr lang="de-DE" sz="1200" b="0" i="1" smtClean="0">
+                            <a:latin typeface="Cambria Math" panose="02040503050406030204" pitchFamily="18" charset="0"/>
+                          </a:rPr>
+                          <m:t>𝑊</m:t>
+                        </m:r>
+                      </m:e>
+                      <m:sub>
+                        <m:r>
+                          <a:rPr lang="de-DE" sz="1200" b="0" i="1" smtClean="0">
+                            <a:latin typeface="Cambria Math" panose="02040503050406030204" pitchFamily="18" charset="0"/>
+                          </a:rPr>
+                          <m:t>2</m:t>
+                        </m:r>
+                      </m:sub>
+                    </m:sSub>
+                  </m:oMath>
+                </a14:m>
+                <a:endParaRPr lang="de-DE" sz="1200" b="0" dirty="0"/>
+              </a:p>
+            </p:txBody>
+          </p:sp>
+        </mc:Choice>
+        <mc:Fallback>
+          <p:sp>
+            <p:nvSpPr>
+              <p:cNvPr id="35" name="Textfeld 34">
+                <a:extLst>
+                  <a:ext uri="{FF2B5EF4-FFF2-40B4-BE49-F238E27FC236}">
+                    <a16:creationId xmlns:a16="http://schemas.microsoft.com/office/drawing/2014/main" id="{38FDCB07-A0E3-08C6-84DF-2481054D9B1A}"/>
+                  </a:ext>
+                </a:extLst>
+              </p:cNvPr>
+              <p:cNvSpPr txBox="1">
+                <a:spLocks noRot="1" noChangeAspect="1" noMove="1" noResize="1" noEditPoints="1" noAdjustHandles="1" noChangeArrowheads="1" noChangeShapeType="1" noTextEdit="1"/>
+              </p:cNvSpPr>
+              <p:nvPr/>
+            </p:nvSpPr>
+            <p:spPr>
+              <a:xfrm>
+                <a:off x="4883612" y="4248107"/>
+                <a:ext cx="899990" cy="461665"/>
+              </a:xfrm>
+              <a:prstGeom prst="rect">
+                <a:avLst/>
+              </a:prstGeom>
+              <a:blipFill>
+                <a:blip r:embed="rId14"/>
                 <a:stretch>
                   <a:fillRect t="-1316" b="-9211"/>
                 </a:stretch>
@@ -10699,10 +11730,10 @@
       </mc:AlternateContent>
       <p:sp>
         <p:nvSpPr>
-          <p:cNvPr id="251" name="Geschweifte Klammer links 250">
-            <a:extLst>
-              <a:ext uri="{FF2B5EF4-FFF2-40B4-BE49-F238E27FC236}">
-                <a16:creationId xmlns:a16="http://schemas.microsoft.com/office/drawing/2014/main" id="{7F5D0AE7-DE24-FE8B-06E9-299A2D471677}"/>
+          <p:cNvPr id="36" name="Geschweifte Klammer links 35">
+            <a:extLst>
+              <a:ext uri="{FF2B5EF4-FFF2-40B4-BE49-F238E27FC236}">
+                <a16:creationId xmlns:a16="http://schemas.microsoft.com/office/drawing/2014/main" id="{F5CF2499-B88C-2A93-6A07-71ECA7CACD9A}"/>
               </a:ext>
             </a:extLst>
           </p:cNvPr>
@@ -10711,7 +11742,7 @@
         </p:nvSpPr>
         <p:spPr>
           <a:xfrm rot="16200000">
-            <a:off x="4014858" y="3820939"/>
+            <a:off x="5268522" y="3820938"/>
             <a:ext cx="130175" cy="854338"/>
           </a:xfrm>
           <a:prstGeom prst="leftBrace">
@@ -10747,6 +11778,50 @@
           <a:p>
             <a:pPr algn="ctr"/>
             <a:endParaRPr lang="de-DE"/>
+          </a:p>
+        </p:txBody>
+      </p:sp>
+      <p:sp>
+        <p:nvSpPr>
+          <p:cNvPr id="37" name="Textfeld 36">
+            <a:extLst>
+              <a:ext uri="{FF2B5EF4-FFF2-40B4-BE49-F238E27FC236}">
+                <a16:creationId xmlns:a16="http://schemas.microsoft.com/office/drawing/2014/main" id="{23A90ECC-E74F-31ED-2A45-5371B14812A1}"/>
+              </a:ext>
+            </a:extLst>
+          </p:cNvPr>
+          <p:cNvSpPr txBox="1"/>
+          <p:nvPr/>
+        </p:nvSpPr>
+        <p:spPr>
+          <a:xfrm>
+            <a:off x="7355881" y="1779535"/>
+            <a:ext cx="2244525" cy="276999"/>
+          </a:xfrm>
+          <a:prstGeom prst="rect">
+            <a:avLst/>
+          </a:prstGeom>
+          <a:noFill/>
+        </p:spPr>
+        <p:txBody>
+          <a:bodyPr wrap="none" rtlCol="0">
+            <a:spAutoFit/>
+          </a:bodyPr>
+          <a:lstStyle/>
+          <a:p>
+            <a:pPr algn="ctr"/>
+            <a:r>
+              <a:rPr lang="de-DE" sz="1200" dirty="0"/>
+              <a:t>Single Neuron </a:t>
+            </a:r>
+            <a:r>
+              <a:rPr lang="de-DE" sz="1200" dirty="0" err="1"/>
+              <a:t>of</a:t>
+            </a:r>
+            <a:r>
+              <a:rPr lang="de-DE" sz="1200" dirty="0"/>
+              <a:t> a Hidden Layer</a:t>
+            </a:r>
           </a:p>
         </p:txBody>
       </p:sp>

--- a/images/Masterarbeit Diagramme.pptx
+++ b/images/Masterarbeit Diagramme.pptx
@@ -10,6 +10,9 @@
     <p:sldId id="258" r:id="rId4"/>
     <p:sldId id="259" r:id="rId5"/>
     <p:sldId id="260" r:id="rId6"/>
+    <p:sldId id="261" r:id="rId7"/>
+    <p:sldId id="262" r:id="rId8"/>
+    <p:sldId id="263" r:id="rId9"/>
   </p:sldIdLst>
   <p:sldSz cx="12192000" cy="6858000"/>
   <p:notesSz cx="6858000" cy="9144000"/>
@@ -274,7 +277,7 @@
           <a:p>
             <a:fld id="{DCC18975-A71B-4189-B470-FED950D0708F}" type="datetimeFigureOut">
               <a:rPr lang="de-DE" smtClean="0"/>
-              <a:t>24.06.2024</a:t>
+              <a:t>02.07.2024</a:t>
             </a:fld>
             <a:endParaRPr lang="de-DE"/>
           </a:p>
@@ -472,7 +475,7 @@
           <a:p>
             <a:fld id="{DCC18975-A71B-4189-B470-FED950D0708F}" type="datetimeFigureOut">
               <a:rPr lang="de-DE" smtClean="0"/>
-              <a:t>24.06.2024</a:t>
+              <a:t>02.07.2024</a:t>
             </a:fld>
             <a:endParaRPr lang="de-DE"/>
           </a:p>
@@ -680,7 +683,7 @@
           <a:p>
             <a:fld id="{DCC18975-A71B-4189-B470-FED950D0708F}" type="datetimeFigureOut">
               <a:rPr lang="de-DE" smtClean="0"/>
-              <a:t>24.06.2024</a:t>
+              <a:t>02.07.2024</a:t>
             </a:fld>
             <a:endParaRPr lang="de-DE"/>
           </a:p>
@@ -878,7 +881,7 @@
           <a:p>
             <a:fld id="{DCC18975-A71B-4189-B470-FED950D0708F}" type="datetimeFigureOut">
               <a:rPr lang="de-DE" smtClean="0"/>
-              <a:t>24.06.2024</a:t>
+              <a:t>02.07.2024</a:t>
             </a:fld>
             <a:endParaRPr lang="de-DE"/>
           </a:p>
@@ -1153,7 +1156,7 @@
           <a:p>
             <a:fld id="{DCC18975-A71B-4189-B470-FED950D0708F}" type="datetimeFigureOut">
               <a:rPr lang="de-DE" smtClean="0"/>
-              <a:t>24.06.2024</a:t>
+              <a:t>02.07.2024</a:t>
             </a:fld>
             <a:endParaRPr lang="de-DE"/>
           </a:p>
@@ -1418,7 +1421,7 @@
           <a:p>
             <a:fld id="{DCC18975-A71B-4189-B470-FED950D0708F}" type="datetimeFigureOut">
               <a:rPr lang="de-DE" smtClean="0"/>
-              <a:t>24.06.2024</a:t>
+              <a:t>02.07.2024</a:t>
             </a:fld>
             <a:endParaRPr lang="de-DE"/>
           </a:p>
@@ -1830,7 +1833,7 @@
           <a:p>
             <a:fld id="{DCC18975-A71B-4189-B470-FED950D0708F}" type="datetimeFigureOut">
               <a:rPr lang="de-DE" smtClean="0"/>
-              <a:t>24.06.2024</a:t>
+              <a:t>02.07.2024</a:t>
             </a:fld>
             <a:endParaRPr lang="de-DE"/>
           </a:p>
@@ -1971,7 +1974,7 @@
           <a:p>
             <a:fld id="{DCC18975-A71B-4189-B470-FED950D0708F}" type="datetimeFigureOut">
               <a:rPr lang="de-DE" smtClean="0"/>
-              <a:t>24.06.2024</a:t>
+              <a:t>02.07.2024</a:t>
             </a:fld>
             <a:endParaRPr lang="de-DE"/>
           </a:p>
@@ -2084,7 +2087,7 @@
           <a:p>
             <a:fld id="{DCC18975-A71B-4189-B470-FED950D0708F}" type="datetimeFigureOut">
               <a:rPr lang="de-DE" smtClean="0"/>
-              <a:t>24.06.2024</a:t>
+              <a:t>02.07.2024</a:t>
             </a:fld>
             <a:endParaRPr lang="de-DE"/>
           </a:p>
@@ -2411,7 +2414,7 @@
           <a:p>
             <a:fld id="{DCC18975-A71B-4189-B470-FED950D0708F}" type="datetimeFigureOut">
               <a:rPr lang="de-DE" smtClean="0"/>
-              <a:t>24.06.2024</a:t>
+              <a:t>02.07.2024</a:t>
             </a:fld>
             <a:endParaRPr lang="de-DE"/>
           </a:p>
@@ -2699,7 +2702,7 @@
           <a:p>
             <a:fld id="{DCC18975-A71B-4189-B470-FED950D0708F}" type="datetimeFigureOut">
               <a:rPr lang="de-DE" smtClean="0"/>
-              <a:t>24.06.2024</a:t>
+              <a:t>02.07.2024</a:t>
             </a:fld>
             <a:endParaRPr lang="de-DE"/>
           </a:p>
@@ -2940,7 +2943,7 @@
           <a:p>
             <a:fld id="{DCC18975-A71B-4189-B470-FED950D0708F}" type="datetimeFigureOut">
               <a:rPr lang="de-DE" smtClean="0"/>
-              <a:t>24.06.2024</a:t>
+              <a:t>02.07.2024</a:t>
             </a:fld>
             <a:endParaRPr lang="de-DE"/>
           </a:p>
@@ -3406,7 +3409,7 @@
           <a:bodyPr/>
           <a:lstStyle/>
           <a:p>
-            <a:endParaRPr lang="de-DE"/>
+            <a:endParaRPr lang="de-DE" dirty="0"/>
           </a:p>
         </p:txBody>
       </p:sp>
@@ -9329,8 +9332,8 @@
           </a:p>
         </p:txBody>
       </p:sp>
-      <mc:AlternateContent xmlns:mc="http://schemas.openxmlformats.org/markup-compatibility/2006">
-        <mc:Choice xmlns:a14="http://schemas.microsoft.com/office/drawing/2010/main" Requires="a14">
+      <mc:AlternateContent xmlns:mc="http://schemas.openxmlformats.org/markup-compatibility/2006" xmlns:a14="http://schemas.microsoft.com/office/drawing/2010/main">
+        <mc:Choice Requires="a14">
           <p:sp>
             <p:nvSpPr>
               <p:cNvPr id="200" name="Textfeld 199">
@@ -9365,6 +9368,7 @@
                 </a:r>
               </a:p>
               <a:p>
+                <a:pPr/>
                 <a14:m>
                   <m:oMathPara xmlns:m="http://schemas.openxmlformats.org/officeDocument/2006/math">
                     <m:oMathParaPr>
@@ -9435,7 +9439,7 @@
             </p:txBody>
           </p:sp>
         </mc:Choice>
-        <mc:Fallback>
+        <mc:Fallback xmlns="">
           <p:sp>
             <p:nvSpPr>
               <p:cNvPr id="200" name="Textfeld 199">
@@ -9516,8 +9520,8 @@
           </a:p>
         </p:txBody>
       </p:sp>
-      <mc:AlternateContent xmlns:mc="http://schemas.openxmlformats.org/markup-compatibility/2006">
-        <mc:Choice xmlns:a14="http://schemas.microsoft.com/office/drawing/2010/main" Requires="a14">
+      <mc:AlternateContent xmlns:mc="http://schemas.openxmlformats.org/markup-compatibility/2006" xmlns:a14="http://schemas.microsoft.com/office/drawing/2010/main">
+        <mc:Choice Requires="a14">
           <p:sp>
             <p:nvSpPr>
               <p:cNvPr id="202" name="Textfeld 201">
@@ -9552,6 +9556,7 @@
                 </a:r>
               </a:p>
               <a:p>
+                <a:pPr/>
                 <a14:m>
                   <m:oMathPara xmlns:m="http://schemas.openxmlformats.org/officeDocument/2006/math">
                     <m:oMathParaPr>
@@ -9622,7 +9627,7 @@
             </p:txBody>
           </p:sp>
         </mc:Choice>
-        <mc:Fallback>
+        <mc:Fallback xmlns="">
           <p:sp>
             <p:nvSpPr>
               <p:cNvPr id="202" name="Textfeld 201">
@@ -10060,8 +10065,8 @@
           </a:p>
         </p:txBody>
       </p:sp>
-      <mc:AlternateContent xmlns:mc="http://schemas.openxmlformats.org/markup-compatibility/2006">
-        <mc:Choice xmlns:a14="http://schemas.microsoft.com/office/drawing/2010/main" Requires="a14">
+      <mc:AlternateContent xmlns:mc="http://schemas.openxmlformats.org/markup-compatibility/2006" xmlns:a14="http://schemas.microsoft.com/office/drawing/2010/main">
+        <mc:Choice Requires="a14">
           <p:sp>
             <p:nvSpPr>
               <p:cNvPr id="245" name="Textfeld 244">
@@ -10168,7 +10173,7 @@
             </p:txBody>
           </p:sp>
         </mc:Choice>
-        <mc:Fallback>
+        <mc:Fallback xmlns="">
           <p:sp>
             <p:nvSpPr>
               <p:cNvPr id="245" name="Textfeld 244">
@@ -10213,8 +10218,8 @@
           </p:sp>
         </mc:Fallback>
       </mc:AlternateContent>
-      <mc:AlternateContent xmlns:mc="http://schemas.openxmlformats.org/markup-compatibility/2006">
-        <mc:Choice xmlns:a14="http://schemas.microsoft.com/office/drawing/2010/main" Requires="a14">
+      <mc:AlternateContent xmlns:mc="http://schemas.openxmlformats.org/markup-compatibility/2006" xmlns:a14="http://schemas.microsoft.com/office/drawing/2010/main">
+        <mc:Choice Requires="a14">
           <p:sp>
             <p:nvSpPr>
               <p:cNvPr id="246" name="Textfeld 245">
@@ -10283,7 +10288,7 @@
             </p:txBody>
           </p:sp>
         </mc:Choice>
-        <mc:Fallback>
+        <mc:Fallback xmlns="">
           <p:sp>
             <p:nvSpPr>
               <p:cNvPr id="246" name="Textfeld 245">
@@ -10328,8 +10333,8 @@
           </p:sp>
         </mc:Fallback>
       </mc:AlternateContent>
-      <mc:AlternateContent xmlns:mc="http://schemas.openxmlformats.org/markup-compatibility/2006">
-        <mc:Choice xmlns:a14="http://schemas.microsoft.com/office/drawing/2010/main" Requires="a14">
+      <mc:AlternateContent xmlns:mc="http://schemas.openxmlformats.org/markup-compatibility/2006" xmlns:a14="http://schemas.microsoft.com/office/drawing/2010/main">
+        <mc:Choice Requires="a14">
           <p:sp>
             <p:nvSpPr>
               <p:cNvPr id="247" name="Textfeld 246">
@@ -10398,7 +10403,7 @@
             </p:txBody>
           </p:sp>
         </mc:Choice>
-        <mc:Fallback>
+        <mc:Fallback xmlns="">
           <p:sp>
             <p:nvSpPr>
               <p:cNvPr id="247" name="Textfeld 246">
@@ -10443,8 +10448,8 @@
           </p:sp>
         </mc:Fallback>
       </mc:AlternateContent>
-      <mc:AlternateContent xmlns:mc="http://schemas.openxmlformats.org/markup-compatibility/2006">
-        <mc:Choice xmlns:a14="http://schemas.microsoft.com/office/drawing/2010/main" Requires="a14">
+      <mc:AlternateContent xmlns:mc="http://schemas.openxmlformats.org/markup-compatibility/2006" xmlns:a14="http://schemas.microsoft.com/office/drawing/2010/main">
+        <mc:Choice Requires="a14">
           <p:sp>
             <p:nvSpPr>
               <p:cNvPr id="248" name="Textfeld 247">
@@ -10513,7 +10518,7 @@
             </p:txBody>
           </p:sp>
         </mc:Choice>
-        <mc:Fallback>
+        <mc:Fallback xmlns="">
           <p:sp>
             <p:nvSpPr>
               <p:cNvPr id="248" name="Textfeld 247">
@@ -10558,8 +10563,8 @@
           </p:sp>
         </mc:Fallback>
       </mc:AlternateContent>
-      <mc:AlternateContent xmlns:mc="http://schemas.openxmlformats.org/markup-compatibility/2006">
-        <mc:Choice xmlns:a14="http://schemas.microsoft.com/office/drawing/2010/main" Requires="a14">
+      <mc:AlternateContent xmlns:mc="http://schemas.openxmlformats.org/markup-compatibility/2006" xmlns:a14="http://schemas.microsoft.com/office/drawing/2010/main">
+        <mc:Choice Requires="a14">
           <p:sp>
             <p:nvSpPr>
               <p:cNvPr id="249" name="Textfeld 248">
@@ -10628,7 +10633,7 @@
             </p:txBody>
           </p:sp>
         </mc:Choice>
-        <mc:Fallback>
+        <mc:Fallback xmlns="">
           <p:sp>
             <p:nvSpPr>
               <p:cNvPr id="249" name="Textfeld 248">
@@ -10673,8 +10678,8 @@
           </p:sp>
         </mc:Fallback>
       </mc:AlternateContent>
-      <mc:AlternateContent xmlns:mc="http://schemas.openxmlformats.org/markup-compatibility/2006">
-        <mc:Choice xmlns:a14="http://schemas.microsoft.com/office/drawing/2010/main" Requires="a14">
+      <mc:AlternateContent xmlns:mc="http://schemas.openxmlformats.org/markup-compatibility/2006" xmlns:a14="http://schemas.microsoft.com/office/drawing/2010/main">
+        <mc:Choice Requires="a14">
           <p:sp>
             <p:nvSpPr>
               <p:cNvPr id="250" name="Textfeld 249">
@@ -10761,7 +10766,7 @@
             </p:txBody>
           </p:sp>
         </mc:Choice>
-        <mc:Fallback>
+        <mc:Fallback xmlns="">
           <p:sp>
             <p:nvSpPr>
               <p:cNvPr id="250" name="Textfeld 249">
@@ -11083,8 +11088,8 @@
           </a:p>
         </p:txBody>
       </p:sp>
-      <mc:AlternateContent xmlns:mc="http://schemas.openxmlformats.org/markup-compatibility/2006">
-        <mc:Choice xmlns:a14="http://schemas.microsoft.com/office/drawing/2010/main" Requires="a14">
+      <mc:AlternateContent xmlns:mc="http://schemas.openxmlformats.org/markup-compatibility/2006" xmlns:a14="http://schemas.microsoft.com/office/drawing/2010/main">
+        <mc:Choice Requires="a14">
           <p:sp>
             <p:nvSpPr>
               <p:cNvPr id="31" name="Textfeld 30">
@@ -11113,6 +11118,7 @@
               </a:bodyPr>
               <a:lstStyle/>
               <a:p>
+                <a:pPr/>
                 <a14:m>
                   <m:oMathPara xmlns:m="http://schemas.openxmlformats.org/officeDocument/2006/math">
                     <m:oMathParaPr>
@@ -11152,7 +11158,7 @@
             </p:txBody>
           </p:sp>
         </mc:Choice>
-        <mc:Fallback>
+        <mc:Fallback xmlns="">
           <p:sp>
             <p:nvSpPr>
               <p:cNvPr id="31" name="Textfeld 30">
@@ -11197,8 +11203,8 @@
           </p:sp>
         </mc:Fallback>
       </mc:AlternateContent>
-      <mc:AlternateContent xmlns:mc="http://schemas.openxmlformats.org/markup-compatibility/2006">
-        <mc:Choice xmlns:a14="http://schemas.microsoft.com/office/drawing/2010/main" Requires="a14">
+      <mc:AlternateContent xmlns:mc="http://schemas.openxmlformats.org/markup-compatibility/2006" xmlns:a14="http://schemas.microsoft.com/office/drawing/2010/main">
+        <mc:Choice Requires="a14">
           <p:sp>
             <p:nvSpPr>
               <p:cNvPr id="32" name="Textfeld 31">
@@ -11227,6 +11233,7 @@
               </a:bodyPr>
               <a:lstStyle/>
               <a:p>
+                <a:pPr/>
                 <a14:m>
                   <m:oMathPara xmlns:m="http://schemas.openxmlformats.org/officeDocument/2006/math">
                     <m:oMathParaPr>
@@ -11266,7 +11273,7 @@
             </p:txBody>
           </p:sp>
         </mc:Choice>
-        <mc:Fallback>
+        <mc:Fallback xmlns="">
           <p:sp>
             <p:nvSpPr>
               <p:cNvPr id="32" name="Textfeld 31">
@@ -11311,8 +11318,8 @@
           </p:sp>
         </mc:Fallback>
       </mc:AlternateContent>
-      <mc:AlternateContent xmlns:mc="http://schemas.openxmlformats.org/markup-compatibility/2006">
-        <mc:Choice xmlns:a14="http://schemas.microsoft.com/office/drawing/2010/main" Requires="a14">
+      <mc:AlternateContent xmlns:mc="http://schemas.openxmlformats.org/markup-compatibility/2006" xmlns:a14="http://schemas.microsoft.com/office/drawing/2010/main">
+        <mc:Choice Requires="a14">
           <p:sp>
             <p:nvSpPr>
               <p:cNvPr id="33" name="Textfeld 32">
@@ -11341,6 +11348,7 @@
               </a:bodyPr>
               <a:lstStyle/>
               <a:p>
+                <a:pPr/>
                 <a14:m>
                   <m:oMathPara xmlns:m="http://schemas.openxmlformats.org/officeDocument/2006/math">
                     <m:oMathParaPr>
@@ -11380,7 +11388,7 @@
             </p:txBody>
           </p:sp>
         </mc:Choice>
-        <mc:Fallback>
+        <mc:Fallback xmlns="">
           <p:sp>
             <p:nvSpPr>
               <p:cNvPr id="33" name="Textfeld 32">
@@ -11425,8 +11433,8 @@
           </p:sp>
         </mc:Fallback>
       </mc:AlternateContent>
-      <mc:AlternateContent xmlns:mc="http://schemas.openxmlformats.org/markup-compatibility/2006">
-        <mc:Choice xmlns:a14="http://schemas.microsoft.com/office/drawing/2010/main" Requires="a14">
+      <mc:AlternateContent xmlns:mc="http://schemas.openxmlformats.org/markup-compatibility/2006" xmlns:a14="http://schemas.microsoft.com/office/drawing/2010/main">
+        <mc:Choice Requires="a14">
           <p:sp>
             <p:nvSpPr>
               <p:cNvPr id="34" name="Textfeld 33">
@@ -11455,6 +11463,7 @@
               </a:bodyPr>
               <a:lstStyle/>
               <a:p>
+                <a:pPr/>
                 <a14:m>
                   <m:oMathPara xmlns:m="http://schemas.openxmlformats.org/officeDocument/2006/math">
                     <m:oMathParaPr>
@@ -11494,7 +11503,7 @@
             </p:txBody>
           </p:sp>
         </mc:Choice>
-        <mc:Fallback>
+        <mc:Fallback xmlns="">
           <p:sp>
             <p:nvSpPr>
               <p:cNvPr id="34" name="Textfeld 33">
@@ -11595,8 +11604,8 @@
           </a:p>
         </p:txBody>
       </p:sp>
-      <mc:AlternateContent xmlns:mc="http://schemas.openxmlformats.org/markup-compatibility/2006">
-        <mc:Choice xmlns:a14="http://schemas.microsoft.com/office/drawing/2010/main" Requires="a14">
+      <mc:AlternateContent xmlns:mc="http://schemas.openxmlformats.org/markup-compatibility/2006" xmlns:a14="http://schemas.microsoft.com/office/drawing/2010/main">
+        <mc:Choice Requires="a14">
           <p:sp>
             <p:nvSpPr>
               <p:cNvPr id="35" name="Textfeld 34">
@@ -11683,7 +11692,7 @@
             </p:txBody>
           </p:sp>
         </mc:Choice>
-        <mc:Fallback>
+        <mc:Fallback xmlns="">
           <p:sp>
             <p:nvSpPr>
               <p:cNvPr id="35" name="Textfeld 34">
@@ -11829,6 +11838,2365 @@
     <p:extLst>
       <p:ext uri="{BB962C8B-B14F-4D97-AF65-F5344CB8AC3E}">
         <p14:creationId xmlns:p14="http://schemas.microsoft.com/office/powerpoint/2010/main" val="4015801748"/>
+      </p:ext>
+    </p:extLst>
+  </p:cSld>
+  <p:clrMapOvr>
+    <a:masterClrMapping/>
+  </p:clrMapOvr>
+</p:sld>
+</file>
+
+<file path=ppt/slides/slide6.xml><?xml version="1.0" encoding="utf-8"?>
+<p:sld xmlns:a="http://schemas.openxmlformats.org/drawingml/2006/main" xmlns:r="http://schemas.openxmlformats.org/officeDocument/2006/relationships" xmlns:p="http://schemas.openxmlformats.org/presentationml/2006/main">
+  <p:cSld>
+    <p:spTree>
+      <p:nvGrpSpPr>
+        <p:cNvPr id="1" name=""/>
+        <p:cNvGrpSpPr/>
+        <p:nvPr/>
+      </p:nvGrpSpPr>
+      <p:grpSpPr>
+        <a:xfrm>
+          <a:off x="0" y="0"/>
+          <a:ext cx="0" cy="0"/>
+          <a:chOff x="0" y="0"/>
+          <a:chExt cx="0" cy="0"/>
+        </a:xfrm>
+      </p:grpSpPr>
+      <p:cxnSp>
+        <p:nvCxnSpPr>
+          <p:cNvPr id="36" name="Gerader Verbinder 35">
+            <a:extLst>
+              <a:ext uri="{FF2B5EF4-FFF2-40B4-BE49-F238E27FC236}">
+                <a16:creationId xmlns:a16="http://schemas.microsoft.com/office/drawing/2014/main" id="{411506E3-F52E-2EE1-5C8A-789A147DBC10}"/>
+              </a:ext>
+            </a:extLst>
+          </p:cNvPr>
+          <p:cNvCxnSpPr>
+            <a:cxnSpLocks/>
+            <a:stCxn id="27" idx="0"/>
+            <a:endCxn id="8" idx="1"/>
+          </p:cNvCxnSpPr>
+          <p:nvPr/>
+        </p:nvCxnSpPr>
+        <p:spPr>
+          <a:xfrm flipV="1">
+            <a:off x="6030502" y="3229834"/>
+            <a:ext cx="667165" cy="873125"/>
+          </a:xfrm>
+          <a:prstGeom prst="line">
+            <a:avLst/>
+          </a:prstGeom>
+          <a:ln w="9525" cmpd="sng">
+            <a:solidFill>
+              <a:schemeClr val="accent1">
+                <a:lumMod val="40000"/>
+                <a:lumOff val="60000"/>
+              </a:schemeClr>
+            </a:solidFill>
+          </a:ln>
+        </p:spPr>
+        <p:style>
+          <a:lnRef idx="2">
+            <a:schemeClr val="accent1"/>
+          </a:lnRef>
+          <a:fillRef idx="0">
+            <a:schemeClr val="accent1"/>
+          </a:fillRef>
+          <a:effectRef idx="1">
+            <a:schemeClr val="accent1"/>
+          </a:effectRef>
+          <a:fontRef idx="minor">
+            <a:schemeClr val="tx1"/>
+          </a:fontRef>
+        </p:style>
+      </p:cxnSp>
+      <p:cxnSp>
+        <p:nvCxnSpPr>
+          <p:cNvPr id="29" name="Gerader Verbinder 28">
+            <a:extLst>
+              <a:ext uri="{FF2B5EF4-FFF2-40B4-BE49-F238E27FC236}">
+                <a16:creationId xmlns:a16="http://schemas.microsoft.com/office/drawing/2014/main" id="{6F96ED4E-28A8-B087-020E-A433BC6881B7}"/>
+              </a:ext>
+            </a:extLst>
+          </p:cNvPr>
+          <p:cNvCxnSpPr>
+            <a:cxnSpLocks/>
+            <a:endCxn id="8" idx="1"/>
+          </p:cNvCxnSpPr>
+          <p:nvPr/>
+        </p:nvCxnSpPr>
+        <p:spPr>
+          <a:xfrm flipV="1">
+            <a:off x="4424363" y="3229834"/>
+            <a:ext cx="2273304" cy="882649"/>
+          </a:xfrm>
+          <a:prstGeom prst="line">
+            <a:avLst/>
+          </a:prstGeom>
+          <a:ln w="12700">
+            <a:solidFill>
+              <a:schemeClr val="accent1">
+                <a:lumMod val="60000"/>
+                <a:lumOff val="40000"/>
+              </a:schemeClr>
+            </a:solidFill>
+          </a:ln>
+        </p:spPr>
+        <p:style>
+          <a:lnRef idx="2">
+            <a:schemeClr val="accent1"/>
+          </a:lnRef>
+          <a:fillRef idx="0">
+            <a:schemeClr val="accent1"/>
+          </a:fillRef>
+          <a:effectRef idx="1">
+            <a:schemeClr val="accent1"/>
+          </a:effectRef>
+          <a:fontRef idx="minor">
+            <a:schemeClr val="tx1"/>
+          </a:fontRef>
+        </p:style>
+      </p:cxnSp>
+      <p:cxnSp>
+        <p:nvCxnSpPr>
+          <p:cNvPr id="33" name="Gerader Verbinder 32">
+            <a:extLst>
+              <a:ext uri="{FF2B5EF4-FFF2-40B4-BE49-F238E27FC236}">
+                <a16:creationId xmlns:a16="http://schemas.microsoft.com/office/drawing/2014/main" id="{154CE08C-C575-8CDE-1D5E-502F630971CF}"/>
+              </a:ext>
+            </a:extLst>
+          </p:cNvPr>
+          <p:cNvCxnSpPr>
+            <a:cxnSpLocks/>
+            <a:stCxn id="13" idx="3"/>
+            <a:endCxn id="8" idx="1"/>
+          </p:cNvCxnSpPr>
+          <p:nvPr/>
+        </p:nvCxnSpPr>
+        <p:spPr>
+          <a:xfrm flipV="1">
+            <a:off x="4653714" y="3229834"/>
+            <a:ext cx="2043953" cy="975718"/>
+          </a:xfrm>
+          <a:prstGeom prst="line">
+            <a:avLst/>
+          </a:prstGeom>
+          <a:ln w="28575">
+            <a:solidFill>
+              <a:schemeClr val="accent1">
+                <a:lumMod val="60000"/>
+                <a:lumOff val="40000"/>
+              </a:schemeClr>
+            </a:solidFill>
+          </a:ln>
+        </p:spPr>
+        <p:style>
+          <a:lnRef idx="2">
+            <a:schemeClr val="accent1"/>
+          </a:lnRef>
+          <a:fillRef idx="0">
+            <a:schemeClr val="accent1"/>
+          </a:fillRef>
+          <a:effectRef idx="1">
+            <a:schemeClr val="accent1"/>
+          </a:effectRef>
+          <a:fontRef idx="minor">
+            <a:schemeClr val="tx1"/>
+          </a:fontRef>
+        </p:style>
+      </p:cxnSp>
+      <p:sp>
+        <p:nvSpPr>
+          <p:cNvPr id="23" name="Rechteck 22">
+            <a:extLst>
+              <a:ext uri="{FF2B5EF4-FFF2-40B4-BE49-F238E27FC236}">
+                <a16:creationId xmlns:a16="http://schemas.microsoft.com/office/drawing/2014/main" id="{23A54D65-11B9-C817-CCAF-2A8712D57D91}"/>
+              </a:ext>
+            </a:extLst>
+          </p:cNvPr>
+          <p:cNvSpPr/>
+          <p:nvPr/>
+        </p:nvSpPr>
+        <p:spPr>
+          <a:xfrm>
+            <a:off x="4497719" y="4104195"/>
+            <a:ext cx="336550" cy="914400"/>
+          </a:xfrm>
+          <a:prstGeom prst="rect">
+            <a:avLst/>
+          </a:prstGeom>
+          <a:solidFill>
+            <a:schemeClr val="accent1">
+              <a:lumMod val="60000"/>
+              <a:lumOff val="40000"/>
+            </a:schemeClr>
+          </a:solidFill>
+          <a:ln>
+            <a:noFill/>
+          </a:ln>
+        </p:spPr>
+        <p:style>
+          <a:lnRef idx="2">
+            <a:schemeClr val="accent1">
+              <a:shade val="15000"/>
+            </a:schemeClr>
+          </a:lnRef>
+          <a:fillRef idx="1">
+            <a:schemeClr val="accent1"/>
+          </a:fillRef>
+          <a:effectRef idx="0">
+            <a:schemeClr val="accent1"/>
+          </a:effectRef>
+          <a:fontRef idx="minor">
+            <a:schemeClr val="lt1"/>
+          </a:fontRef>
+        </p:style>
+        <p:txBody>
+          <a:bodyPr rtlCol="0" anchor="ctr"/>
+          <a:lstStyle/>
+          <a:p>
+            <a:pPr algn="ctr"/>
+            <a:endParaRPr lang="en-CA" dirty="0"/>
+          </a:p>
+        </p:txBody>
+      </p:sp>
+      <p:sp>
+        <p:nvSpPr>
+          <p:cNvPr id="13" name="Textfeld 12">
+            <a:extLst>
+              <a:ext uri="{FF2B5EF4-FFF2-40B4-BE49-F238E27FC236}">
+                <a16:creationId xmlns:a16="http://schemas.microsoft.com/office/drawing/2014/main" id="{79DBB9AE-BBEC-7DB5-2D97-129D1FF62226}"/>
+              </a:ext>
+            </a:extLst>
+          </p:cNvPr>
+          <p:cNvSpPr txBox="1"/>
+          <p:nvPr/>
+        </p:nvSpPr>
+        <p:spPr>
+          <a:xfrm rot="16200000">
+            <a:off x="4247192" y="4427407"/>
+            <a:ext cx="813043" cy="369332"/>
+          </a:xfrm>
+          <a:prstGeom prst="rect">
+            <a:avLst/>
+          </a:prstGeom>
+          <a:noFill/>
+        </p:spPr>
+        <p:txBody>
+          <a:bodyPr wrap="none" rtlCol="0" anchor="ctr" anchorCtr="0">
+            <a:spAutoFit/>
+          </a:bodyPr>
+          <a:lstStyle/>
+          <a:p>
+            <a:r>
+              <a:rPr lang="en-CA" dirty="0"/>
+              <a:t>animal</a:t>
+            </a:r>
+          </a:p>
+        </p:txBody>
+      </p:sp>
+      <p:sp>
+        <p:nvSpPr>
+          <p:cNvPr id="22" name="Rechteck 21">
+            <a:extLst>
+              <a:ext uri="{FF2B5EF4-FFF2-40B4-BE49-F238E27FC236}">
+                <a16:creationId xmlns:a16="http://schemas.microsoft.com/office/drawing/2014/main" id="{7E4F22DA-E394-F97D-E58D-B9DC6E9740D6}"/>
+              </a:ext>
+            </a:extLst>
+          </p:cNvPr>
+          <p:cNvSpPr/>
+          <p:nvPr/>
+        </p:nvSpPr>
+        <p:spPr>
+          <a:xfrm>
+            <a:off x="6541672" y="2293646"/>
+            <a:ext cx="336550" cy="954380"/>
+          </a:xfrm>
+          <a:prstGeom prst="rect">
+            <a:avLst/>
+          </a:prstGeom>
+          <a:solidFill>
+            <a:schemeClr val="accent1"/>
+          </a:solidFill>
+          <a:ln>
+            <a:noFill/>
+          </a:ln>
+        </p:spPr>
+        <p:style>
+          <a:lnRef idx="2">
+            <a:schemeClr val="accent1">
+              <a:shade val="15000"/>
+            </a:schemeClr>
+          </a:lnRef>
+          <a:fillRef idx="1">
+            <a:schemeClr val="accent1"/>
+          </a:fillRef>
+          <a:effectRef idx="0">
+            <a:schemeClr val="accent1"/>
+          </a:effectRef>
+          <a:fontRef idx="minor">
+            <a:schemeClr val="lt1"/>
+          </a:fontRef>
+        </p:style>
+        <p:txBody>
+          <a:bodyPr rtlCol="0" anchor="ctr"/>
+          <a:lstStyle/>
+          <a:p>
+            <a:pPr algn="ctr"/>
+            <a:endParaRPr lang="en-CA" dirty="0"/>
+          </a:p>
+        </p:txBody>
+      </p:sp>
+      <p:sp>
+        <p:nvSpPr>
+          <p:cNvPr id="27" name="Rechteck 26">
+            <a:extLst>
+              <a:ext uri="{FF2B5EF4-FFF2-40B4-BE49-F238E27FC236}">
+                <a16:creationId xmlns:a16="http://schemas.microsoft.com/office/drawing/2014/main" id="{819BAFE5-E45A-FA4C-9BAF-46C452C11B5F}"/>
+              </a:ext>
+            </a:extLst>
+          </p:cNvPr>
+          <p:cNvSpPr/>
+          <p:nvPr/>
+        </p:nvSpPr>
+        <p:spPr>
+          <a:xfrm>
+            <a:off x="5862227" y="4102959"/>
+            <a:ext cx="336550" cy="914400"/>
+          </a:xfrm>
+          <a:prstGeom prst="rect">
+            <a:avLst/>
+          </a:prstGeom>
+          <a:solidFill>
+            <a:schemeClr val="accent1">
+              <a:lumMod val="20000"/>
+              <a:lumOff val="80000"/>
+            </a:schemeClr>
+          </a:solidFill>
+          <a:ln>
+            <a:noFill/>
+          </a:ln>
+        </p:spPr>
+        <p:style>
+          <a:lnRef idx="2">
+            <a:schemeClr val="accent1">
+              <a:shade val="15000"/>
+            </a:schemeClr>
+          </a:lnRef>
+          <a:fillRef idx="1">
+            <a:schemeClr val="accent1"/>
+          </a:fillRef>
+          <a:effectRef idx="0">
+            <a:schemeClr val="accent1"/>
+          </a:effectRef>
+          <a:fontRef idx="minor">
+            <a:schemeClr val="lt1"/>
+          </a:fontRef>
+        </p:style>
+        <p:txBody>
+          <a:bodyPr rtlCol="0" anchor="ctr"/>
+          <a:lstStyle/>
+          <a:p>
+            <a:pPr algn="ctr"/>
+            <a:endParaRPr lang="en-CA" dirty="0"/>
+          </a:p>
+        </p:txBody>
+      </p:sp>
+      <p:sp>
+        <p:nvSpPr>
+          <p:cNvPr id="24" name="Rechteck 23">
+            <a:extLst>
+              <a:ext uri="{FF2B5EF4-FFF2-40B4-BE49-F238E27FC236}">
+                <a16:creationId xmlns:a16="http://schemas.microsoft.com/office/drawing/2014/main" id="{B9ADEB18-EE21-AF33-4C85-6F209948E3D7}"/>
+              </a:ext>
+            </a:extLst>
+          </p:cNvPr>
+          <p:cNvSpPr/>
+          <p:nvPr/>
+        </p:nvSpPr>
+        <p:spPr>
+          <a:xfrm>
+            <a:off x="4134736" y="4104195"/>
+            <a:ext cx="336550" cy="914400"/>
+          </a:xfrm>
+          <a:prstGeom prst="rect">
+            <a:avLst/>
+          </a:prstGeom>
+          <a:solidFill>
+            <a:schemeClr val="accent1">
+              <a:lumMod val="40000"/>
+              <a:lumOff val="60000"/>
+            </a:schemeClr>
+          </a:solidFill>
+          <a:ln>
+            <a:noFill/>
+          </a:ln>
+        </p:spPr>
+        <p:style>
+          <a:lnRef idx="2">
+            <a:schemeClr val="accent1">
+              <a:shade val="15000"/>
+            </a:schemeClr>
+          </a:lnRef>
+          <a:fillRef idx="1">
+            <a:schemeClr val="accent1"/>
+          </a:fillRef>
+          <a:effectRef idx="0">
+            <a:schemeClr val="accent1"/>
+          </a:effectRef>
+          <a:fontRef idx="minor">
+            <a:schemeClr val="lt1"/>
+          </a:fontRef>
+        </p:style>
+        <p:txBody>
+          <a:bodyPr rtlCol="0" anchor="ctr"/>
+          <a:lstStyle/>
+          <a:p>
+            <a:pPr algn="ctr"/>
+            <a:endParaRPr lang="en-CA" dirty="0"/>
+          </a:p>
+        </p:txBody>
+      </p:sp>
+      <p:sp>
+        <p:nvSpPr>
+          <p:cNvPr id="2" name="Textfeld 1">
+            <a:extLst>
+              <a:ext uri="{FF2B5EF4-FFF2-40B4-BE49-F238E27FC236}">
+                <a16:creationId xmlns:a16="http://schemas.microsoft.com/office/drawing/2014/main" id="{6E6412C0-BB38-15AA-BBF2-35A32C2DEFA3}"/>
+              </a:ext>
+            </a:extLst>
+          </p:cNvPr>
+          <p:cNvSpPr txBox="1"/>
+          <p:nvPr/>
+        </p:nvSpPr>
+        <p:spPr>
+          <a:xfrm rot="16200000">
+            <a:off x="4041184" y="2774534"/>
+            <a:ext cx="543739" cy="369332"/>
+          </a:xfrm>
+          <a:prstGeom prst="rect">
+            <a:avLst/>
+          </a:prstGeom>
+          <a:noFill/>
+        </p:spPr>
+        <p:txBody>
+          <a:bodyPr wrap="none" rtlCol="0" anchor="ctr" anchorCtr="0">
+            <a:spAutoFit/>
+          </a:bodyPr>
+          <a:lstStyle/>
+          <a:p>
+            <a:r>
+              <a:rPr lang="en-CA" dirty="0"/>
+              <a:t>The</a:t>
+            </a:r>
+          </a:p>
+        </p:txBody>
+      </p:sp>
+      <p:sp>
+        <p:nvSpPr>
+          <p:cNvPr id="3" name="Textfeld 2">
+            <a:extLst>
+              <a:ext uri="{FF2B5EF4-FFF2-40B4-BE49-F238E27FC236}">
+                <a16:creationId xmlns:a16="http://schemas.microsoft.com/office/drawing/2014/main" id="{60870E7F-A900-16EF-669C-005A6680E07B}"/>
+              </a:ext>
+            </a:extLst>
+          </p:cNvPr>
+          <p:cNvSpPr txBox="1"/>
+          <p:nvPr/>
+        </p:nvSpPr>
+        <p:spPr>
+          <a:xfrm rot="16200000">
+            <a:off x="4247191" y="2639882"/>
+            <a:ext cx="813043" cy="369332"/>
+          </a:xfrm>
+          <a:prstGeom prst="rect">
+            <a:avLst/>
+          </a:prstGeom>
+          <a:noFill/>
+        </p:spPr>
+        <p:txBody>
+          <a:bodyPr wrap="none" rtlCol="0" anchor="ctr" anchorCtr="0">
+            <a:spAutoFit/>
+          </a:bodyPr>
+          <a:lstStyle/>
+          <a:p>
+            <a:r>
+              <a:rPr lang="en-CA" dirty="0"/>
+              <a:t>animal</a:t>
+            </a:r>
+          </a:p>
+        </p:txBody>
+      </p:sp>
+      <p:sp>
+        <p:nvSpPr>
+          <p:cNvPr id="4" name="Textfeld 3">
+            <a:extLst>
+              <a:ext uri="{FF2B5EF4-FFF2-40B4-BE49-F238E27FC236}">
+                <a16:creationId xmlns:a16="http://schemas.microsoft.com/office/drawing/2014/main" id="{2AB26703-D9C0-3030-C48F-626747EC6740}"/>
+              </a:ext>
+            </a:extLst>
+          </p:cNvPr>
+          <p:cNvSpPr txBox="1"/>
+          <p:nvPr/>
+        </p:nvSpPr>
+        <p:spPr>
+          <a:xfrm rot="16200000">
+            <a:off x="4626322" y="2678354"/>
+            <a:ext cx="736099" cy="369332"/>
+          </a:xfrm>
+          <a:prstGeom prst="rect">
+            <a:avLst/>
+          </a:prstGeom>
+          <a:noFill/>
+        </p:spPr>
+        <p:txBody>
+          <a:bodyPr wrap="none" rtlCol="0" anchor="ctr" anchorCtr="0">
+            <a:spAutoFit/>
+          </a:bodyPr>
+          <a:lstStyle/>
+          <a:p>
+            <a:r>
+              <a:rPr lang="en-CA" dirty="0"/>
+              <a:t>didn‘t</a:t>
+            </a:r>
+          </a:p>
+        </p:txBody>
+      </p:sp>
+      <p:sp>
+        <p:nvSpPr>
+          <p:cNvPr id="5" name="Textfeld 4">
+            <a:extLst>
+              <a:ext uri="{FF2B5EF4-FFF2-40B4-BE49-F238E27FC236}">
+                <a16:creationId xmlns:a16="http://schemas.microsoft.com/office/drawing/2014/main" id="{32B79BE0-8503-BA74-7498-5E4A79ACF96D}"/>
+              </a:ext>
+            </a:extLst>
+          </p:cNvPr>
+          <p:cNvSpPr txBox="1"/>
+          <p:nvPr/>
+        </p:nvSpPr>
+        <p:spPr>
+          <a:xfrm rot="16200000">
+            <a:off x="5005453" y="2716826"/>
+            <a:ext cx="659155" cy="369332"/>
+          </a:xfrm>
+          <a:prstGeom prst="rect">
+            <a:avLst/>
+          </a:prstGeom>
+          <a:noFill/>
+        </p:spPr>
+        <p:txBody>
+          <a:bodyPr wrap="none" rtlCol="0" anchor="ctr" anchorCtr="0">
+            <a:spAutoFit/>
+          </a:bodyPr>
+          <a:lstStyle/>
+          <a:p>
+            <a:r>
+              <a:rPr lang="en-CA" dirty="0"/>
+              <a:t>cross</a:t>
+            </a:r>
+          </a:p>
+        </p:txBody>
+      </p:sp>
+      <p:sp>
+        <p:nvSpPr>
+          <p:cNvPr id="6" name="Textfeld 5">
+            <a:extLst>
+              <a:ext uri="{FF2B5EF4-FFF2-40B4-BE49-F238E27FC236}">
+                <a16:creationId xmlns:a16="http://schemas.microsoft.com/office/drawing/2014/main" id="{73ABCAAB-E19A-EB10-956F-9F3276771F4C}"/>
+              </a:ext>
+            </a:extLst>
+          </p:cNvPr>
+          <p:cNvSpPr txBox="1"/>
+          <p:nvPr/>
+        </p:nvSpPr>
+        <p:spPr>
+          <a:xfrm rot="16200000">
+            <a:off x="5673947" y="2704002"/>
+            <a:ext cx="684803" cy="369332"/>
+          </a:xfrm>
+          <a:prstGeom prst="rect">
+            <a:avLst/>
+          </a:prstGeom>
+          <a:noFill/>
+        </p:spPr>
+        <p:txBody>
+          <a:bodyPr wrap="none" rtlCol="0" anchor="ctr" anchorCtr="0">
+            <a:spAutoFit/>
+          </a:bodyPr>
+          <a:lstStyle/>
+          <a:p>
+            <a:r>
+              <a:rPr lang="en-CA" dirty="0"/>
+              <a:t>street</a:t>
+            </a:r>
+          </a:p>
+        </p:txBody>
+      </p:sp>
+      <p:sp>
+        <p:nvSpPr>
+          <p:cNvPr id="7" name="Textfeld 6">
+            <a:extLst>
+              <a:ext uri="{FF2B5EF4-FFF2-40B4-BE49-F238E27FC236}">
+                <a16:creationId xmlns:a16="http://schemas.microsoft.com/office/drawing/2014/main" id="{CFB4A2E8-ED14-DE12-9BB8-DBD64B6B6A66}"/>
+              </a:ext>
+            </a:extLst>
+          </p:cNvPr>
+          <p:cNvSpPr txBox="1"/>
+          <p:nvPr/>
+        </p:nvSpPr>
+        <p:spPr>
+          <a:xfrm rot="16200000">
+            <a:off x="5899190" y="2588586"/>
+            <a:ext cx="915635" cy="369332"/>
+          </a:xfrm>
+          <a:prstGeom prst="rect">
+            <a:avLst/>
+          </a:prstGeom>
+          <a:noFill/>
+        </p:spPr>
+        <p:txBody>
+          <a:bodyPr wrap="none" rtlCol="0" anchor="ctr" anchorCtr="0">
+            <a:spAutoFit/>
+          </a:bodyPr>
+          <a:lstStyle/>
+          <a:p>
+            <a:r>
+              <a:rPr lang="en-CA" dirty="0"/>
+              <a:t>because</a:t>
+            </a:r>
+          </a:p>
+        </p:txBody>
+      </p:sp>
+      <p:sp>
+        <p:nvSpPr>
+          <p:cNvPr id="8" name="Textfeld 7">
+            <a:extLst>
+              <a:ext uri="{FF2B5EF4-FFF2-40B4-BE49-F238E27FC236}">
+                <a16:creationId xmlns:a16="http://schemas.microsoft.com/office/drawing/2014/main" id="{C99D1E96-0C88-5E52-A7E9-4F250B0E9C41}"/>
+              </a:ext>
+            </a:extLst>
+          </p:cNvPr>
+          <p:cNvSpPr txBox="1"/>
+          <p:nvPr/>
+        </p:nvSpPr>
+        <p:spPr>
+          <a:xfrm rot="16200000">
+            <a:off x="6541832" y="2889333"/>
+            <a:ext cx="311670" cy="369332"/>
+          </a:xfrm>
+          <a:prstGeom prst="rect">
+            <a:avLst/>
+          </a:prstGeom>
+          <a:noFill/>
+        </p:spPr>
+        <p:txBody>
+          <a:bodyPr wrap="square" rtlCol="0" anchor="ctr" anchorCtr="0">
+            <a:spAutoFit/>
+          </a:bodyPr>
+          <a:lstStyle/>
+          <a:p>
+            <a:r>
+              <a:rPr lang="en-CA" dirty="0"/>
+              <a:t>it</a:t>
+            </a:r>
+          </a:p>
+        </p:txBody>
+      </p:sp>
+      <p:sp>
+        <p:nvSpPr>
+          <p:cNvPr id="9" name="Textfeld 8">
+            <a:extLst>
+              <a:ext uri="{FF2B5EF4-FFF2-40B4-BE49-F238E27FC236}">
+                <a16:creationId xmlns:a16="http://schemas.microsoft.com/office/drawing/2014/main" id="{FD9EE875-EE09-E03C-A4DC-E1CD93CA48F8}"/>
+              </a:ext>
+            </a:extLst>
+          </p:cNvPr>
+          <p:cNvSpPr txBox="1"/>
+          <p:nvPr/>
+        </p:nvSpPr>
+        <p:spPr>
+          <a:xfrm rot="16200000">
+            <a:off x="6766456" y="2774534"/>
+            <a:ext cx="543739" cy="369332"/>
+          </a:xfrm>
+          <a:prstGeom prst="rect">
+            <a:avLst/>
+          </a:prstGeom>
+          <a:noFill/>
+        </p:spPr>
+        <p:txBody>
+          <a:bodyPr wrap="none" rtlCol="0" anchor="ctr" anchorCtr="0">
+            <a:spAutoFit/>
+          </a:bodyPr>
+          <a:lstStyle/>
+          <a:p>
+            <a:r>
+              <a:rPr lang="en-CA" dirty="0"/>
+              <a:t>was</a:t>
+            </a:r>
+          </a:p>
+        </p:txBody>
+      </p:sp>
+      <p:sp>
+        <p:nvSpPr>
+          <p:cNvPr id="10" name="Textfeld 9">
+            <a:extLst>
+              <a:ext uri="{FF2B5EF4-FFF2-40B4-BE49-F238E27FC236}">
+                <a16:creationId xmlns:a16="http://schemas.microsoft.com/office/drawing/2014/main" id="{86F7D5AD-4D86-4807-60DB-4AECB87405B7}"/>
+              </a:ext>
+            </a:extLst>
+          </p:cNvPr>
+          <p:cNvSpPr txBox="1"/>
+          <p:nvPr/>
+        </p:nvSpPr>
+        <p:spPr>
+          <a:xfrm rot="16200000">
+            <a:off x="7139176" y="2806595"/>
+            <a:ext cx="479618" cy="369332"/>
+          </a:xfrm>
+          <a:prstGeom prst="rect">
+            <a:avLst/>
+          </a:prstGeom>
+          <a:noFill/>
+        </p:spPr>
+        <p:txBody>
+          <a:bodyPr wrap="none" rtlCol="0" anchor="ctr" anchorCtr="0">
+            <a:spAutoFit/>
+          </a:bodyPr>
+          <a:lstStyle/>
+          <a:p>
+            <a:r>
+              <a:rPr lang="en-CA" dirty="0"/>
+              <a:t>too</a:t>
+            </a:r>
+          </a:p>
+        </p:txBody>
+      </p:sp>
+      <p:sp>
+        <p:nvSpPr>
+          <p:cNvPr id="11" name="Textfeld 10">
+            <a:extLst>
+              <a:ext uri="{FF2B5EF4-FFF2-40B4-BE49-F238E27FC236}">
+                <a16:creationId xmlns:a16="http://schemas.microsoft.com/office/drawing/2014/main" id="{99F3BB4B-F2F0-B348-6E10-D4161E9D2206}"/>
+              </a:ext>
+            </a:extLst>
+          </p:cNvPr>
+          <p:cNvSpPr txBox="1"/>
+          <p:nvPr/>
+        </p:nvSpPr>
+        <p:spPr>
+          <a:xfrm rot="16200000">
+            <a:off x="7415716" y="2742474"/>
+            <a:ext cx="607859" cy="369332"/>
+          </a:xfrm>
+          <a:prstGeom prst="rect">
+            <a:avLst/>
+          </a:prstGeom>
+          <a:noFill/>
+        </p:spPr>
+        <p:txBody>
+          <a:bodyPr wrap="none" rtlCol="0" anchor="ctr" anchorCtr="0">
+            <a:spAutoFit/>
+          </a:bodyPr>
+          <a:lstStyle/>
+          <a:p>
+            <a:r>
+              <a:rPr lang="en-CA" dirty="0"/>
+              <a:t>tired</a:t>
+            </a:r>
+          </a:p>
+        </p:txBody>
+      </p:sp>
+      <p:sp>
+        <p:nvSpPr>
+          <p:cNvPr id="12" name="Textfeld 11">
+            <a:extLst>
+              <a:ext uri="{FF2B5EF4-FFF2-40B4-BE49-F238E27FC236}">
+                <a16:creationId xmlns:a16="http://schemas.microsoft.com/office/drawing/2014/main" id="{9DF3F375-E6FD-7692-7C84-C40AD70290CE}"/>
+              </a:ext>
+            </a:extLst>
+          </p:cNvPr>
+          <p:cNvSpPr txBox="1"/>
+          <p:nvPr/>
+        </p:nvSpPr>
+        <p:spPr>
+          <a:xfrm rot="16200000">
+            <a:off x="4041185" y="4562059"/>
+            <a:ext cx="543739" cy="369332"/>
+          </a:xfrm>
+          <a:prstGeom prst="rect">
+            <a:avLst/>
+          </a:prstGeom>
+          <a:noFill/>
+        </p:spPr>
+        <p:txBody>
+          <a:bodyPr wrap="none" rtlCol="0" anchor="ctr" anchorCtr="0">
+            <a:spAutoFit/>
+          </a:bodyPr>
+          <a:lstStyle/>
+          <a:p>
+            <a:r>
+              <a:rPr lang="en-CA" dirty="0"/>
+              <a:t>The</a:t>
+            </a:r>
+          </a:p>
+        </p:txBody>
+      </p:sp>
+      <p:sp>
+        <p:nvSpPr>
+          <p:cNvPr id="14" name="Textfeld 13">
+            <a:extLst>
+              <a:ext uri="{FF2B5EF4-FFF2-40B4-BE49-F238E27FC236}">
+                <a16:creationId xmlns:a16="http://schemas.microsoft.com/office/drawing/2014/main" id="{EA97C904-B3EF-1F46-D3F7-FD2E66E6340A}"/>
+              </a:ext>
+            </a:extLst>
+          </p:cNvPr>
+          <p:cNvSpPr txBox="1"/>
+          <p:nvPr/>
+        </p:nvSpPr>
+        <p:spPr>
+          <a:xfrm rot="16200000">
+            <a:off x="4626323" y="4465879"/>
+            <a:ext cx="736099" cy="369332"/>
+          </a:xfrm>
+          <a:prstGeom prst="rect">
+            <a:avLst/>
+          </a:prstGeom>
+          <a:noFill/>
+        </p:spPr>
+        <p:txBody>
+          <a:bodyPr wrap="none" rtlCol="0" anchor="ctr" anchorCtr="0">
+            <a:spAutoFit/>
+          </a:bodyPr>
+          <a:lstStyle/>
+          <a:p>
+            <a:r>
+              <a:rPr lang="en-CA" dirty="0"/>
+              <a:t>didn‘t</a:t>
+            </a:r>
+          </a:p>
+        </p:txBody>
+      </p:sp>
+      <p:sp>
+        <p:nvSpPr>
+          <p:cNvPr id="15" name="Textfeld 14">
+            <a:extLst>
+              <a:ext uri="{FF2B5EF4-FFF2-40B4-BE49-F238E27FC236}">
+                <a16:creationId xmlns:a16="http://schemas.microsoft.com/office/drawing/2014/main" id="{A3C5A390-C22A-1EFA-B983-2B229F598BE5}"/>
+              </a:ext>
+            </a:extLst>
+          </p:cNvPr>
+          <p:cNvSpPr txBox="1"/>
+          <p:nvPr/>
+        </p:nvSpPr>
+        <p:spPr>
+          <a:xfrm rot="16200000">
+            <a:off x="5005454" y="4504351"/>
+            <a:ext cx="659155" cy="369332"/>
+          </a:xfrm>
+          <a:prstGeom prst="rect">
+            <a:avLst/>
+          </a:prstGeom>
+          <a:noFill/>
+        </p:spPr>
+        <p:txBody>
+          <a:bodyPr wrap="none" rtlCol="0" anchor="ctr" anchorCtr="0">
+            <a:spAutoFit/>
+          </a:bodyPr>
+          <a:lstStyle/>
+          <a:p>
+            <a:r>
+              <a:rPr lang="en-CA" dirty="0"/>
+              <a:t>cross</a:t>
+            </a:r>
+          </a:p>
+        </p:txBody>
+      </p:sp>
+      <p:sp>
+        <p:nvSpPr>
+          <p:cNvPr id="16" name="Textfeld 15">
+            <a:extLst>
+              <a:ext uri="{FF2B5EF4-FFF2-40B4-BE49-F238E27FC236}">
+                <a16:creationId xmlns:a16="http://schemas.microsoft.com/office/drawing/2014/main" id="{00DE675D-7A08-D61D-830E-18CEC77DE641}"/>
+              </a:ext>
+            </a:extLst>
+          </p:cNvPr>
+          <p:cNvSpPr txBox="1"/>
+          <p:nvPr/>
+        </p:nvSpPr>
+        <p:spPr>
+          <a:xfrm rot="16200000">
+            <a:off x="5673948" y="4491527"/>
+            <a:ext cx="684803" cy="369332"/>
+          </a:xfrm>
+          <a:prstGeom prst="rect">
+            <a:avLst/>
+          </a:prstGeom>
+          <a:noFill/>
+        </p:spPr>
+        <p:txBody>
+          <a:bodyPr wrap="none" rtlCol="0" anchor="ctr" anchorCtr="0">
+            <a:spAutoFit/>
+          </a:bodyPr>
+          <a:lstStyle/>
+          <a:p>
+            <a:r>
+              <a:rPr lang="en-CA" dirty="0"/>
+              <a:t>street</a:t>
+            </a:r>
+          </a:p>
+        </p:txBody>
+      </p:sp>
+      <p:sp>
+        <p:nvSpPr>
+          <p:cNvPr id="17" name="Textfeld 16">
+            <a:extLst>
+              <a:ext uri="{FF2B5EF4-FFF2-40B4-BE49-F238E27FC236}">
+                <a16:creationId xmlns:a16="http://schemas.microsoft.com/office/drawing/2014/main" id="{C7A28553-16F8-B1CE-ACAE-670873FF65AE}"/>
+              </a:ext>
+            </a:extLst>
+          </p:cNvPr>
+          <p:cNvSpPr txBox="1"/>
+          <p:nvPr/>
+        </p:nvSpPr>
+        <p:spPr>
+          <a:xfrm rot="16200000">
+            <a:off x="5899191" y="4376111"/>
+            <a:ext cx="915635" cy="369332"/>
+          </a:xfrm>
+          <a:prstGeom prst="rect">
+            <a:avLst/>
+          </a:prstGeom>
+          <a:noFill/>
+        </p:spPr>
+        <p:txBody>
+          <a:bodyPr wrap="none" rtlCol="0" anchor="ctr" anchorCtr="0">
+            <a:spAutoFit/>
+          </a:bodyPr>
+          <a:lstStyle/>
+          <a:p>
+            <a:r>
+              <a:rPr lang="en-CA" dirty="0"/>
+              <a:t>because</a:t>
+            </a:r>
+          </a:p>
+        </p:txBody>
+      </p:sp>
+      <p:sp>
+        <p:nvSpPr>
+          <p:cNvPr id="18" name="Textfeld 17">
+            <a:extLst>
+              <a:ext uri="{FF2B5EF4-FFF2-40B4-BE49-F238E27FC236}">
+                <a16:creationId xmlns:a16="http://schemas.microsoft.com/office/drawing/2014/main" id="{39D2ECB3-9851-CC28-272A-0CCF563D24D6}"/>
+              </a:ext>
+            </a:extLst>
+          </p:cNvPr>
+          <p:cNvSpPr txBox="1"/>
+          <p:nvPr/>
+        </p:nvSpPr>
+        <p:spPr>
+          <a:xfrm rot="16200000">
+            <a:off x="6541215" y="4677476"/>
+            <a:ext cx="312906" cy="369332"/>
+          </a:xfrm>
+          <a:prstGeom prst="rect">
+            <a:avLst/>
+          </a:prstGeom>
+          <a:noFill/>
+        </p:spPr>
+        <p:txBody>
+          <a:bodyPr wrap="none" rtlCol="0" anchor="ctr" anchorCtr="0">
+            <a:spAutoFit/>
+          </a:bodyPr>
+          <a:lstStyle/>
+          <a:p>
+            <a:r>
+              <a:rPr lang="en-CA" dirty="0"/>
+              <a:t>it</a:t>
+            </a:r>
+          </a:p>
+        </p:txBody>
+      </p:sp>
+      <p:sp>
+        <p:nvSpPr>
+          <p:cNvPr id="19" name="Textfeld 18">
+            <a:extLst>
+              <a:ext uri="{FF2B5EF4-FFF2-40B4-BE49-F238E27FC236}">
+                <a16:creationId xmlns:a16="http://schemas.microsoft.com/office/drawing/2014/main" id="{F2702AE7-5F77-460D-79F9-7F059468706F}"/>
+              </a:ext>
+            </a:extLst>
+          </p:cNvPr>
+          <p:cNvSpPr txBox="1"/>
+          <p:nvPr/>
+        </p:nvSpPr>
+        <p:spPr>
+          <a:xfrm rot="16200000">
+            <a:off x="6766457" y="4562059"/>
+            <a:ext cx="543739" cy="369332"/>
+          </a:xfrm>
+          <a:prstGeom prst="rect">
+            <a:avLst/>
+          </a:prstGeom>
+          <a:noFill/>
+        </p:spPr>
+        <p:txBody>
+          <a:bodyPr wrap="none" rtlCol="0" anchor="ctr" anchorCtr="0">
+            <a:spAutoFit/>
+          </a:bodyPr>
+          <a:lstStyle/>
+          <a:p>
+            <a:r>
+              <a:rPr lang="en-CA" dirty="0"/>
+              <a:t>was</a:t>
+            </a:r>
+          </a:p>
+        </p:txBody>
+      </p:sp>
+      <p:sp>
+        <p:nvSpPr>
+          <p:cNvPr id="20" name="Textfeld 19">
+            <a:extLst>
+              <a:ext uri="{FF2B5EF4-FFF2-40B4-BE49-F238E27FC236}">
+                <a16:creationId xmlns:a16="http://schemas.microsoft.com/office/drawing/2014/main" id="{B908F0F9-7BD6-3C89-33C9-EA6466E281CF}"/>
+              </a:ext>
+            </a:extLst>
+          </p:cNvPr>
+          <p:cNvSpPr txBox="1"/>
+          <p:nvPr/>
+        </p:nvSpPr>
+        <p:spPr>
+          <a:xfrm rot="16200000">
+            <a:off x="7139177" y="4594120"/>
+            <a:ext cx="479618" cy="369332"/>
+          </a:xfrm>
+          <a:prstGeom prst="rect">
+            <a:avLst/>
+          </a:prstGeom>
+          <a:noFill/>
+        </p:spPr>
+        <p:txBody>
+          <a:bodyPr wrap="none" rtlCol="0" anchor="ctr" anchorCtr="0">
+            <a:spAutoFit/>
+          </a:bodyPr>
+          <a:lstStyle/>
+          <a:p>
+            <a:r>
+              <a:rPr lang="en-CA" dirty="0"/>
+              <a:t>too</a:t>
+            </a:r>
+          </a:p>
+        </p:txBody>
+      </p:sp>
+      <p:sp>
+        <p:nvSpPr>
+          <p:cNvPr id="21" name="Textfeld 20">
+            <a:extLst>
+              <a:ext uri="{FF2B5EF4-FFF2-40B4-BE49-F238E27FC236}">
+                <a16:creationId xmlns:a16="http://schemas.microsoft.com/office/drawing/2014/main" id="{6160E521-ADF3-527C-C774-2A2B373883FF}"/>
+              </a:ext>
+            </a:extLst>
+          </p:cNvPr>
+          <p:cNvSpPr txBox="1"/>
+          <p:nvPr/>
+        </p:nvSpPr>
+        <p:spPr>
+          <a:xfrm rot="16200000">
+            <a:off x="7415717" y="4529999"/>
+            <a:ext cx="607859" cy="369332"/>
+          </a:xfrm>
+          <a:prstGeom prst="rect">
+            <a:avLst/>
+          </a:prstGeom>
+          <a:noFill/>
+        </p:spPr>
+        <p:txBody>
+          <a:bodyPr wrap="none" rtlCol="0" anchor="ctr" anchorCtr="0">
+            <a:spAutoFit/>
+          </a:bodyPr>
+          <a:lstStyle/>
+          <a:p>
+            <a:r>
+              <a:rPr lang="en-CA" dirty="0"/>
+              <a:t>tired</a:t>
+            </a:r>
+          </a:p>
+        </p:txBody>
+      </p:sp>
+      <p:sp>
+        <p:nvSpPr>
+          <p:cNvPr id="25" name="Textfeld 24">
+            <a:extLst>
+              <a:ext uri="{FF2B5EF4-FFF2-40B4-BE49-F238E27FC236}">
+                <a16:creationId xmlns:a16="http://schemas.microsoft.com/office/drawing/2014/main" id="{22BCE0AA-2B04-9A29-CCC1-65F886F15FC2}"/>
+              </a:ext>
+            </a:extLst>
+          </p:cNvPr>
+          <p:cNvSpPr txBox="1"/>
+          <p:nvPr/>
+        </p:nvSpPr>
+        <p:spPr>
+          <a:xfrm rot="16200000">
+            <a:off x="5442293" y="2813007"/>
+            <a:ext cx="466794" cy="369332"/>
+          </a:xfrm>
+          <a:prstGeom prst="rect">
+            <a:avLst/>
+          </a:prstGeom>
+          <a:noFill/>
+        </p:spPr>
+        <p:txBody>
+          <a:bodyPr wrap="none" rtlCol="0" anchor="ctr" anchorCtr="0">
+            <a:spAutoFit/>
+          </a:bodyPr>
+          <a:lstStyle/>
+          <a:p>
+            <a:r>
+              <a:rPr lang="en-CA" dirty="0"/>
+              <a:t>the</a:t>
+            </a:r>
+          </a:p>
+        </p:txBody>
+      </p:sp>
+      <p:sp>
+        <p:nvSpPr>
+          <p:cNvPr id="26" name="Textfeld 25">
+            <a:extLst>
+              <a:ext uri="{FF2B5EF4-FFF2-40B4-BE49-F238E27FC236}">
+                <a16:creationId xmlns:a16="http://schemas.microsoft.com/office/drawing/2014/main" id="{9657D399-408B-3FDC-1DAA-E2432DC8ED50}"/>
+              </a:ext>
+            </a:extLst>
+          </p:cNvPr>
+          <p:cNvSpPr txBox="1"/>
+          <p:nvPr/>
+        </p:nvSpPr>
+        <p:spPr>
+          <a:xfrm rot="16200000">
+            <a:off x="5442294" y="4600532"/>
+            <a:ext cx="466794" cy="369332"/>
+          </a:xfrm>
+          <a:prstGeom prst="rect">
+            <a:avLst/>
+          </a:prstGeom>
+          <a:noFill/>
+        </p:spPr>
+        <p:txBody>
+          <a:bodyPr wrap="none" rtlCol="0" anchor="ctr" anchorCtr="0">
+            <a:spAutoFit/>
+          </a:bodyPr>
+          <a:lstStyle/>
+          <a:p>
+            <a:r>
+              <a:rPr lang="en-CA" dirty="0"/>
+              <a:t>the</a:t>
+            </a:r>
+          </a:p>
+        </p:txBody>
+      </p:sp>
+      <p:sp>
+        <p:nvSpPr>
+          <p:cNvPr id="28" name="Textfeld 27">
+            <a:extLst>
+              <a:ext uri="{FF2B5EF4-FFF2-40B4-BE49-F238E27FC236}">
+                <a16:creationId xmlns:a16="http://schemas.microsoft.com/office/drawing/2014/main" id="{2D074135-5017-6A7B-F562-5BCC86DB0FBC}"/>
+              </a:ext>
+            </a:extLst>
+          </p:cNvPr>
+          <p:cNvSpPr txBox="1"/>
+          <p:nvPr/>
+        </p:nvSpPr>
+        <p:spPr>
+          <a:xfrm>
+            <a:off x="2031999" y="4650545"/>
+            <a:ext cx="1588897" cy="369332"/>
+          </a:xfrm>
+          <a:prstGeom prst="rect">
+            <a:avLst/>
+          </a:prstGeom>
+          <a:noFill/>
+        </p:spPr>
+        <p:txBody>
+          <a:bodyPr wrap="none" rtlCol="0">
+            <a:spAutoFit/>
+          </a:bodyPr>
+          <a:lstStyle/>
+          <a:p>
+            <a:r>
+              <a:rPr lang="en-US" dirty="0"/>
+              <a:t>Previous Layer</a:t>
+            </a:r>
+          </a:p>
+        </p:txBody>
+      </p:sp>
+      <p:sp>
+        <p:nvSpPr>
+          <p:cNvPr id="30" name="Textfeld 29">
+            <a:extLst>
+              <a:ext uri="{FF2B5EF4-FFF2-40B4-BE49-F238E27FC236}">
+                <a16:creationId xmlns:a16="http://schemas.microsoft.com/office/drawing/2014/main" id="{F3445E28-7C41-41E2-D6E8-F97B77688728}"/>
+              </a:ext>
+            </a:extLst>
+          </p:cNvPr>
+          <p:cNvSpPr txBox="1"/>
+          <p:nvPr/>
+        </p:nvSpPr>
+        <p:spPr>
+          <a:xfrm>
+            <a:off x="2031999" y="2863020"/>
+            <a:ext cx="1229824" cy="369332"/>
+          </a:xfrm>
+          <a:prstGeom prst="rect">
+            <a:avLst/>
+          </a:prstGeom>
+          <a:noFill/>
+        </p:spPr>
+        <p:txBody>
+          <a:bodyPr wrap="none" rtlCol="0">
+            <a:spAutoFit/>
+          </a:bodyPr>
+          <a:lstStyle/>
+          <a:p>
+            <a:r>
+              <a:rPr lang="de-DE" dirty="0"/>
+              <a:t>Next Layer</a:t>
+            </a:r>
+          </a:p>
+        </p:txBody>
+      </p:sp>
+    </p:spTree>
+    <p:extLst>
+      <p:ext uri="{BB962C8B-B14F-4D97-AF65-F5344CB8AC3E}">
+        <p14:creationId xmlns:p14="http://schemas.microsoft.com/office/powerpoint/2010/main" val="427184890"/>
+      </p:ext>
+    </p:extLst>
+  </p:cSld>
+  <p:clrMapOvr>
+    <a:masterClrMapping/>
+  </p:clrMapOvr>
+</p:sld>
+</file>
+
+<file path=ppt/slides/slide7.xml><?xml version="1.0" encoding="utf-8"?>
+<p:sld xmlns:a="http://schemas.openxmlformats.org/drawingml/2006/main" xmlns:r="http://schemas.openxmlformats.org/officeDocument/2006/relationships" xmlns:p="http://schemas.openxmlformats.org/presentationml/2006/main">
+  <p:cSld>
+    <p:spTree>
+      <p:nvGrpSpPr>
+        <p:cNvPr id="1" name=""/>
+        <p:cNvGrpSpPr/>
+        <p:nvPr/>
+      </p:nvGrpSpPr>
+      <p:grpSpPr>
+        <a:xfrm>
+          <a:off x="0" y="0"/>
+          <a:ext cx="0" cy="0"/>
+          <a:chOff x="0" y="0"/>
+          <a:chExt cx="0" cy="0"/>
+        </a:xfrm>
+      </p:grpSpPr>
+      <p:sp>
+        <p:nvSpPr>
+          <p:cNvPr id="2" name="Rechteck: abgerundete Ecken 1">
+            <a:extLst>
+              <a:ext uri="{FF2B5EF4-FFF2-40B4-BE49-F238E27FC236}">
+                <a16:creationId xmlns:a16="http://schemas.microsoft.com/office/drawing/2014/main" id="{75828290-FE84-BFF5-18AC-915BEAE1A69F}"/>
+              </a:ext>
+            </a:extLst>
+          </p:cNvPr>
+          <p:cNvSpPr/>
+          <p:nvPr/>
+        </p:nvSpPr>
+        <p:spPr>
+          <a:xfrm>
+            <a:off x="2454166" y="1780628"/>
+            <a:ext cx="1270000" cy="425450"/>
+          </a:xfrm>
+          <a:prstGeom prst="roundRect">
+            <a:avLst/>
+          </a:prstGeom>
+          <a:ln w="15875"/>
+        </p:spPr>
+        <p:style>
+          <a:lnRef idx="2">
+            <a:schemeClr val="accent1">
+              <a:shade val="15000"/>
+            </a:schemeClr>
+          </a:lnRef>
+          <a:fillRef idx="1">
+            <a:schemeClr val="accent1"/>
+          </a:fillRef>
+          <a:effectRef idx="0">
+            <a:schemeClr val="accent1"/>
+          </a:effectRef>
+          <a:fontRef idx="minor">
+            <a:schemeClr val="lt1"/>
+          </a:fontRef>
+        </p:style>
+        <p:txBody>
+          <a:bodyPr rtlCol="0" anchor="ctr"/>
+          <a:lstStyle/>
+          <a:p>
+            <a:pPr algn="ctr"/>
+            <a:r>
+              <a:rPr lang="en-US" dirty="0"/>
+              <a:t>The</a:t>
+            </a:r>
+          </a:p>
+        </p:txBody>
+      </p:sp>
+      <p:sp>
+        <p:nvSpPr>
+          <p:cNvPr id="3" name="Rechteck: abgerundete Ecken 2">
+            <a:extLst>
+              <a:ext uri="{FF2B5EF4-FFF2-40B4-BE49-F238E27FC236}">
+                <a16:creationId xmlns:a16="http://schemas.microsoft.com/office/drawing/2014/main" id="{6119D33F-23C9-0FB2-34D4-79D925008BF2}"/>
+              </a:ext>
+            </a:extLst>
+          </p:cNvPr>
+          <p:cNvSpPr/>
+          <p:nvPr/>
+        </p:nvSpPr>
+        <p:spPr>
+          <a:xfrm>
+            <a:off x="3990866" y="1780628"/>
+            <a:ext cx="1270000" cy="425450"/>
+          </a:xfrm>
+          <a:prstGeom prst="roundRect">
+            <a:avLst/>
+          </a:prstGeom>
+          <a:ln w="15875"/>
+        </p:spPr>
+        <p:style>
+          <a:lnRef idx="2">
+            <a:schemeClr val="accent1">
+              <a:shade val="15000"/>
+            </a:schemeClr>
+          </a:lnRef>
+          <a:fillRef idx="1">
+            <a:schemeClr val="accent1"/>
+          </a:fillRef>
+          <a:effectRef idx="0">
+            <a:schemeClr val="accent1"/>
+          </a:effectRef>
+          <a:fontRef idx="minor">
+            <a:schemeClr val="lt1"/>
+          </a:fontRef>
+        </p:style>
+        <p:txBody>
+          <a:bodyPr rtlCol="0" anchor="ctr"/>
+          <a:lstStyle/>
+          <a:p>
+            <a:pPr algn="ctr"/>
+            <a:r>
+              <a:rPr lang="en-US" dirty="0"/>
+              <a:t>animal</a:t>
+            </a:r>
+          </a:p>
+        </p:txBody>
+      </p:sp>
+      <p:sp>
+        <p:nvSpPr>
+          <p:cNvPr id="4" name="Rechteck: abgerundete Ecken 3">
+            <a:extLst>
+              <a:ext uri="{FF2B5EF4-FFF2-40B4-BE49-F238E27FC236}">
+                <a16:creationId xmlns:a16="http://schemas.microsoft.com/office/drawing/2014/main" id="{27222769-45F7-2118-049C-42B3D9D6D081}"/>
+              </a:ext>
+            </a:extLst>
+          </p:cNvPr>
+          <p:cNvSpPr/>
+          <p:nvPr/>
+        </p:nvSpPr>
+        <p:spPr>
+          <a:xfrm>
+            <a:off x="5527566" y="1780628"/>
+            <a:ext cx="1270000" cy="425450"/>
+          </a:xfrm>
+          <a:prstGeom prst="roundRect">
+            <a:avLst/>
+          </a:prstGeom>
+          <a:solidFill>
+            <a:schemeClr val="accent6"/>
+          </a:solidFill>
+          <a:ln w="15875">
+            <a:solidFill>
+              <a:schemeClr val="accent6">
+                <a:lumMod val="50000"/>
+              </a:schemeClr>
+            </a:solidFill>
+          </a:ln>
+        </p:spPr>
+        <p:style>
+          <a:lnRef idx="2">
+            <a:schemeClr val="accent1">
+              <a:shade val="15000"/>
+            </a:schemeClr>
+          </a:lnRef>
+          <a:fillRef idx="1">
+            <a:schemeClr val="accent1"/>
+          </a:fillRef>
+          <a:effectRef idx="0">
+            <a:schemeClr val="accent1"/>
+          </a:effectRef>
+          <a:fontRef idx="minor">
+            <a:schemeClr val="lt1"/>
+          </a:fontRef>
+        </p:style>
+        <p:txBody>
+          <a:bodyPr rtlCol="0" anchor="ctr"/>
+          <a:lstStyle/>
+          <a:p>
+            <a:pPr algn="ctr"/>
+            <a:r>
+              <a:rPr lang="en-US" dirty="0"/>
+              <a:t>was</a:t>
+            </a:r>
+          </a:p>
+        </p:txBody>
+      </p:sp>
+      <p:sp>
+        <p:nvSpPr>
+          <p:cNvPr id="7" name="Rechteck: abgerundete Ecken 6">
+            <a:extLst>
+              <a:ext uri="{FF2B5EF4-FFF2-40B4-BE49-F238E27FC236}">
+                <a16:creationId xmlns:a16="http://schemas.microsoft.com/office/drawing/2014/main" id="{9932B7A2-A573-70EE-F579-11534C5A79F3}"/>
+              </a:ext>
+            </a:extLst>
+          </p:cNvPr>
+          <p:cNvSpPr/>
+          <p:nvPr/>
+        </p:nvSpPr>
+        <p:spPr>
+          <a:xfrm>
+            <a:off x="2454166" y="2585100"/>
+            <a:ext cx="1270000" cy="425450"/>
+          </a:xfrm>
+          <a:prstGeom prst="roundRect">
+            <a:avLst/>
+          </a:prstGeom>
+          <a:ln w="15875"/>
+        </p:spPr>
+        <p:style>
+          <a:lnRef idx="2">
+            <a:schemeClr val="accent1">
+              <a:shade val="15000"/>
+            </a:schemeClr>
+          </a:lnRef>
+          <a:fillRef idx="1">
+            <a:schemeClr val="accent1"/>
+          </a:fillRef>
+          <a:effectRef idx="0">
+            <a:schemeClr val="accent1"/>
+          </a:effectRef>
+          <a:fontRef idx="minor">
+            <a:schemeClr val="lt1"/>
+          </a:fontRef>
+        </p:style>
+        <p:txBody>
+          <a:bodyPr rtlCol="0" anchor="ctr"/>
+          <a:lstStyle/>
+          <a:p>
+            <a:pPr algn="ctr"/>
+            <a:r>
+              <a:rPr lang="en-US" dirty="0"/>
+              <a:t>The</a:t>
+            </a:r>
+          </a:p>
+        </p:txBody>
+      </p:sp>
+      <p:sp>
+        <p:nvSpPr>
+          <p:cNvPr id="8" name="Rechteck: abgerundete Ecken 7">
+            <a:extLst>
+              <a:ext uri="{FF2B5EF4-FFF2-40B4-BE49-F238E27FC236}">
+                <a16:creationId xmlns:a16="http://schemas.microsoft.com/office/drawing/2014/main" id="{AD86E2A2-DD2B-A657-2C62-B99F8E4463C9}"/>
+              </a:ext>
+            </a:extLst>
+          </p:cNvPr>
+          <p:cNvSpPr/>
+          <p:nvPr/>
+        </p:nvSpPr>
+        <p:spPr>
+          <a:xfrm>
+            <a:off x="3990866" y="2585100"/>
+            <a:ext cx="1270000" cy="425450"/>
+          </a:xfrm>
+          <a:prstGeom prst="roundRect">
+            <a:avLst/>
+          </a:prstGeom>
+          <a:ln w="15875"/>
+        </p:spPr>
+        <p:style>
+          <a:lnRef idx="2">
+            <a:schemeClr val="accent1">
+              <a:shade val="15000"/>
+            </a:schemeClr>
+          </a:lnRef>
+          <a:fillRef idx="1">
+            <a:schemeClr val="accent1"/>
+          </a:fillRef>
+          <a:effectRef idx="0">
+            <a:schemeClr val="accent1"/>
+          </a:effectRef>
+          <a:fontRef idx="minor">
+            <a:schemeClr val="lt1"/>
+          </a:fontRef>
+        </p:style>
+        <p:txBody>
+          <a:bodyPr rtlCol="0" anchor="ctr"/>
+          <a:lstStyle/>
+          <a:p>
+            <a:pPr algn="ctr"/>
+            <a:r>
+              <a:rPr lang="en-US" dirty="0"/>
+              <a:t>animal</a:t>
+            </a:r>
+          </a:p>
+        </p:txBody>
+      </p:sp>
+      <p:sp>
+        <p:nvSpPr>
+          <p:cNvPr id="9" name="Rechteck: abgerundete Ecken 8">
+            <a:extLst>
+              <a:ext uri="{FF2B5EF4-FFF2-40B4-BE49-F238E27FC236}">
+                <a16:creationId xmlns:a16="http://schemas.microsoft.com/office/drawing/2014/main" id="{48FE5F8C-C394-A620-06D7-CAE5C19008E2}"/>
+              </a:ext>
+            </a:extLst>
+          </p:cNvPr>
+          <p:cNvSpPr/>
+          <p:nvPr/>
+        </p:nvSpPr>
+        <p:spPr>
+          <a:xfrm>
+            <a:off x="5527566" y="2585100"/>
+            <a:ext cx="1270000" cy="425450"/>
+          </a:xfrm>
+          <a:prstGeom prst="roundRect">
+            <a:avLst/>
+          </a:prstGeom>
+          <a:ln w="15875"/>
+        </p:spPr>
+        <p:style>
+          <a:lnRef idx="2">
+            <a:schemeClr val="accent1">
+              <a:shade val="15000"/>
+            </a:schemeClr>
+          </a:lnRef>
+          <a:fillRef idx="1">
+            <a:schemeClr val="accent1"/>
+          </a:fillRef>
+          <a:effectRef idx="0">
+            <a:schemeClr val="accent1"/>
+          </a:effectRef>
+          <a:fontRef idx="minor">
+            <a:schemeClr val="lt1"/>
+          </a:fontRef>
+        </p:style>
+        <p:txBody>
+          <a:bodyPr rtlCol="0" anchor="ctr"/>
+          <a:lstStyle/>
+          <a:p>
+            <a:pPr algn="ctr"/>
+            <a:r>
+              <a:rPr lang="en-US" dirty="0"/>
+              <a:t>was</a:t>
+            </a:r>
+          </a:p>
+        </p:txBody>
+      </p:sp>
+      <p:sp>
+        <p:nvSpPr>
+          <p:cNvPr id="10" name="Rechteck: abgerundete Ecken 9">
+            <a:extLst>
+              <a:ext uri="{FF2B5EF4-FFF2-40B4-BE49-F238E27FC236}">
+                <a16:creationId xmlns:a16="http://schemas.microsoft.com/office/drawing/2014/main" id="{8DF90579-23FE-C2B8-10BE-7C99F6B71E02}"/>
+              </a:ext>
+            </a:extLst>
+          </p:cNvPr>
+          <p:cNvSpPr/>
+          <p:nvPr/>
+        </p:nvSpPr>
+        <p:spPr>
+          <a:xfrm>
+            <a:off x="7064266" y="2585100"/>
+            <a:ext cx="1270000" cy="425450"/>
+          </a:xfrm>
+          <a:prstGeom prst="roundRect">
+            <a:avLst/>
+          </a:prstGeom>
+          <a:solidFill>
+            <a:schemeClr val="accent6"/>
+          </a:solidFill>
+          <a:ln w="15875">
+            <a:solidFill>
+              <a:schemeClr val="accent6">
+                <a:lumMod val="50000"/>
+              </a:schemeClr>
+            </a:solidFill>
+          </a:ln>
+        </p:spPr>
+        <p:style>
+          <a:lnRef idx="2">
+            <a:schemeClr val="accent1">
+              <a:shade val="15000"/>
+            </a:schemeClr>
+          </a:lnRef>
+          <a:fillRef idx="1">
+            <a:schemeClr val="accent1"/>
+          </a:fillRef>
+          <a:effectRef idx="0">
+            <a:schemeClr val="accent1"/>
+          </a:effectRef>
+          <a:fontRef idx="minor">
+            <a:schemeClr val="lt1"/>
+          </a:fontRef>
+        </p:style>
+        <p:txBody>
+          <a:bodyPr rtlCol="0" anchor="ctr"/>
+          <a:lstStyle/>
+          <a:p>
+            <a:pPr algn="ctr"/>
+            <a:r>
+              <a:rPr lang="en-US" dirty="0"/>
+              <a:t>eating</a:t>
+            </a:r>
+          </a:p>
+        </p:txBody>
+      </p:sp>
+      <p:sp>
+        <p:nvSpPr>
+          <p:cNvPr id="12" name="Rechteck: abgerundete Ecken 11">
+            <a:extLst>
+              <a:ext uri="{FF2B5EF4-FFF2-40B4-BE49-F238E27FC236}">
+                <a16:creationId xmlns:a16="http://schemas.microsoft.com/office/drawing/2014/main" id="{A101D5B4-615C-AFC4-BF88-B4A5DC213ED0}"/>
+              </a:ext>
+            </a:extLst>
+          </p:cNvPr>
+          <p:cNvSpPr/>
+          <p:nvPr/>
+        </p:nvSpPr>
+        <p:spPr>
+          <a:xfrm>
+            <a:off x="2454166" y="3389572"/>
+            <a:ext cx="1270000" cy="425450"/>
+          </a:xfrm>
+          <a:prstGeom prst="roundRect">
+            <a:avLst/>
+          </a:prstGeom>
+          <a:ln w="15875"/>
+        </p:spPr>
+        <p:style>
+          <a:lnRef idx="2">
+            <a:schemeClr val="accent1">
+              <a:shade val="15000"/>
+            </a:schemeClr>
+          </a:lnRef>
+          <a:fillRef idx="1">
+            <a:schemeClr val="accent1"/>
+          </a:fillRef>
+          <a:effectRef idx="0">
+            <a:schemeClr val="accent1"/>
+          </a:effectRef>
+          <a:fontRef idx="minor">
+            <a:schemeClr val="lt1"/>
+          </a:fontRef>
+        </p:style>
+        <p:txBody>
+          <a:bodyPr rtlCol="0" anchor="ctr"/>
+          <a:lstStyle/>
+          <a:p>
+            <a:pPr algn="ctr"/>
+            <a:r>
+              <a:rPr lang="en-US" dirty="0"/>
+              <a:t>The</a:t>
+            </a:r>
+          </a:p>
+        </p:txBody>
+      </p:sp>
+      <p:sp>
+        <p:nvSpPr>
+          <p:cNvPr id="13" name="Rechteck: abgerundete Ecken 12">
+            <a:extLst>
+              <a:ext uri="{FF2B5EF4-FFF2-40B4-BE49-F238E27FC236}">
+                <a16:creationId xmlns:a16="http://schemas.microsoft.com/office/drawing/2014/main" id="{62B22CAC-2246-BBBA-596C-AF8DF28777EE}"/>
+              </a:ext>
+            </a:extLst>
+          </p:cNvPr>
+          <p:cNvSpPr/>
+          <p:nvPr/>
+        </p:nvSpPr>
+        <p:spPr>
+          <a:xfrm>
+            <a:off x="3990866" y="3389572"/>
+            <a:ext cx="1270000" cy="425450"/>
+          </a:xfrm>
+          <a:prstGeom prst="roundRect">
+            <a:avLst/>
+          </a:prstGeom>
+          <a:ln w="15875"/>
+        </p:spPr>
+        <p:style>
+          <a:lnRef idx="2">
+            <a:schemeClr val="accent1">
+              <a:shade val="15000"/>
+            </a:schemeClr>
+          </a:lnRef>
+          <a:fillRef idx="1">
+            <a:schemeClr val="accent1"/>
+          </a:fillRef>
+          <a:effectRef idx="0">
+            <a:schemeClr val="accent1"/>
+          </a:effectRef>
+          <a:fontRef idx="minor">
+            <a:schemeClr val="lt1"/>
+          </a:fontRef>
+        </p:style>
+        <p:txBody>
+          <a:bodyPr rtlCol="0" anchor="ctr"/>
+          <a:lstStyle/>
+          <a:p>
+            <a:pPr algn="ctr"/>
+            <a:r>
+              <a:rPr lang="en-US" dirty="0"/>
+              <a:t>animal</a:t>
+            </a:r>
+          </a:p>
+        </p:txBody>
+      </p:sp>
+      <p:sp>
+        <p:nvSpPr>
+          <p:cNvPr id="14" name="Rechteck: abgerundete Ecken 13">
+            <a:extLst>
+              <a:ext uri="{FF2B5EF4-FFF2-40B4-BE49-F238E27FC236}">
+                <a16:creationId xmlns:a16="http://schemas.microsoft.com/office/drawing/2014/main" id="{D8780A2A-BE4B-B3E7-B4F7-BDAC1776540B}"/>
+              </a:ext>
+            </a:extLst>
+          </p:cNvPr>
+          <p:cNvSpPr/>
+          <p:nvPr/>
+        </p:nvSpPr>
+        <p:spPr>
+          <a:xfrm>
+            <a:off x="5527566" y="3389572"/>
+            <a:ext cx="1270000" cy="425450"/>
+          </a:xfrm>
+          <a:prstGeom prst="roundRect">
+            <a:avLst/>
+          </a:prstGeom>
+          <a:ln w="15875"/>
+        </p:spPr>
+        <p:style>
+          <a:lnRef idx="2">
+            <a:schemeClr val="accent1">
+              <a:shade val="15000"/>
+            </a:schemeClr>
+          </a:lnRef>
+          <a:fillRef idx="1">
+            <a:schemeClr val="accent1"/>
+          </a:fillRef>
+          <a:effectRef idx="0">
+            <a:schemeClr val="accent1"/>
+          </a:effectRef>
+          <a:fontRef idx="minor">
+            <a:schemeClr val="lt1"/>
+          </a:fontRef>
+        </p:style>
+        <p:txBody>
+          <a:bodyPr rtlCol="0" anchor="ctr"/>
+          <a:lstStyle/>
+          <a:p>
+            <a:pPr algn="ctr"/>
+            <a:r>
+              <a:rPr lang="en-US" dirty="0"/>
+              <a:t>was</a:t>
+            </a:r>
+          </a:p>
+        </p:txBody>
+      </p:sp>
+      <p:sp>
+        <p:nvSpPr>
+          <p:cNvPr id="15" name="Rechteck: abgerundete Ecken 14">
+            <a:extLst>
+              <a:ext uri="{FF2B5EF4-FFF2-40B4-BE49-F238E27FC236}">
+                <a16:creationId xmlns:a16="http://schemas.microsoft.com/office/drawing/2014/main" id="{ADBC360C-4ABB-2501-37D1-65333E188BC8}"/>
+              </a:ext>
+            </a:extLst>
+          </p:cNvPr>
+          <p:cNvSpPr/>
+          <p:nvPr/>
+        </p:nvSpPr>
+        <p:spPr>
+          <a:xfrm>
+            <a:off x="7064266" y="3389572"/>
+            <a:ext cx="1270000" cy="425450"/>
+          </a:xfrm>
+          <a:prstGeom prst="roundRect">
+            <a:avLst/>
+          </a:prstGeom>
+          <a:ln w="15875"/>
+        </p:spPr>
+        <p:style>
+          <a:lnRef idx="2">
+            <a:schemeClr val="accent1">
+              <a:shade val="15000"/>
+            </a:schemeClr>
+          </a:lnRef>
+          <a:fillRef idx="1">
+            <a:schemeClr val="accent1"/>
+          </a:fillRef>
+          <a:effectRef idx="0">
+            <a:schemeClr val="accent1"/>
+          </a:effectRef>
+          <a:fontRef idx="minor">
+            <a:schemeClr val="lt1"/>
+          </a:fontRef>
+        </p:style>
+        <p:txBody>
+          <a:bodyPr rtlCol="0" anchor="ctr"/>
+          <a:lstStyle/>
+          <a:p>
+            <a:pPr algn="ctr"/>
+            <a:r>
+              <a:rPr lang="en-US" dirty="0"/>
+              <a:t>eating</a:t>
+            </a:r>
+          </a:p>
+        </p:txBody>
+      </p:sp>
+      <p:sp>
+        <p:nvSpPr>
+          <p:cNvPr id="16" name="Rechteck: abgerundete Ecken 15">
+            <a:extLst>
+              <a:ext uri="{FF2B5EF4-FFF2-40B4-BE49-F238E27FC236}">
+                <a16:creationId xmlns:a16="http://schemas.microsoft.com/office/drawing/2014/main" id="{8E8F7252-9180-A24E-2E22-4DD217022941}"/>
+              </a:ext>
+            </a:extLst>
+          </p:cNvPr>
+          <p:cNvSpPr/>
+          <p:nvPr/>
+        </p:nvSpPr>
+        <p:spPr>
+          <a:xfrm>
+            <a:off x="8600966" y="3389572"/>
+            <a:ext cx="1270000" cy="425450"/>
+          </a:xfrm>
+          <a:prstGeom prst="roundRect">
+            <a:avLst/>
+          </a:prstGeom>
+          <a:solidFill>
+            <a:schemeClr val="accent6"/>
+          </a:solidFill>
+          <a:ln w="15875">
+            <a:solidFill>
+              <a:schemeClr val="accent6">
+                <a:lumMod val="50000"/>
+              </a:schemeClr>
+            </a:solidFill>
+          </a:ln>
+        </p:spPr>
+        <p:style>
+          <a:lnRef idx="2">
+            <a:schemeClr val="accent1">
+              <a:shade val="15000"/>
+            </a:schemeClr>
+          </a:lnRef>
+          <a:fillRef idx="1">
+            <a:schemeClr val="accent1"/>
+          </a:fillRef>
+          <a:effectRef idx="0">
+            <a:schemeClr val="accent1"/>
+          </a:effectRef>
+          <a:fontRef idx="minor">
+            <a:schemeClr val="lt1"/>
+          </a:fontRef>
+        </p:style>
+        <p:txBody>
+          <a:bodyPr rtlCol="0" anchor="ctr"/>
+          <a:lstStyle/>
+          <a:p>
+            <a:pPr algn="ctr"/>
+            <a:r>
+              <a:rPr lang="en-US" dirty="0"/>
+              <a:t>fruit</a:t>
+            </a:r>
+          </a:p>
+        </p:txBody>
+      </p:sp>
+      <p:sp>
+        <p:nvSpPr>
+          <p:cNvPr id="17" name="Rechteck 16">
+            <a:extLst>
+              <a:ext uri="{FF2B5EF4-FFF2-40B4-BE49-F238E27FC236}">
+                <a16:creationId xmlns:a16="http://schemas.microsoft.com/office/drawing/2014/main" id="{6102A8C9-3EB4-6869-54E3-BE31B258AC93}"/>
+              </a:ext>
+            </a:extLst>
+          </p:cNvPr>
+          <p:cNvSpPr/>
+          <p:nvPr/>
+        </p:nvSpPr>
+        <p:spPr>
+          <a:xfrm>
+            <a:off x="2309260" y="1669270"/>
+            <a:ext cx="3084955" cy="648165"/>
+          </a:xfrm>
+          <a:prstGeom prst="rect">
+            <a:avLst/>
+          </a:prstGeom>
+          <a:noFill/>
+          <a:ln>
+            <a:solidFill>
+              <a:schemeClr val="accent1"/>
+            </a:solidFill>
+            <a:prstDash val="dash"/>
+          </a:ln>
+        </p:spPr>
+        <p:style>
+          <a:lnRef idx="2">
+            <a:schemeClr val="accent1">
+              <a:shade val="15000"/>
+            </a:schemeClr>
+          </a:lnRef>
+          <a:fillRef idx="1">
+            <a:schemeClr val="accent1"/>
+          </a:fillRef>
+          <a:effectRef idx="0">
+            <a:schemeClr val="accent1"/>
+          </a:effectRef>
+          <a:fontRef idx="minor">
+            <a:schemeClr val="lt1"/>
+          </a:fontRef>
+        </p:style>
+        <p:txBody>
+          <a:bodyPr rtlCol="0" anchor="ctr"/>
+          <a:lstStyle/>
+          <a:p>
+            <a:pPr algn="ctr"/>
+            <a:endParaRPr lang="en-US" dirty="0"/>
+          </a:p>
+        </p:txBody>
+      </p:sp>
+      <p:sp>
+        <p:nvSpPr>
+          <p:cNvPr id="19" name="Rechteck 18">
+            <a:extLst>
+              <a:ext uri="{FF2B5EF4-FFF2-40B4-BE49-F238E27FC236}">
+                <a16:creationId xmlns:a16="http://schemas.microsoft.com/office/drawing/2014/main" id="{F04ED27D-6F74-C250-0061-7928A2B329B8}"/>
+              </a:ext>
+            </a:extLst>
+          </p:cNvPr>
+          <p:cNvSpPr/>
+          <p:nvPr/>
+        </p:nvSpPr>
+        <p:spPr>
+          <a:xfrm>
+            <a:off x="2309260" y="2473742"/>
+            <a:ext cx="4616972" cy="648165"/>
+          </a:xfrm>
+          <a:prstGeom prst="rect">
+            <a:avLst/>
+          </a:prstGeom>
+          <a:noFill/>
+          <a:ln>
+            <a:solidFill>
+              <a:schemeClr val="accent1"/>
+            </a:solidFill>
+            <a:prstDash val="dash"/>
+          </a:ln>
+        </p:spPr>
+        <p:style>
+          <a:lnRef idx="2">
+            <a:schemeClr val="accent1">
+              <a:shade val="15000"/>
+            </a:schemeClr>
+          </a:lnRef>
+          <a:fillRef idx="1">
+            <a:schemeClr val="accent1"/>
+          </a:fillRef>
+          <a:effectRef idx="0">
+            <a:schemeClr val="accent1"/>
+          </a:effectRef>
+          <a:fontRef idx="minor">
+            <a:schemeClr val="lt1"/>
+          </a:fontRef>
+        </p:style>
+        <p:txBody>
+          <a:bodyPr rtlCol="0" anchor="ctr"/>
+          <a:lstStyle/>
+          <a:p>
+            <a:pPr algn="ctr"/>
+            <a:endParaRPr lang="en-US" dirty="0"/>
+          </a:p>
+        </p:txBody>
+      </p:sp>
+      <p:sp>
+        <p:nvSpPr>
+          <p:cNvPr id="20" name="Rechteck 19">
+            <a:extLst>
+              <a:ext uri="{FF2B5EF4-FFF2-40B4-BE49-F238E27FC236}">
+                <a16:creationId xmlns:a16="http://schemas.microsoft.com/office/drawing/2014/main" id="{6EFA8067-341D-3385-80E5-DC7DB26F7E55}"/>
+              </a:ext>
+            </a:extLst>
+          </p:cNvPr>
+          <p:cNvSpPr/>
+          <p:nvPr/>
+        </p:nvSpPr>
+        <p:spPr>
+          <a:xfrm>
+            <a:off x="2309259" y="3278214"/>
+            <a:ext cx="6153463" cy="648165"/>
+          </a:xfrm>
+          <a:prstGeom prst="rect">
+            <a:avLst/>
+          </a:prstGeom>
+          <a:noFill/>
+          <a:ln>
+            <a:solidFill>
+              <a:schemeClr val="accent1"/>
+            </a:solidFill>
+            <a:prstDash val="dash"/>
+          </a:ln>
+        </p:spPr>
+        <p:style>
+          <a:lnRef idx="2">
+            <a:schemeClr val="accent1">
+              <a:shade val="15000"/>
+            </a:schemeClr>
+          </a:lnRef>
+          <a:fillRef idx="1">
+            <a:schemeClr val="accent1"/>
+          </a:fillRef>
+          <a:effectRef idx="0">
+            <a:schemeClr val="accent1"/>
+          </a:effectRef>
+          <a:fontRef idx="minor">
+            <a:schemeClr val="lt1"/>
+          </a:fontRef>
+        </p:style>
+        <p:txBody>
+          <a:bodyPr rtlCol="0" anchor="ctr"/>
+          <a:lstStyle/>
+          <a:p>
+            <a:pPr algn="ctr"/>
+            <a:endParaRPr lang="en-US" dirty="0"/>
+          </a:p>
+        </p:txBody>
+      </p:sp>
+      <p:sp>
+        <p:nvSpPr>
+          <p:cNvPr id="21" name="Textfeld 20">
+            <a:extLst>
+              <a:ext uri="{FF2B5EF4-FFF2-40B4-BE49-F238E27FC236}">
+                <a16:creationId xmlns:a16="http://schemas.microsoft.com/office/drawing/2014/main" id="{CF3EEDC2-949A-DE13-6FDE-37993E53E5F8}"/>
+              </a:ext>
+            </a:extLst>
+          </p:cNvPr>
+          <p:cNvSpPr txBox="1"/>
+          <p:nvPr/>
+        </p:nvSpPr>
+        <p:spPr>
+          <a:xfrm>
+            <a:off x="1468648" y="1808686"/>
+            <a:ext cx="768159" cy="369332"/>
+          </a:xfrm>
+          <a:prstGeom prst="rect">
+            <a:avLst/>
+          </a:prstGeom>
+          <a:noFill/>
+        </p:spPr>
+        <p:txBody>
+          <a:bodyPr wrap="none" rtlCol="0">
+            <a:spAutoFit/>
+          </a:bodyPr>
+          <a:lstStyle/>
+          <a:p>
+            <a:pPr algn="ctr"/>
+            <a:r>
+              <a:rPr lang="en-US" dirty="0"/>
+              <a:t>Step 1</a:t>
+            </a:r>
+          </a:p>
+        </p:txBody>
+      </p:sp>
+      <p:sp>
+        <p:nvSpPr>
+          <p:cNvPr id="22" name="Textfeld 21">
+            <a:extLst>
+              <a:ext uri="{FF2B5EF4-FFF2-40B4-BE49-F238E27FC236}">
+                <a16:creationId xmlns:a16="http://schemas.microsoft.com/office/drawing/2014/main" id="{AEA53A25-C385-9033-0BE4-FF90F1D35057}"/>
+              </a:ext>
+            </a:extLst>
+          </p:cNvPr>
+          <p:cNvSpPr txBox="1"/>
+          <p:nvPr/>
+        </p:nvSpPr>
+        <p:spPr>
+          <a:xfrm>
+            <a:off x="1468648" y="2613158"/>
+            <a:ext cx="768159" cy="369332"/>
+          </a:xfrm>
+          <a:prstGeom prst="rect">
+            <a:avLst/>
+          </a:prstGeom>
+          <a:noFill/>
+        </p:spPr>
+        <p:txBody>
+          <a:bodyPr wrap="none" rtlCol="0">
+            <a:spAutoFit/>
+          </a:bodyPr>
+          <a:lstStyle/>
+          <a:p>
+            <a:pPr algn="ctr"/>
+            <a:r>
+              <a:rPr lang="en-US" dirty="0"/>
+              <a:t>Step 2</a:t>
+            </a:r>
+          </a:p>
+        </p:txBody>
+      </p:sp>
+      <p:sp>
+        <p:nvSpPr>
+          <p:cNvPr id="23" name="Textfeld 22">
+            <a:extLst>
+              <a:ext uri="{FF2B5EF4-FFF2-40B4-BE49-F238E27FC236}">
+                <a16:creationId xmlns:a16="http://schemas.microsoft.com/office/drawing/2014/main" id="{E52B1BB1-7C07-0043-C1A4-400962D8EF97}"/>
+              </a:ext>
+            </a:extLst>
+          </p:cNvPr>
+          <p:cNvSpPr txBox="1"/>
+          <p:nvPr/>
+        </p:nvSpPr>
+        <p:spPr>
+          <a:xfrm>
+            <a:off x="1468649" y="3417630"/>
+            <a:ext cx="768159" cy="369332"/>
+          </a:xfrm>
+          <a:prstGeom prst="rect">
+            <a:avLst/>
+          </a:prstGeom>
+          <a:noFill/>
+        </p:spPr>
+        <p:txBody>
+          <a:bodyPr wrap="none" rtlCol="0">
+            <a:spAutoFit/>
+          </a:bodyPr>
+          <a:lstStyle/>
+          <a:p>
+            <a:pPr algn="ctr"/>
+            <a:r>
+              <a:rPr lang="en-US" dirty="0"/>
+              <a:t>Step 3</a:t>
+            </a:r>
+          </a:p>
+        </p:txBody>
+      </p:sp>
+      <p:sp>
+        <p:nvSpPr>
+          <p:cNvPr id="24" name="Rechteck: abgerundete Ecken 23">
+            <a:extLst>
+              <a:ext uri="{FF2B5EF4-FFF2-40B4-BE49-F238E27FC236}">
+                <a16:creationId xmlns:a16="http://schemas.microsoft.com/office/drawing/2014/main" id="{070B326D-8EC7-5B34-6E4E-E01FD5E04B7D}"/>
+              </a:ext>
+            </a:extLst>
+          </p:cNvPr>
+          <p:cNvSpPr/>
+          <p:nvPr/>
+        </p:nvSpPr>
+        <p:spPr>
+          <a:xfrm>
+            <a:off x="4081562" y="4313315"/>
+            <a:ext cx="417226" cy="425450"/>
+          </a:xfrm>
+          <a:prstGeom prst="roundRect">
+            <a:avLst/>
+          </a:prstGeom>
+          <a:ln w="15875"/>
+        </p:spPr>
+        <p:style>
+          <a:lnRef idx="2">
+            <a:schemeClr val="accent1">
+              <a:shade val="15000"/>
+            </a:schemeClr>
+          </a:lnRef>
+          <a:fillRef idx="1">
+            <a:schemeClr val="accent1"/>
+          </a:fillRef>
+          <a:effectRef idx="0">
+            <a:schemeClr val="accent1"/>
+          </a:effectRef>
+          <a:fontRef idx="minor">
+            <a:schemeClr val="lt1"/>
+          </a:fontRef>
+        </p:style>
+        <p:txBody>
+          <a:bodyPr rtlCol="0" anchor="ctr"/>
+          <a:lstStyle/>
+          <a:p>
+            <a:pPr algn="ctr"/>
+            <a:endParaRPr lang="en-US" dirty="0"/>
+          </a:p>
+        </p:txBody>
+      </p:sp>
+      <p:sp>
+        <p:nvSpPr>
+          <p:cNvPr id="25" name="Textfeld 24">
+            <a:extLst>
+              <a:ext uri="{FF2B5EF4-FFF2-40B4-BE49-F238E27FC236}">
+                <a16:creationId xmlns:a16="http://schemas.microsoft.com/office/drawing/2014/main" id="{8EB7078D-2127-5265-EC6E-6C9A6F6A2E19}"/>
+              </a:ext>
+            </a:extLst>
+          </p:cNvPr>
+          <p:cNvSpPr txBox="1"/>
+          <p:nvPr/>
+        </p:nvSpPr>
+        <p:spPr>
+          <a:xfrm>
+            <a:off x="4498789" y="4341374"/>
+            <a:ext cx="1299330" cy="369332"/>
+          </a:xfrm>
+          <a:prstGeom prst="rect">
+            <a:avLst/>
+          </a:prstGeom>
+          <a:noFill/>
+        </p:spPr>
+        <p:txBody>
+          <a:bodyPr wrap="none" rtlCol="0">
+            <a:spAutoFit/>
+          </a:bodyPr>
+          <a:lstStyle/>
+          <a:p>
+            <a:pPr algn="ctr"/>
+            <a:r>
+              <a:rPr lang="en-US" dirty="0"/>
+              <a:t>Input Token</a:t>
+            </a:r>
+          </a:p>
+        </p:txBody>
+      </p:sp>
+      <p:sp>
+        <p:nvSpPr>
+          <p:cNvPr id="26" name="Rechteck: abgerundete Ecken 25">
+            <a:extLst>
+              <a:ext uri="{FF2B5EF4-FFF2-40B4-BE49-F238E27FC236}">
+                <a16:creationId xmlns:a16="http://schemas.microsoft.com/office/drawing/2014/main" id="{83376107-3FDE-0426-F106-6B88C0625AE3}"/>
+              </a:ext>
+            </a:extLst>
+          </p:cNvPr>
+          <p:cNvSpPr/>
+          <p:nvPr/>
+        </p:nvSpPr>
+        <p:spPr>
+          <a:xfrm>
+            <a:off x="6215345" y="4313315"/>
+            <a:ext cx="417226" cy="425450"/>
+          </a:xfrm>
+          <a:prstGeom prst="roundRect">
+            <a:avLst/>
+          </a:prstGeom>
+          <a:solidFill>
+            <a:schemeClr val="accent6"/>
+          </a:solidFill>
+          <a:ln w="15875">
+            <a:solidFill>
+              <a:schemeClr val="accent6">
+                <a:lumMod val="50000"/>
+              </a:schemeClr>
+            </a:solidFill>
+          </a:ln>
+        </p:spPr>
+        <p:style>
+          <a:lnRef idx="2">
+            <a:schemeClr val="accent1">
+              <a:shade val="15000"/>
+            </a:schemeClr>
+          </a:lnRef>
+          <a:fillRef idx="1">
+            <a:schemeClr val="accent1"/>
+          </a:fillRef>
+          <a:effectRef idx="0">
+            <a:schemeClr val="accent1"/>
+          </a:effectRef>
+          <a:fontRef idx="minor">
+            <a:schemeClr val="lt1"/>
+          </a:fontRef>
+        </p:style>
+        <p:txBody>
+          <a:bodyPr rtlCol="0" anchor="ctr"/>
+          <a:lstStyle/>
+          <a:p>
+            <a:pPr algn="ctr"/>
+            <a:endParaRPr lang="en-US" dirty="0"/>
+          </a:p>
+        </p:txBody>
+      </p:sp>
+      <p:sp>
+        <p:nvSpPr>
+          <p:cNvPr id="28" name="Textfeld 27">
+            <a:extLst>
+              <a:ext uri="{FF2B5EF4-FFF2-40B4-BE49-F238E27FC236}">
+                <a16:creationId xmlns:a16="http://schemas.microsoft.com/office/drawing/2014/main" id="{C54C888D-AA92-6A15-E1B0-0A64505DEA23}"/>
+              </a:ext>
+            </a:extLst>
+          </p:cNvPr>
+          <p:cNvSpPr txBox="1"/>
+          <p:nvPr/>
+        </p:nvSpPr>
+        <p:spPr>
+          <a:xfrm>
+            <a:off x="6650215" y="4341374"/>
+            <a:ext cx="1684051" cy="369332"/>
+          </a:xfrm>
+          <a:prstGeom prst="rect">
+            <a:avLst/>
+          </a:prstGeom>
+          <a:noFill/>
+        </p:spPr>
+        <p:txBody>
+          <a:bodyPr wrap="none" rtlCol="0">
+            <a:spAutoFit/>
+          </a:bodyPr>
+          <a:lstStyle/>
+          <a:p>
+            <a:pPr algn="ctr"/>
+            <a:r>
+              <a:rPr lang="en-US" dirty="0"/>
+              <a:t>Predicted Token</a:t>
+            </a:r>
+          </a:p>
+        </p:txBody>
+      </p:sp>
+    </p:spTree>
+    <p:extLst>
+      <p:ext uri="{BB962C8B-B14F-4D97-AF65-F5344CB8AC3E}">
+        <p14:creationId xmlns:p14="http://schemas.microsoft.com/office/powerpoint/2010/main" val="2795211890"/>
+      </p:ext>
+    </p:extLst>
+  </p:cSld>
+  <p:clrMapOvr>
+    <a:masterClrMapping/>
+  </p:clrMapOvr>
+</p:sld>
+</file>
+
+<file path=ppt/slides/slide8.xml><?xml version="1.0" encoding="utf-8"?>
+<p:sld xmlns:a="http://schemas.openxmlformats.org/drawingml/2006/main" xmlns:r="http://schemas.openxmlformats.org/officeDocument/2006/relationships" xmlns:p="http://schemas.openxmlformats.org/presentationml/2006/main">
+  <p:cSld>
+    <p:spTree>
+      <p:nvGrpSpPr>
+        <p:cNvPr id="1" name=""/>
+        <p:cNvGrpSpPr/>
+        <p:nvPr/>
+      </p:nvGrpSpPr>
+      <p:grpSpPr>
+        <a:xfrm>
+          <a:off x="0" y="0"/>
+          <a:ext cx="0" cy="0"/>
+          <a:chOff x="0" y="0"/>
+          <a:chExt cx="0" cy="0"/>
+        </a:xfrm>
+      </p:grpSpPr>
+    </p:spTree>
+    <p:extLst>
+      <p:ext uri="{BB962C8B-B14F-4D97-AF65-F5344CB8AC3E}">
+        <p14:creationId xmlns:p14="http://schemas.microsoft.com/office/powerpoint/2010/main" val="3537673610"/>
       </p:ext>
     </p:extLst>
   </p:cSld>
